--- a/documents/Projet_Codin_StanislasMedrano_MohamedBoukhtam.pptx
+++ b/documents/Projet_Codin_StanislasMedrano_MohamedBoukhtam.pptx
@@ -5,15 +5,23 @@
     <p:sldMasterId id="2147483648" r:id="rId1"/>
   </p:sldMasterIdLst>
   <p:notesMasterIdLst>
-    <p:notesMasterId r:id="rId8"/>
+    <p:notesMasterId r:id="rId16"/>
   </p:notesMasterIdLst>
   <p:sldIdLst>
     <p:sldId id="256" r:id="rId2"/>
-    <p:sldId id="263" r:id="rId3"/>
-    <p:sldId id="260" r:id="rId4"/>
-    <p:sldId id="264" r:id="rId5"/>
-    <p:sldId id="261" r:id="rId6"/>
-    <p:sldId id="262" r:id="rId7"/>
+    <p:sldId id="265" r:id="rId3"/>
+    <p:sldId id="270" r:id="rId4"/>
+    <p:sldId id="266" r:id="rId5"/>
+    <p:sldId id="260" r:id="rId6"/>
+    <p:sldId id="267" r:id="rId7"/>
+    <p:sldId id="269" r:id="rId8"/>
+    <p:sldId id="264" r:id="rId9"/>
+    <p:sldId id="271" r:id="rId10"/>
+    <p:sldId id="261" r:id="rId11"/>
+    <p:sldId id="268" r:id="rId12"/>
+    <p:sldId id="272" r:id="rId13"/>
+    <p:sldId id="273" r:id="rId14"/>
+    <p:sldId id="274" r:id="rId15"/>
   </p:sldIdLst>
   <p:sldSz cx="12192000" cy="6858000"/>
   <p:notesSz cx="6858000" cy="9144000"/>
@@ -113,6 +121,48 @@
     </a:lvl9pPr>
   </p:defaultTextStyle>
   <p:extLst>
+    <p:ext uri="{521415D9-36F7-43E2-AB2F-B90AF26B5E84}">
+      <p14:sectionLst xmlns:p14="http://schemas.microsoft.com/office/powerpoint/2010/main">
+        <p14:section name="Page de Garde" id="{9AD0D560-B9F7-43F1-B0B7-AEB1D7D4F419}">
+          <p14:sldIdLst>
+            <p14:sldId id="256"/>
+          </p14:sldIdLst>
+        </p14:section>
+        <p14:section name="Sommaire" id="{8C0DD56A-A7F3-484A-B17A-E5FC470D5152}">
+          <p14:sldIdLst>
+            <p14:sldId id="265"/>
+            <p14:sldId id="270"/>
+          </p14:sldIdLst>
+        </p14:section>
+        <p14:section name="Charte" id="{5EE49FA6-CC5E-432F-B67D-BE09D90AFC5F}">
+          <p14:sldIdLst>
+            <p14:sldId id="266"/>
+          </p14:sldIdLst>
+        </p14:section>
+        <p14:section name="Architecture" id="{329B0773-32FB-45C7-A687-F7E8ADBF5ED2}">
+          <p14:sldIdLst>
+            <p14:sldId id="260"/>
+            <p14:sldId id="267"/>
+          </p14:sldIdLst>
+        </p14:section>
+        <p14:section name="Touche Personnelle Mohamed" id="{CFCD9F07-20B3-481A-8ACF-9803482EA5E6}">
+          <p14:sldIdLst>
+            <p14:sldId id="269"/>
+            <p14:sldId id="264"/>
+            <p14:sldId id="271"/>
+          </p14:sldIdLst>
+        </p14:section>
+        <p14:section name="Touche Personnelle Stanislas" id="{EDC7F3FD-7685-4CCA-8934-6DEB5F61A532}">
+          <p14:sldIdLst>
+            <p14:sldId id="261"/>
+            <p14:sldId id="268"/>
+            <p14:sldId id="272"/>
+            <p14:sldId id="273"/>
+            <p14:sldId id="274"/>
+          </p14:sldIdLst>
+        </p14:section>
+      </p14:sectionLst>
+    </p:ext>
     <p:ext uri="{EFAFB233-063F-42B5-8137-9DF3F51BA10A}">
       <p15:sldGuideLst xmlns:p15="http://schemas.microsoft.com/office/powerpoint/2012/main"/>
     </p:ext>
@@ -202,7 +252,7 @@
           <a:p>
             <a:fld id="{9FDAFD6C-4FD9-4CDD-BE95-B0471555635C}" type="datetimeFigureOut">
               <a:rPr lang="fr-FR" smtClean="0"/>
-              <a:t>03/12/2018</a:t>
+              <a:t>01/01/2019</a:t>
             </a:fld>
             <a:endParaRPr lang="fr-FR"/>
           </a:p>
@@ -637,7 +687,7 @@
           <a:p>
             <a:fld id="{70D4C0D0-3B41-49C3-AAE4-CAFC0C4A0FD4}" type="datetime1">
               <a:rPr lang="fr-FR" smtClean="0"/>
-              <a:t>03/12/2018</a:t>
+              <a:t>01/01/2019</a:t>
             </a:fld>
             <a:endParaRPr lang="fr-FR"/>
           </a:p>
@@ -839,7 +889,7 @@
           <a:p>
             <a:fld id="{C258DCBA-16A2-4A0C-A657-9DB4066CD519}" type="datetime1">
               <a:rPr lang="fr-FR" smtClean="0"/>
-              <a:t>03/12/2018</a:t>
+              <a:t>01/01/2019</a:t>
             </a:fld>
             <a:endParaRPr lang="fr-FR"/>
           </a:p>
@@ -1051,7 +1101,7 @@
           <a:p>
             <a:fld id="{F0DFE65D-A7A4-44CB-8624-EFCBEF1F892D}" type="datetime1">
               <a:rPr lang="fr-FR" smtClean="0"/>
-              <a:t>03/12/2018</a:t>
+              <a:t>01/01/2019</a:t>
             </a:fld>
             <a:endParaRPr lang="fr-FR"/>
           </a:p>
@@ -1289,7 +1339,7 @@
           <a:p>
             <a:fld id="{97705AFA-5143-40A0-99D3-4D3128EEA8E0}" type="datetime1">
               <a:rPr lang="fr-FR" smtClean="0"/>
-              <a:t>03/12/2018</a:t>
+              <a:t>01/01/2019</a:t>
             </a:fld>
             <a:endParaRPr lang="fr-FR"/>
           </a:p>
@@ -1598,7 +1648,7 @@
           <a:p>
             <a:fld id="{9EA20F54-E068-478B-9A1F-94653F41FB2A}" type="datetime1">
               <a:rPr lang="fr-FR" smtClean="0"/>
-              <a:t>03/12/2018</a:t>
+              <a:t>01/01/2019</a:t>
             </a:fld>
             <a:endParaRPr lang="fr-FR" dirty="0"/>
           </a:p>
@@ -1867,7 +1917,7 @@
           <a:p>
             <a:fld id="{C23A1464-F7E1-424E-8491-BC263393FFF4}" type="datetime1">
               <a:rPr lang="fr-FR" smtClean="0"/>
-              <a:t>03/12/2018</a:t>
+              <a:t>01/01/2019</a:t>
             </a:fld>
             <a:endParaRPr lang="fr-FR"/>
           </a:p>
@@ -2283,7 +2333,7 @@
           <a:p>
             <a:fld id="{3E49688E-2E52-4EDD-8534-AFB1FC4EC3D1}" type="datetime1">
               <a:rPr lang="fr-FR" smtClean="0"/>
-              <a:t>03/12/2018</a:t>
+              <a:t>01/01/2019</a:t>
             </a:fld>
             <a:endParaRPr lang="fr-FR"/>
           </a:p>
@@ -2444,7 +2494,7 @@
           <a:p>
             <a:fld id="{2A1089A9-C0A3-4924-8152-E94589D9593E}" type="datetime1">
               <a:rPr lang="fr-FR" smtClean="0"/>
-              <a:t>03/12/2018</a:t>
+              <a:t>01/01/2019</a:t>
             </a:fld>
             <a:endParaRPr lang="fr-FR"/>
           </a:p>
@@ -2586,7 +2636,7 @@
           <a:p>
             <a:fld id="{2A6580AE-BC94-42B8-8A5C-5A01CFE2F7E5}" type="datetime1">
               <a:rPr lang="fr-FR" smtClean="0"/>
-              <a:t>03/12/2018</a:t>
+              <a:t>01/01/2019</a:t>
             </a:fld>
             <a:endParaRPr lang="fr-FR"/>
           </a:p>
@@ -2918,7 +2968,7 @@
           <a:p>
             <a:fld id="{4317D9AE-B2FC-4D79-AF02-72878D7418F8}" type="datetime1">
               <a:rPr lang="fr-FR" smtClean="0"/>
-              <a:t>03/12/2018</a:t>
+              <a:t>01/01/2019</a:t>
             </a:fld>
             <a:endParaRPr lang="fr-FR"/>
           </a:p>
@@ -3210,7 +3260,7 @@
           <a:p>
             <a:fld id="{F32E9F55-5969-4717-A3F4-F67774483B9D}" type="datetime1">
               <a:rPr lang="fr-FR" smtClean="0"/>
-              <a:t>03/12/2018</a:t>
+              <a:t>01/01/2019</a:t>
             </a:fld>
             <a:endParaRPr lang="fr-FR"/>
           </a:p>
@@ -3457,7 +3507,7 @@
           <a:p>
             <a:fld id="{276687DB-9788-47CB-A5B7-2465B5DD8A2D}" type="datetime1">
               <a:rPr lang="fr-FR" smtClean="0"/>
-              <a:t>03/12/2018</a:t>
+              <a:t>01/01/2019</a:t>
             </a:fld>
             <a:endParaRPr lang="fr-FR"/>
           </a:p>
@@ -3964,6 +4014,14 @@
 <file path=ppt/slides/slide1.xml><?xml version="1.0" encoding="utf-8"?>
 <p:sld xmlns:a="http://schemas.openxmlformats.org/drawingml/2006/main" xmlns:r="http://schemas.openxmlformats.org/officeDocument/2006/relationships" xmlns:p="http://schemas.openxmlformats.org/presentationml/2006/main">
   <p:cSld>
+    <p:bg>
+      <p:bgPr>
+        <a:solidFill>
+          <a:srgbClr val="222222"/>
+        </a:solidFill>
+        <a:effectLst/>
+      </p:bgPr>
+    </p:bg>
     <p:spTree>
       <p:nvGrpSpPr>
         <p:cNvPr id="1" name=""/>
@@ -4000,7 +4058,11 @@
           <a:lstStyle/>
           <a:p>
             <a:r>
-              <a:rPr lang="fr-FR" dirty="0"/>
+              <a:rPr lang="fr-FR" dirty="0">
+                <a:solidFill>
+                  <a:schemeClr val="bg1"/>
+                </a:solidFill>
+              </a:rPr>
               <a:t>Projet de site web</a:t>
             </a:r>
           </a:p>
@@ -4037,82 +4099,1047 @@
             <a:r>
               <a:rPr lang="fr-FR" dirty="0">
                 <a:solidFill>
-                  <a:srgbClr val="C00000"/>
+                  <a:schemeClr val="bg1"/>
                 </a:solidFill>
               </a:rPr>
               <a:t>Linus </a:t>
             </a:r>
             <a:r>
               <a:rPr lang="fr-FR" dirty="0" err="1">
+                <a:solidFill>
+                  <a:schemeClr val="bg1"/>
+                </a:solidFill>
+              </a:rPr>
+              <a:t>Torvalds</a:t>
+            </a:r>
+            <a:endParaRPr lang="fr-FR" dirty="0">
+              <a:solidFill>
+                <a:schemeClr val="bg1"/>
+              </a:solidFill>
+            </a:endParaRPr>
+          </a:p>
+          <a:p>
+            <a:endParaRPr lang="fr-FR" dirty="0"/>
+          </a:p>
+          <a:p>
+            <a:endParaRPr lang="fr-FR" dirty="0"/>
+          </a:p>
+          <a:p>
+            <a:endParaRPr lang="fr-FR" dirty="0"/>
+          </a:p>
+          <a:p>
+            <a:endParaRPr lang="fr-FR" dirty="0"/>
+          </a:p>
+          <a:p>
+            <a:r>
+              <a:rPr lang="fr-FR" dirty="0">
+                <a:solidFill>
+                  <a:schemeClr val="bg1"/>
+                </a:solidFill>
+              </a:rPr>
+              <a:t>Par Mohamed </a:t>
+            </a:r>
+            <a:r>
+              <a:rPr lang="fr-FR" dirty="0" err="1">
+                <a:solidFill>
+                  <a:schemeClr val="bg1"/>
+                </a:solidFill>
+              </a:rPr>
+              <a:t>Boukhtam</a:t>
+            </a:r>
+            <a:r>
+              <a:rPr lang="fr-FR" dirty="0">
+                <a:solidFill>
+                  <a:schemeClr val="bg1"/>
+                </a:solidFill>
+              </a:rPr>
+              <a:t> et Stanislas </a:t>
+            </a:r>
+            <a:r>
+              <a:rPr lang="fr-FR" dirty="0" err="1">
+                <a:solidFill>
+                  <a:schemeClr val="bg1"/>
+                </a:solidFill>
+              </a:rPr>
+              <a:t>Medrano</a:t>
+            </a:r>
+            <a:endParaRPr lang="fr-FR" dirty="0">
+              <a:solidFill>
+                <a:schemeClr val="bg1"/>
+              </a:solidFill>
+            </a:endParaRPr>
+          </a:p>
+        </p:txBody>
+      </p:sp>
+    </p:spTree>
+    <p:extLst>
+      <p:ext uri="{BB962C8B-B14F-4D97-AF65-F5344CB8AC3E}">
+        <p14:creationId xmlns:p14="http://schemas.microsoft.com/office/powerpoint/2010/main" val="386034470"/>
+      </p:ext>
+    </p:extLst>
+  </p:cSld>
+  <p:clrMapOvr>
+    <a:masterClrMapping/>
+  </p:clrMapOvr>
+</p:sld>
+</file>
+
+<file path=ppt/slides/slide10.xml><?xml version="1.0" encoding="utf-8"?>
+<p:sld xmlns:a="http://schemas.openxmlformats.org/drawingml/2006/main" xmlns:r="http://schemas.openxmlformats.org/officeDocument/2006/relationships" xmlns:p="http://schemas.openxmlformats.org/presentationml/2006/main">
+  <p:cSld>
+    <p:spTree>
+      <p:nvGrpSpPr>
+        <p:cNvPr id="1" name=""/>
+        <p:cNvGrpSpPr/>
+        <p:nvPr/>
+      </p:nvGrpSpPr>
+      <p:grpSpPr>
+        <a:xfrm>
+          <a:off x="0" y="0"/>
+          <a:ext cx="0" cy="0"/>
+          <a:chOff x="0" y="0"/>
+          <a:chExt cx="0" cy="0"/>
+        </a:xfrm>
+      </p:grpSpPr>
+      <p:sp>
+        <p:nvSpPr>
+          <p:cNvPr id="2" name="Titre 1">
+            <a:extLst>
+              <a:ext uri="{FF2B5EF4-FFF2-40B4-BE49-F238E27FC236}">
+                <a16:creationId xmlns:a16="http://schemas.microsoft.com/office/drawing/2014/main" id="{F7A09982-25E8-4823-97BD-3EDDC25108F4}"/>
+              </a:ext>
+            </a:extLst>
+          </p:cNvPr>
+          <p:cNvSpPr>
+            <a:spLocks noGrp="1"/>
+          </p:cNvSpPr>
+          <p:nvPr>
+            <p:ph type="ctrTitle"/>
+          </p:nvPr>
+        </p:nvSpPr>
+        <p:spPr/>
+        <p:txBody>
+          <a:bodyPr/>
+          <a:lstStyle/>
+          <a:p>
+            <a:r>
+              <a:rPr lang="fr-FR" dirty="0"/>
+              <a:t>Stanislas : </a:t>
+            </a:r>
+            <a:r>
+              <a:rPr lang="fr-FR" dirty="0" err="1"/>
+              <a:t>SideBar</a:t>
+            </a:r>
+            <a:endParaRPr lang="fr-FR" dirty="0"/>
+          </a:p>
+        </p:txBody>
+      </p:sp>
+      <p:sp>
+        <p:nvSpPr>
+          <p:cNvPr id="3" name="Sous-titre 2">
+            <a:extLst>
+              <a:ext uri="{FF2B5EF4-FFF2-40B4-BE49-F238E27FC236}">
+                <a16:creationId xmlns:a16="http://schemas.microsoft.com/office/drawing/2014/main" id="{8027BAA7-0F1E-4EF4-B371-B32CC94C26D5}"/>
+              </a:ext>
+            </a:extLst>
+          </p:cNvPr>
+          <p:cNvSpPr>
+            <a:spLocks noGrp="1"/>
+          </p:cNvSpPr>
+          <p:nvPr>
+            <p:ph type="subTitle" idx="1"/>
+          </p:nvPr>
+        </p:nvSpPr>
+        <p:spPr/>
+        <p:txBody>
+          <a:bodyPr/>
+          <a:lstStyle/>
+          <a:p>
+            <a:r>
+              <a:rPr lang="fr-FR" dirty="0"/>
+              <a:t>Bootstrap</a:t>
+            </a:r>
+          </a:p>
+        </p:txBody>
+      </p:sp>
+    </p:spTree>
+    <p:extLst>
+      <p:ext uri="{BB962C8B-B14F-4D97-AF65-F5344CB8AC3E}">
+        <p14:creationId xmlns:p14="http://schemas.microsoft.com/office/powerpoint/2010/main" val="4043844798"/>
+      </p:ext>
+    </p:extLst>
+  </p:cSld>
+  <p:clrMapOvr>
+    <a:masterClrMapping/>
+  </p:clrMapOvr>
+</p:sld>
+</file>
+
+<file path=ppt/slides/slide11.xml><?xml version="1.0" encoding="utf-8"?>
+<p:sld xmlns:a="http://schemas.openxmlformats.org/drawingml/2006/main" xmlns:r="http://schemas.openxmlformats.org/officeDocument/2006/relationships" xmlns:p="http://schemas.openxmlformats.org/presentationml/2006/main">
+  <p:cSld>
+    <p:spTree>
+      <p:nvGrpSpPr>
+        <p:cNvPr id="1" name=""/>
+        <p:cNvGrpSpPr/>
+        <p:nvPr/>
+      </p:nvGrpSpPr>
+      <p:grpSpPr>
+        <a:xfrm>
+          <a:off x="0" y="0"/>
+          <a:ext cx="0" cy="0"/>
+          <a:chOff x="0" y="0"/>
+          <a:chExt cx="0" cy="0"/>
+        </a:xfrm>
+      </p:grpSpPr>
+      <p:sp>
+        <p:nvSpPr>
+          <p:cNvPr id="2" name="Titre 1">
+            <a:extLst>
+              <a:ext uri="{FF2B5EF4-FFF2-40B4-BE49-F238E27FC236}">
+                <a16:creationId xmlns:a16="http://schemas.microsoft.com/office/drawing/2014/main" id="{A97AA7C4-07B4-44FF-B6CA-FD613F0093F9}"/>
+              </a:ext>
+            </a:extLst>
+          </p:cNvPr>
+          <p:cNvSpPr>
+            <a:spLocks noGrp="1"/>
+          </p:cNvSpPr>
+          <p:nvPr>
+            <p:ph type="title"/>
+          </p:nvPr>
+        </p:nvSpPr>
+        <p:spPr/>
+        <p:txBody>
+          <a:bodyPr/>
+          <a:lstStyle/>
+          <a:p>
+            <a:r>
+              <a:rPr lang="fr-FR" dirty="0" err="1"/>
+              <a:t>SideBar</a:t>
+            </a:r>
+            <a:endParaRPr lang="fr-FR" dirty="0"/>
+          </a:p>
+        </p:txBody>
+      </p:sp>
+      <p:pic>
+        <p:nvPicPr>
+          <p:cNvPr id="5" name="Espace réservé du contenu 4">
+            <a:extLst>
+              <a:ext uri="{FF2B5EF4-FFF2-40B4-BE49-F238E27FC236}">
+                <a16:creationId xmlns:a16="http://schemas.microsoft.com/office/drawing/2014/main" id="{9D120165-C9EF-4E14-A6FB-431D15C997A1}"/>
+              </a:ext>
+            </a:extLst>
+          </p:cNvPr>
+          <p:cNvPicPr>
+            <a:picLocks noGrp="1" noChangeAspect="1"/>
+          </p:cNvPicPr>
+          <p:nvPr>
+            <p:ph idx="1"/>
+          </p:nvPr>
+        </p:nvPicPr>
+        <p:blipFill rotWithShape="1">
+          <a:blip r:embed="rId2"/>
+          <a:srcRect r="80176"/>
+          <a:stretch/>
+        </p:blipFill>
+        <p:spPr>
+          <a:xfrm>
+            <a:off x="2308781" y="1690688"/>
+            <a:ext cx="2084614" cy="4196235"/>
+          </a:xfrm>
+          <a:prstGeom prst="rect">
+            <a:avLst/>
+          </a:prstGeom>
+        </p:spPr>
+      </p:pic>
+      <p:sp>
+        <p:nvSpPr>
+          <p:cNvPr id="4" name="Espace réservé du pied de page 3">
+            <a:extLst>
+              <a:ext uri="{FF2B5EF4-FFF2-40B4-BE49-F238E27FC236}">
+                <a16:creationId xmlns:a16="http://schemas.microsoft.com/office/drawing/2014/main" id="{CE5B6EB1-DE6C-4720-9B5A-BAC8179F7298}"/>
+              </a:ext>
+            </a:extLst>
+          </p:cNvPr>
+          <p:cNvSpPr>
+            <a:spLocks noGrp="1"/>
+          </p:cNvSpPr>
+          <p:nvPr>
+            <p:ph type="ftr" sz="quarter" idx="11"/>
+          </p:nvPr>
+        </p:nvSpPr>
+        <p:spPr/>
+        <p:txBody>
+          <a:bodyPr/>
+          <a:lstStyle/>
+          <a:p>
+            <a:r>
+              <a:rPr lang="fr-FR">
                 <a:solidFill>
                   <a:srgbClr val="C00000"/>
                 </a:solidFill>
               </a:rPr>
-              <a:t>Torvalds</a:t>
-            </a:r>
-            <a:endParaRPr lang="fr-FR" dirty="0">
-              <a:solidFill>
-                <a:srgbClr val="C00000"/>
-              </a:solidFill>
-            </a:endParaRPr>
-          </a:p>
-          <a:p>
+              <a:t>Mohamed Boukhtam et Stanislas Medrano</a:t>
+            </a:r>
             <a:endParaRPr lang="fr-FR" dirty="0"/>
           </a:p>
+        </p:txBody>
+      </p:sp>
+      <p:sp>
+        <p:nvSpPr>
+          <p:cNvPr id="7" name="Espace réservé du contenu 2">
+            <a:extLst>
+              <a:ext uri="{FF2B5EF4-FFF2-40B4-BE49-F238E27FC236}">
+                <a16:creationId xmlns:a16="http://schemas.microsoft.com/office/drawing/2014/main" id="{AFC10889-7A59-4966-8325-96DC3211E9BC}"/>
+              </a:ext>
+            </a:extLst>
+          </p:cNvPr>
+          <p:cNvSpPr txBox="1">
+            <a:spLocks/>
+          </p:cNvSpPr>
+          <p:nvPr/>
+        </p:nvSpPr>
+        <p:spPr>
+          <a:xfrm>
+            <a:off x="4967141" y="1690688"/>
+            <a:ext cx="5411771" cy="4351338"/>
+          </a:xfrm>
+          <a:prstGeom prst="rect">
+            <a:avLst/>
+          </a:prstGeom>
+        </p:spPr>
+        <p:txBody>
+          <a:bodyPr vert="horz" lIns="91440" tIns="45720" rIns="91440" bIns="45720" rtlCol="0">
+            <a:normAutofit/>
+          </a:bodyPr>
+          <a:lstStyle>
+            <a:lvl1pPr marL="228600" indent="-228600" algn="l" defTabSz="914400" rtl="0" eaLnBrk="1" latinLnBrk="0" hangingPunct="1">
+              <a:lnSpc>
+                <a:spcPct val="90000"/>
+              </a:lnSpc>
+              <a:spcBef>
+                <a:spcPts val="1000"/>
+              </a:spcBef>
+              <a:buFont typeface="Arial" panose="020B0604020202020204" pitchFamily="34" charset="0"/>
+              <a:buChar char="•"/>
+              <a:defRPr sz="2800" kern="1200">
+                <a:solidFill>
+                  <a:schemeClr val="tx1"/>
+                </a:solidFill>
+                <a:latin typeface="Ubuntu" panose="020B0504030602030204" pitchFamily="34" charset="0"/>
+                <a:ea typeface="+mn-ea"/>
+                <a:cs typeface="+mn-cs"/>
+              </a:defRPr>
+            </a:lvl1pPr>
+            <a:lvl2pPr marL="685800" indent="-228600" algn="l" defTabSz="914400" rtl="0" eaLnBrk="1" latinLnBrk="0" hangingPunct="1">
+              <a:lnSpc>
+                <a:spcPct val="90000"/>
+              </a:lnSpc>
+              <a:spcBef>
+                <a:spcPts val="500"/>
+              </a:spcBef>
+              <a:buFont typeface="Arial" panose="020B0604020202020204" pitchFamily="34" charset="0"/>
+              <a:buChar char="•"/>
+              <a:defRPr sz="2400" kern="1200">
+                <a:solidFill>
+                  <a:schemeClr val="tx1"/>
+                </a:solidFill>
+                <a:latin typeface="Ubuntu" panose="020B0504030602030204" pitchFamily="34" charset="0"/>
+                <a:ea typeface="+mn-ea"/>
+                <a:cs typeface="+mn-cs"/>
+              </a:defRPr>
+            </a:lvl2pPr>
+            <a:lvl3pPr marL="1143000" indent="-228600" algn="l" defTabSz="914400" rtl="0" eaLnBrk="1" latinLnBrk="0" hangingPunct="1">
+              <a:lnSpc>
+                <a:spcPct val="90000"/>
+              </a:lnSpc>
+              <a:spcBef>
+                <a:spcPts val="500"/>
+              </a:spcBef>
+              <a:buFont typeface="Arial" panose="020B0604020202020204" pitchFamily="34" charset="0"/>
+              <a:buChar char="•"/>
+              <a:defRPr sz="2000" kern="1200">
+                <a:solidFill>
+                  <a:schemeClr val="tx1"/>
+                </a:solidFill>
+                <a:latin typeface="Ubuntu" panose="020B0504030602030204" pitchFamily="34" charset="0"/>
+                <a:ea typeface="+mn-ea"/>
+                <a:cs typeface="+mn-cs"/>
+              </a:defRPr>
+            </a:lvl3pPr>
+            <a:lvl4pPr marL="1600200" indent="-228600" algn="l" defTabSz="914400" rtl="0" eaLnBrk="1" latinLnBrk="0" hangingPunct="1">
+              <a:lnSpc>
+                <a:spcPct val="90000"/>
+              </a:lnSpc>
+              <a:spcBef>
+                <a:spcPts val="500"/>
+              </a:spcBef>
+              <a:buFont typeface="Arial" panose="020B0604020202020204" pitchFamily="34" charset="0"/>
+              <a:buChar char="•"/>
+              <a:defRPr sz="1800" kern="1200">
+                <a:solidFill>
+                  <a:schemeClr val="tx1"/>
+                </a:solidFill>
+                <a:latin typeface="Ubuntu" panose="020B0504030602030204" pitchFamily="34" charset="0"/>
+                <a:ea typeface="+mn-ea"/>
+                <a:cs typeface="+mn-cs"/>
+              </a:defRPr>
+            </a:lvl4pPr>
+            <a:lvl5pPr marL="2057400" indent="-228600" algn="l" defTabSz="914400" rtl="0" eaLnBrk="1" latinLnBrk="0" hangingPunct="1">
+              <a:lnSpc>
+                <a:spcPct val="90000"/>
+              </a:lnSpc>
+              <a:spcBef>
+                <a:spcPts val="500"/>
+              </a:spcBef>
+              <a:buFont typeface="Arial" panose="020B0604020202020204" pitchFamily="34" charset="0"/>
+              <a:buChar char="•"/>
+              <a:defRPr sz="1800" kern="1200">
+                <a:solidFill>
+                  <a:schemeClr val="tx1"/>
+                </a:solidFill>
+                <a:latin typeface="Ubuntu" panose="020B0504030602030204" pitchFamily="34" charset="0"/>
+                <a:ea typeface="+mn-ea"/>
+                <a:cs typeface="+mn-cs"/>
+              </a:defRPr>
+            </a:lvl5pPr>
+            <a:lvl6pPr marL="2514600" indent="-228600" algn="l" defTabSz="914400" rtl="0" eaLnBrk="1" latinLnBrk="0" hangingPunct="1">
+              <a:lnSpc>
+                <a:spcPct val="90000"/>
+              </a:lnSpc>
+              <a:spcBef>
+                <a:spcPts val="500"/>
+              </a:spcBef>
+              <a:buFont typeface="Arial" panose="020B0604020202020204" pitchFamily="34" charset="0"/>
+              <a:buChar char="•"/>
+              <a:defRPr sz="1800" kern="1200">
+                <a:solidFill>
+                  <a:schemeClr val="tx1"/>
+                </a:solidFill>
+                <a:latin typeface="+mn-lt"/>
+                <a:ea typeface="+mn-ea"/>
+                <a:cs typeface="+mn-cs"/>
+              </a:defRPr>
+            </a:lvl6pPr>
+            <a:lvl7pPr marL="2971800" indent="-228600" algn="l" defTabSz="914400" rtl="0" eaLnBrk="1" latinLnBrk="0" hangingPunct="1">
+              <a:lnSpc>
+                <a:spcPct val="90000"/>
+              </a:lnSpc>
+              <a:spcBef>
+                <a:spcPts val="500"/>
+              </a:spcBef>
+              <a:buFont typeface="Arial" panose="020B0604020202020204" pitchFamily="34" charset="0"/>
+              <a:buChar char="•"/>
+              <a:defRPr sz="1800" kern="1200">
+                <a:solidFill>
+                  <a:schemeClr val="tx1"/>
+                </a:solidFill>
+                <a:latin typeface="+mn-lt"/>
+                <a:ea typeface="+mn-ea"/>
+                <a:cs typeface="+mn-cs"/>
+              </a:defRPr>
+            </a:lvl7pPr>
+            <a:lvl8pPr marL="3429000" indent="-228600" algn="l" defTabSz="914400" rtl="0" eaLnBrk="1" latinLnBrk="0" hangingPunct="1">
+              <a:lnSpc>
+                <a:spcPct val="90000"/>
+              </a:lnSpc>
+              <a:spcBef>
+                <a:spcPts val="500"/>
+              </a:spcBef>
+              <a:buFont typeface="Arial" panose="020B0604020202020204" pitchFamily="34" charset="0"/>
+              <a:buChar char="•"/>
+              <a:defRPr sz="1800" kern="1200">
+                <a:solidFill>
+                  <a:schemeClr val="tx1"/>
+                </a:solidFill>
+                <a:latin typeface="+mn-lt"/>
+                <a:ea typeface="+mn-ea"/>
+                <a:cs typeface="+mn-cs"/>
+              </a:defRPr>
+            </a:lvl8pPr>
+            <a:lvl9pPr marL="3886200" indent="-228600" algn="l" defTabSz="914400" rtl="0" eaLnBrk="1" latinLnBrk="0" hangingPunct="1">
+              <a:lnSpc>
+                <a:spcPct val="90000"/>
+              </a:lnSpc>
+              <a:spcBef>
+                <a:spcPts val="500"/>
+              </a:spcBef>
+              <a:buFont typeface="Arial" panose="020B0604020202020204" pitchFamily="34" charset="0"/>
+              <a:buChar char="•"/>
+              <a:defRPr sz="1800" kern="1200">
+                <a:solidFill>
+                  <a:schemeClr val="tx1"/>
+                </a:solidFill>
+                <a:latin typeface="+mn-lt"/>
+                <a:ea typeface="+mn-ea"/>
+                <a:cs typeface="+mn-cs"/>
+              </a:defRPr>
+            </a:lvl9pPr>
+          </a:lstStyle>
+          <a:p>
+            <a:r>
+              <a:rPr lang="fr-FR" dirty="0"/>
+              <a:t>Ergonomique</a:t>
+            </a:r>
+          </a:p>
+          <a:p>
+            <a:r>
+              <a:rPr lang="fr-FR" dirty="0"/>
+              <a:t>Vision de toutes les pages</a:t>
+            </a:r>
+          </a:p>
+          <a:p>
+            <a:r>
+              <a:rPr lang="fr-FR" dirty="0"/>
+              <a:t>Responsive</a:t>
+            </a:r>
+          </a:p>
           <a:p>
             <a:endParaRPr lang="fr-FR" dirty="0"/>
           </a:p>
+        </p:txBody>
+      </p:sp>
+    </p:spTree>
+    <p:extLst>
+      <p:ext uri="{BB962C8B-B14F-4D97-AF65-F5344CB8AC3E}">
+        <p14:creationId xmlns:p14="http://schemas.microsoft.com/office/powerpoint/2010/main" val="366992690"/>
+      </p:ext>
+    </p:extLst>
+  </p:cSld>
+  <p:clrMapOvr>
+    <a:masterClrMapping/>
+  </p:clrMapOvr>
+</p:sld>
+</file>
+
+<file path=ppt/slides/slide12.xml><?xml version="1.0" encoding="utf-8"?>
+<p:sld xmlns:a="http://schemas.openxmlformats.org/drawingml/2006/main" xmlns:r="http://schemas.openxmlformats.org/officeDocument/2006/relationships" xmlns:p="http://schemas.openxmlformats.org/presentationml/2006/main">
+  <p:cSld>
+    <p:spTree>
+      <p:nvGrpSpPr>
+        <p:cNvPr id="1" name=""/>
+        <p:cNvGrpSpPr/>
+        <p:nvPr/>
+      </p:nvGrpSpPr>
+      <p:grpSpPr>
+        <a:xfrm>
+          <a:off x="0" y="0"/>
+          <a:ext cx="0" cy="0"/>
+          <a:chOff x="0" y="0"/>
+          <a:chExt cx="0" cy="0"/>
+        </a:xfrm>
+      </p:grpSpPr>
+      <p:sp>
+        <p:nvSpPr>
+          <p:cNvPr id="2" name="Titre 1">
+            <a:extLst>
+              <a:ext uri="{FF2B5EF4-FFF2-40B4-BE49-F238E27FC236}">
+                <a16:creationId xmlns:a16="http://schemas.microsoft.com/office/drawing/2014/main" id="{E60282BC-3AF1-4940-8975-25BE459D1ED2}"/>
+              </a:ext>
+            </a:extLst>
+          </p:cNvPr>
+          <p:cNvSpPr>
+            <a:spLocks noGrp="1"/>
+          </p:cNvSpPr>
+          <p:nvPr>
+            <p:ph type="title"/>
+          </p:nvPr>
+        </p:nvSpPr>
+        <p:spPr/>
+        <p:txBody>
+          <a:bodyPr/>
+          <a:lstStyle/>
+          <a:p>
+            <a:r>
+              <a:rPr lang="fr-FR" dirty="0"/>
+              <a:t>Conception</a:t>
+            </a:r>
+          </a:p>
+        </p:txBody>
+      </p:sp>
+      <p:sp>
+        <p:nvSpPr>
+          <p:cNvPr id="3" name="Espace réservé du contenu 2">
+            <a:extLst>
+              <a:ext uri="{FF2B5EF4-FFF2-40B4-BE49-F238E27FC236}">
+                <a16:creationId xmlns:a16="http://schemas.microsoft.com/office/drawing/2014/main" id="{615A4904-1362-4A32-8B60-859781E4A5E2}"/>
+              </a:ext>
+            </a:extLst>
+          </p:cNvPr>
+          <p:cNvSpPr>
+            <a:spLocks noGrp="1"/>
+          </p:cNvSpPr>
+          <p:nvPr>
+            <p:ph idx="1"/>
+          </p:nvPr>
+        </p:nvSpPr>
+        <p:spPr/>
+        <p:txBody>
+          <a:bodyPr/>
+          <a:lstStyle/>
+          <a:p>
+            <a:r>
+              <a:rPr lang="fr-FR" dirty="0"/>
+              <a:t>Utilisation d’un projet libre de </a:t>
+            </a:r>
+            <a:r>
+              <a:rPr lang="fr-FR" dirty="0" err="1"/>
+              <a:t>Blackrock</a:t>
+            </a:r>
+            <a:r>
+              <a:rPr lang="fr-FR" dirty="0"/>
+              <a:t> Digital LLC</a:t>
+            </a:r>
+          </a:p>
           <a:p>
             <a:endParaRPr lang="fr-FR" dirty="0"/>
           </a:p>
-          <a:p>
-            <a:endParaRPr lang="fr-FR" dirty="0"/>
-          </a:p>
-          <a:p>
-            <a:r>
-              <a:rPr lang="fr-FR" dirty="0">
+        </p:txBody>
+      </p:sp>
+      <p:sp>
+        <p:nvSpPr>
+          <p:cNvPr id="4" name="Espace réservé du pied de page 3">
+            <a:extLst>
+              <a:ext uri="{FF2B5EF4-FFF2-40B4-BE49-F238E27FC236}">
+                <a16:creationId xmlns:a16="http://schemas.microsoft.com/office/drawing/2014/main" id="{281EED2B-861E-417B-8468-328947B8A6D6}"/>
+              </a:ext>
+            </a:extLst>
+          </p:cNvPr>
+          <p:cNvSpPr>
+            <a:spLocks noGrp="1"/>
+          </p:cNvSpPr>
+          <p:nvPr>
+            <p:ph type="ftr" sz="quarter" idx="11"/>
+          </p:nvPr>
+        </p:nvSpPr>
+        <p:spPr/>
+        <p:txBody>
+          <a:bodyPr/>
+          <a:lstStyle/>
+          <a:p>
+            <a:r>
+              <a:rPr lang="fr-FR">
                 <a:solidFill>
                   <a:srgbClr val="C00000"/>
                 </a:solidFill>
               </a:rPr>
-              <a:t>Par Mohamed </a:t>
-            </a:r>
-            <a:r>
-              <a:rPr lang="fr-FR" dirty="0" err="1">
+              <a:t>Mohamed Boukhtam et Stanislas Medrano</a:t>
+            </a:r>
+            <a:endParaRPr lang="fr-FR" dirty="0"/>
+          </a:p>
+        </p:txBody>
+      </p:sp>
+      <p:pic>
+        <p:nvPicPr>
+          <p:cNvPr id="5" name="Image 4">
+            <a:extLst>
+              <a:ext uri="{FF2B5EF4-FFF2-40B4-BE49-F238E27FC236}">
+                <a16:creationId xmlns:a16="http://schemas.microsoft.com/office/drawing/2014/main" id="{4AE907C4-58C4-409F-97CA-4AA23A971177}"/>
+              </a:ext>
+            </a:extLst>
+          </p:cNvPr>
+          <p:cNvPicPr>
+            <a:picLocks noChangeAspect="1"/>
+          </p:cNvPicPr>
+          <p:nvPr/>
+        </p:nvPicPr>
+        <p:blipFill>
+          <a:blip r:embed="rId2"/>
+          <a:stretch>
+            <a:fillRect/>
+          </a:stretch>
+        </p:blipFill>
+        <p:spPr>
+          <a:xfrm>
+            <a:off x="2230056" y="2332723"/>
+            <a:ext cx="7731889" cy="3465047"/>
+          </a:xfrm>
+          <a:prstGeom prst="rect">
+            <a:avLst/>
+          </a:prstGeom>
+        </p:spPr>
+      </p:pic>
+      <p:sp>
+        <p:nvSpPr>
+          <p:cNvPr id="6" name="Ellipse 5">
+            <a:extLst>
+              <a:ext uri="{FF2B5EF4-FFF2-40B4-BE49-F238E27FC236}">
+                <a16:creationId xmlns:a16="http://schemas.microsoft.com/office/drawing/2014/main" id="{B74A976C-CAF3-48D3-8E25-D9FABBFEF985}"/>
+              </a:ext>
+            </a:extLst>
+          </p:cNvPr>
+          <p:cNvSpPr/>
+          <p:nvPr/>
+        </p:nvSpPr>
+        <p:spPr>
+          <a:xfrm>
+            <a:off x="3733014" y="3429000"/>
+            <a:ext cx="1206631" cy="586819"/>
+          </a:xfrm>
+          <a:prstGeom prst="ellipse">
+            <a:avLst/>
+          </a:prstGeom>
+          <a:noFill/>
+          <a:ln w="28575">
+            <a:solidFill>
+              <a:schemeClr val="tx1"/>
+            </a:solidFill>
+          </a:ln>
+        </p:spPr>
+        <p:style>
+          <a:lnRef idx="2">
+            <a:schemeClr val="accent1">
+              <a:shade val="50000"/>
+            </a:schemeClr>
+          </a:lnRef>
+          <a:fillRef idx="1">
+            <a:schemeClr val="accent1"/>
+          </a:fillRef>
+          <a:effectRef idx="0">
+            <a:schemeClr val="accent1"/>
+          </a:effectRef>
+          <a:fontRef idx="minor">
+            <a:schemeClr val="lt1"/>
+          </a:fontRef>
+        </p:style>
+        <p:txBody>
+          <a:bodyPr rtlCol="0" anchor="ctr"/>
+          <a:lstStyle/>
+          <a:p>
+            <a:pPr algn="ctr"/>
+            <a:endParaRPr lang="fr-FR"/>
+          </a:p>
+        </p:txBody>
+      </p:sp>
+      <p:cxnSp>
+        <p:nvCxnSpPr>
+          <p:cNvPr id="8" name="Connecteur droit avec flèche 7">
+            <a:extLst>
+              <a:ext uri="{FF2B5EF4-FFF2-40B4-BE49-F238E27FC236}">
+                <a16:creationId xmlns:a16="http://schemas.microsoft.com/office/drawing/2014/main" id="{08DD2734-2C1D-4EFC-BAA1-AB6CBF50176E}"/>
+              </a:ext>
+            </a:extLst>
+          </p:cNvPr>
+          <p:cNvCxnSpPr>
+            <a:cxnSpLocks/>
+          </p:cNvCxnSpPr>
+          <p:nvPr/>
+        </p:nvCxnSpPr>
+        <p:spPr>
+          <a:xfrm flipH="1" flipV="1">
+            <a:off x="4849793" y="3875930"/>
+            <a:ext cx="1592810" cy="429852"/>
+          </a:xfrm>
+          <a:prstGeom prst="straightConnector1">
+            <a:avLst/>
+          </a:prstGeom>
+          <a:ln w="28575">
+            <a:solidFill>
+              <a:schemeClr val="tx1"/>
+            </a:solidFill>
+            <a:tailEnd type="triangle"/>
+          </a:ln>
+        </p:spPr>
+        <p:style>
+          <a:lnRef idx="1">
+            <a:schemeClr val="accent1"/>
+          </a:lnRef>
+          <a:fillRef idx="0">
+            <a:schemeClr val="accent1"/>
+          </a:fillRef>
+          <a:effectRef idx="0">
+            <a:schemeClr val="accent1"/>
+          </a:effectRef>
+          <a:fontRef idx="minor">
+            <a:schemeClr val="tx1"/>
+          </a:fontRef>
+        </p:style>
+      </p:cxnSp>
+      <p:pic>
+        <p:nvPicPr>
+          <p:cNvPr id="11" name="Image 10">
+            <a:extLst>
+              <a:ext uri="{FF2B5EF4-FFF2-40B4-BE49-F238E27FC236}">
+                <a16:creationId xmlns:a16="http://schemas.microsoft.com/office/drawing/2014/main" id="{92C2C05E-E276-4360-A2A5-BC99FE274D2D}"/>
+              </a:ext>
+            </a:extLst>
+          </p:cNvPr>
+          <p:cNvPicPr>
+            <a:picLocks noChangeAspect="1"/>
+          </p:cNvPicPr>
+          <p:nvPr/>
+        </p:nvPicPr>
+        <p:blipFill>
+          <a:blip r:embed="rId3">
+            <a:extLst>
+              <a:ext uri="{BEBA8EAE-BF5A-486C-A8C5-ECC9F3942E4B}">
+                <a14:imgProps xmlns:a14="http://schemas.microsoft.com/office/drawing/2010/main">
+                  <a14:imgLayer r:embed="rId4">
+                    <a14:imgEffect>
+                      <a14:backgroundRemoval t="10000" b="90000" l="10000" r="90000"/>
+                    </a14:imgEffect>
+                  </a14:imgLayer>
+                </a14:imgProps>
+              </a:ext>
+            </a:extLst>
+          </a:blip>
+          <a:stretch>
+            <a:fillRect/>
+          </a:stretch>
+        </p:blipFill>
+        <p:spPr>
+          <a:xfrm>
+            <a:off x="6609464" y="3875930"/>
+            <a:ext cx="1592810" cy="1424555"/>
+          </a:xfrm>
+          <a:prstGeom prst="rect">
+            <a:avLst/>
+          </a:prstGeom>
+        </p:spPr>
+      </p:pic>
+    </p:spTree>
+    <p:extLst>
+      <p:ext uri="{BB962C8B-B14F-4D97-AF65-F5344CB8AC3E}">
+        <p14:creationId xmlns:p14="http://schemas.microsoft.com/office/powerpoint/2010/main" val="1037813431"/>
+      </p:ext>
+    </p:extLst>
+  </p:cSld>
+  <p:clrMapOvr>
+    <a:masterClrMapping/>
+  </p:clrMapOvr>
+</p:sld>
+</file>
+
+<file path=ppt/slides/slide13.xml><?xml version="1.0" encoding="utf-8"?>
+<p:sld xmlns:a="http://schemas.openxmlformats.org/drawingml/2006/main" xmlns:r="http://schemas.openxmlformats.org/officeDocument/2006/relationships" xmlns:p="http://schemas.openxmlformats.org/presentationml/2006/main">
+  <p:cSld>
+    <p:spTree>
+      <p:nvGrpSpPr>
+        <p:cNvPr id="1" name=""/>
+        <p:cNvGrpSpPr/>
+        <p:nvPr/>
+      </p:nvGrpSpPr>
+      <p:grpSpPr>
+        <a:xfrm>
+          <a:off x="0" y="0"/>
+          <a:ext cx="0" cy="0"/>
+          <a:chOff x="0" y="0"/>
+          <a:chExt cx="0" cy="0"/>
+        </a:xfrm>
+      </p:grpSpPr>
+      <p:sp>
+        <p:nvSpPr>
+          <p:cNvPr id="2" name="Titre 1">
+            <a:extLst>
+              <a:ext uri="{FF2B5EF4-FFF2-40B4-BE49-F238E27FC236}">
+                <a16:creationId xmlns:a16="http://schemas.microsoft.com/office/drawing/2014/main" id="{CFA8292D-C89C-4CBD-B34F-9D3FE27FDD3F}"/>
+              </a:ext>
+            </a:extLst>
+          </p:cNvPr>
+          <p:cNvSpPr>
+            <a:spLocks noGrp="1"/>
+          </p:cNvSpPr>
+          <p:nvPr>
+            <p:ph type="title"/>
+          </p:nvPr>
+        </p:nvSpPr>
+        <p:spPr/>
+        <p:txBody>
+          <a:bodyPr/>
+          <a:lstStyle/>
+          <a:p>
+            <a:r>
+              <a:rPr lang="fr-FR" dirty="0"/>
+              <a:t>Javascript dans le fichier .html</a:t>
+            </a:r>
+          </a:p>
+        </p:txBody>
+      </p:sp>
+      <p:sp>
+        <p:nvSpPr>
+          <p:cNvPr id="4" name="Espace réservé du pied de page 3">
+            <a:extLst>
+              <a:ext uri="{FF2B5EF4-FFF2-40B4-BE49-F238E27FC236}">
+                <a16:creationId xmlns:a16="http://schemas.microsoft.com/office/drawing/2014/main" id="{9760EBA8-82D0-483E-818D-37CC17928715}"/>
+              </a:ext>
+            </a:extLst>
+          </p:cNvPr>
+          <p:cNvSpPr>
+            <a:spLocks noGrp="1"/>
+          </p:cNvSpPr>
+          <p:nvPr>
+            <p:ph type="ftr" sz="quarter" idx="11"/>
+          </p:nvPr>
+        </p:nvSpPr>
+        <p:spPr/>
+        <p:txBody>
+          <a:bodyPr/>
+          <a:lstStyle/>
+          <a:p>
+            <a:r>
+              <a:rPr lang="fr-FR">
                 <a:solidFill>
                   <a:srgbClr val="C00000"/>
                 </a:solidFill>
               </a:rPr>
-              <a:t>Boukhtam</a:t>
-            </a:r>
-            <a:r>
-              <a:rPr lang="fr-FR" dirty="0">
+              <a:t>Mohamed Boukhtam et Stanislas Medrano</a:t>
+            </a:r>
+            <a:endParaRPr lang="fr-FR" dirty="0"/>
+          </a:p>
+        </p:txBody>
+      </p:sp>
+      <p:pic>
+        <p:nvPicPr>
+          <p:cNvPr id="6" name="Espace réservé du contenu 5">
+            <a:extLst>
+              <a:ext uri="{FF2B5EF4-FFF2-40B4-BE49-F238E27FC236}">
+                <a16:creationId xmlns:a16="http://schemas.microsoft.com/office/drawing/2014/main" id="{41DCF1B1-B802-4CCC-B403-2DD4AE7378BD}"/>
+              </a:ext>
+            </a:extLst>
+          </p:cNvPr>
+          <p:cNvPicPr>
+            <a:picLocks noGrp="1" noChangeAspect="1"/>
+          </p:cNvPicPr>
+          <p:nvPr>
+            <p:ph idx="1"/>
+          </p:nvPr>
+        </p:nvPicPr>
+        <p:blipFill>
+          <a:blip r:embed="rId2"/>
+          <a:stretch>
+            <a:fillRect/>
+          </a:stretch>
+        </p:blipFill>
+        <p:spPr>
+          <a:xfrm>
+            <a:off x="2881312" y="2377281"/>
+            <a:ext cx="6429375" cy="3248025"/>
+          </a:xfrm>
+          <a:prstGeom prst="rect">
+            <a:avLst/>
+          </a:prstGeom>
+        </p:spPr>
+      </p:pic>
+    </p:spTree>
+    <p:extLst>
+      <p:ext uri="{BB962C8B-B14F-4D97-AF65-F5344CB8AC3E}">
+        <p14:creationId xmlns:p14="http://schemas.microsoft.com/office/powerpoint/2010/main" val="2111559160"/>
+      </p:ext>
+    </p:extLst>
+  </p:cSld>
+  <p:clrMapOvr>
+    <a:masterClrMapping/>
+  </p:clrMapOvr>
+</p:sld>
+</file>
+
+<file path=ppt/slides/slide14.xml><?xml version="1.0" encoding="utf-8"?>
+<p:sld xmlns:a="http://schemas.openxmlformats.org/drawingml/2006/main" xmlns:r="http://schemas.openxmlformats.org/officeDocument/2006/relationships" xmlns:p="http://schemas.openxmlformats.org/presentationml/2006/main">
+  <p:cSld>
+    <p:spTree>
+      <p:nvGrpSpPr>
+        <p:cNvPr id="1" name=""/>
+        <p:cNvGrpSpPr/>
+        <p:nvPr/>
+      </p:nvGrpSpPr>
+      <p:grpSpPr>
+        <a:xfrm>
+          <a:off x="0" y="0"/>
+          <a:ext cx="0" cy="0"/>
+          <a:chOff x="0" y="0"/>
+          <a:chExt cx="0" cy="0"/>
+        </a:xfrm>
+      </p:grpSpPr>
+      <p:sp>
+        <p:nvSpPr>
+          <p:cNvPr id="2" name="Titre 1">
+            <a:extLst>
+              <a:ext uri="{FF2B5EF4-FFF2-40B4-BE49-F238E27FC236}">
+                <a16:creationId xmlns:a16="http://schemas.microsoft.com/office/drawing/2014/main" id="{7D555E21-DE72-41D4-A4E5-89A70A561EB6}"/>
+              </a:ext>
+            </a:extLst>
+          </p:cNvPr>
+          <p:cNvSpPr>
+            <a:spLocks noGrp="1"/>
+          </p:cNvSpPr>
+          <p:nvPr>
+            <p:ph type="title"/>
+          </p:nvPr>
+        </p:nvSpPr>
+        <p:spPr/>
+        <p:txBody>
+          <a:bodyPr/>
+          <a:lstStyle/>
+          <a:p>
+            <a:r>
+              <a:rPr lang="fr-FR" dirty="0"/>
+              <a:t>CSS</a:t>
+            </a:r>
+          </a:p>
+        </p:txBody>
+      </p:sp>
+      <p:sp>
+        <p:nvSpPr>
+          <p:cNvPr id="3" name="Espace réservé du contenu 2">
+            <a:extLst>
+              <a:ext uri="{FF2B5EF4-FFF2-40B4-BE49-F238E27FC236}">
+                <a16:creationId xmlns:a16="http://schemas.microsoft.com/office/drawing/2014/main" id="{D98D43CB-3F64-4A88-BC88-A5ED245CDA56}"/>
+              </a:ext>
+            </a:extLst>
+          </p:cNvPr>
+          <p:cNvSpPr>
+            <a:spLocks noGrp="1"/>
+          </p:cNvSpPr>
+          <p:nvPr>
+            <p:ph idx="1"/>
+          </p:nvPr>
+        </p:nvSpPr>
+        <p:spPr/>
+        <p:txBody>
+          <a:bodyPr/>
+          <a:lstStyle/>
+          <a:p>
+            <a:endParaRPr lang="fr-FR" dirty="0"/>
+          </a:p>
+        </p:txBody>
+      </p:sp>
+      <p:sp>
+        <p:nvSpPr>
+          <p:cNvPr id="4" name="Espace réservé du pied de page 3">
+            <a:extLst>
+              <a:ext uri="{FF2B5EF4-FFF2-40B4-BE49-F238E27FC236}">
+                <a16:creationId xmlns:a16="http://schemas.microsoft.com/office/drawing/2014/main" id="{F66C96B7-11B3-48BA-87C7-174EB9C66C06}"/>
+              </a:ext>
+            </a:extLst>
+          </p:cNvPr>
+          <p:cNvSpPr>
+            <a:spLocks noGrp="1"/>
+          </p:cNvSpPr>
+          <p:nvPr>
+            <p:ph type="ftr" sz="quarter" idx="11"/>
+          </p:nvPr>
+        </p:nvSpPr>
+        <p:spPr/>
+        <p:txBody>
+          <a:bodyPr/>
+          <a:lstStyle/>
+          <a:p>
+            <a:r>
+              <a:rPr lang="fr-FR">
                 <a:solidFill>
                   <a:srgbClr val="C00000"/>
                 </a:solidFill>
               </a:rPr>
-              <a:t> et Stanislas </a:t>
-            </a:r>
-            <a:r>
-              <a:rPr lang="fr-FR" dirty="0" err="1">
-                <a:solidFill>
-                  <a:srgbClr val="C00000"/>
-                </a:solidFill>
-              </a:rPr>
-              <a:t>Medrano</a:t>
-            </a:r>
-            <a:endParaRPr lang="fr-FR" dirty="0">
-              <a:solidFill>
-                <a:srgbClr val="C00000"/>
-              </a:solidFill>
-            </a:endParaRPr>
+              <a:t>Mohamed Boukhtam et Stanislas Medrano</a:t>
+            </a:r>
+            <a:endParaRPr lang="fr-FR" dirty="0"/>
           </a:p>
         </p:txBody>
       </p:sp>
     </p:spTree>
     <p:extLst>
       <p:ext uri="{BB962C8B-B14F-4D97-AF65-F5344CB8AC3E}">
-        <p14:creationId xmlns:p14="http://schemas.microsoft.com/office/powerpoint/2010/main" val="386034470"/>
+        <p14:creationId xmlns:p14="http://schemas.microsoft.com/office/powerpoint/2010/main" val="4117980996"/>
       </p:ext>
     </p:extLst>
   </p:cSld>
@@ -4144,7 +5171,7 @@
           <p:cNvPr id="2" name="Titre 1">
             <a:extLst>
               <a:ext uri="{FF2B5EF4-FFF2-40B4-BE49-F238E27FC236}">
-                <a16:creationId xmlns:a16="http://schemas.microsoft.com/office/drawing/2014/main" id="{14421270-89B4-481A-B8EF-4B371C413C3C}"/>
+                <a16:creationId xmlns:a16="http://schemas.microsoft.com/office/drawing/2014/main" id="{8AFEDAA6-41DE-4104-99A2-B990333932EF}"/>
               </a:ext>
             </a:extLst>
           </p:cNvPr>
@@ -4172,7 +5199,7 @@
           <p:cNvPr id="3" name="Espace réservé du contenu 2">
             <a:extLst>
               <a:ext uri="{FF2B5EF4-FFF2-40B4-BE49-F238E27FC236}">
-                <a16:creationId xmlns:a16="http://schemas.microsoft.com/office/drawing/2014/main" id="{30B7910A-E36A-4C9C-9C89-51141B29A4F8}"/>
+                <a16:creationId xmlns:a16="http://schemas.microsoft.com/office/drawing/2014/main" id="{FD3AB74E-D06C-4D17-AB0A-F855140AC4A0}"/>
               </a:ext>
             </a:extLst>
           </p:cNvPr>
@@ -4188,9 +5215,36 @@
           <a:bodyPr/>
           <a:lstStyle/>
           <a:p>
-            <a:pPr marL="0" indent="0">
-              <a:buNone/>
-            </a:pPr>
+            <a:r>
+              <a:rPr lang="fr-FR" dirty="0"/>
+              <a:t>Introduction</a:t>
+            </a:r>
+          </a:p>
+          <a:p>
+            <a:r>
+              <a:rPr lang="fr-FR" dirty="0"/>
+              <a:t>Choix de la Charte</a:t>
+            </a:r>
+          </a:p>
+          <a:p>
+            <a:r>
+              <a:rPr lang="fr-FR" dirty="0"/>
+              <a:t>Architecture</a:t>
+            </a:r>
+          </a:p>
+          <a:p>
+            <a:r>
+              <a:rPr lang="fr-FR" dirty="0"/>
+              <a:t>Touche Personnelle Mohamed</a:t>
+            </a:r>
+          </a:p>
+          <a:p>
+            <a:r>
+              <a:rPr lang="fr-FR" dirty="0"/>
+              <a:t>Touche Personnelle Stanislas</a:t>
+            </a:r>
+          </a:p>
+          <a:p>
             <a:endParaRPr lang="fr-FR" dirty="0"/>
           </a:p>
         </p:txBody>
@@ -4200,7 +5254,7 @@
           <p:cNvPr id="4" name="Espace réservé du pied de page 3">
             <a:extLst>
               <a:ext uri="{FF2B5EF4-FFF2-40B4-BE49-F238E27FC236}">
-                <a16:creationId xmlns:a16="http://schemas.microsoft.com/office/drawing/2014/main" id="{C3488258-518D-4565-944E-DF1C0936F106}"/>
+                <a16:creationId xmlns:a16="http://schemas.microsoft.com/office/drawing/2014/main" id="{B6543F3C-4DAB-4054-AA35-C9663A57AAC8}"/>
               </a:ext>
             </a:extLst>
           </p:cNvPr>
@@ -4231,7 +5285,7 @@
     </p:spTree>
     <p:extLst>
       <p:ext uri="{BB962C8B-B14F-4D97-AF65-F5344CB8AC3E}">
-        <p14:creationId xmlns:p14="http://schemas.microsoft.com/office/powerpoint/2010/main" val="3653481577"/>
+        <p14:creationId xmlns:p14="http://schemas.microsoft.com/office/powerpoint/2010/main" val="2405262400"/>
       </p:ext>
     </p:extLst>
   </p:cSld>
@@ -4263,45 +5317,43 @@
           <p:cNvPr id="2" name="Titre 1">
             <a:extLst>
               <a:ext uri="{FF2B5EF4-FFF2-40B4-BE49-F238E27FC236}">
-                <a16:creationId xmlns:a16="http://schemas.microsoft.com/office/drawing/2014/main" id="{B79CD8A4-5CB4-43DC-A95C-1FB5FE4DB262}"/>
-              </a:ext>
-            </a:extLst>
-          </p:cNvPr>
-          <p:cNvSpPr>
-            <a:spLocks noGrp="1"/>
-          </p:cNvSpPr>
-          <p:nvPr>
-            <p:ph type="ctrTitle"/>
+                <a16:creationId xmlns:a16="http://schemas.microsoft.com/office/drawing/2014/main" id="{8FB12360-B052-417A-9259-2B94368D3E79}"/>
+              </a:ext>
+            </a:extLst>
+          </p:cNvPr>
+          <p:cNvSpPr>
+            <a:spLocks noGrp="1"/>
+          </p:cNvSpPr>
+          <p:nvPr>
+            <p:ph type="title"/>
           </p:nvPr>
         </p:nvSpPr>
         <p:spPr/>
         <p:txBody>
-          <a:bodyPr>
-            <a:normAutofit/>
-          </a:bodyPr>
+          <a:bodyPr/>
           <a:lstStyle/>
           <a:p>
             <a:r>
               <a:rPr lang="fr-FR" dirty="0"/>
-              <a:t>ARCHITECTURE </a:t>
-            </a:r>
-          </a:p>
-        </p:txBody>
-      </p:sp>
-      <p:sp>
-        <p:nvSpPr>
-          <p:cNvPr id="3" name="Sous-titre 2">
-            <a:extLst>
-              <a:ext uri="{FF2B5EF4-FFF2-40B4-BE49-F238E27FC236}">
-                <a16:creationId xmlns:a16="http://schemas.microsoft.com/office/drawing/2014/main" id="{DFA7AB14-8516-47E3-9F76-8B267BABACA4}"/>
-              </a:ext>
-            </a:extLst>
-          </p:cNvPr>
-          <p:cNvSpPr>
-            <a:spLocks noGrp="1"/>
-          </p:cNvSpPr>
-          <p:nvPr>
-            <p:ph type="subTitle" idx="1"/>
+              <a:t>Introduction</a:t>
+            </a:r>
+          </a:p>
+        </p:txBody>
+      </p:sp>
+      <p:sp>
+        <p:nvSpPr>
+          <p:cNvPr id="3" name="Espace réservé du contenu 2">
+            <a:extLst>
+              <a:ext uri="{FF2B5EF4-FFF2-40B4-BE49-F238E27FC236}">
+                <a16:creationId xmlns:a16="http://schemas.microsoft.com/office/drawing/2014/main" id="{0476F40C-D92E-4E46-8FE5-7185B9E2D463}"/>
+              </a:ext>
+            </a:extLst>
+          </p:cNvPr>
+          <p:cNvSpPr>
+            <a:spLocks noGrp="1"/>
+          </p:cNvSpPr>
+          <p:nvPr>
+            <p:ph idx="1"/>
           </p:nvPr>
         </p:nvSpPr>
         <p:spPr/>
@@ -4309,6 +5361,21 @@
           <a:bodyPr/>
           <a:lstStyle/>
           <a:p>
+            <a:pPr marL="0" indent="0">
+              <a:buNone/>
+            </a:pPr>
+            <a:endParaRPr lang="fr-FR" dirty="0"/>
+          </a:p>
+          <a:p>
+            <a:pPr marL="0" indent="0">
+              <a:buNone/>
+            </a:pPr>
+            <a:endParaRPr lang="fr-FR" dirty="0"/>
+          </a:p>
+          <a:p>
+            <a:pPr marL="0" indent="0">
+              <a:buNone/>
+            </a:pPr>
             <a:r>
               <a:rPr lang="fr-FR" dirty="0"/>
               <a:t>Linus </a:t>
@@ -4321,10 +5388,160 @@
           </a:p>
         </p:txBody>
       </p:sp>
+      <p:sp>
+        <p:nvSpPr>
+          <p:cNvPr id="4" name="Espace réservé du pied de page 3">
+            <a:extLst>
+              <a:ext uri="{FF2B5EF4-FFF2-40B4-BE49-F238E27FC236}">
+                <a16:creationId xmlns:a16="http://schemas.microsoft.com/office/drawing/2014/main" id="{565F5766-BB98-4DEC-8D94-8FF21E249BCD}"/>
+              </a:ext>
+            </a:extLst>
+          </p:cNvPr>
+          <p:cNvSpPr>
+            <a:spLocks noGrp="1"/>
+          </p:cNvSpPr>
+          <p:nvPr>
+            <p:ph type="ftr" sz="quarter" idx="11"/>
+          </p:nvPr>
+        </p:nvSpPr>
+        <p:spPr/>
+        <p:txBody>
+          <a:bodyPr/>
+          <a:lstStyle/>
+          <a:p>
+            <a:r>
+              <a:rPr lang="fr-FR">
+                <a:solidFill>
+                  <a:srgbClr val="C00000"/>
+                </a:solidFill>
+              </a:rPr>
+              <a:t>Mohamed Boukhtam et Stanislas Medrano</a:t>
+            </a:r>
+            <a:endParaRPr lang="fr-FR" dirty="0"/>
+          </a:p>
+        </p:txBody>
+      </p:sp>
+      <p:pic>
+        <p:nvPicPr>
+          <p:cNvPr id="6" name="Graphique 5" descr="Ordinateur portable">
+            <a:extLst>
+              <a:ext uri="{FF2B5EF4-FFF2-40B4-BE49-F238E27FC236}">
+                <a16:creationId xmlns:a16="http://schemas.microsoft.com/office/drawing/2014/main" id="{BD12D237-6926-42E8-BD2F-DD6FB9D4B4A6}"/>
+              </a:ext>
+            </a:extLst>
+          </p:cNvPr>
+          <p:cNvPicPr>
+            <a:picLocks noChangeAspect="1"/>
+          </p:cNvPicPr>
+          <p:nvPr/>
+        </p:nvPicPr>
+        <p:blipFill>
+          <a:blip r:embed="rId2">
+            <a:extLst>
+              <a:ext uri="{28A0092B-C50C-407E-A947-70E740481C1C}">
+                <a14:useLocalDpi xmlns:a14="http://schemas.microsoft.com/office/drawing/2010/main" val="0"/>
+              </a:ext>
+              <a:ext uri="{96DAC541-7B7A-43D3-8B79-37D633B846F1}">
+                <asvg:svgBlip xmlns:asvg="http://schemas.microsoft.com/office/drawing/2016/SVG/main" r:embed="rId3"/>
+              </a:ext>
+            </a:extLst>
+          </a:blip>
+          <a:stretch>
+            <a:fillRect/>
+          </a:stretch>
+        </p:blipFill>
+        <p:spPr>
+          <a:xfrm>
+            <a:off x="4504011" y="2731183"/>
+            <a:ext cx="914400" cy="914400"/>
+          </a:xfrm>
+          <a:prstGeom prst="rect">
+            <a:avLst/>
+          </a:prstGeom>
+        </p:spPr>
+      </p:pic>
+      <p:pic>
+        <p:nvPicPr>
+          <p:cNvPr id="8" name="Graphique 7" descr="Bulle de pensée">
+            <a:extLst>
+              <a:ext uri="{FF2B5EF4-FFF2-40B4-BE49-F238E27FC236}">
+                <a16:creationId xmlns:a16="http://schemas.microsoft.com/office/drawing/2014/main" id="{4E0FF6B1-64AA-4B94-9610-AE05C8E6A7D3}"/>
+              </a:ext>
+            </a:extLst>
+          </p:cNvPr>
+          <p:cNvPicPr>
+            <a:picLocks noChangeAspect="1"/>
+          </p:cNvPicPr>
+          <p:nvPr/>
+        </p:nvPicPr>
+        <p:blipFill>
+          <a:blip r:embed="rId4">
+            <a:extLst>
+              <a:ext uri="{28A0092B-C50C-407E-A947-70E740481C1C}">
+                <a14:useLocalDpi xmlns:a14="http://schemas.microsoft.com/office/drawing/2010/main" val="0"/>
+              </a:ext>
+              <a:ext uri="{96DAC541-7B7A-43D3-8B79-37D633B846F1}">
+                <asvg:svgBlip xmlns:asvg="http://schemas.microsoft.com/office/drawing/2016/SVG/main" r:embed="rId5"/>
+              </a:ext>
+            </a:extLst>
+          </a:blip>
+          <a:stretch>
+            <a:fillRect/>
+          </a:stretch>
+        </p:blipFill>
+        <p:spPr>
+          <a:xfrm>
+            <a:off x="3034026" y="1816783"/>
+            <a:ext cx="914400" cy="914400"/>
+          </a:xfrm>
+          <a:prstGeom prst="rect">
+            <a:avLst/>
+          </a:prstGeom>
+        </p:spPr>
+      </p:pic>
+      <p:pic>
+        <p:nvPicPr>
+          <p:cNvPr id="10" name="Graphique 9" descr="Équipe">
+            <a:extLst>
+              <a:ext uri="{FF2B5EF4-FFF2-40B4-BE49-F238E27FC236}">
+                <a16:creationId xmlns:a16="http://schemas.microsoft.com/office/drawing/2014/main" id="{479D81D4-48A8-45FE-A037-1FFBFB8F44F8}"/>
+              </a:ext>
+            </a:extLst>
+          </p:cNvPr>
+          <p:cNvPicPr>
+            <a:picLocks noChangeAspect="1"/>
+          </p:cNvPicPr>
+          <p:nvPr/>
+        </p:nvPicPr>
+        <p:blipFill>
+          <a:blip r:embed="rId6">
+            <a:extLst>
+              <a:ext uri="{28A0092B-C50C-407E-A947-70E740481C1C}">
+                <a14:useLocalDpi xmlns:a14="http://schemas.microsoft.com/office/drawing/2010/main" val="0"/>
+              </a:ext>
+              <a:ext uri="{96DAC541-7B7A-43D3-8B79-37D633B846F1}">
+                <asvg:svgBlip xmlns:asvg="http://schemas.microsoft.com/office/drawing/2016/SVG/main" r:embed="rId7"/>
+              </a:ext>
+            </a:extLst>
+          </a:blip>
+          <a:stretch>
+            <a:fillRect/>
+          </a:stretch>
+        </p:blipFill>
+        <p:spPr>
+          <a:xfrm>
+            <a:off x="3124200" y="3726163"/>
+            <a:ext cx="914400" cy="914400"/>
+          </a:xfrm>
+          <a:prstGeom prst="rect">
+            <a:avLst/>
+          </a:prstGeom>
+        </p:spPr>
+      </p:pic>
     </p:spTree>
     <p:extLst>
       <p:ext uri="{BB962C8B-B14F-4D97-AF65-F5344CB8AC3E}">
-        <p14:creationId xmlns:p14="http://schemas.microsoft.com/office/powerpoint/2010/main" val="1577518574"/>
+        <p14:creationId xmlns:p14="http://schemas.microsoft.com/office/powerpoint/2010/main" val="1505450389"/>
       </p:ext>
     </p:extLst>
   </p:cSld>
@@ -4356,7 +5573,7 @@
           <p:cNvPr id="2" name="Titre 1">
             <a:extLst>
               <a:ext uri="{FF2B5EF4-FFF2-40B4-BE49-F238E27FC236}">
-                <a16:creationId xmlns:a16="http://schemas.microsoft.com/office/drawing/2014/main" id="{EA4A9D19-45DB-46D6-B524-3D7F98E9021F}"/>
+                <a16:creationId xmlns:a16="http://schemas.microsoft.com/office/drawing/2014/main" id="{04CC093D-5E71-46BE-8B6C-B9D7D8BAE5B4}"/>
               </a:ext>
             </a:extLst>
           </p:cNvPr>
@@ -4372,32 +5589,55 @@
           <a:bodyPr/>
           <a:lstStyle/>
           <a:p>
+            <a:r>
+              <a:rPr lang="fr-FR" dirty="0"/>
+              <a:t>Choix de la Charte</a:t>
+            </a:r>
+          </a:p>
+        </p:txBody>
+      </p:sp>
+      <p:sp>
+        <p:nvSpPr>
+          <p:cNvPr id="3" name="Espace réservé du contenu 2">
+            <a:extLst>
+              <a:ext uri="{FF2B5EF4-FFF2-40B4-BE49-F238E27FC236}">
+                <a16:creationId xmlns:a16="http://schemas.microsoft.com/office/drawing/2014/main" id="{CDCFD277-35F6-4993-AD3F-7A008D59D8CD}"/>
+              </a:ext>
+            </a:extLst>
+          </p:cNvPr>
+          <p:cNvSpPr>
+            <a:spLocks noGrp="1"/>
+          </p:cNvSpPr>
+          <p:nvPr>
+            <p:ph idx="1"/>
+          </p:nvPr>
+        </p:nvSpPr>
+        <p:spPr>
+          <a:xfrm>
+            <a:off x="838200" y="1825625"/>
+            <a:ext cx="10515600" cy="4351338"/>
+          </a:xfrm>
+        </p:spPr>
+        <p:txBody>
+          <a:bodyPr/>
+          <a:lstStyle/>
+          <a:p>
+            <a:r>
+              <a:rPr lang="fr-FR" dirty="0"/>
+              <a:t>Police Ubuntu </a:t>
+            </a:r>
+          </a:p>
+          <a:p>
+            <a:r>
+              <a:rPr lang="fr-FR" dirty="0"/>
+              <a:t>Couleurs rouge, noir, nuances de gris, blanc</a:t>
+            </a:r>
+          </a:p>
+          <a:p>
             <a:endParaRPr lang="fr-FR" dirty="0"/>
           </a:p>
-        </p:txBody>
-      </p:sp>
-      <p:sp>
-        <p:nvSpPr>
-          <p:cNvPr id="3" name="Espace réservé du contenu 2">
-            <a:extLst>
-              <a:ext uri="{FF2B5EF4-FFF2-40B4-BE49-F238E27FC236}">
-                <a16:creationId xmlns:a16="http://schemas.microsoft.com/office/drawing/2014/main" id="{CDF805DF-D6E3-4BDD-A431-B33368D63E1F}"/>
-              </a:ext>
-            </a:extLst>
-          </p:cNvPr>
-          <p:cNvSpPr>
-            <a:spLocks noGrp="1"/>
-          </p:cNvSpPr>
-          <p:nvPr>
-            <p:ph idx="1"/>
-          </p:nvPr>
-        </p:nvSpPr>
-        <p:spPr/>
-        <p:txBody>
-          <a:bodyPr/>
-          <a:lstStyle/>
-          <a:p>
-            <a:endParaRPr lang="fr-FR"/>
+          <a:p>
+            <a:endParaRPr lang="fr-FR" dirty="0"/>
           </a:p>
         </p:txBody>
       </p:sp>
@@ -4406,7 +5646,7 @@
           <p:cNvPr id="4" name="Espace réservé du pied de page 3">
             <a:extLst>
               <a:ext uri="{FF2B5EF4-FFF2-40B4-BE49-F238E27FC236}">
-                <a16:creationId xmlns:a16="http://schemas.microsoft.com/office/drawing/2014/main" id="{7BB63B9F-0974-47C2-BC29-C0C69DA2010F}"/>
+                <a16:creationId xmlns:a16="http://schemas.microsoft.com/office/drawing/2014/main" id="{D521E671-3DDC-4035-96C0-005A9AEDD5B2}"/>
               </a:ext>
             </a:extLst>
           </p:cNvPr>
@@ -4434,10 +5674,139 @@
           </a:p>
         </p:txBody>
       </p:sp>
+      <p:grpSp>
+        <p:nvGrpSpPr>
+          <p:cNvPr id="14" name="Groupe 13">
+            <a:extLst>
+              <a:ext uri="{FF2B5EF4-FFF2-40B4-BE49-F238E27FC236}">
+                <a16:creationId xmlns:a16="http://schemas.microsoft.com/office/drawing/2014/main" id="{D8A7EFF2-5056-49A7-84F5-2415A99AECDB}"/>
+              </a:ext>
+            </a:extLst>
+          </p:cNvPr>
+          <p:cNvGrpSpPr/>
+          <p:nvPr/>
+        </p:nvGrpSpPr>
+        <p:grpSpPr>
+          <a:xfrm>
+            <a:off x="2599091" y="2890287"/>
+            <a:ext cx="6993818" cy="2428682"/>
+            <a:chOff x="2041072" y="2890287"/>
+            <a:chExt cx="6993818" cy="2428682"/>
+          </a:xfrm>
+        </p:grpSpPr>
+        <p:pic>
+          <p:nvPicPr>
+            <p:cNvPr id="6" name="Image 5">
+              <a:extLst>
+                <a:ext uri="{FF2B5EF4-FFF2-40B4-BE49-F238E27FC236}">
+                  <a16:creationId xmlns:a16="http://schemas.microsoft.com/office/drawing/2014/main" id="{9768F551-2BA3-44EC-B388-A3A5A59F8DD9}"/>
+                </a:ext>
+              </a:extLst>
+            </p:cNvPr>
+            <p:cNvPicPr>
+              <a:picLocks noChangeAspect="1"/>
+            </p:cNvPicPr>
+            <p:nvPr/>
+          </p:nvPicPr>
+          <p:blipFill>
+            <a:blip r:embed="rId2">
+              <a:extLst>
+                <a:ext uri="{28A0092B-C50C-407E-A947-70E740481C1C}">
+                  <a14:useLocalDpi xmlns:a14="http://schemas.microsoft.com/office/drawing/2010/main" val="0"/>
+                </a:ext>
+              </a:extLst>
+            </a:blip>
+            <a:stretch>
+              <a:fillRect/>
+            </a:stretch>
+          </p:blipFill>
+          <p:spPr>
+            <a:xfrm>
+              <a:off x="2041072" y="3155645"/>
+              <a:ext cx="1855512" cy="1897967"/>
+            </a:xfrm>
+            <a:prstGeom prst="rect">
+              <a:avLst/>
+            </a:prstGeom>
+          </p:spPr>
+        </p:pic>
+        <p:pic>
+          <p:nvPicPr>
+            <p:cNvPr id="8" name="Image 7">
+              <a:extLst>
+                <a:ext uri="{FF2B5EF4-FFF2-40B4-BE49-F238E27FC236}">
+                  <a16:creationId xmlns:a16="http://schemas.microsoft.com/office/drawing/2014/main" id="{88D155C9-66FE-4AE6-B835-216EF63B4958}"/>
+                </a:ext>
+              </a:extLst>
+            </p:cNvPr>
+            <p:cNvPicPr>
+              <a:picLocks noChangeAspect="1"/>
+            </p:cNvPicPr>
+            <p:nvPr/>
+          </p:nvPicPr>
+          <p:blipFill>
+            <a:blip r:embed="rId3">
+              <a:extLst>
+                <a:ext uri="{28A0092B-C50C-407E-A947-70E740481C1C}">
+                  <a14:useLocalDpi xmlns:a14="http://schemas.microsoft.com/office/drawing/2010/main" val="0"/>
+                </a:ext>
+              </a:extLst>
+            </a:blip>
+            <a:stretch>
+              <a:fillRect/>
+            </a:stretch>
+          </p:blipFill>
+          <p:spPr>
+            <a:xfrm>
+              <a:off x="4290219" y="3052310"/>
+              <a:ext cx="2104636" cy="2104636"/>
+            </a:xfrm>
+            <a:prstGeom prst="rect">
+              <a:avLst/>
+            </a:prstGeom>
+          </p:spPr>
+        </p:pic>
+        <p:pic>
+          <p:nvPicPr>
+            <p:cNvPr id="11" name="Image 10">
+              <a:extLst>
+                <a:ext uri="{FF2B5EF4-FFF2-40B4-BE49-F238E27FC236}">
+                  <a16:creationId xmlns:a16="http://schemas.microsoft.com/office/drawing/2014/main" id="{60BACC10-847D-4CCD-826B-89BB68F0D915}"/>
+                </a:ext>
+              </a:extLst>
+            </p:cNvPr>
+            <p:cNvPicPr>
+              <a:picLocks noChangeAspect="1"/>
+            </p:cNvPicPr>
+            <p:nvPr/>
+          </p:nvPicPr>
+          <p:blipFill>
+            <a:blip r:embed="rId4">
+              <a:extLst>
+                <a:ext uri="{28A0092B-C50C-407E-A947-70E740481C1C}">
+                  <a14:useLocalDpi xmlns:a14="http://schemas.microsoft.com/office/drawing/2010/main" val="0"/>
+                </a:ext>
+              </a:extLst>
+            </a:blip>
+            <a:stretch>
+              <a:fillRect/>
+            </a:stretch>
+          </p:blipFill>
+          <p:spPr>
+            <a:xfrm>
+              <a:off x="6513768" y="2890287"/>
+              <a:ext cx="2521122" cy="2428682"/>
+            </a:xfrm>
+            <a:prstGeom prst="rect">
+              <a:avLst/>
+            </a:prstGeom>
+          </p:spPr>
+        </p:pic>
+      </p:grpSp>
     </p:spTree>
     <p:extLst>
       <p:ext uri="{BB962C8B-B14F-4D97-AF65-F5344CB8AC3E}">
-        <p14:creationId xmlns:p14="http://schemas.microsoft.com/office/powerpoint/2010/main" val="1051434621"/>
+        <p14:creationId xmlns:p14="http://schemas.microsoft.com/office/powerpoint/2010/main" val="1684658175"/>
       </p:ext>
     </p:extLst>
   </p:cSld>
@@ -4469,7 +5838,7 @@
           <p:cNvPr id="2" name="Titre 1">
             <a:extLst>
               <a:ext uri="{FF2B5EF4-FFF2-40B4-BE49-F238E27FC236}">
-                <a16:creationId xmlns:a16="http://schemas.microsoft.com/office/drawing/2014/main" id="{F7A09982-25E8-4823-97BD-3EDDC25108F4}"/>
+                <a16:creationId xmlns:a16="http://schemas.microsoft.com/office/drawing/2014/main" id="{B79CD8A4-5CB4-43DC-A95C-1FB5FE4DB262}"/>
               </a:ext>
             </a:extLst>
           </p:cNvPr>
@@ -4482,12 +5851,14 @@
         </p:nvSpPr>
         <p:spPr/>
         <p:txBody>
-          <a:bodyPr/>
+          <a:bodyPr>
+            <a:normAutofit/>
+          </a:bodyPr>
           <a:lstStyle/>
           <a:p>
             <a:r>
               <a:rPr lang="fr-FR" dirty="0"/>
-              <a:t>Notre démarche</a:t>
+              <a:t>ARCHITECTURE </a:t>
             </a:r>
           </a:p>
         </p:txBody>
@@ -4497,7 +5868,7 @@
           <p:cNvPr id="3" name="Sous-titre 2">
             <a:extLst>
               <a:ext uri="{FF2B5EF4-FFF2-40B4-BE49-F238E27FC236}">
-                <a16:creationId xmlns:a16="http://schemas.microsoft.com/office/drawing/2014/main" id="{8027BAA7-0F1E-4EF4-B371-B32CC94C26D5}"/>
+                <a16:creationId xmlns:a16="http://schemas.microsoft.com/office/drawing/2014/main" id="{DFA7AB14-8516-47E3-9F76-8B267BABACA4}"/>
               </a:ext>
             </a:extLst>
           </p:cNvPr>
@@ -4515,7 +5886,7 @@
           <a:p>
             <a:r>
               <a:rPr lang="fr-FR" dirty="0"/>
-              <a:t>Linux</a:t>
+              <a:t>Site Web</a:t>
             </a:r>
           </a:p>
         </p:txBody>
@@ -4523,7 +5894,7 @@
     </p:spTree>
     <p:extLst>
       <p:ext uri="{BB962C8B-B14F-4D97-AF65-F5344CB8AC3E}">
-        <p14:creationId xmlns:p14="http://schemas.microsoft.com/office/powerpoint/2010/main" val="4043844798"/>
+        <p14:creationId xmlns:p14="http://schemas.microsoft.com/office/powerpoint/2010/main" val="1577518574"/>
       </p:ext>
     </p:extLst>
   </p:cSld>
@@ -4555,15 +5926,15 @@
           <p:cNvPr id="2" name="Titre 1">
             <a:extLst>
               <a:ext uri="{FF2B5EF4-FFF2-40B4-BE49-F238E27FC236}">
-                <a16:creationId xmlns:a16="http://schemas.microsoft.com/office/drawing/2014/main" id="{890BC6E9-D4BC-4DAD-A17D-F567FF3B6B21}"/>
-              </a:ext>
-            </a:extLst>
-          </p:cNvPr>
-          <p:cNvSpPr>
-            <a:spLocks noGrp="1"/>
-          </p:cNvSpPr>
-          <p:nvPr>
-            <p:ph type="ctrTitle"/>
+                <a16:creationId xmlns:a16="http://schemas.microsoft.com/office/drawing/2014/main" id="{E7FD1173-F167-4DA5-8F08-0BA664800D0B}"/>
+              </a:ext>
+            </a:extLst>
+          </p:cNvPr>
+          <p:cNvSpPr>
+            <a:spLocks noGrp="1"/>
+          </p:cNvSpPr>
+          <p:nvPr>
+            <p:ph type="title"/>
           </p:nvPr>
         </p:nvSpPr>
         <p:spPr/>
@@ -4573,25 +5944,57 @@
           <a:p>
             <a:r>
               <a:rPr lang="fr-FR" dirty="0"/>
-              <a:t>Bootstrap</a:t>
-            </a:r>
-          </a:p>
-        </p:txBody>
-      </p:sp>
-      <p:sp>
-        <p:nvSpPr>
-          <p:cNvPr id="3" name="Sous-titre 2">
-            <a:extLst>
-              <a:ext uri="{FF2B5EF4-FFF2-40B4-BE49-F238E27FC236}">
-                <a16:creationId xmlns:a16="http://schemas.microsoft.com/office/drawing/2014/main" id="{D2220C23-86B0-42F2-8578-AA0D85DD2285}"/>
-              </a:ext>
-            </a:extLst>
-          </p:cNvPr>
-          <p:cNvSpPr>
-            <a:spLocks noGrp="1"/>
-          </p:cNvSpPr>
-          <p:nvPr>
-            <p:ph type="subTitle" idx="1"/>
+              <a:t>Interface Sombre</a:t>
+            </a:r>
+          </a:p>
+        </p:txBody>
+      </p:sp>
+      <p:pic>
+        <p:nvPicPr>
+          <p:cNvPr id="5" name="Espace réservé du contenu 4">
+            <a:extLst>
+              <a:ext uri="{FF2B5EF4-FFF2-40B4-BE49-F238E27FC236}">
+                <a16:creationId xmlns:a16="http://schemas.microsoft.com/office/drawing/2014/main" id="{ECCB4B7F-6F75-4769-9466-AAE43138949D}"/>
+              </a:ext>
+            </a:extLst>
+          </p:cNvPr>
+          <p:cNvPicPr>
+            <a:picLocks noGrp="1" noChangeAspect="1"/>
+          </p:cNvPicPr>
+          <p:nvPr>
+            <p:ph idx="1"/>
+          </p:nvPr>
+        </p:nvPicPr>
+        <p:blipFill>
+          <a:blip r:embed="rId2"/>
+          <a:stretch>
+            <a:fillRect/>
+          </a:stretch>
+        </p:blipFill>
+        <p:spPr>
+          <a:xfrm>
+            <a:off x="838200" y="2063432"/>
+            <a:ext cx="10515600" cy="4196235"/>
+          </a:xfrm>
+          <a:prstGeom prst="rect">
+            <a:avLst/>
+          </a:prstGeom>
+        </p:spPr>
+      </p:pic>
+      <p:sp>
+        <p:nvSpPr>
+          <p:cNvPr id="4" name="Espace réservé du pied de page 3">
+            <a:extLst>
+              <a:ext uri="{FF2B5EF4-FFF2-40B4-BE49-F238E27FC236}">
+                <a16:creationId xmlns:a16="http://schemas.microsoft.com/office/drawing/2014/main" id="{E7FE1876-E168-4C85-8089-3EF4CBD48182}"/>
+              </a:ext>
+            </a:extLst>
+          </p:cNvPr>
+          <p:cNvSpPr>
+            <a:spLocks noGrp="1"/>
+          </p:cNvSpPr>
+          <p:nvPr>
+            <p:ph type="ftr" sz="quarter" idx="11"/>
           </p:nvPr>
         </p:nvSpPr>
         <p:spPr/>
@@ -4600,16 +6003,352 @@
           <a:lstStyle/>
           <a:p>
             <a:r>
-              <a:rPr lang="fr-FR" dirty="0"/>
-              <a:t>HTML/CSS</a:t>
-            </a:r>
+              <a:rPr lang="fr-FR">
+                <a:solidFill>
+                  <a:srgbClr val="C00000"/>
+                </a:solidFill>
+              </a:rPr>
+              <a:t>Mohamed Boukhtam et Stanislas Medrano</a:t>
+            </a:r>
+            <a:endParaRPr lang="fr-FR" dirty="0"/>
           </a:p>
         </p:txBody>
       </p:sp>
     </p:spTree>
     <p:extLst>
       <p:ext uri="{BB962C8B-B14F-4D97-AF65-F5344CB8AC3E}">
-        <p14:creationId xmlns:p14="http://schemas.microsoft.com/office/powerpoint/2010/main" val="1663657063"/>
+        <p14:creationId xmlns:p14="http://schemas.microsoft.com/office/powerpoint/2010/main" val="2981164749"/>
+      </p:ext>
+    </p:extLst>
+  </p:cSld>
+  <p:clrMapOvr>
+    <a:masterClrMapping/>
+  </p:clrMapOvr>
+</p:sld>
+</file>
+
+<file path=ppt/slides/slide7.xml><?xml version="1.0" encoding="utf-8"?>
+<p:sld xmlns:a="http://schemas.openxmlformats.org/drawingml/2006/main" xmlns:r="http://schemas.openxmlformats.org/officeDocument/2006/relationships" xmlns:p="http://schemas.openxmlformats.org/presentationml/2006/main">
+  <p:cSld>
+    <p:spTree>
+      <p:nvGrpSpPr>
+        <p:cNvPr id="1" name=""/>
+        <p:cNvGrpSpPr/>
+        <p:nvPr/>
+      </p:nvGrpSpPr>
+      <p:grpSpPr>
+        <a:xfrm>
+          <a:off x="0" y="0"/>
+          <a:ext cx="0" cy="0"/>
+          <a:chOff x="0" y="0"/>
+          <a:chExt cx="0" cy="0"/>
+        </a:xfrm>
+      </p:grpSpPr>
+      <p:sp>
+        <p:nvSpPr>
+          <p:cNvPr id="2" name="Titre 1">
+            <a:extLst>
+              <a:ext uri="{FF2B5EF4-FFF2-40B4-BE49-F238E27FC236}">
+                <a16:creationId xmlns:a16="http://schemas.microsoft.com/office/drawing/2014/main" id="{89050294-0A89-497B-8DFD-6389ACD39BE1}"/>
+              </a:ext>
+            </a:extLst>
+          </p:cNvPr>
+          <p:cNvSpPr>
+            <a:spLocks noGrp="1"/>
+          </p:cNvSpPr>
+          <p:nvPr>
+            <p:ph type="ctrTitle"/>
+          </p:nvPr>
+        </p:nvSpPr>
+        <p:spPr/>
+        <p:txBody>
+          <a:bodyPr/>
+          <a:lstStyle/>
+          <a:p>
+            <a:r>
+              <a:rPr lang="fr-FR" dirty="0"/>
+              <a:t>Mohamed : Index</a:t>
+            </a:r>
+          </a:p>
+        </p:txBody>
+      </p:sp>
+      <p:sp>
+        <p:nvSpPr>
+          <p:cNvPr id="3" name="Sous-titre 2">
+            <a:extLst>
+              <a:ext uri="{FF2B5EF4-FFF2-40B4-BE49-F238E27FC236}">
+                <a16:creationId xmlns:a16="http://schemas.microsoft.com/office/drawing/2014/main" id="{B7CCF9F9-8239-4AA6-8559-8F3BCB684B97}"/>
+              </a:ext>
+            </a:extLst>
+          </p:cNvPr>
+          <p:cNvSpPr>
+            <a:spLocks noGrp="1"/>
+          </p:cNvSpPr>
+          <p:nvPr>
+            <p:ph type="subTitle" idx="1"/>
+          </p:nvPr>
+        </p:nvSpPr>
+        <p:spPr/>
+        <p:txBody>
+          <a:bodyPr/>
+          <a:lstStyle/>
+          <a:p>
+            <a:r>
+              <a:rPr lang="fr-FR" dirty="0"/>
+              <a:t>Page d’accueil</a:t>
+            </a:r>
+          </a:p>
+        </p:txBody>
+      </p:sp>
+    </p:spTree>
+    <p:extLst>
+      <p:ext uri="{BB962C8B-B14F-4D97-AF65-F5344CB8AC3E}">
+        <p14:creationId xmlns:p14="http://schemas.microsoft.com/office/powerpoint/2010/main" val="2564327627"/>
+      </p:ext>
+    </p:extLst>
+  </p:cSld>
+  <p:clrMapOvr>
+    <a:masterClrMapping/>
+  </p:clrMapOvr>
+</p:sld>
+</file>
+
+<file path=ppt/slides/slide8.xml><?xml version="1.0" encoding="utf-8"?>
+<p:sld xmlns:a="http://schemas.openxmlformats.org/drawingml/2006/main" xmlns:r="http://schemas.openxmlformats.org/officeDocument/2006/relationships" xmlns:p="http://schemas.openxmlformats.org/presentationml/2006/main">
+  <p:cSld>
+    <p:spTree>
+      <p:nvGrpSpPr>
+        <p:cNvPr id="1" name=""/>
+        <p:cNvGrpSpPr/>
+        <p:nvPr/>
+      </p:nvGrpSpPr>
+      <p:grpSpPr>
+        <a:xfrm>
+          <a:off x="0" y="0"/>
+          <a:ext cx="0" cy="0"/>
+          <a:chOff x="0" y="0"/>
+          <a:chExt cx="0" cy="0"/>
+        </a:xfrm>
+      </p:grpSpPr>
+      <p:sp>
+        <p:nvSpPr>
+          <p:cNvPr id="2" name="Titre 1">
+            <a:extLst>
+              <a:ext uri="{FF2B5EF4-FFF2-40B4-BE49-F238E27FC236}">
+                <a16:creationId xmlns:a16="http://schemas.microsoft.com/office/drawing/2014/main" id="{EA4A9D19-45DB-46D6-B524-3D7F98E9021F}"/>
+              </a:ext>
+            </a:extLst>
+          </p:cNvPr>
+          <p:cNvSpPr>
+            <a:spLocks noGrp="1"/>
+          </p:cNvSpPr>
+          <p:nvPr>
+            <p:ph type="title"/>
+          </p:nvPr>
+        </p:nvSpPr>
+        <p:spPr/>
+        <p:txBody>
+          <a:bodyPr/>
+          <a:lstStyle/>
+          <a:p>
+            <a:r>
+              <a:rPr lang="fr-FR" dirty="0"/>
+              <a:t>Page d’accueil</a:t>
+            </a:r>
+          </a:p>
+        </p:txBody>
+      </p:sp>
+      <p:pic>
+        <p:nvPicPr>
+          <p:cNvPr id="5" name="Espace réservé du contenu 4">
+            <a:extLst>
+              <a:ext uri="{FF2B5EF4-FFF2-40B4-BE49-F238E27FC236}">
+                <a16:creationId xmlns:a16="http://schemas.microsoft.com/office/drawing/2014/main" id="{C184E5AA-8567-4483-A9A6-395E438D8769}"/>
+              </a:ext>
+            </a:extLst>
+          </p:cNvPr>
+          <p:cNvPicPr>
+            <a:picLocks noGrp="1" noChangeAspect="1"/>
+          </p:cNvPicPr>
+          <p:nvPr>
+            <p:ph idx="1"/>
+          </p:nvPr>
+        </p:nvPicPr>
+        <p:blipFill>
+          <a:blip r:embed="rId2"/>
+          <a:stretch>
+            <a:fillRect/>
+          </a:stretch>
+        </p:blipFill>
+        <p:spPr>
+          <a:xfrm>
+            <a:off x="838200" y="1826975"/>
+            <a:ext cx="10515600" cy="4348638"/>
+          </a:xfrm>
+          <a:prstGeom prst="rect">
+            <a:avLst/>
+          </a:prstGeom>
+        </p:spPr>
+      </p:pic>
+      <p:sp>
+        <p:nvSpPr>
+          <p:cNvPr id="4" name="Espace réservé du pied de page 3">
+            <a:extLst>
+              <a:ext uri="{FF2B5EF4-FFF2-40B4-BE49-F238E27FC236}">
+                <a16:creationId xmlns:a16="http://schemas.microsoft.com/office/drawing/2014/main" id="{7BB63B9F-0974-47C2-BC29-C0C69DA2010F}"/>
+              </a:ext>
+            </a:extLst>
+          </p:cNvPr>
+          <p:cNvSpPr>
+            <a:spLocks noGrp="1"/>
+          </p:cNvSpPr>
+          <p:nvPr>
+            <p:ph type="ftr" sz="quarter" idx="11"/>
+          </p:nvPr>
+        </p:nvSpPr>
+        <p:spPr/>
+        <p:txBody>
+          <a:bodyPr/>
+          <a:lstStyle/>
+          <a:p>
+            <a:r>
+              <a:rPr lang="fr-FR">
+                <a:solidFill>
+                  <a:srgbClr val="C00000"/>
+                </a:solidFill>
+              </a:rPr>
+              <a:t>Mohamed Boukhtam et Stanislas Medrano</a:t>
+            </a:r>
+            <a:endParaRPr lang="fr-FR" dirty="0"/>
+          </a:p>
+        </p:txBody>
+      </p:sp>
+    </p:spTree>
+    <p:extLst>
+      <p:ext uri="{BB962C8B-B14F-4D97-AF65-F5344CB8AC3E}">
+        <p14:creationId xmlns:p14="http://schemas.microsoft.com/office/powerpoint/2010/main" val="1051434621"/>
+      </p:ext>
+    </p:extLst>
+  </p:cSld>
+  <p:clrMapOvr>
+    <a:masterClrMapping/>
+  </p:clrMapOvr>
+</p:sld>
+</file>
+
+<file path=ppt/slides/slide9.xml><?xml version="1.0" encoding="utf-8"?>
+<p:sld xmlns:a="http://schemas.openxmlformats.org/drawingml/2006/main" xmlns:r="http://schemas.openxmlformats.org/officeDocument/2006/relationships" xmlns:p="http://schemas.openxmlformats.org/presentationml/2006/main">
+  <p:cSld>
+    <p:spTree>
+      <p:nvGrpSpPr>
+        <p:cNvPr id="1" name=""/>
+        <p:cNvGrpSpPr/>
+        <p:nvPr/>
+      </p:nvGrpSpPr>
+      <p:grpSpPr>
+        <a:xfrm>
+          <a:off x="0" y="0"/>
+          <a:ext cx="0" cy="0"/>
+          <a:chOff x="0" y="0"/>
+          <a:chExt cx="0" cy="0"/>
+        </a:xfrm>
+      </p:grpSpPr>
+      <p:sp>
+        <p:nvSpPr>
+          <p:cNvPr id="2" name="Titre 1">
+            <a:extLst>
+              <a:ext uri="{FF2B5EF4-FFF2-40B4-BE49-F238E27FC236}">
+                <a16:creationId xmlns:a16="http://schemas.microsoft.com/office/drawing/2014/main" id="{802C981F-9811-4449-9452-AF236F0C0794}"/>
+              </a:ext>
+            </a:extLst>
+          </p:cNvPr>
+          <p:cNvSpPr>
+            <a:spLocks noGrp="1"/>
+          </p:cNvSpPr>
+          <p:nvPr>
+            <p:ph type="title"/>
+          </p:nvPr>
+        </p:nvSpPr>
+        <p:spPr/>
+        <p:txBody>
+          <a:bodyPr/>
+          <a:lstStyle/>
+          <a:p>
+            <a:r>
+              <a:rPr lang="fr-FR" dirty="0"/>
+              <a:t>Conception</a:t>
+            </a:r>
+          </a:p>
+        </p:txBody>
+      </p:sp>
+      <p:pic>
+        <p:nvPicPr>
+          <p:cNvPr id="5" name="Espace réservé du contenu 4">
+            <a:extLst>
+              <a:ext uri="{FF2B5EF4-FFF2-40B4-BE49-F238E27FC236}">
+                <a16:creationId xmlns:a16="http://schemas.microsoft.com/office/drawing/2014/main" id="{AD444000-6CB4-4D53-86EC-EAA3A9423CB9}"/>
+              </a:ext>
+            </a:extLst>
+          </p:cNvPr>
+          <p:cNvPicPr>
+            <a:picLocks noGrp="1" noChangeAspect="1"/>
+          </p:cNvPicPr>
+          <p:nvPr>
+            <p:ph idx="1"/>
+          </p:nvPr>
+        </p:nvPicPr>
+        <p:blipFill rotWithShape="1">
+          <a:blip r:embed="rId2"/>
+          <a:srcRect r="2903"/>
+          <a:stretch/>
+        </p:blipFill>
+        <p:spPr>
+          <a:xfrm>
+            <a:off x="2215300" y="1690688"/>
+            <a:ext cx="8873248" cy="4351338"/>
+          </a:xfrm>
+          <a:prstGeom prst="rect">
+            <a:avLst/>
+          </a:prstGeom>
+        </p:spPr>
+      </p:pic>
+      <p:sp>
+        <p:nvSpPr>
+          <p:cNvPr id="4" name="Espace réservé du pied de page 3">
+            <a:extLst>
+              <a:ext uri="{FF2B5EF4-FFF2-40B4-BE49-F238E27FC236}">
+                <a16:creationId xmlns:a16="http://schemas.microsoft.com/office/drawing/2014/main" id="{132128DD-15DF-4C96-9AAA-69CB4F4F061D}"/>
+              </a:ext>
+            </a:extLst>
+          </p:cNvPr>
+          <p:cNvSpPr>
+            <a:spLocks noGrp="1"/>
+          </p:cNvSpPr>
+          <p:nvPr>
+            <p:ph type="ftr" sz="quarter" idx="11"/>
+          </p:nvPr>
+        </p:nvSpPr>
+        <p:spPr/>
+        <p:txBody>
+          <a:bodyPr/>
+          <a:lstStyle/>
+          <a:p>
+            <a:r>
+              <a:rPr lang="fr-FR">
+                <a:solidFill>
+                  <a:srgbClr val="C00000"/>
+                </a:solidFill>
+              </a:rPr>
+              <a:t>Mohamed Boukhtam et Stanislas Medrano</a:t>
+            </a:r>
+            <a:endParaRPr lang="fr-FR" dirty="0"/>
+          </a:p>
+        </p:txBody>
+      </p:sp>
+    </p:spTree>
+    <p:extLst>
+      <p:ext uri="{BB962C8B-B14F-4D97-AF65-F5344CB8AC3E}">
+        <p14:creationId xmlns:p14="http://schemas.microsoft.com/office/powerpoint/2010/main" val="1385007500"/>
       </p:ext>
     </p:extLst>
   </p:cSld>

--- a/documents/Projet_Codin_StanislasMedrano_MohamedBoukhtam.pptx
+++ b/documents/Projet_Codin_StanislasMedrano_MohamedBoukhtam.pptx
@@ -5,7 +5,7 @@
     <p:sldMasterId id="2147483648" r:id="rId1"/>
   </p:sldMasterIdLst>
   <p:notesMasterIdLst>
-    <p:notesMasterId r:id="rId16"/>
+    <p:notesMasterId r:id="rId18"/>
   </p:notesMasterIdLst>
   <p:sldIdLst>
     <p:sldId id="256" r:id="rId2"/>
@@ -22,6 +22,8 @@
     <p:sldId id="272" r:id="rId13"/>
     <p:sldId id="273" r:id="rId14"/>
     <p:sldId id="274" r:id="rId15"/>
+    <p:sldId id="275" r:id="rId16"/>
+    <p:sldId id="276" r:id="rId17"/>
   </p:sldIdLst>
   <p:sldSz cx="12192000" cy="6858000"/>
   <p:notesSz cx="6858000" cy="9144000"/>
@@ -159,6 +161,8 @@
             <p14:sldId id="272"/>
             <p14:sldId id="273"/>
             <p14:sldId id="274"/>
+            <p14:sldId id="275"/>
+            <p14:sldId id="276"/>
           </p14:sldIdLst>
         </p14:section>
       </p14:sectionLst>
@@ -252,7 +256,7 @@
           <a:p>
             <a:fld id="{9FDAFD6C-4FD9-4CDD-BE95-B0471555635C}" type="datetimeFigureOut">
               <a:rPr lang="fr-FR" smtClean="0"/>
-              <a:t>01/01/2019</a:t>
+              <a:t>07/01/2019</a:t>
             </a:fld>
             <a:endParaRPr lang="fr-FR"/>
           </a:p>
@@ -685,9 +689,9 @@
           <a:bodyPr/>
           <a:lstStyle/>
           <a:p>
-            <a:fld id="{70D4C0D0-3B41-49C3-AAE4-CAFC0C4A0FD4}" type="datetime1">
+            <a:fld id="{0B52F4D5-6862-4A9E-9CA6-F698B3543A97}" type="datetime1">
               <a:rPr lang="fr-FR" smtClean="0"/>
-              <a:t>01/01/2019</a:t>
+              <a:t>07/01/2019</a:t>
             </a:fld>
             <a:endParaRPr lang="fr-FR"/>
           </a:p>
@@ -887,9 +891,9 @@
           <a:bodyPr/>
           <a:lstStyle/>
           <a:p>
-            <a:fld id="{C258DCBA-16A2-4A0C-A657-9DB4066CD519}" type="datetime1">
+            <a:fld id="{D1007303-1CAE-42DC-97E3-BEEC3F2D2B57}" type="datetime1">
               <a:rPr lang="fr-FR" smtClean="0"/>
-              <a:t>01/01/2019</a:t>
+              <a:t>07/01/2019</a:t>
             </a:fld>
             <a:endParaRPr lang="fr-FR"/>
           </a:p>
@@ -1099,9 +1103,9 @@
           <a:bodyPr/>
           <a:lstStyle/>
           <a:p>
-            <a:fld id="{F0DFE65D-A7A4-44CB-8624-EFCBEF1F892D}" type="datetime1">
+            <a:fld id="{7AFCCBA7-9671-4C9C-AA51-386E153E5C27}" type="datetime1">
               <a:rPr lang="fr-FR" smtClean="0"/>
-              <a:t>01/01/2019</a:t>
+              <a:t>07/01/2019</a:t>
             </a:fld>
             <a:endParaRPr lang="fr-FR"/>
           </a:p>
@@ -1337,9 +1341,9 @@
           <a:bodyPr/>
           <a:lstStyle/>
           <a:p>
-            <a:fld id="{97705AFA-5143-40A0-99D3-4D3128EEA8E0}" type="datetime1">
+            <a:fld id="{8BA00B2E-9D51-46E4-BFAE-9090A1E323A9}" type="datetime1">
               <a:rPr lang="fr-FR" smtClean="0"/>
-              <a:t>01/01/2019</a:t>
+              <a:t>07/01/2019</a:t>
             </a:fld>
             <a:endParaRPr lang="fr-FR"/>
           </a:p>
@@ -1421,13 +1425,18 @@
         <p:spPr/>
         <p:txBody>
           <a:bodyPr/>
-          <a:lstStyle/>
+          <a:lstStyle>
+            <a:lvl1pPr>
+              <a:defRPr sz="2800"/>
+            </a:lvl1pPr>
+          </a:lstStyle>
           <a:p>
             <a:fld id="{76CE9906-4B67-49DF-A550-FF0E09CEFF0C}" type="slidenum">
               <a:rPr lang="fr-FR" smtClean="0"/>
+              <a:pPr/>
               <a:t>‹N°›</a:t>
             </a:fld>
-            <a:endParaRPr lang="fr-FR"/>
+            <a:endParaRPr lang="fr-FR" dirty="0"/>
           </a:p>
         </p:txBody>
       </p:sp>
@@ -1646,9 +1655,9 @@
           <a:bodyPr/>
           <a:lstStyle/>
           <a:p>
-            <a:fld id="{9EA20F54-E068-478B-9A1F-94653F41FB2A}" type="datetime1">
+            <a:fld id="{B3D0F7D3-E869-4E67-A4CD-DE9F3ED74B99}" type="datetime1">
               <a:rPr lang="fr-FR" smtClean="0"/>
-              <a:t>01/01/2019</a:t>
+              <a:t>07/01/2019</a:t>
             </a:fld>
             <a:endParaRPr lang="fr-FR" dirty="0"/>
           </a:p>
@@ -1915,9 +1924,9 @@
           <a:bodyPr/>
           <a:lstStyle/>
           <a:p>
-            <a:fld id="{C23A1464-F7E1-424E-8491-BC263393FFF4}" type="datetime1">
+            <a:fld id="{AD04C7F6-F49D-4C3A-9877-F390B90E77D1}" type="datetime1">
               <a:rPr lang="fr-FR" smtClean="0"/>
-              <a:t>01/01/2019</a:t>
+              <a:t>07/01/2019</a:t>
             </a:fld>
             <a:endParaRPr lang="fr-FR"/>
           </a:p>
@@ -2331,9 +2340,9 @@
           <a:bodyPr/>
           <a:lstStyle/>
           <a:p>
-            <a:fld id="{3E49688E-2E52-4EDD-8534-AFB1FC4EC3D1}" type="datetime1">
+            <a:fld id="{A1A9C08C-1AC6-486B-A879-A6CE5E40B35E}" type="datetime1">
               <a:rPr lang="fr-FR" smtClean="0"/>
-              <a:t>01/01/2019</a:t>
+              <a:t>07/01/2019</a:t>
             </a:fld>
             <a:endParaRPr lang="fr-FR"/>
           </a:p>
@@ -2492,9 +2501,9 @@
             </a:lvl1pPr>
           </a:lstStyle>
           <a:p>
-            <a:fld id="{2A1089A9-C0A3-4924-8152-E94589D9593E}" type="datetime1">
+            <a:fld id="{8AF41311-A9B5-49DA-89EC-CC4E3E3E1A6A}" type="datetime1">
               <a:rPr lang="fr-FR" smtClean="0"/>
-              <a:t>01/01/2019</a:t>
+              <a:t>07/01/2019</a:t>
             </a:fld>
             <a:endParaRPr lang="fr-FR"/>
           </a:p>
@@ -2634,9 +2643,9 @@
             </a:lvl1pPr>
           </a:lstStyle>
           <a:p>
-            <a:fld id="{2A6580AE-BC94-42B8-8A5C-5A01CFE2F7E5}" type="datetime1">
+            <a:fld id="{A270FF7D-5358-41A2-AE8B-82E3D18BCD86}" type="datetime1">
               <a:rPr lang="fr-FR" smtClean="0"/>
-              <a:t>01/01/2019</a:t>
+              <a:t>07/01/2019</a:t>
             </a:fld>
             <a:endParaRPr lang="fr-FR"/>
           </a:p>
@@ -2966,9 +2975,9 @@
           <a:bodyPr/>
           <a:lstStyle/>
           <a:p>
-            <a:fld id="{4317D9AE-B2FC-4D79-AF02-72878D7418F8}" type="datetime1">
+            <a:fld id="{EC891BD4-BCE5-4760-B036-9EC89DDECC15}" type="datetime1">
               <a:rPr lang="fr-FR" smtClean="0"/>
-              <a:t>01/01/2019</a:t>
+              <a:t>07/01/2019</a:t>
             </a:fld>
             <a:endParaRPr lang="fr-FR"/>
           </a:p>
@@ -3258,9 +3267,9 @@
           <a:bodyPr/>
           <a:lstStyle/>
           <a:p>
-            <a:fld id="{F32E9F55-5969-4717-A3F4-F67774483B9D}" type="datetime1">
+            <a:fld id="{25E08C4C-B934-48FE-894D-5655C810967E}" type="datetime1">
               <a:rPr lang="fr-FR" smtClean="0"/>
-              <a:t>01/01/2019</a:t>
+              <a:t>07/01/2019</a:t>
             </a:fld>
             <a:endParaRPr lang="fr-FR"/>
           </a:p>
@@ -3505,9 +3514,9 @@
             </a:lvl1pPr>
           </a:lstStyle>
           <a:p>
-            <a:fld id="{276687DB-9788-47CB-A5B7-2465B5DD8A2D}" type="datetime1">
+            <a:fld id="{4DAA258B-8514-4469-9DB3-0235B168F535}" type="datetime1">
               <a:rPr lang="fr-FR" smtClean="0"/>
-              <a:t>01/01/2019</a:t>
+              <a:t>07/01/2019</a:t>
             </a:fld>
             <a:endParaRPr lang="fr-FR"/>
           </a:p>
@@ -3618,7 +3627,7 @@
             <a:lvl1pPr algn="r">
               <a:defRPr sz="1200">
                 <a:solidFill>
-                  <a:schemeClr val="tx1"/>
+                  <a:srgbClr val="C00000"/>
                 </a:solidFill>
                 <a:latin typeface="Ubuntu" panose="020B0504030602030204" pitchFamily="34" charset="0"/>
               </a:defRPr>
@@ -3630,7 +3639,7 @@
               <a:pPr/>
               <a:t>‹N°›</a:t>
             </a:fld>
-            <a:endParaRPr lang="fr-FR"/>
+            <a:endParaRPr lang="fr-FR" dirty="0"/>
           </a:p>
         </p:txBody>
       </p:sp>
@@ -3727,7 +3736,7 @@
     <p:sldLayoutId id="2147483658" r:id="rId10"/>
     <p:sldLayoutId id="2147483659" r:id="rId11"/>
   </p:sldLayoutIdLst>
-  <p:hf sldNum="0" hdr="0" dt="0"/>
+  <p:hf hdr="0" dt="0"/>
   <p:txStyles>
     <p:titleStyle>
       <a:lvl1pPr algn="l" defTabSz="914400" rtl="0" eaLnBrk="1" latinLnBrk="0" hangingPunct="1">
@@ -4354,39 +4363,6 @@
       </p:pic>
       <p:sp>
         <p:nvSpPr>
-          <p:cNvPr id="4" name="Espace réservé du pied de page 3">
-            <a:extLst>
-              <a:ext uri="{FF2B5EF4-FFF2-40B4-BE49-F238E27FC236}">
-                <a16:creationId xmlns:a16="http://schemas.microsoft.com/office/drawing/2014/main" id="{CE5B6EB1-DE6C-4720-9B5A-BAC8179F7298}"/>
-              </a:ext>
-            </a:extLst>
-          </p:cNvPr>
-          <p:cNvSpPr>
-            <a:spLocks noGrp="1"/>
-          </p:cNvSpPr>
-          <p:nvPr>
-            <p:ph type="ftr" sz="quarter" idx="11"/>
-          </p:nvPr>
-        </p:nvSpPr>
-        <p:spPr/>
-        <p:txBody>
-          <a:bodyPr/>
-          <a:lstStyle/>
-          <a:p>
-            <a:r>
-              <a:rPr lang="fr-FR">
-                <a:solidFill>
-                  <a:srgbClr val="C00000"/>
-                </a:solidFill>
-              </a:rPr>
-              <a:t>Mohamed Boukhtam et Stanislas Medrano</a:t>
-            </a:r>
-            <a:endParaRPr lang="fr-FR" dirty="0"/>
-          </a:p>
-        </p:txBody>
-      </p:sp>
-      <p:sp>
-        <p:nvSpPr>
           <p:cNvPr id="7" name="Espace réservé du contenu 2">
             <a:extLst>
               <a:ext uri="{FF2B5EF4-FFF2-40B4-BE49-F238E27FC236}">
@@ -4599,6 +4575,68 @@
           </a:p>
         </p:txBody>
       </p:sp>
+      <p:sp>
+        <p:nvSpPr>
+          <p:cNvPr id="3" name="Espace réservé du numéro de diapositive 2">
+            <a:extLst>
+              <a:ext uri="{FF2B5EF4-FFF2-40B4-BE49-F238E27FC236}">
+                <a16:creationId xmlns:a16="http://schemas.microsoft.com/office/drawing/2014/main" id="{34BE7C4F-A916-42E3-9833-861E827C2D04}"/>
+              </a:ext>
+            </a:extLst>
+          </p:cNvPr>
+          <p:cNvSpPr>
+            <a:spLocks noGrp="1"/>
+          </p:cNvSpPr>
+          <p:nvPr>
+            <p:ph type="sldNum" sz="quarter" idx="12"/>
+          </p:nvPr>
+        </p:nvSpPr>
+        <p:spPr/>
+        <p:txBody>
+          <a:bodyPr/>
+          <a:lstStyle/>
+          <a:p>
+            <a:fld id="{76CE9906-4B67-49DF-A550-FF0E09CEFF0C}" type="slidenum">
+              <a:rPr lang="fr-FR" smtClean="0"/>
+              <a:t>11</a:t>
+            </a:fld>
+            <a:endParaRPr lang="fr-FR" dirty="0"/>
+          </a:p>
+        </p:txBody>
+      </p:sp>
+      <p:sp>
+        <p:nvSpPr>
+          <p:cNvPr id="6" name="Espace réservé du pied de page 5">
+            <a:extLst>
+              <a:ext uri="{FF2B5EF4-FFF2-40B4-BE49-F238E27FC236}">
+                <a16:creationId xmlns:a16="http://schemas.microsoft.com/office/drawing/2014/main" id="{C7DA69C7-8642-46B5-B239-A1A21CD94892}"/>
+              </a:ext>
+            </a:extLst>
+          </p:cNvPr>
+          <p:cNvSpPr>
+            <a:spLocks noGrp="1"/>
+          </p:cNvSpPr>
+          <p:nvPr>
+            <p:ph type="ftr" sz="quarter" idx="11"/>
+          </p:nvPr>
+        </p:nvSpPr>
+        <p:spPr/>
+        <p:txBody>
+          <a:bodyPr/>
+          <a:lstStyle/>
+          <a:p>
+            <a:r>
+              <a:rPr lang="fr-FR">
+                <a:solidFill>
+                  <a:srgbClr val="C00000"/>
+                </a:solidFill>
+              </a:rPr>
+              <a:t>Mohamed Boukhtam et Stanislas Medrano</a:t>
+            </a:r>
+            <a:endParaRPr lang="fr-FR" dirty="0"/>
+          </a:p>
+        </p:txBody>
+      </p:sp>
     </p:spTree>
     <p:extLst>
       <p:ext uri="{BB962C8B-B14F-4D97-AF65-F5344CB8AC3E}">
@@ -4692,39 +4730,6 @@
             </a:r>
           </a:p>
           <a:p>
-            <a:endParaRPr lang="fr-FR" dirty="0"/>
-          </a:p>
-        </p:txBody>
-      </p:sp>
-      <p:sp>
-        <p:nvSpPr>
-          <p:cNvPr id="4" name="Espace réservé du pied de page 3">
-            <a:extLst>
-              <a:ext uri="{FF2B5EF4-FFF2-40B4-BE49-F238E27FC236}">
-                <a16:creationId xmlns:a16="http://schemas.microsoft.com/office/drawing/2014/main" id="{281EED2B-861E-417B-8468-328947B8A6D6}"/>
-              </a:ext>
-            </a:extLst>
-          </p:cNvPr>
-          <p:cNvSpPr>
-            <a:spLocks noGrp="1"/>
-          </p:cNvSpPr>
-          <p:nvPr>
-            <p:ph type="ftr" sz="quarter" idx="11"/>
-          </p:nvPr>
-        </p:nvSpPr>
-        <p:spPr/>
-        <p:txBody>
-          <a:bodyPr/>
-          <a:lstStyle/>
-          <a:p>
-            <a:r>
-              <a:rPr lang="fr-FR">
-                <a:solidFill>
-                  <a:srgbClr val="C00000"/>
-                </a:solidFill>
-              </a:rPr>
-              <a:t>Mohamed Boukhtam et Stanislas Medrano</a:t>
-            </a:r>
             <a:endParaRPr lang="fr-FR" dirty="0"/>
           </a:p>
         </p:txBody>
@@ -4897,6 +4902,68 @@
           </a:prstGeom>
         </p:spPr>
       </p:pic>
+      <p:sp>
+        <p:nvSpPr>
+          <p:cNvPr id="7" name="Espace réservé du numéro de diapositive 6">
+            <a:extLst>
+              <a:ext uri="{FF2B5EF4-FFF2-40B4-BE49-F238E27FC236}">
+                <a16:creationId xmlns:a16="http://schemas.microsoft.com/office/drawing/2014/main" id="{C5369E2F-F6A5-44E5-B573-4D9CFC7C1D58}"/>
+              </a:ext>
+            </a:extLst>
+          </p:cNvPr>
+          <p:cNvSpPr>
+            <a:spLocks noGrp="1"/>
+          </p:cNvSpPr>
+          <p:nvPr>
+            <p:ph type="sldNum" sz="quarter" idx="12"/>
+          </p:nvPr>
+        </p:nvSpPr>
+        <p:spPr/>
+        <p:txBody>
+          <a:bodyPr/>
+          <a:lstStyle/>
+          <a:p>
+            <a:fld id="{76CE9906-4B67-49DF-A550-FF0E09CEFF0C}" type="slidenum">
+              <a:rPr lang="fr-FR" smtClean="0"/>
+              <a:t>12</a:t>
+            </a:fld>
+            <a:endParaRPr lang="fr-FR" dirty="0"/>
+          </a:p>
+        </p:txBody>
+      </p:sp>
+      <p:sp>
+        <p:nvSpPr>
+          <p:cNvPr id="9" name="Espace réservé du pied de page 8">
+            <a:extLst>
+              <a:ext uri="{FF2B5EF4-FFF2-40B4-BE49-F238E27FC236}">
+                <a16:creationId xmlns:a16="http://schemas.microsoft.com/office/drawing/2014/main" id="{453E87D2-CBEC-4B31-AAAB-C7DAC8F11791}"/>
+              </a:ext>
+            </a:extLst>
+          </p:cNvPr>
+          <p:cNvSpPr>
+            <a:spLocks noGrp="1"/>
+          </p:cNvSpPr>
+          <p:nvPr>
+            <p:ph type="ftr" sz="quarter" idx="11"/>
+          </p:nvPr>
+        </p:nvSpPr>
+        <p:spPr/>
+        <p:txBody>
+          <a:bodyPr/>
+          <a:lstStyle/>
+          <a:p>
+            <a:r>
+              <a:rPr lang="fr-FR">
+                <a:solidFill>
+                  <a:srgbClr val="C00000"/>
+                </a:solidFill>
+              </a:rPr>
+              <a:t>Mohamed Boukhtam et Stanislas Medrano</a:t>
+            </a:r>
+            <a:endParaRPr lang="fr-FR" dirty="0"/>
+          </a:p>
+        </p:txBody>
+      </p:sp>
     </p:spTree>
     <p:extLst>
       <p:ext uri="{BB962C8B-B14F-4D97-AF65-F5344CB8AC3E}">
@@ -4955,39 +5022,6 @@
           </a:p>
         </p:txBody>
       </p:sp>
-      <p:sp>
-        <p:nvSpPr>
-          <p:cNvPr id="4" name="Espace réservé du pied de page 3">
-            <a:extLst>
-              <a:ext uri="{FF2B5EF4-FFF2-40B4-BE49-F238E27FC236}">
-                <a16:creationId xmlns:a16="http://schemas.microsoft.com/office/drawing/2014/main" id="{9760EBA8-82D0-483E-818D-37CC17928715}"/>
-              </a:ext>
-            </a:extLst>
-          </p:cNvPr>
-          <p:cNvSpPr>
-            <a:spLocks noGrp="1"/>
-          </p:cNvSpPr>
-          <p:nvPr>
-            <p:ph type="ftr" sz="quarter" idx="11"/>
-          </p:nvPr>
-        </p:nvSpPr>
-        <p:spPr/>
-        <p:txBody>
-          <a:bodyPr/>
-          <a:lstStyle/>
-          <a:p>
-            <a:r>
-              <a:rPr lang="fr-FR">
-                <a:solidFill>
-                  <a:srgbClr val="C00000"/>
-                </a:solidFill>
-              </a:rPr>
-              <a:t>Mohamed Boukhtam et Stanislas Medrano</a:t>
-            </a:r>
-            <a:endParaRPr lang="fr-FR" dirty="0"/>
-          </a:p>
-        </p:txBody>
-      </p:sp>
       <p:pic>
         <p:nvPicPr>
           <p:cNvPr id="6" name="Espace réservé du contenu 5">
@@ -5020,6 +5054,68 @@
           </a:prstGeom>
         </p:spPr>
       </p:pic>
+      <p:sp>
+        <p:nvSpPr>
+          <p:cNvPr id="3" name="Espace réservé du numéro de diapositive 2">
+            <a:extLst>
+              <a:ext uri="{FF2B5EF4-FFF2-40B4-BE49-F238E27FC236}">
+                <a16:creationId xmlns:a16="http://schemas.microsoft.com/office/drawing/2014/main" id="{6D2ECA22-2260-4372-BF98-96188A0EF0C9}"/>
+              </a:ext>
+            </a:extLst>
+          </p:cNvPr>
+          <p:cNvSpPr>
+            <a:spLocks noGrp="1"/>
+          </p:cNvSpPr>
+          <p:nvPr>
+            <p:ph type="sldNum" sz="quarter" idx="12"/>
+          </p:nvPr>
+        </p:nvSpPr>
+        <p:spPr/>
+        <p:txBody>
+          <a:bodyPr/>
+          <a:lstStyle/>
+          <a:p>
+            <a:fld id="{76CE9906-4B67-49DF-A550-FF0E09CEFF0C}" type="slidenum">
+              <a:rPr lang="fr-FR" smtClean="0"/>
+              <a:t>13</a:t>
+            </a:fld>
+            <a:endParaRPr lang="fr-FR" dirty="0"/>
+          </a:p>
+        </p:txBody>
+      </p:sp>
+      <p:sp>
+        <p:nvSpPr>
+          <p:cNvPr id="5" name="Espace réservé du pied de page 4">
+            <a:extLst>
+              <a:ext uri="{FF2B5EF4-FFF2-40B4-BE49-F238E27FC236}">
+                <a16:creationId xmlns:a16="http://schemas.microsoft.com/office/drawing/2014/main" id="{5A4646D1-ADE2-49BC-AD82-61B35DF3B7C2}"/>
+              </a:ext>
+            </a:extLst>
+          </p:cNvPr>
+          <p:cNvSpPr>
+            <a:spLocks noGrp="1"/>
+          </p:cNvSpPr>
+          <p:nvPr>
+            <p:ph type="ftr" sz="quarter" idx="11"/>
+          </p:nvPr>
+        </p:nvSpPr>
+        <p:spPr/>
+        <p:txBody>
+          <a:bodyPr/>
+          <a:lstStyle/>
+          <a:p>
+            <a:r>
+              <a:rPr lang="fr-FR">
+                <a:solidFill>
+                  <a:srgbClr val="C00000"/>
+                </a:solidFill>
+              </a:rPr>
+              <a:t>Mohamed Boukhtam et Stanislas Medrano</a:t>
+            </a:r>
+            <a:endParaRPr lang="fr-FR" dirty="0"/>
+          </a:p>
+        </p:txBody>
+      </p:sp>
     </p:spTree>
     <p:extLst>
       <p:ext uri="{BB962C8B-B14F-4D97-AF65-F5344CB8AC3E}">
@@ -5055,7 +5151,93 @@
           <p:cNvPr id="2" name="Titre 1">
             <a:extLst>
               <a:ext uri="{FF2B5EF4-FFF2-40B4-BE49-F238E27FC236}">
-                <a16:creationId xmlns:a16="http://schemas.microsoft.com/office/drawing/2014/main" id="{7D555E21-DE72-41D4-A4E5-89A70A561EB6}"/>
+                <a16:creationId xmlns:a16="http://schemas.microsoft.com/office/drawing/2014/main" id="{88A40913-6640-4A0A-AF84-BC572E30B01D}"/>
+              </a:ext>
+            </a:extLst>
+          </p:cNvPr>
+          <p:cNvSpPr>
+            <a:spLocks noGrp="1"/>
+          </p:cNvSpPr>
+          <p:nvPr>
+            <p:ph type="ctrTitle"/>
+          </p:nvPr>
+        </p:nvSpPr>
+        <p:spPr/>
+        <p:txBody>
+          <a:bodyPr/>
+          <a:lstStyle/>
+          <a:p>
+            <a:r>
+              <a:rPr lang="fr-FR" dirty="0"/>
+              <a:t>Bilan - Améliorations</a:t>
+            </a:r>
+          </a:p>
+        </p:txBody>
+      </p:sp>
+      <p:sp>
+        <p:nvSpPr>
+          <p:cNvPr id="3" name="Sous-titre 2">
+            <a:extLst>
+              <a:ext uri="{FF2B5EF4-FFF2-40B4-BE49-F238E27FC236}">
+                <a16:creationId xmlns:a16="http://schemas.microsoft.com/office/drawing/2014/main" id="{E94161E1-DA60-467F-A050-AE23BCE6E324}"/>
+              </a:ext>
+            </a:extLst>
+          </p:cNvPr>
+          <p:cNvSpPr>
+            <a:spLocks noGrp="1"/>
+          </p:cNvSpPr>
+          <p:nvPr>
+            <p:ph type="subTitle" idx="1"/>
+          </p:nvPr>
+        </p:nvSpPr>
+        <p:spPr/>
+        <p:txBody>
+          <a:bodyPr/>
+          <a:lstStyle/>
+          <a:p>
+            <a:r>
+              <a:rPr lang="fr-FR" dirty="0"/>
+              <a:t>Site web</a:t>
+            </a:r>
+          </a:p>
+        </p:txBody>
+      </p:sp>
+    </p:spTree>
+    <p:extLst>
+      <p:ext uri="{BB962C8B-B14F-4D97-AF65-F5344CB8AC3E}">
+        <p14:creationId xmlns:p14="http://schemas.microsoft.com/office/powerpoint/2010/main" val="3133767685"/>
+      </p:ext>
+    </p:extLst>
+  </p:cSld>
+  <p:clrMapOvr>
+    <a:masterClrMapping/>
+  </p:clrMapOvr>
+</p:sld>
+</file>
+
+<file path=ppt/slides/slide15.xml><?xml version="1.0" encoding="utf-8"?>
+<p:sld xmlns:a="http://schemas.openxmlformats.org/drawingml/2006/main" xmlns:r="http://schemas.openxmlformats.org/officeDocument/2006/relationships" xmlns:p="http://schemas.openxmlformats.org/presentationml/2006/main">
+  <p:cSld>
+    <p:spTree>
+      <p:nvGrpSpPr>
+        <p:cNvPr id="1" name=""/>
+        <p:cNvGrpSpPr/>
+        <p:nvPr/>
+      </p:nvGrpSpPr>
+      <p:grpSpPr>
+        <a:xfrm>
+          <a:off x="0" y="0"/>
+          <a:ext cx="0" cy="0"/>
+          <a:chOff x="0" y="0"/>
+          <a:chExt cx="0" cy="0"/>
+        </a:xfrm>
+      </p:grpSpPr>
+      <p:sp>
+        <p:nvSpPr>
+          <p:cNvPr id="2" name="Titre 1">
+            <a:extLst>
+              <a:ext uri="{FF2B5EF4-FFF2-40B4-BE49-F238E27FC236}">
+                <a16:creationId xmlns:a16="http://schemas.microsoft.com/office/drawing/2014/main" id="{438EEDA2-7C80-412A-8188-469B4BA37C3E}"/>
               </a:ext>
             </a:extLst>
           </p:cNvPr>
@@ -5073,7 +5255,7 @@
           <a:p>
             <a:r>
               <a:rPr lang="fr-FR" dirty="0"/>
-              <a:t>CSS</a:t>
+              <a:t>Améliorations</a:t>
             </a:r>
           </a:p>
         </p:txBody>
@@ -5083,7 +5265,7 @@
           <p:cNvPr id="3" name="Espace réservé du contenu 2">
             <a:extLst>
               <a:ext uri="{FF2B5EF4-FFF2-40B4-BE49-F238E27FC236}">
-                <a16:creationId xmlns:a16="http://schemas.microsoft.com/office/drawing/2014/main" id="{D98D43CB-3F64-4A88-BC88-A5ED245CDA56}"/>
+                <a16:creationId xmlns:a16="http://schemas.microsoft.com/office/drawing/2014/main" id="{B1C51046-97D3-463A-BC23-E4CF33428F31}"/>
               </a:ext>
             </a:extLst>
           </p:cNvPr>
@@ -5099,7 +5281,22 @@
           <a:bodyPr/>
           <a:lstStyle/>
           <a:p>
-            <a:endParaRPr lang="fr-FR" dirty="0"/>
+            <a:r>
+              <a:rPr lang="fr-FR" dirty="0"/>
+              <a:t>PHP pour prendre en compte les avis ?</a:t>
+            </a:r>
+          </a:p>
+          <a:p>
+            <a:r>
+              <a:rPr lang="fr-FR" dirty="0"/>
+              <a:t>Dynamisme du site ?</a:t>
+            </a:r>
+          </a:p>
+          <a:p>
+            <a:r>
+              <a:rPr lang="fr-FR" dirty="0"/>
+              <a:t>Plus de technique ?</a:t>
+            </a:r>
           </a:p>
         </p:txBody>
       </p:sp>
@@ -5108,7 +5305,7 @@
           <p:cNvPr id="4" name="Espace réservé du pied de page 3">
             <a:extLst>
               <a:ext uri="{FF2B5EF4-FFF2-40B4-BE49-F238E27FC236}">
-                <a16:creationId xmlns:a16="http://schemas.microsoft.com/office/drawing/2014/main" id="{F66C96B7-11B3-48BA-87C7-174EB9C66C06}"/>
+                <a16:creationId xmlns:a16="http://schemas.microsoft.com/office/drawing/2014/main" id="{7216E244-7D31-4FA2-8DBD-B52FC400BA7A}"/>
               </a:ext>
             </a:extLst>
           </p:cNvPr>
@@ -5136,10 +5333,126 @@
           </a:p>
         </p:txBody>
       </p:sp>
+      <p:sp>
+        <p:nvSpPr>
+          <p:cNvPr id="5" name="Espace réservé du numéro de diapositive 4">
+            <a:extLst>
+              <a:ext uri="{FF2B5EF4-FFF2-40B4-BE49-F238E27FC236}">
+                <a16:creationId xmlns:a16="http://schemas.microsoft.com/office/drawing/2014/main" id="{F9B943C1-D720-4119-82DD-3073AC3A9581}"/>
+              </a:ext>
+            </a:extLst>
+          </p:cNvPr>
+          <p:cNvSpPr>
+            <a:spLocks noGrp="1"/>
+          </p:cNvSpPr>
+          <p:nvPr>
+            <p:ph type="sldNum" sz="quarter" idx="12"/>
+          </p:nvPr>
+        </p:nvSpPr>
+        <p:spPr/>
+        <p:txBody>
+          <a:bodyPr/>
+          <a:lstStyle/>
+          <a:p>
+            <a:fld id="{76CE9906-4B67-49DF-A550-FF0E09CEFF0C}" type="slidenum">
+              <a:rPr lang="fr-FR" smtClean="0"/>
+              <a:pPr/>
+              <a:t>15</a:t>
+            </a:fld>
+            <a:endParaRPr lang="fr-FR" dirty="0"/>
+          </a:p>
+        </p:txBody>
+      </p:sp>
     </p:spTree>
     <p:extLst>
       <p:ext uri="{BB962C8B-B14F-4D97-AF65-F5344CB8AC3E}">
-        <p14:creationId xmlns:p14="http://schemas.microsoft.com/office/powerpoint/2010/main" val="4117980996"/>
+        <p14:creationId xmlns:p14="http://schemas.microsoft.com/office/powerpoint/2010/main" val="1533420274"/>
+      </p:ext>
+    </p:extLst>
+  </p:cSld>
+  <p:clrMapOvr>
+    <a:masterClrMapping/>
+  </p:clrMapOvr>
+</p:sld>
+</file>
+
+<file path=ppt/slides/slide16.xml><?xml version="1.0" encoding="utf-8"?>
+<p:sld xmlns:a="http://schemas.openxmlformats.org/drawingml/2006/main" xmlns:r="http://schemas.openxmlformats.org/officeDocument/2006/relationships" xmlns:p="http://schemas.openxmlformats.org/presentationml/2006/main">
+  <p:cSld>
+    <p:spTree>
+      <p:nvGrpSpPr>
+        <p:cNvPr id="1" name=""/>
+        <p:cNvGrpSpPr/>
+        <p:nvPr/>
+      </p:nvGrpSpPr>
+      <p:grpSpPr>
+        <a:xfrm>
+          <a:off x="0" y="0"/>
+          <a:ext cx="0" cy="0"/>
+          <a:chOff x="0" y="0"/>
+          <a:chExt cx="0" cy="0"/>
+        </a:xfrm>
+      </p:grpSpPr>
+      <p:sp>
+        <p:nvSpPr>
+          <p:cNvPr id="2" name="Titre 1">
+            <a:extLst>
+              <a:ext uri="{FF2B5EF4-FFF2-40B4-BE49-F238E27FC236}">
+                <a16:creationId xmlns:a16="http://schemas.microsoft.com/office/drawing/2014/main" id="{902CFF90-9C9F-4A34-BAF4-AE819F6DD808}"/>
+              </a:ext>
+            </a:extLst>
+          </p:cNvPr>
+          <p:cNvSpPr>
+            <a:spLocks noGrp="1"/>
+          </p:cNvSpPr>
+          <p:nvPr>
+            <p:ph type="ctrTitle"/>
+          </p:nvPr>
+        </p:nvSpPr>
+        <p:spPr/>
+        <p:txBody>
+          <a:bodyPr/>
+          <a:lstStyle/>
+          <a:p>
+            <a:r>
+              <a:rPr lang="fr-FR" dirty="0"/>
+              <a:t>Questions</a:t>
+            </a:r>
+          </a:p>
+        </p:txBody>
+      </p:sp>
+      <p:sp>
+        <p:nvSpPr>
+          <p:cNvPr id="3" name="Sous-titre 2">
+            <a:extLst>
+              <a:ext uri="{FF2B5EF4-FFF2-40B4-BE49-F238E27FC236}">
+                <a16:creationId xmlns:a16="http://schemas.microsoft.com/office/drawing/2014/main" id="{7F7281C3-FF2D-4F59-9FC7-B09321FF577F}"/>
+              </a:ext>
+            </a:extLst>
+          </p:cNvPr>
+          <p:cNvSpPr>
+            <a:spLocks noGrp="1"/>
+          </p:cNvSpPr>
+          <p:nvPr>
+            <p:ph type="subTitle" idx="1"/>
+          </p:nvPr>
+        </p:nvSpPr>
+        <p:spPr/>
+        <p:txBody>
+          <a:bodyPr/>
+          <a:lstStyle/>
+          <a:p>
+            <a:r>
+              <a:rPr lang="fr-FR" dirty="0"/>
+              <a:t>Merci de votre écoute !</a:t>
+            </a:r>
+          </a:p>
+        </p:txBody>
+      </p:sp>
+    </p:spTree>
+    <p:extLst>
+      <p:ext uri="{BB962C8B-B14F-4D97-AF65-F5344CB8AC3E}">
+        <p14:creationId xmlns:p14="http://schemas.microsoft.com/office/powerpoint/2010/main" val="777066624"/>
       </p:ext>
     </p:extLst>
   </p:cSld>
@@ -5251,10 +5564,39 @@
       </p:sp>
       <p:sp>
         <p:nvSpPr>
-          <p:cNvPr id="4" name="Espace réservé du pied de page 3">
-            <a:extLst>
-              <a:ext uri="{FF2B5EF4-FFF2-40B4-BE49-F238E27FC236}">
-                <a16:creationId xmlns:a16="http://schemas.microsoft.com/office/drawing/2014/main" id="{B6543F3C-4DAB-4054-AA35-C9663A57AAC8}"/>
+          <p:cNvPr id="5" name="Espace réservé du numéro de diapositive 4">
+            <a:extLst>
+              <a:ext uri="{FF2B5EF4-FFF2-40B4-BE49-F238E27FC236}">
+                <a16:creationId xmlns:a16="http://schemas.microsoft.com/office/drawing/2014/main" id="{4C91EBD7-8D9D-46A7-A90A-8F942E4D442A}"/>
+              </a:ext>
+            </a:extLst>
+          </p:cNvPr>
+          <p:cNvSpPr>
+            <a:spLocks noGrp="1"/>
+          </p:cNvSpPr>
+          <p:nvPr>
+            <p:ph type="sldNum" sz="quarter" idx="12"/>
+          </p:nvPr>
+        </p:nvSpPr>
+        <p:spPr/>
+        <p:txBody>
+          <a:bodyPr/>
+          <a:lstStyle/>
+          <a:p>
+            <a:fld id="{76CE9906-4B67-49DF-A550-FF0E09CEFF0C}" type="slidenum">
+              <a:rPr lang="fr-FR" smtClean="0"/>
+              <a:t>2</a:t>
+            </a:fld>
+            <a:endParaRPr lang="fr-FR" dirty="0"/>
+          </a:p>
+        </p:txBody>
+      </p:sp>
+      <p:sp>
+        <p:nvSpPr>
+          <p:cNvPr id="6" name="Espace réservé du pied de page 5">
+            <a:extLst>
+              <a:ext uri="{FF2B5EF4-FFF2-40B4-BE49-F238E27FC236}">
+                <a16:creationId xmlns:a16="http://schemas.microsoft.com/office/drawing/2014/main" id="{1D3B8FD9-B610-4644-A4B4-517CCBFBDF2F}"/>
               </a:ext>
             </a:extLst>
           </p:cNvPr>
@@ -5388,39 +5730,6 @@
           </a:p>
         </p:txBody>
       </p:sp>
-      <p:sp>
-        <p:nvSpPr>
-          <p:cNvPr id="4" name="Espace réservé du pied de page 3">
-            <a:extLst>
-              <a:ext uri="{FF2B5EF4-FFF2-40B4-BE49-F238E27FC236}">
-                <a16:creationId xmlns:a16="http://schemas.microsoft.com/office/drawing/2014/main" id="{565F5766-BB98-4DEC-8D94-8FF21E249BCD}"/>
-              </a:ext>
-            </a:extLst>
-          </p:cNvPr>
-          <p:cNvSpPr>
-            <a:spLocks noGrp="1"/>
-          </p:cNvSpPr>
-          <p:nvPr>
-            <p:ph type="ftr" sz="quarter" idx="11"/>
-          </p:nvPr>
-        </p:nvSpPr>
-        <p:spPr/>
-        <p:txBody>
-          <a:bodyPr/>
-          <a:lstStyle/>
-          <a:p>
-            <a:r>
-              <a:rPr lang="fr-FR">
-                <a:solidFill>
-                  <a:srgbClr val="C00000"/>
-                </a:solidFill>
-              </a:rPr>
-              <a:t>Mohamed Boukhtam et Stanislas Medrano</a:t>
-            </a:r>
-            <a:endParaRPr lang="fr-FR" dirty="0"/>
-          </a:p>
-        </p:txBody>
-      </p:sp>
       <p:pic>
         <p:nvPicPr>
           <p:cNvPr id="6" name="Graphique 5" descr="Ordinateur portable">
@@ -5538,6 +5847,68 @@
           </a:prstGeom>
         </p:spPr>
       </p:pic>
+      <p:sp>
+        <p:nvSpPr>
+          <p:cNvPr id="5" name="Espace réservé du numéro de diapositive 4">
+            <a:extLst>
+              <a:ext uri="{FF2B5EF4-FFF2-40B4-BE49-F238E27FC236}">
+                <a16:creationId xmlns:a16="http://schemas.microsoft.com/office/drawing/2014/main" id="{89517A6B-9EB9-462C-8456-8A852B9C8D7F}"/>
+              </a:ext>
+            </a:extLst>
+          </p:cNvPr>
+          <p:cNvSpPr>
+            <a:spLocks noGrp="1"/>
+          </p:cNvSpPr>
+          <p:nvPr>
+            <p:ph type="sldNum" sz="quarter" idx="12"/>
+          </p:nvPr>
+        </p:nvSpPr>
+        <p:spPr/>
+        <p:txBody>
+          <a:bodyPr/>
+          <a:lstStyle/>
+          <a:p>
+            <a:fld id="{76CE9906-4B67-49DF-A550-FF0E09CEFF0C}" type="slidenum">
+              <a:rPr lang="fr-FR" smtClean="0"/>
+              <a:t>3</a:t>
+            </a:fld>
+            <a:endParaRPr lang="fr-FR" dirty="0"/>
+          </a:p>
+        </p:txBody>
+      </p:sp>
+      <p:sp>
+        <p:nvSpPr>
+          <p:cNvPr id="7" name="Espace réservé du pied de page 6">
+            <a:extLst>
+              <a:ext uri="{FF2B5EF4-FFF2-40B4-BE49-F238E27FC236}">
+                <a16:creationId xmlns:a16="http://schemas.microsoft.com/office/drawing/2014/main" id="{1ECF7052-04F0-4ADD-BE16-0FFF2CEDB6B5}"/>
+              </a:ext>
+            </a:extLst>
+          </p:cNvPr>
+          <p:cNvSpPr>
+            <a:spLocks noGrp="1"/>
+          </p:cNvSpPr>
+          <p:nvPr>
+            <p:ph type="ftr" sz="quarter" idx="11"/>
+          </p:nvPr>
+        </p:nvSpPr>
+        <p:spPr/>
+        <p:txBody>
+          <a:bodyPr/>
+          <a:lstStyle/>
+          <a:p>
+            <a:r>
+              <a:rPr lang="fr-FR">
+                <a:solidFill>
+                  <a:srgbClr val="C00000"/>
+                </a:solidFill>
+              </a:rPr>
+              <a:t>Mohamed Boukhtam et Stanislas Medrano</a:t>
+            </a:r>
+            <a:endParaRPr lang="fr-FR" dirty="0"/>
+          </a:p>
+        </p:txBody>
+      </p:sp>
     </p:spTree>
     <p:extLst>
       <p:ext uri="{BB962C8B-B14F-4D97-AF65-F5344CB8AC3E}">
@@ -5637,39 +6008,6 @@
             <a:endParaRPr lang="fr-FR" dirty="0"/>
           </a:p>
           <a:p>
-            <a:endParaRPr lang="fr-FR" dirty="0"/>
-          </a:p>
-        </p:txBody>
-      </p:sp>
-      <p:sp>
-        <p:nvSpPr>
-          <p:cNvPr id="4" name="Espace réservé du pied de page 3">
-            <a:extLst>
-              <a:ext uri="{FF2B5EF4-FFF2-40B4-BE49-F238E27FC236}">
-                <a16:creationId xmlns:a16="http://schemas.microsoft.com/office/drawing/2014/main" id="{D521E671-3DDC-4035-96C0-005A9AEDD5B2}"/>
-              </a:ext>
-            </a:extLst>
-          </p:cNvPr>
-          <p:cNvSpPr>
-            <a:spLocks noGrp="1"/>
-          </p:cNvSpPr>
-          <p:nvPr>
-            <p:ph type="ftr" sz="quarter" idx="11"/>
-          </p:nvPr>
-        </p:nvSpPr>
-        <p:spPr/>
-        <p:txBody>
-          <a:bodyPr/>
-          <a:lstStyle/>
-          <a:p>
-            <a:r>
-              <a:rPr lang="fr-FR">
-                <a:solidFill>
-                  <a:srgbClr val="C00000"/>
-                </a:solidFill>
-              </a:rPr>
-              <a:t>Mohamed Boukhtam et Stanislas Medrano</a:t>
-            </a:r>
             <a:endParaRPr lang="fr-FR" dirty="0"/>
           </a:p>
         </p:txBody>
@@ -5803,6 +6141,68 @@
           </p:spPr>
         </p:pic>
       </p:grpSp>
+      <p:sp>
+        <p:nvSpPr>
+          <p:cNvPr id="5" name="Espace réservé du numéro de diapositive 4">
+            <a:extLst>
+              <a:ext uri="{FF2B5EF4-FFF2-40B4-BE49-F238E27FC236}">
+                <a16:creationId xmlns:a16="http://schemas.microsoft.com/office/drawing/2014/main" id="{09B8AC71-79C1-4ED7-AA4D-2B5845348B00}"/>
+              </a:ext>
+            </a:extLst>
+          </p:cNvPr>
+          <p:cNvSpPr>
+            <a:spLocks noGrp="1"/>
+          </p:cNvSpPr>
+          <p:nvPr>
+            <p:ph type="sldNum" sz="quarter" idx="12"/>
+          </p:nvPr>
+        </p:nvSpPr>
+        <p:spPr/>
+        <p:txBody>
+          <a:bodyPr/>
+          <a:lstStyle/>
+          <a:p>
+            <a:fld id="{76CE9906-4B67-49DF-A550-FF0E09CEFF0C}" type="slidenum">
+              <a:rPr lang="fr-FR" smtClean="0"/>
+              <a:t>4</a:t>
+            </a:fld>
+            <a:endParaRPr lang="fr-FR" dirty="0"/>
+          </a:p>
+        </p:txBody>
+      </p:sp>
+      <p:sp>
+        <p:nvSpPr>
+          <p:cNvPr id="7" name="Espace réservé du pied de page 6">
+            <a:extLst>
+              <a:ext uri="{FF2B5EF4-FFF2-40B4-BE49-F238E27FC236}">
+                <a16:creationId xmlns:a16="http://schemas.microsoft.com/office/drawing/2014/main" id="{A1CCB2FA-C94E-4691-8AA0-620FF6F59195}"/>
+              </a:ext>
+            </a:extLst>
+          </p:cNvPr>
+          <p:cNvSpPr>
+            <a:spLocks noGrp="1"/>
+          </p:cNvSpPr>
+          <p:nvPr>
+            <p:ph type="ftr" sz="quarter" idx="11"/>
+          </p:nvPr>
+        </p:nvSpPr>
+        <p:spPr/>
+        <p:txBody>
+          <a:bodyPr/>
+          <a:lstStyle/>
+          <a:p>
+            <a:r>
+              <a:rPr lang="fr-FR">
+                <a:solidFill>
+                  <a:srgbClr val="C00000"/>
+                </a:solidFill>
+              </a:rPr>
+              <a:t>Mohamed Boukhtam et Stanislas Medrano</a:t>
+            </a:r>
+            <a:endParaRPr lang="fr-FR" dirty="0"/>
+          </a:p>
+        </p:txBody>
+      </p:sp>
     </p:spTree>
     <p:extLst>
       <p:ext uri="{BB962C8B-B14F-4D97-AF65-F5344CB8AC3E}">
@@ -5983,10 +6383,39 @@
       </p:pic>
       <p:sp>
         <p:nvSpPr>
-          <p:cNvPr id="4" name="Espace réservé du pied de page 3">
-            <a:extLst>
-              <a:ext uri="{FF2B5EF4-FFF2-40B4-BE49-F238E27FC236}">
-                <a16:creationId xmlns:a16="http://schemas.microsoft.com/office/drawing/2014/main" id="{E7FE1876-E168-4C85-8089-3EF4CBD48182}"/>
+          <p:cNvPr id="3" name="Espace réservé du numéro de diapositive 2">
+            <a:extLst>
+              <a:ext uri="{FF2B5EF4-FFF2-40B4-BE49-F238E27FC236}">
+                <a16:creationId xmlns:a16="http://schemas.microsoft.com/office/drawing/2014/main" id="{A62EE2A5-01D9-4201-964A-6C234B99B0F3}"/>
+              </a:ext>
+            </a:extLst>
+          </p:cNvPr>
+          <p:cNvSpPr>
+            <a:spLocks noGrp="1"/>
+          </p:cNvSpPr>
+          <p:nvPr>
+            <p:ph type="sldNum" sz="quarter" idx="12"/>
+          </p:nvPr>
+        </p:nvSpPr>
+        <p:spPr/>
+        <p:txBody>
+          <a:bodyPr/>
+          <a:lstStyle/>
+          <a:p>
+            <a:fld id="{76CE9906-4B67-49DF-A550-FF0E09CEFF0C}" type="slidenum">
+              <a:rPr lang="fr-FR" smtClean="0"/>
+              <a:t>6</a:t>
+            </a:fld>
+            <a:endParaRPr lang="fr-FR" dirty="0"/>
+          </a:p>
+        </p:txBody>
+      </p:sp>
+      <p:sp>
+        <p:nvSpPr>
+          <p:cNvPr id="6" name="Espace réservé du pied de page 5">
+            <a:extLst>
+              <a:ext uri="{FF2B5EF4-FFF2-40B4-BE49-F238E27FC236}">
+                <a16:creationId xmlns:a16="http://schemas.microsoft.com/office/drawing/2014/main" id="{9C742228-5C8B-403A-94C2-00FF3B9D531A}"/>
               </a:ext>
             </a:extLst>
           </p:cNvPr>
@@ -6192,10 +6621,39 @@
       </p:pic>
       <p:sp>
         <p:nvSpPr>
-          <p:cNvPr id="4" name="Espace réservé du pied de page 3">
-            <a:extLst>
-              <a:ext uri="{FF2B5EF4-FFF2-40B4-BE49-F238E27FC236}">
-                <a16:creationId xmlns:a16="http://schemas.microsoft.com/office/drawing/2014/main" id="{7BB63B9F-0974-47C2-BC29-C0C69DA2010F}"/>
+          <p:cNvPr id="3" name="Espace réservé du numéro de diapositive 2">
+            <a:extLst>
+              <a:ext uri="{FF2B5EF4-FFF2-40B4-BE49-F238E27FC236}">
+                <a16:creationId xmlns:a16="http://schemas.microsoft.com/office/drawing/2014/main" id="{75A99758-6383-4350-B7B1-4A091EB12E67}"/>
+              </a:ext>
+            </a:extLst>
+          </p:cNvPr>
+          <p:cNvSpPr>
+            <a:spLocks noGrp="1"/>
+          </p:cNvSpPr>
+          <p:nvPr>
+            <p:ph type="sldNum" sz="quarter" idx="12"/>
+          </p:nvPr>
+        </p:nvSpPr>
+        <p:spPr/>
+        <p:txBody>
+          <a:bodyPr/>
+          <a:lstStyle/>
+          <a:p>
+            <a:fld id="{76CE9906-4B67-49DF-A550-FF0E09CEFF0C}" type="slidenum">
+              <a:rPr lang="fr-FR" smtClean="0"/>
+              <a:t>8</a:t>
+            </a:fld>
+            <a:endParaRPr lang="fr-FR" dirty="0"/>
+          </a:p>
+        </p:txBody>
+      </p:sp>
+      <p:sp>
+        <p:nvSpPr>
+          <p:cNvPr id="6" name="Espace réservé du pied de page 5">
+            <a:extLst>
+              <a:ext uri="{FF2B5EF4-FFF2-40B4-BE49-F238E27FC236}">
+                <a16:creationId xmlns:a16="http://schemas.microsoft.com/office/drawing/2014/main" id="{42EB356E-716F-425A-B44A-A5CF7ABE7172}"/>
               </a:ext>
             </a:extLst>
           </p:cNvPr>
@@ -6314,10 +6772,39 @@
       </p:pic>
       <p:sp>
         <p:nvSpPr>
-          <p:cNvPr id="4" name="Espace réservé du pied de page 3">
-            <a:extLst>
-              <a:ext uri="{FF2B5EF4-FFF2-40B4-BE49-F238E27FC236}">
-                <a16:creationId xmlns:a16="http://schemas.microsoft.com/office/drawing/2014/main" id="{132128DD-15DF-4C96-9AAA-69CB4F4F061D}"/>
+          <p:cNvPr id="3" name="Espace réservé du numéro de diapositive 2">
+            <a:extLst>
+              <a:ext uri="{FF2B5EF4-FFF2-40B4-BE49-F238E27FC236}">
+                <a16:creationId xmlns:a16="http://schemas.microsoft.com/office/drawing/2014/main" id="{65F2687D-188C-4D2B-9588-B37A8946A6F9}"/>
+              </a:ext>
+            </a:extLst>
+          </p:cNvPr>
+          <p:cNvSpPr>
+            <a:spLocks noGrp="1"/>
+          </p:cNvSpPr>
+          <p:nvPr>
+            <p:ph type="sldNum" sz="quarter" idx="12"/>
+          </p:nvPr>
+        </p:nvSpPr>
+        <p:spPr/>
+        <p:txBody>
+          <a:bodyPr/>
+          <a:lstStyle/>
+          <a:p>
+            <a:fld id="{76CE9906-4B67-49DF-A550-FF0E09CEFF0C}" type="slidenum">
+              <a:rPr lang="fr-FR" smtClean="0"/>
+              <a:t>9</a:t>
+            </a:fld>
+            <a:endParaRPr lang="fr-FR" dirty="0"/>
+          </a:p>
+        </p:txBody>
+      </p:sp>
+      <p:sp>
+        <p:nvSpPr>
+          <p:cNvPr id="6" name="Espace réservé du pied de page 5">
+            <a:extLst>
+              <a:ext uri="{FF2B5EF4-FFF2-40B4-BE49-F238E27FC236}">
+                <a16:creationId xmlns:a16="http://schemas.microsoft.com/office/drawing/2014/main" id="{5D31D31F-602C-4DDD-B3CF-736A5EDCB61E}"/>
               </a:ext>
             </a:extLst>
           </p:cNvPr>

--- a/documents/Projet_Codin_StanislasMedrano_MohamedBoukhtam.pptx
+++ b/documents/Projet_Codin_StanislasMedrano_MohamedBoukhtam.pptx
@@ -5,7 +5,7 @@
     <p:sldMasterId id="2147483648" r:id="rId1"/>
   </p:sldMasterIdLst>
   <p:notesMasterIdLst>
-    <p:notesMasterId r:id="rId18"/>
+    <p:notesMasterId r:id="rId20"/>
   </p:notesMasterIdLst>
   <p:sldIdLst>
     <p:sldId id="256" r:id="rId2"/>
@@ -14,16 +14,18 @@
     <p:sldId id="266" r:id="rId5"/>
     <p:sldId id="260" r:id="rId6"/>
     <p:sldId id="267" r:id="rId7"/>
-    <p:sldId id="269" r:id="rId8"/>
-    <p:sldId id="264" r:id="rId9"/>
-    <p:sldId id="271" r:id="rId10"/>
-    <p:sldId id="261" r:id="rId11"/>
-    <p:sldId id="268" r:id="rId12"/>
-    <p:sldId id="272" r:id="rId13"/>
-    <p:sldId id="273" r:id="rId14"/>
-    <p:sldId id="274" r:id="rId15"/>
-    <p:sldId id="275" r:id="rId16"/>
-    <p:sldId id="276" r:id="rId17"/>
+    <p:sldId id="278" r:id="rId8"/>
+    <p:sldId id="277" r:id="rId9"/>
+    <p:sldId id="269" r:id="rId10"/>
+    <p:sldId id="264" r:id="rId11"/>
+    <p:sldId id="271" r:id="rId12"/>
+    <p:sldId id="261" r:id="rId13"/>
+    <p:sldId id="268" r:id="rId14"/>
+    <p:sldId id="272" r:id="rId15"/>
+    <p:sldId id="273" r:id="rId16"/>
+    <p:sldId id="274" r:id="rId17"/>
+    <p:sldId id="275" r:id="rId18"/>
+    <p:sldId id="276" r:id="rId19"/>
   </p:sldIdLst>
   <p:sldSz cx="12192000" cy="6858000"/>
   <p:notesSz cx="6858000" cy="9144000"/>
@@ -145,6 +147,8 @@
           <p14:sldIdLst>
             <p14:sldId id="260"/>
             <p14:sldId id="267"/>
+            <p14:sldId id="278"/>
+            <p14:sldId id="277"/>
           </p14:sldIdLst>
         </p14:section>
         <p14:section name="Touche Personnelle Mohamed" id="{CFCD9F07-20B3-481A-8ACF-9803482EA5E6}">
@@ -4215,6 +4219,309 @@
           <p:cNvPr id="2" name="Titre 1">
             <a:extLst>
               <a:ext uri="{FF2B5EF4-FFF2-40B4-BE49-F238E27FC236}">
+                <a16:creationId xmlns:a16="http://schemas.microsoft.com/office/drawing/2014/main" id="{EA4A9D19-45DB-46D6-B524-3D7F98E9021F}"/>
+              </a:ext>
+            </a:extLst>
+          </p:cNvPr>
+          <p:cNvSpPr>
+            <a:spLocks noGrp="1"/>
+          </p:cNvSpPr>
+          <p:nvPr>
+            <p:ph type="title"/>
+          </p:nvPr>
+        </p:nvSpPr>
+        <p:spPr/>
+        <p:txBody>
+          <a:bodyPr/>
+          <a:lstStyle/>
+          <a:p>
+            <a:r>
+              <a:rPr lang="fr-FR" dirty="0"/>
+              <a:t>Page d’accueil</a:t>
+            </a:r>
+          </a:p>
+        </p:txBody>
+      </p:sp>
+      <p:pic>
+        <p:nvPicPr>
+          <p:cNvPr id="5" name="Espace réservé du contenu 4">
+            <a:extLst>
+              <a:ext uri="{FF2B5EF4-FFF2-40B4-BE49-F238E27FC236}">
+                <a16:creationId xmlns:a16="http://schemas.microsoft.com/office/drawing/2014/main" id="{C184E5AA-8567-4483-A9A6-395E438D8769}"/>
+              </a:ext>
+            </a:extLst>
+          </p:cNvPr>
+          <p:cNvPicPr>
+            <a:picLocks noGrp="1" noChangeAspect="1"/>
+          </p:cNvPicPr>
+          <p:nvPr>
+            <p:ph idx="1"/>
+          </p:nvPr>
+        </p:nvPicPr>
+        <p:blipFill>
+          <a:blip r:embed="rId2"/>
+          <a:stretch>
+            <a:fillRect/>
+          </a:stretch>
+        </p:blipFill>
+        <p:spPr>
+          <a:xfrm>
+            <a:off x="838200" y="1826975"/>
+            <a:ext cx="10515600" cy="4348638"/>
+          </a:xfrm>
+          <a:prstGeom prst="rect">
+            <a:avLst/>
+          </a:prstGeom>
+        </p:spPr>
+      </p:pic>
+      <p:sp>
+        <p:nvSpPr>
+          <p:cNvPr id="3" name="Espace réservé du numéro de diapositive 2">
+            <a:extLst>
+              <a:ext uri="{FF2B5EF4-FFF2-40B4-BE49-F238E27FC236}">
+                <a16:creationId xmlns:a16="http://schemas.microsoft.com/office/drawing/2014/main" id="{75A99758-6383-4350-B7B1-4A091EB12E67}"/>
+              </a:ext>
+            </a:extLst>
+          </p:cNvPr>
+          <p:cNvSpPr>
+            <a:spLocks noGrp="1"/>
+          </p:cNvSpPr>
+          <p:nvPr>
+            <p:ph type="sldNum" sz="quarter" idx="12"/>
+          </p:nvPr>
+        </p:nvSpPr>
+        <p:spPr/>
+        <p:txBody>
+          <a:bodyPr/>
+          <a:lstStyle/>
+          <a:p>
+            <a:fld id="{76CE9906-4B67-49DF-A550-FF0E09CEFF0C}" type="slidenum">
+              <a:rPr lang="fr-FR" smtClean="0"/>
+              <a:t>10</a:t>
+            </a:fld>
+            <a:endParaRPr lang="fr-FR" dirty="0"/>
+          </a:p>
+        </p:txBody>
+      </p:sp>
+      <p:sp>
+        <p:nvSpPr>
+          <p:cNvPr id="6" name="Espace réservé du pied de page 5">
+            <a:extLst>
+              <a:ext uri="{FF2B5EF4-FFF2-40B4-BE49-F238E27FC236}">
+                <a16:creationId xmlns:a16="http://schemas.microsoft.com/office/drawing/2014/main" id="{42EB356E-716F-425A-B44A-A5CF7ABE7172}"/>
+              </a:ext>
+            </a:extLst>
+          </p:cNvPr>
+          <p:cNvSpPr>
+            <a:spLocks noGrp="1"/>
+          </p:cNvSpPr>
+          <p:nvPr>
+            <p:ph type="ftr" sz="quarter" idx="11"/>
+          </p:nvPr>
+        </p:nvSpPr>
+        <p:spPr/>
+        <p:txBody>
+          <a:bodyPr/>
+          <a:lstStyle/>
+          <a:p>
+            <a:r>
+              <a:rPr lang="fr-FR">
+                <a:solidFill>
+                  <a:srgbClr val="C00000"/>
+                </a:solidFill>
+              </a:rPr>
+              <a:t>Mohamed Boukhtam et Stanislas Medrano</a:t>
+            </a:r>
+            <a:endParaRPr lang="fr-FR" dirty="0"/>
+          </a:p>
+        </p:txBody>
+      </p:sp>
+    </p:spTree>
+    <p:extLst>
+      <p:ext uri="{BB962C8B-B14F-4D97-AF65-F5344CB8AC3E}">
+        <p14:creationId xmlns:p14="http://schemas.microsoft.com/office/powerpoint/2010/main" val="1051434621"/>
+      </p:ext>
+    </p:extLst>
+  </p:cSld>
+  <p:clrMapOvr>
+    <a:masterClrMapping/>
+  </p:clrMapOvr>
+</p:sld>
+</file>
+
+<file path=ppt/slides/slide11.xml><?xml version="1.0" encoding="utf-8"?>
+<p:sld xmlns:a="http://schemas.openxmlformats.org/drawingml/2006/main" xmlns:r="http://schemas.openxmlformats.org/officeDocument/2006/relationships" xmlns:p="http://schemas.openxmlformats.org/presentationml/2006/main">
+  <p:cSld>
+    <p:spTree>
+      <p:nvGrpSpPr>
+        <p:cNvPr id="1" name=""/>
+        <p:cNvGrpSpPr/>
+        <p:nvPr/>
+      </p:nvGrpSpPr>
+      <p:grpSpPr>
+        <a:xfrm>
+          <a:off x="0" y="0"/>
+          <a:ext cx="0" cy="0"/>
+          <a:chOff x="0" y="0"/>
+          <a:chExt cx="0" cy="0"/>
+        </a:xfrm>
+      </p:grpSpPr>
+      <p:sp>
+        <p:nvSpPr>
+          <p:cNvPr id="2" name="Titre 1">
+            <a:extLst>
+              <a:ext uri="{FF2B5EF4-FFF2-40B4-BE49-F238E27FC236}">
+                <a16:creationId xmlns:a16="http://schemas.microsoft.com/office/drawing/2014/main" id="{802C981F-9811-4449-9452-AF236F0C0794}"/>
+              </a:ext>
+            </a:extLst>
+          </p:cNvPr>
+          <p:cNvSpPr>
+            <a:spLocks noGrp="1"/>
+          </p:cNvSpPr>
+          <p:nvPr>
+            <p:ph type="title"/>
+          </p:nvPr>
+        </p:nvSpPr>
+        <p:spPr/>
+        <p:txBody>
+          <a:bodyPr/>
+          <a:lstStyle/>
+          <a:p>
+            <a:r>
+              <a:rPr lang="fr-FR" dirty="0"/>
+              <a:t>Conception</a:t>
+            </a:r>
+          </a:p>
+        </p:txBody>
+      </p:sp>
+      <p:pic>
+        <p:nvPicPr>
+          <p:cNvPr id="5" name="Espace réservé du contenu 4">
+            <a:extLst>
+              <a:ext uri="{FF2B5EF4-FFF2-40B4-BE49-F238E27FC236}">
+                <a16:creationId xmlns:a16="http://schemas.microsoft.com/office/drawing/2014/main" id="{AD444000-6CB4-4D53-86EC-EAA3A9423CB9}"/>
+              </a:ext>
+            </a:extLst>
+          </p:cNvPr>
+          <p:cNvPicPr>
+            <a:picLocks noGrp="1" noChangeAspect="1"/>
+          </p:cNvPicPr>
+          <p:nvPr>
+            <p:ph idx="1"/>
+          </p:nvPr>
+        </p:nvPicPr>
+        <p:blipFill rotWithShape="1">
+          <a:blip r:embed="rId2"/>
+          <a:srcRect r="2903"/>
+          <a:stretch/>
+        </p:blipFill>
+        <p:spPr>
+          <a:xfrm>
+            <a:off x="2215300" y="1690688"/>
+            <a:ext cx="8873248" cy="4351338"/>
+          </a:xfrm>
+          <a:prstGeom prst="rect">
+            <a:avLst/>
+          </a:prstGeom>
+        </p:spPr>
+      </p:pic>
+      <p:sp>
+        <p:nvSpPr>
+          <p:cNvPr id="3" name="Espace réservé du numéro de diapositive 2">
+            <a:extLst>
+              <a:ext uri="{FF2B5EF4-FFF2-40B4-BE49-F238E27FC236}">
+                <a16:creationId xmlns:a16="http://schemas.microsoft.com/office/drawing/2014/main" id="{65F2687D-188C-4D2B-9588-B37A8946A6F9}"/>
+              </a:ext>
+            </a:extLst>
+          </p:cNvPr>
+          <p:cNvSpPr>
+            <a:spLocks noGrp="1"/>
+          </p:cNvSpPr>
+          <p:nvPr>
+            <p:ph type="sldNum" sz="quarter" idx="12"/>
+          </p:nvPr>
+        </p:nvSpPr>
+        <p:spPr/>
+        <p:txBody>
+          <a:bodyPr/>
+          <a:lstStyle/>
+          <a:p>
+            <a:fld id="{76CE9906-4B67-49DF-A550-FF0E09CEFF0C}" type="slidenum">
+              <a:rPr lang="fr-FR" smtClean="0"/>
+              <a:t>11</a:t>
+            </a:fld>
+            <a:endParaRPr lang="fr-FR" dirty="0"/>
+          </a:p>
+        </p:txBody>
+      </p:sp>
+      <p:sp>
+        <p:nvSpPr>
+          <p:cNvPr id="6" name="Espace réservé du pied de page 5">
+            <a:extLst>
+              <a:ext uri="{FF2B5EF4-FFF2-40B4-BE49-F238E27FC236}">
+                <a16:creationId xmlns:a16="http://schemas.microsoft.com/office/drawing/2014/main" id="{5D31D31F-602C-4DDD-B3CF-736A5EDCB61E}"/>
+              </a:ext>
+            </a:extLst>
+          </p:cNvPr>
+          <p:cNvSpPr>
+            <a:spLocks noGrp="1"/>
+          </p:cNvSpPr>
+          <p:nvPr>
+            <p:ph type="ftr" sz="quarter" idx="11"/>
+          </p:nvPr>
+        </p:nvSpPr>
+        <p:spPr/>
+        <p:txBody>
+          <a:bodyPr/>
+          <a:lstStyle/>
+          <a:p>
+            <a:r>
+              <a:rPr lang="fr-FR">
+                <a:solidFill>
+                  <a:srgbClr val="C00000"/>
+                </a:solidFill>
+              </a:rPr>
+              <a:t>Mohamed Boukhtam et Stanislas Medrano</a:t>
+            </a:r>
+            <a:endParaRPr lang="fr-FR" dirty="0"/>
+          </a:p>
+        </p:txBody>
+      </p:sp>
+    </p:spTree>
+    <p:extLst>
+      <p:ext uri="{BB962C8B-B14F-4D97-AF65-F5344CB8AC3E}">
+        <p14:creationId xmlns:p14="http://schemas.microsoft.com/office/powerpoint/2010/main" val="1385007500"/>
+      </p:ext>
+    </p:extLst>
+  </p:cSld>
+  <p:clrMapOvr>
+    <a:masterClrMapping/>
+  </p:clrMapOvr>
+</p:sld>
+</file>
+
+<file path=ppt/slides/slide12.xml><?xml version="1.0" encoding="utf-8"?>
+<p:sld xmlns:a="http://schemas.openxmlformats.org/drawingml/2006/main" xmlns:r="http://schemas.openxmlformats.org/officeDocument/2006/relationships" xmlns:p="http://schemas.openxmlformats.org/presentationml/2006/main">
+  <p:cSld>
+    <p:spTree>
+      <p:nvGrpSpPr>
+        <p:cNvPr id="1" name=""/>
+        <p:cNvGrpSpPr/>
+        <p:nvPr/>
+      </p:nvGrpSpPr>
+      <p:grpSpPr>
+        <a:xfrm>
+          <a:off x="0" y="0"/>
+          <a:ext cx="0" cy="0"/>
+          <a:chOff x="0" y="0"/>
+          <a:chExt cx="0" cy="0"/>
+        </a:xfrm>
+      </p:grpSpPr>
+      <p:sp>
+        <p:nvSpPr>
+          <p:cNvPr id="2" name="Titre 1">
+            <a:extLst>
+              <a:ext uri="{FF2B5EF4-FFF2-40B4-BE49-F238E27FC236}">
                 <a16:creationId xmlns:a16="http://schemas.microsoft.com/office/drawing/2014/main" id="{F7A09982-25E8-4823-97BD-3EDDC25108F4}"/>
               </a:ext>
             </a:extLst>
@@ -4284,7 +4591,7 @@
 </p:sld>
 </file>
 
-<file path=ppt/slides/slide11.xml><?xml version="1.0" encoding="utf-8"?>
+<file path=ppt/slides/slide13.xml><?xml version="1.0" encoding="utf-8"?>
 <p:sld xmlns:a="http://schemas.openxmlformats.org/drawingml/2006/main" xmlns:r="http://schemas.openxmlformats.org/officeDocument/2006/relationships" xmlns:p="http://schemas.openxmlformats.org/presentationml/2006/main">
   <p:cSld>
     <p:spTree>
@@ -4598,7 +4905,7 @@
           <a:p>
             <a:fld id="{76CE9906-4B67-49DF-A550-FF0E09CEFF0C}" type="slidenum">
               <a:rPr lang="fr-FR" smtClean="0"/>
-              <a:t>11</a:t>
+              <a:t>13</a:t>
             </a:fld>
             <a:endParaRPr lang="fr-FR" dirty="0"/>
           </a:p>
@@ -4650,7 +4957,7 @@
 </p:sld>
 </file>
 
-<file path=ppt/slides/slide12.xml><?xml version="1.0" encoding="utf-8"?>
+<file path=ppt/slides/slide14.xml><?xml version="1.0" encoding="utf-8"?>
 <p:sld xmlns:a="http://schemas.openxmlformats.org/drawingml/2006/main" xmlns:r="http://schemas.openxmlformats.org/officeDocument/2006/relationships" xmlns:p="http://schemas.openxmlformats.org/presentationml/2006/main">
   <p:cSld>
     <p:spTree>
@@ -4925,7 +5232,7 @@
           <a:p>
             <a:fld id="{76CE9906-4B67-49DF-A550-FF0E09CEFF0C}" type="slidenum">
               <a:rPr lang="fr-FR" smtClean="0"/>
-              <a:t>12</a:t>
+              <a:t>14</a:t>
             </a:fld>
             <a:endParaRPr lang="fr-FR" dirty="0"/>
           </a:p>
@@ -4968,244 +5275,6 @@
     <p:extLst>
       <p:ext uri="{BB962C8B-B14F-4D97-AF65-F5344CB8AC3E}">
         <p14:creationId xmlns:p14="http://schemas.microsoft.com/office/powerpoint/2010/main" val="1037813431"/>
-      </p:ext>
-    </p:extLst>
-  </p:cSld>
-  <p:clrMapOvr>
-    <a:masterClrMapping/>
-  </p:clrMapOvr>
-</p:sld>
-</file>
-
-<file path=ppt/slides/slide13.xml><?xml version="1.0" encoding="utf-8"?>
-<p:sld xmlns:a="http://schemas.openxmlformats.org/drawingml/2006/main" xmlns:r="http://schemas.openxmlformats.org/officeDocument/2006/relationships" xmlns:p="http://schemas.openxmlformats.org/presentationml/2006/main">
-  <p:cSld>
-    <p:spTree>
-      <p:nvGrpSpPr>
-        <p:cNvPr id="1" name=""/>
-        <p:cNvGrpSpPr/>
-        <p:nvPr/>
-      </p:nvGrpSpPr>
-      <p:grpSpPr>
-        <a:xfrm>
-          <a:off x="0" y="0"/>
-          <a:ext cx="0" cy="0"/>
-          <a:chOff x="0" y="0"/>
-          <a:chExt cx="0" cy="0"/>
-        </a:xfrm>
-      </p:grpSpPr>
-      <p:sp>
-        <p:nvSpPr>
-          <p:cNvPr id="2" name="Titre 1">
-            <a:extLst>
-              <a:ext uri="{FF2B5EF4-FFF2-40B4-BE49-F238E27FC236}">
-                <a16:creationId xmlns:a16="http://schemas.microsoft.com/office/drawing/2014/main" id="{CFA8292D-C89C-4CBD-B34F-9D3FE27FDD3F}"/>
-              </a:ext>
-            </a:extLst>
-          </p:cNvPr>
-          <p:cNvSpPr>
-            <a:spLocks noGrp="1"/>
-          </p:cNvSpPr>
-          <p:nvPr>
-            <p:ph type="title"/>
-          </p:nvPr>
-        </p:nvSpPr>
-        <p:spPr/>
-        <p:txBody>
-          <a:bodyPr/>
-          <a:lstStyle/>
-          <a:p>
-            <a:r>
-              <a:rPr lang="fr-FR" dirty="0"/>
-              <a:t>Javascript dans le fichier .html</a:t>
-            </a:r>
-          </a:p>
-        </p:txBody>
-      </p:sp>
-      <p:pic>
-        <p:nvPicPr>
-          <p:cNvPr id="6" name="Espace réservé du contenu 5">
-            <a:extLst>
-              <a:ext uri="{FF2B5EF4-FFF2-40B4-BE49-F238E27FC236}">
-                <a16:creationId xmlns:a16="http://schemas.microsoft.com/office/drawing/2014/main" id="{41DCF1B1-B802-4CCC-B403-2DD4AE7378BD}"/>
-              </a:ext>
-            </a:extLst>
-          </p:cNvPr>
-          <p:cNvPicPr>
-            <a:picLocks noGrp="1" noChangeAspect="1"/>
-          </p:cNvPicPr>
-          <p:nvPr>
-            <p:ph idx="1"/>
-          </p:nvPr>
-        </p:nvPicPr>
-        <p:blipFill>
-          <a:blip r:embed="rId2"/>
-          <a:stretch>
-            <a:fillRect/>
-          </a:stretch>
-        </p:blipFill>
-        <p:spPr>
-          <a:xfrm>
-            <a:off x="2881312" y="2377281"/>
-            <a:ext cx="6429375" cy="3248025"/>
-          </a:xfrm>
-          <a:prstGeom prst="rect">
-            <a:avLst/>
-          </a:prstGeom>
-        </p:spPr>
-      </p:pic>
-      <p:sp>
-        <p:nvSpPr>
-          <p:cNvPr id="3" name="Espace réservé du numéro de diapositive 2">
-            <a:extLst>
-              <a:ext uri="{FF2B5EF4-FFF2-40B4-BE49-F238E27FC236}">
-                <a16:creationId xmlns:a16="http://schemas.microsoft.com/office/drawing/2014/main" id="{6D2ECA22-2260-4372-BF98-96188A0EF0C9}"/>
-              </a:ext>
-            </a:extLst>
-          </p:cNvPr>
-          <p:cNvSpPr>
-            <a:spLocks noGrp="1"/>
-          </p:cNvSpPr>
-          <p:nvPr>
-            <p:ph type="sldNum" sz="quarter" idx="12"/>
-          </p:nvPr>
-        </p:nvSpPr>
-        <p:spPr/>
-        <p:txBody>
-          <a:bodyPr/>
-          <a:lstStyle/>
-          <a:p>
-            <a:fld id="{76CE9906-4B67-49DF-A550-FF0E09CEFF0C}" type="slidenum">
-              <a:rPr lang="fr-FR" smtClean="0"/>
-              <a:t>13</a:t>
-            </a:fld>
-            <a:endParaRPr lang="fr-FR" dirty="0"/>
-          </a:p>
-        </p:txBody>
-      </p:sp>
-      <p:sp>
-        <p:nvSpPr>
-          <p:cNvPr id="5" name="Espace réservé du pied de page 4">
-            <a:extLst>
-              <a:ext uri="{FF2B5EF4-FFF2-40B4-BE49-F238E27FC236}">
-                <a16:creationId xmlns:a16="http://schemas.microsoft.com/office/drawing/2014/main" id="{5A4646D1-ADE2-49BC-AD82-61B35DF3B7C2}"/>
-              </a:ext>
-            </a:extLst>
-          </p:cNvPr>
-          <p:cNvSpPr>
-            <a:spLocks noGrp="1"/>
-          </p:cNvSpPr>
-          <p:nvPr>
-            <p:ph type="ftr" sz="quarter" idx="11"/>
-          </p:nvPr>
-        </p:nvSpPr>
-        <p:spPr/>
-        <p:txBody>
-          <a:bodyPr/>
-          <a:lstStyle/>
-          <a:p>
-            <a:r>
-              <a:rPr lang="fr-FR">
-                <a:solidFill>
-                  <a:srgbClr val="C00000"/>
-                </a:solidFill>
-              </a:rPr>
-              <a:t>Mohamed Boukhtam et Stanislas Medrano</a:t>
-            </a:r>
-            <a:endParaRPr lang="fr-FR" dirty="0"/>
-          </a:p>
-        </p:txBody>
-      </p:sp>
-    </p:spTree>
-    <p:extLst>
-      <p:ext uri="{BB962C8B-B14F-4D97-AF65-F5344CB8AC3E}">
-        <p14:creationId xmlns:p14="http://schemas.microsoft.com/office/powerpoint/2010/main" val="2111559160"/>
-      </p:ext>
-    </p:extLst>
-  </p:cSld>
-  <p:clrMapOvr>
-    <a:masterClrMapping/>
-  </p:clrMapOvr>
-</p:sld>
-</file>
-
-<file path=ppt/slides/slide14.xml><?xml version="1.0" encoding="utf-8"?>
-<p:sld xmlns:a="http://schemas.openxmlformats.org/drawingml/2006/main" xmlns:r="http://schemas.openxmlformats.org/officeDocument/2006/relationships" xmlns:p="http://schemas.openxmlformats.org/presentationml/2006/main">
-  <p:cSld>
-    <p:spTree>
-      <p:nvGrpSpPr>
-        <p:cNvPr id="1" name=""/>
-        <p:cNvGrpSpPr/>
-        <p:nvPr/>
-      </p:nvGrpSpPr>
-      <p:grpSpPr>
-        <a:xfrm>
-          <a:off x="0" y="0"/>
-          <a:ext cx="0" cy="0"/>
-          <a:chOff x="0" y="0"/>
-          <a:chExt cx="0" cy="0"/>
-        </a:xfrm>
-      </p:grpSpPr>
-      <p:sp>
-        <p:nvSpPr>
-          <p:cNvPr id="2" name="Titre 1">
-            <a:extLst>
-              <a:ext uri="{FF2B5EF4-FFF2-40B4-BE49-F238E27FC236}">
-                <a16:creationId xmlns:a16="http://schemas.microsoft.com/office/drawing/2014/main" id="{88A40913-6640-4A0A-AF84-BC572E30B01D}"/>
-              </a:ext>
-            </a:extLst>
-          </p:cNvPr>
-          <p:cNvSpPr>
-            <a:spLocks noGrp="1"/>
-          </p:cNvSpPr>
-          <p:nvPr>
-            <p:ph type="ctrTitle"/>
-          </p:nvPr>
-        </p:nvSpPr>
-        <p:spPr/>
-        <p:txBody>
-          <a:bodyPr/>
-          <a:lstStyle/>
-          <a:p>
-            <a:r>
-              <a:rPr lang="fr-FR" dirty="0"/>
-              <a:t>Bilan - Améliorations</a:t>
-            </a:r>
-          </a:p>
-        </p:txBody>
-      </p:sp>
-      <p:sp>
-        <p:nvSpPr>
-          <p:cNvPr id="3" name="Sous-titre 2">
-            <a:extLst>
-              <a:ext uri="{FF2B5EF4-FFF2-40B4-BE49-F238E27FC236}">
-                <a16:creationId xmlns:a16="http://schemas.microsoft.com/office/drawing/2014/main" id="{E94161E1-DA60-467F-A050-AE23BCE6E324}"/>
-              </a:ext>
-            </a:extLst>
-          </p:cNvPr>
-          <p:cNvSpPr>
-            <a:spLocks noGrp="1"/>
-          </p:cNvSpPr>
-          <p:nvPr>
-            <p:ph type="subTitle" idx="1"/>
-          </p:nvPr>
-        </p:nvSpPr>
-        <p:spPr/>
-        <p:txBody>
-          <a:bodyPr/>
-          <a:lstStyle/>
-          <a:p>
-            <a:r>
-              <a:rPr lang="fr-FR" dirty="0"/>
-              <a:t>Site web</a:t>
-            </a:r>
-          </a:p>
-        </p:txBody>
-      </p:sp>
-    </p:spTree>
-    <p:extLst>
-      <p:ext uri="{BB962C8B-B14F-4D97-AF65-F5344CB8AC3E}">
-        <p14:creationId xmlns:p14="http://schemas.microsoft.com/office/powerpoint/2010/main" val="3133767685"/>
       </p:ext>
     </p:extLst>
   </p:cSld>
@@ -5237,7 +5306,7 @@
           <p:cNvPr id="2" name="Titre 1">
             <a:extLst>
               <a:ext uri="{FF2B5EF4-FFF2-40B4-BE49-F238E27FC236}">
-                <a16:creationId xmlns:a16="http://schemas.microsoft.com/office/drawing/2014/main" id="{438EEDA2-7C80-412A-8188-469B4BA37C3E}"/>
+                <a16:creationId xmlns:a16="http://schemas.microsoft.com/office/drawing/2014/main" id="{CFA8292D-C89C-4CBD-B34F-9D3FE27FDD3F}"/>
               </a:ext>
             </a:extLst>
           </p:cNvPr>
@@ -5255,57 +5324,78 @@
           <a:p>
             <a:r>
               <a:rPr lang="fr-FR" dirty="0"/>
-              <a:t>Améliorations</a:t>
-            </a:r>
-          </a:p>
-        </p:txBody>
-      </p:sp>
-      <p:sp>
-        <p:nvSpPr>
-          <p:cNvPr id="3" name="Espace réservé du contenu 2">
-            <a:extLst>
-              <a:ext uri="{FF2B5EF4-FFF2-40B4-BE49-F238E27FC236}">
-                <a16:creationId xmlns:a16="http://schemas.microsoft.com/office/drawing/2014/main" id="{B1C51046-97D3-463A-BC23-E4CF33428F31}"/>
-              </a:ext>
-            </a:extLst>
-          </p:cNvPr>
-          <p:cNvSpPr>
-            <a:spLocks noGrp="1"/>
-          </p:cNvSpPr>
+              <a:t>Javascript dans le fichier .html</a:t>
+            </a:r>
+          </a:p>
+        </p:txBody>
+      </p:sp>
+      <p:pic>
+        <p:nvPicPr>
+          <p:cNvPr id="6" name="Espace réservé du contenu 5">
+            <a:extLst>
+              <a:ext uri="{FF2B5EF4-FFF2-40B4-BE49-F238E27FC236}">
+                <a16:creationId xmlns:a16="http://schemas.microsoft.com/office/drawing/2014/main" id="{41DCF1B1-B802-4CCC-B403-2DD4AE7378BD}"/>
+              </a:ext>
+            </a:extLst>
+          </p:cNvPr>
+          <p:cNvPicPr>
+            <a:picLocks noGrp="1" noChangeAspect="1"/>
+          </p:cNvPicPr>
           <p:nvPr>
             <p:ph idx="1"/>
           </p:nvPr>
-        </p:nvSpPr>
-        <p:spPr/>
-        <p:txBody>
-          <a:bodyPr/>
-          <a:lstStyle/>
-          <a:p>
-            <a:r>
-              <a:rPr lang="fr-FR" dirty="0"/>
-              <a:t>PHP pour prendre en compte les avis ?</a:t>
-            </a:r>
-          </a:p>
-          <a:p>
-            <a:r>
-              <a:rPr lang="fr-FR" dirty="0"/>
-              <a:t>Dynamisme du site ?</a:t>
-            </a:r>
-          </a:p>
-          <a:p>
-            <a:r>
-              <a:rPr lang="fr-FR" dirty="0"/>
-              <a:t>Plus de technique ?</a:t>
-            </a:r>
-          </a:p>
-        </p:txBody>
-      </p:sp>
-      <p:sp>
-        <p:nvSpPr>
-          <p:cNvPr id="4" name="Espace réservé du pied de page 3">
-            <a:extLst>
-              <a:ext uri="{FF2B5EF4-FFF2-40B4-BE49-F238E27FC236}">
-                <a16:creationId xmlns:a16="http://schemas.microsoft.com/office/drawing/2014/main" id="{7216E244-7D31-4FA2-8DBD-B52FC400BA7A}"/>
+        </p:nvPicPr>
+        <p:blipFill>
+          <a:blip r:embed="rId2"/>
+          <a:stretch>
+            <a:fillRect/>
+          </a:stretch>
+        </p:blipFill>
+        <p:spPr>
+          <a:xfrm>
+            <a:off x="2881312" y="2377281"/>
+            <a:ext cx="6429375" cy="3248025"/>
+          </a:xfrm>
+          <a:prstGeom prst="rect">
+            <a:avLst/>
+          </a:prstGeom>
+        </p:spPr>
+      </p:pic>
+      <p:sp>
+        <p:nvSpPr>
+          <p:cNvPr id="3" name="Espace réservé du numéro de diapositive 2">
+            <a:extLst>
+              <a:ext uri="{FF2B5EF4-FFF2-40B4-BE49-F238E27FC236}">
+                <a16:creationId xmlns:a16="http://schemas.microsoft.com/office/drawing/2014/main" id="{6D2ECA22-2260-4372-BF98-96188A0EF0C9}"/>
+              </a:ext>
+            </a:extLst>
+          </p:cNvPr>
+          <p:cNvSpPr>
+            <a:spLocks noGrp="1"/>
+          </p:cNvSpPr>
+          <p:nvPr>
+            <p:ph type="sldNum" sz="quarter" idx="12"/>
+          </p:nvPr>
+        </p:nvSpPr>
+        <p:spPr/>
+        <p:txBody>
+          <a:bodyPr/>
+          <a:lstStyle/>
+          <a:p>
+            <a:fld id="{76CE9906-4B67-49DF-A550-FF0E09CEFF0C}" type="slidenum">
+              <a:rPr lang="fr-FR" smtClean="0"/>
+              <a:t>15</a:t>
+            </a:fld>
+            <a:endParaRPr lang="fr-FR" dirty="0"/>
+          </a:p>
+        </p:txBody>
+      </p:sp>
+      <p:sp>
+        <p:nvSpPr>
+          <p:cNvPr id="5" name="Espace réservé du pied de page 4">
+            <a:extLst>
+              <a:ext uri="{FF2B5EF4-FFF2-40B4-BE49-F238E27FC236}">
+                <a16:creationId xmlns:a16="http://schemas.microsoft.com/office/drawing/2014/main" id="{5A4646D1-ADE2-49BC-AD82-61B35DF3B7C2}"/>
               </a:ext>
             </a:extLst>
           </p:cNvPr>
@@ -5333,6 +5423,223 @@
           </a:p>
         </p:txBody>
       </p:sp>
+    </p:spTree>
+    <p:extLst>
+      <p:ext uri="{BB962C8B-B14F-4D97-AF65-F5344CB8AC3E}">
+        <p14:creationId xmlns:p14="http://schemas.microsoft.com/office/powerpoint/2010/main" val="2111559160"/>
+      </p:ext>
+    </p:extLst>
+  </p:cSld>
+  <p:clrMapOvr>
+    <a:masterClrMapping/>
+  </p:clrMapOvr>
+</p:sld>
+</file>
+
+<file path=ppt/slides/slide16.xml><?xml version="1.0" encoding="utf-8"?>
+<p:sld xmlns:a="http://schemas.openxmlformats.org/drawingml/2006/main" xmlns:r="http://schemas.openxmlformats.org/officeDocument/2006/relationships" xmlns:p="http://schemas.openxmlformats.org/presentationml/2006/main">
+  <p:cSld>
+    <p:spTree>
+      <p:nvGrpSpPr>
+        <p:cNvPr id="1" name=""/>
+        <p:cNvGrpSpPr/>
+        <p:nvPr/>
+      </p:nvGrpSpPr>
+      <p:grpSpPr>
+        <a:xfrm>
+          <a:off x="0" y="0"/>
+          <a:ext cx="0" cy="0"/>
+          <a:chOff x="0" y="0"/>
+          <a:chExt cx="0" cy="0"/>
+        </a:xfrm>
+      </p:grpSpPr>
+      <p:sp>
+        <p:nvSpPr>
+          <p:cNvPr id="2" name="Titre 1">
+            <a:extLst>
+              <a:ext uri="{FF2B5EF4-FFF2-40B4-BE49-F238E27FC236}">
+                <a16:creationId xmlns:a16="http://schemas.microsoft.com/office/drawing/2014/main" id="{88A40913-6640-4A0A-AF84-BC572E30B01D}"/>
+              </a:ext>
+            </a:extLst>
+          </p:cNvPr>
+          <p:cNvSpPr>
+            <a:spLocks noGrp="1"/>
+          </p:cNvSpPr>
+          <p:nvPr>
+            <p:ph type="ctrTitle"/>
+          </p:nvPr>
+        </p:nvSpPr>
+        <p:spPr/>
+        <p:txBody>
+          <a:bodyPr/>
+          <a:lstStyle/>
+          <a:p>
+            <a:r>
+              <a:rPr lang="fr-FR" dirty="0"/>
+              <a:t>Bilan - Améliorations</a:t>
+            </a:r>
+          </a:p>
+        </p:txBody>
+      </p:sp>
+      <p:sp>
+        <p:nvSpPr>
+          <p:cNvPr id="3" name="Sous-titre 2">
+            <a:extLst>
+              <a:ext uri="{FF2B5EF4-FFF2-40B4-BE49-F238E27FC236}">
+                <a16:creationId xmlns:a16="http://schemas.microsoft.com/office/drawing/2014/main" id="{E94161E1-DA60-467F-A050-AE23BCE6E324}"/>
+              </a:ext>
+            </a:extLst>
+          </p:cNvPr>
+          <p:cNvSpPr>
+            <a:spLocks noGrp="1"/>
+          </p:cNvSpPr>
+          <p:nvPr>
+            <p:ph type="subTitle" idx="1"/>
+          </p:nvPr>
+        </p:nvSpPr>
+        <p:spPr/>
+        <p:txBody>
+          <a:bodyPr/>
+          <a:lstStyle/>
+          <a:p>
+            <a:r>
+              <a:rPr lang="fr-FR" dirty="0"/>
+              <a:t>Site web</a:t>
+            </a:r>
+          </a:p>
+        </p:txBody>
+      </p:sp>
+    </p:spTree>
+    <p:extLst>
+      <p:ext uri="{BB962C8B-B14F-4D97-AF65-F5344CB8AC3E}">
+        <p14:creationId xmlns:p14="http://schemas.microsoft.com/office/powerpoint/2010/main" val="3133767685"/>
+      </p:ext>
+    </p:extLst>
+  </p:cSld>
+  <p:clrMapOvr>
+    <a:masterClrMapping/>
+  </p:clrMapOvr>
+</p:sld>
+</file>
+
+<file path=ppt/slides/slide17.xml><?xml version="1.0" encoding="utf-8"?>
+<p:sld xmlns:a="http://schemas.openxmlformats.org/drawingml/2006/main" xmlns:r="http://schemas.openxmlformats.org/officeDocument/2006/relationships" xmlns:p="http://schemas.openxmlformats.org/presentationml/2006/main">
+  <p:cSld>
+    <p:spTree>
+      <p:nvGrpSpPr>
+        <p:cNvPr id="1" name=""/>
+        <p:cNvGrpSpPr/>
+        <p:nvPr/>
+      </p:nvGrpSpPr>
+      <p:grpSpPr>
+        <a:xfrm>
+          <a:off x="0" y="0"/>
+          <a:ext cx="0" cy="0"/>
+          <a:chOff x="0" y="0"/>
+          <a:chExt cx="0" cy="0"/>
+        </a:xfrm>
+      </p:grpSpPr>
+      <p:sp>
+        <p:nvSpPr>
+          <p:cNvPr id="2" name="Titre 1">
+            <a:extLst>
+              <a:ext uri="{FF2B5EF4-FFF2-40B4-BE49-F238E27FC236}">
+                <a16:creationId xmlns:a16="http://schemas.microsoft.com/office/drawing/2014/main" id="{438EEDA2-7C80-412A-8188-469B4BA37C3E}"/>
+              </a:ext>
+            </a:extLst>
+          </p:cNvPr>
+          <p:cNvSpPr>
+            <a:spLocks noGrp="1"/>
+          </p:cNvSpPr>
+          <p:nvPr>
+            <p:ph type="title"/>
+          </p:nvPr>
+        </p:nvSpPr>
+        <p:spPr/>
+        <p:txBody>
+          <a:bodyPr/>
+          <a:lstStyle/>
+          <a:p>
+            <a:r>
+              <a:rPr lang="fr-FR" dirty="0"/>
+              <a:t>Améliorations</a:t>
+            </a:r>
+          </a:p>
+        </p:txBody>
+      </p:sp>
+      <p:sp>
+        <p:nvSpPr>
+          <p:cNvPr id="3" name="Espace réservé du contenu 2">
+            <a:extLst>
+              <a:ext uri="{FF2B5EF4-FFF2-40B4-BE49-F238E27FC236}">
+                <a16:creationId xmlns:a16="http://schemas.microsoft.com/office/drawing/2014/main" id="{B1C51046-97D3-463A-BC23-E4CF33428F31}"/>
+              </a:ext>
+            </a:extLst>
+          </p:cNvPr>
+          <p:cNvSpPr>
+            <a:spLocks noGrp="1"/>
+          </p:cNvSpPr>
+          <p:nvPr>
+            <p:ph idx="1"/>
+          </p:nvPr>
+        </p:nvSpPr>
+        <p:spPr/>
+        <p:txBody>
+          <a:bodyPr/>
+          <a:lstStyle/>
+          <a:p>
+            <a:r>
+              <a:rPr lang="fr-FR" dirty="0"/>
+              <a:t>PHP pour prendre en compte les avis ?</a:t>
+            </a:r>
+          </a:p>
+          <a:p>
+            <a:r>
+              <a:rPr lang="fr-FR" dirty="0"/>
+              <a:t>Dynamisme du site ?</a:t>
+            </a:r>
+          </a:p>
+          <a:p>
+            <a:r>
+              <a:rPr lang="fr-FR" dirty="0"/>
+              <a:t>Plus de technique ?</a:t>
+            </a:r>
+          </a:p>
+        </p:txBody>
+      </p:sp>
+      <p:sp>
+        <p:nvSpPr>
+          <p:cNvPr id="4" name="Espace réservé du pied de page 3">
+            <a:extLst>
+              <a:ext uri="{FF2B5EF4-FFF2-40B4-BE49-F238E27FC236}">
+                <a16:creationId xmlns:a16="http://schemas.microsoft.com/office/drawing/2014/main" id="{7216E244-7D31-4FA2-8DBD-B52FC400BA7A}"/>
+              </a:ext>
+            </a:extLst>
+          </p:cNvPr>
+          <p:cNvSpPr>
+            <a:spLocks noGrp="1"/>
+          </p:cNvSpPr>
+          <p:nvPr>
+            <p:ph type="ftr" sz="quarter" idx="11"/>
+          </p:nvPr>
+        </p:nvSpPr>
+        <p:spPr/>
+        <p:txBody>
+          <a:bodyPr/>
+          <a:lstStyle/>
+          <a:p>
+            <a:r>
+              <a:rPr lang="fr-FR">
+                <a:solidFill>
+                  <a:srgbClr val="C00000"/>
+                </a:solidFill>
+              </a:rPr>
+              <a:t>Mohamed Boukhtam et Stanislas Medrano</a:t>
+            </a:r>
+            <a:endParaRPr lang="fr-FR" dirty="0"/>
+          </a:p>
+        </p:txBody>
+      </p:sp>
       <p:sp>
         <p:nvSpPr>
           <p:cNvPr id="5" name="Espace réservé du numéro de diapositive 4">
@@ -5357,7 +5664,7 @@
             <a:fld id="{76CE9906-4B67-49DF-A550-FF0E09CEFF0C}" type="slidenum">
               <a:rPr lang="fr-FR" smtClean="0"/>
               <a:pPr/>
-              <a:t>15</a:t>
+              <a:t>17</a:t>
             </a:fld>
             <a:endParaRPr lang="fr-FR" dirty="0"/>
           </a:p>
@@ -5376,7 +5683,7 @@
 </p:sld>
 </file>
 
-<file path=ppt/slides/slide16.xml><?xml version="1.0" encoding="utf-8"?>
+<file path=ppt/slides/slide18.xml><?xml version="1.0" encoding="utf-8"?>
 <p:sld xmlns:a="http://schemas.openxmlformats.org/drawingml/2006/main" xmlns:r="http://schemas.openxmlformats.org/officeDocument/2006/relationships" xmlns:p="http://schemas.openxmlformats.org/presentationml/2006/main">
   <p:cSld>
     <p:spTree>
@@ -5543,6 +5850,12 @@
             <a:r>
               <a:rPr lang="fr-FR" dirty="0"/>
               <a:t>Architecture</a:t>
+            </a:r>
+          </a:p>
+          <a:p>
+            <a:r>
+              <a:rPr lang="fr-FR" dirty="0"/>
+              <a:t>Organisation du travail</a:t>
             </a:r>
           </a:p>
           <a:p>
@@ -6478,7 +6791,7 @@
           <p:cNvPr id="2" name="Titre 1">
             <a:extLst>
               <a:ext uri="{FF2B5EF4-FFF2-40B4-BE49-F238E27FC236}">
-                <a16:creationId xmlns:a16="http://schemas.microsoft.com/office/drawing/2014/main" id="{89050294-0A89-497B-8DFD-6389ACD39BE1}"/>
+                <a16:creationId xmlns:a16="http://schemas.microsoft.com/office/drawing/2014/main" id="{A456DACE-A172-4432-91FC-4A0AC6F3E229}"/>
               </a:ext>
             </a:extLst>
           </p:cNvPr>
@@ -6496,7 +6809,7 @@
           <a:p>
             <a:r>
               <a:rPr lang="fr-FR" dirty="0"/>
-              <a:t>Mohamed : Index</a:t>
+              <a:t>Organisation du travail</a:t>
             </a:r>
           </a:p>
         </p:txBody>
@@ -6506,7 +6819,7 @@
           <p:cNvPr id="3" name="Sous-titre 2">
             <a:extLst>
               <a:ext uri="{FF2B5EF4-FFF2-40B4-BE49-F238E27FC236}">
-                <a16:creationId xmlns:a16="http://schemas.microsoft.com/office/drawing/2014/main" id="{B7CCF9F9-8239-4AA6-8559-8F3BCB684B97}"/>
+                <a16:creationId xmlns:a16="http://schemas.microsoft.com/office/drawing/2014/main" id="{376415D4-945A-461B-948D-DBCFC6DDF1F7}"/>
               </a:ext>
             </a:extLst>
           </p:cNvPr>
@@ -6524,7 +6837,7 @@
           <a:p>
             <a:r>
               <a:rPr lang="fr-FR" dirty="0"/>
-              <a:t>Page d’accueil</a:t>
+              <a:t>Git et GitHub</a:t>
             </a:r>
           </a:p>
         </p:txBody>
@@ -6532,7 +6845,7 @@
     </p:spTree>
     <p:extLst>
       <p:ext uri="{BB962C8B-B14F-4D97-AF65-F5344CB8AC3E}">
-        <p14:creationId xmlns:p14="http://schemas.microsoft.com/office/powerpoint/2010/main" val="2564327627"/>
+        <p14:creationId xmlns:p14="http://schemas.microsoft.com/office/powerpoint/2010/main" val="885365290"/>
       </p:ext>
     </p:extLst>
   </p:cSld>
@@ -6564,7 +6877,7 @@
           <p:cNvPr id="2" name="Titre 1">
             <a:extLst>
               <a:ext uri="{FF2B5EF4-FFF2-40B4-BE49-F238E27FC236}">
-                <a16:creationId xmlns:a16="http://schemas.microsoft.com/office/drawing/2014/main" id="{EA4A9D19-45DB-46D6-B524-3D7F98E9021F}"/>
+                <a16:creationId xmlns:a16="http://schemas.microsoft.com/office/drawing/2014/main" id="{B44317B8-C0D0-47C8-9F45-DEA86EA35D2B}"/>
               </a:ext>
             </a:extLst>
           </p:cNvPr>
@@ -6582,17 +6895,22 @@
           <a:p>
             <a:r>
               <a:rPr lang="fr-FR" dirty="0"/>
-              <a:t>Page d’accueil</a:t>
-            </a:r>
+              <a:t>Git et </a:t>
+            </a:r>
+            <a:r>
+              <a:rPr lang="fr-FR" dirty="0" err="1"/>
+              <a:t>Github</a:t>
+            </a:r>
+            <a:endParaRPr lang="fr-FR" dirty="0"/>
           </a:p>
         </p:txBody>
       </p:sp>
       <p:pic>
         <p:nvPicPr>
-          <p:cNvPr id="5" name="Espace réservé du contenu 4">
-            <a:extLst>
-              <a:ext uri="{FF2B5EF4-FFF2-40B4-BE49-F238E27FC236}">
-                <a16:creationId xmlns:a16="http://schemas.microsoft.com/office/drawing/2014/main" id="{C184E5AA-8567-4483-A9A6-395E438D8769}"/>
+          <p:cNvPr id="6" name="Espace réservé du contenu 5">
+            <a:extLst>
+              <a:ext uri="{FF2B5EF4-FFF2-40B4-BE49-F238E27FC236}">
+                <a16:creationId xmlns:a16="http://schemas.microsoft.com/office/drawing/2014/main" id="{5127055D-EDEE-4D60-8902-571AFBF69080}"/>
               </a:ext>
             </a:extLst>
           </p:cNvPr>
@@ -6611,8 +6929,8 @@
         </p:blipFill>
         <p:spPr>
           <a:xfrm>
-            <a:off x="838200" y="1826975"/>
-            <a:ext cx="10515600" cy="4348638"/>
+            <a:off x="1252844" y="1825625"/>
+            <a:ext cx="9686311" cy="4351338"/>
           </a:xfrm>
           <a:prstGeom prst="rect">
             <a:avLst/>
@@ -6621,39 +6939,10 @@
       </p:pic>
       <p:sp>
         <p:nvSpPr>
-          <p:cNvPr id="3" name="Espace réservé du numéro de diapositive 2">
-            <a:extLst>
-              <a:ext uri="{FF2B5EF4-FFF2-40B4-BE49-F238E27FC236}">
-                <a16:creationId xmlns:a16="http://schemas.microsoft.com/office/drawing/2014/main" id="{75A99758-6383-4350-B7B1-4A091EB12E67}"/>
-              </a:ext>
-            </a:extLst>
-          </p:cNvPr>
-          <p:cNvSpPr>
-            <a:spLocks noGrp="1"/>
-          </p:cNvSpPr>
-          <p:nvPr>
-            <p:ph type="sldNum" sz="quarter" idx="12"/>
-          </p:nvPr>
-        </p:nvSpPr>
-        <p:spPr/>
-        <p:txBody>
-          <a:bodyPr/>
-          <a:lstStyle/>
-          <a:p>
-            <a:fld id="{76CE9906-4B67-49DF-A550-FF0E09CEFF0C}" type="slidenum">
-              <a:rPr lang="fr-FR" smtClean="0"/>
-              <a:t>8</a:t>
-            </a:fld>
-            <a:endParaRPr lang="fr-FR" dirty="0"/>
-          </a:p>
-        </p:txBody>
-      </p:sp>
-      <p:sp>
-        <p:nvSpPr>
-          <p:cNvPr id="6" name="Espace réservé du pied de page 5">
-            <a:extLst>
-              <a:ext uri="{FF2B5EF4-FFF2-40B4-BE49-F238E27FC236}">
-                <a16:creationId xmlns:a16="http://schemas.microsoft.com/office/drawing/2014/main" id="{42EB356E-716F-425A-B44A-A5CF7ABE7172}"/>
+          <p:cNvPr id="4" name="Espace réservé du pied de page 3">
+            <a:extLst>
+              <a:ext uri="{FF2B5EF4-FFF2-40B4-BE49-F238E27FC236}">
+                <a16:creationId xmlns:a16="http://schemas.microsoft.com/office/drawing/2014/main" id="{81FDCCC1-47D5-4358-9D9F-94B77FCEC184}"/>
               </a:ext>
             </a:extLst>
           </p:cNvPr>
@@ -6681,10 +6970,40 @@
           </a:p>
         </p:txBody>
       </p:sp>
+      <p:sp>
+        <p:nvSpPr>
+          <p:cNvPr id="5" name="Espace réservé du numéro de diapositive 4">
+            <a:extLst>
+              <a:ext uri="{FF2B5EF4-FFF2-40B4-BE49-F238E27FC236}">
+                <a16:creationId xmlns:a16="http://schemas.microsoft.com/office/drawing/2014/main" id="{6F50D485-C1B4-45F2-BA5F-CED60705FA45}"/>
+              </a:ext>
+            </a:extLst>
+          </p:cNvPr>
+          <p:cNvSpPr>
+            <a:spLocks noGrp="1"/>
+          </p:cNvSpPr>
+          <p:nvPr>
+            <p:ph type="sldNum" sz="quarter" idx="12"/>
+          </p:nvPr>
+        </p:nvSpPr>
+        <p:spPr/>
+        <p:txBody>
+          <a:bodyPr/>
+          <a:lstStyle/>
+          <a:p>
+            <a:fld id="{76CE9906-4B67-49DF-A550-FF0E09CEFF0C}" type="slidenum">
+              <a:rPr lang="fr-FR" smtClean="0"/>
+              <a:pPr/>
+              <a:t>8</a:t>
+            </a:fld>
+            <a:endParaRPr lang="fr-FR" dirty="0"/>
+          </a:p>
+        </p:txBody>
+      </p:sp>
     </p:spTree>
     <p:extLst>
       <p:ext uri="{BB962C8B-B14F-4D97-AF65-F5344CB8AC3E}">
-        <p14:creationId xmlns:p14="http://schemas.microsoft.com/office/powerpoint/2010/main" val="1051434621"/>
+        <p14:creationId xmlns:p14="http://schemas.microsoft.com/office/powerpoint/2010/main" val="914567290"/>
       </p:ext>
     </p:extLst>
   </p:cSld>
@@ -6716,15 +7035,15 @@
           <p:cNvPr id="2" name="Titre 1">
             <a:extLst>
               <a:ext uri="{FF2B5EF4-FFF2-40B4-BE49-F238E27FC236}">
-                <a16:creationId xmlns:a16="http://schemas.microsoft.com/office/drawing/2014/main" id="{802C981F-9811-4449-9452-AF236F0C0794}"/>
-              </a:ext>
-            </a:extLst>
-          </p:cNvPr>
-          <p:cNvSpPr>
-            <a:spLocks noGrp="1"/>
-          </p:cNvSpPr>
-          <p:nvPr>
-            <p:ph type="title"/>
+                <a16:creationId xmlns:a16="http://schemas.microsoft.com/office/drawing/2014/main" id="{89050294-0A89-497B-8DFD-6389ACD39BE1}"/>
+              </a:ext>
+            </a:extLst>
+          </p:cNvPr>
+          <p:cNvSpPr>
+            <a:spLocks noGrp="1"/>
+          </p:cNvSpPr>
+          <p:nvPr>
+            <p:ph type="ctrTitle"/>
           </p:nvPr>
         </p:nvSpPr>
         <p:spPr/>
@@ -6734,108 +7053,43 @@
           <a:p>
             <a:r>
               <a:rPr lang="fr-FR" dirty="0"/>
-              <a:t>Conception</a:t>
-            </a:r>
-          </a:p>
-        </p:txBody>
-      </p:sp>
-      <p:pic>
-        <p:nvPicPr>
-          <p:cNvPr id="5" name="Espace réservé du contenu 4">
-            <a:extLst>
-              <a:ext uri="{FF2B5EF4-FFF2-40B4-BE49-F238E27FC236}">
-                <a16:creationId xmlns:a16="http://schemas.microsoft.com/office/drawing/2014/main" id="{AD444000-6CB4-4D53-86EC-EAA3A9423CB9}"/>
-              </a:ext>
-            </a:extLst>
-          </p:cNvPr>
-          <p:cNvPicPr>
-            <a:picLocks noGrp="1" noChangeAspect="1"/>
-          </p:cNvPicPr>
-          <p:nvPr>
-            <p:ph idx="1"/>
-          </p:nvPr>
-        </p:nvPicPr>
-        <p:blipFill rotWithShape="1">
-          <a:blip r:embed="rId2"/>
-          <a:srcRect r="2903"/>
-          <a:stretch/>
-        </p:blipFill>
-        <p:spPr>
-          <a:xfrm>
-            <a:off x="2215300" y="1690688"/>
-            <a:ext cx="8873248" cy="4351338"/>
-          </a:xfrm>
-          <a:prstGeom prst="rect">
-            <a:avLst/>
-          </a:prstGeom>
-        </p:spPr>
-      </p:pic>
-      <p:sp>
-        <p:nvSpPr>
-          <p:cNvPr id="3" name="Espace réservé du numéro de diapositive 2">
-            <a:extLst>
-              <a:ext uri="{FF2B5EF4-FFF2-40B4-BE49-F238E27FC236}">
-                <a16:creationId xmlns:a16="http://schemas.microsoft.com/office/drawing/2014/main" id="{65F2687D-188C-4D2B-9588-B37A8946A6F9}"/>
-              </a:ext>
-            </a:extLst>
-          </p:cNvPr>
-          <p:cNvSpPr>
-            <a:spLocks noGrp="1"/>
-          </p:cNvSpPr>
-          <p:nvPr>
-            <p:ph type="sldNum" sz="quarter" idx="12"/>
-          </p:nvPr>
-        </p:nvSpPr>
-        <p:spPr/>
-        <p:txBody>
-          <a:bodyPr/>
-          <a:lstStyle/>
-          <a:p>
-            <a:fld id="{76CE9906-4B67-49DF-A550-FF0E09CEFF0C}" type="slidenum">
-              <a:rPr lang="fr-FR" smtClean="0"/>
-              <a:t>9</a:t>
-            </a:fld>
-            <a:endParaRPr lang="fr-FR" dirty="0"/>
-          </a:p>
-        </p:txBody>
-      </p:sp>
-      <p:sp>
-        <p:nvSpPr>
-          <p:cNvPr id="6" name="Espace réservé du pied de page 5">
-            <a:extLst>
-              <a:ext uri="{FF2B5EF4-FFF2-40B4-BE49-F238E27FC236}">
-                <a16:creationId xmlns:a16="http://schemas.microsoft.com/office/drawing/2014/main" id="{5D31D31F-602C-4DDD-B3CF-736A5EDCB61E}"/>
-              </a:ext>
-            </a:extLst>
-          </p:cNvPr>
-          <p:cNvSpPr>
-            <a:spLocks noGrp="1"/>
-          </p:cNvSpPr>
-          <p:nvPr>
-            <p:ph type="ftr" sz="quarter" idx="11"/>
-          </p:nvPr>
-        </p:nvSpPr>
-        <p:spPr/>
-        <p:txBody>
-          <a:bodyPr/>
-          <a:lstStyle/>
-          <a:p>
-            <a:r>
-              <a:rPr lang="fr-FR">
-                <a:solidFill>
-                  <a:srgbClr val="C00000"/>
-                </a:solidFill>
-              </a:rPr>
-              <a:t>Mohamed Boukhtam et Stanislas Medrano</a:t>
-            </a:r>
-            <a:endParaRPr lang="fr-FR" dirty="0"/>
+              <a:t>Mohamed : Index</a:t>
+            </a:r>
+          </a:p>
+        </p:txBody>
+      </p:sp>
+      <p:sp>
+        <p:nvSpPr>
+          <p:cNvPr id="3" name="Sous-titre 2">
+            <a:extLst>
+              <a:ext uri="{FF2B5EF4-FFF2-40B4-BE49-F238E27FC236}">
+                <a16:creationId xmlns:a16="http://schemas.microsoft.com/office/drawing/2014/main" id="{B7CCF9F9-8239-4AA6-8559-8F3BCB684B97}"/>
+              </a:ext>
+            </a:extLst>
+          </p:cNvPr>
+          <p:cNvSpPr>
+            <a:spLocks noGrp="1"/>
+          </p:cNvSpPr>
+          <p:nvPr>
+            <p:ph type="subTitle" idx="1"/>
+          </p:nvPr>
+        </p:nvSpPr>
+        <p:spPr/>
+        <p:txBody>
+          <a:bodyPr/>
+          <a:lstStyle/>
+          <a:p>
+            <a:r>
+              <a:rPr lang="fr-FR" dirty="0"/>
+              <a:t>Page d’accueil</a:t>
+            </a:r>
           </a:p>
         </p:txBody>
       </p:sp>
     </p:spTree>
     <p:extLst>
       <p:ext uri="{BB962C8B-B14F-4D97-AF65-F5344CB8AC3E}">
-        <p14:creationId xmlns:p14="http://schemas.microsoft.com/office/powerpoint/2010/main" val="1385007500"/>
+        <p14:creationId xmlns:p14="http://schemas.microsoft.com/office/powerpoint/2010/main" val="2564327627"/>
       </p:ext>
     </p:extLst>
   </p:cSld>

--- a/documents/Projet_Codin_StanislasMedrano_MohamedBoukhtam.pptx
+++ b/documents/Projet_Codin_StanislasMedrano_MohamedBoukhtam.pptx
@@ -5,7 +5,7 @@
     <p:sldMasterId id="2147483648" r:id="rId1"/>
   </p:sldMasterIdLst>
   <p:notesMasterIdLst>
-    <p:notesMasterId r:id="rId20"/>
+    <p:notesMasterId r:id="rId21"/>
   </p:notesMasterIdLst>
   <p:sldIdLst>
     <p:sldId id="256" r:id="rId2"/>
@@ -15,17 +15,18 @@
     <p:sldId id="260" r:id="rId6"/>
     <p:sldId id="267" r:id="rId7"/>
     <p:sldId id="278" r:id="rId8"/>
-    <p:sldId id="277" r:id="rId9"/>
-    <p:sldId id="269" r:id="rId10"/>
-    <p:sldId id="264" r:id="rId11"/>
-    <p:sldId id="271" r:id="rId12"/>
-    <p:sldId id="261" r:id="rId13"/>
-    <p:sldId id="268" r:id="rId14"/>
-    <p:sldId id="272" r:id="rId15"/>
-    <p:sldId id="273" r:id="rId16"/>
-    <p:sldId id="274" r:id="rId17"/>
-    <p:sldId id="275" r:id="rId18"/>
-    <p:sldId id="276" r:id="rId19"/>
+    <p:sldId id="279" r:id="rId9"/>
+    <p:sldId id="277" r:id="rId10"/>
+    <p:sldId id="269" r:id="rId11"/>
+    <p:sldId id="264" r:id="rId12"/>
+    <p:sldId id="271" r:id="rId13"/>
+    <p:sldId id="261" r:id="rId14"/>
+    <p:sldId id="268" r:id="rId15"/>
+    <p:sldId id="272" r:id="rId16"/>
+    <p:sldId id="273" r:id="rId17"/>
+    <p:sldId id="274" r:id="rId18"/>
+    <p:sldId id="275" r:id="rId19"/>
+    <p:sldId id="276" r:id="rId20"/>
   </p:sldIdLst>
   <p:sldSz cx="12192000" cy="6858000"/>
   <p:notesSz cx="6858000" cy="9144000"/>
@@ -147,7 +148,12 @@
           <p14:sldIdLst>
             <p14:sldId id="260"/>
             <p14:sldId id="267"/>
+          </p14:sldIdLst>
+        </p14:section>
+        <p14:section name="Travail" id="{2428C74A-3F54-402A-83B0-C3B9F50B889E}">
+          <p14:sldIdLst>
             <p14:sldId id="278"/>
+            <p14:sldId id="279"/>
             <p14:sldId id="277"/>
           </p14:sldIdLst>
         </p14:section>
@@ -4219,15 +4225,43 @@
           <p:cNvPr id="2" name="Titre 1">
             <a:extLst>
               <a:ext uri="{FF2B5EF4-FFF2-40B4-BE49-F238E27FC236}">
-                <a16:creationId xmlns:a16="http://schemas.microsoft.com/office/drawing/2014/main" id="{EA4A9D19-45DB-46D6-B524-3D7F98E9021F}"/>
-              </a:ext>
-            </a:extLst>
-          </p:cNvPr>
-          <p:cNvSpPr>
-            <a:spLocks noGrp="1"/>
-          </p:cNvSpPr>
-          <p:nvPr>
-            <p:ph type="title"/>
+                <a16:creationId xmlns:a16="http://schemas.microsoft.com/office/drawing/2014/main" id="{89050294-0A89-497B-8DFD-6389ACD39BE1}"/>
+              </a:ext>
+            </a:extLst>
+          </p:cNvPr>
+          <p:cNvSpPr>
+            <a:spLocks noGrp="1"/>
+          </p:cNvSpPr>
+          <p:nvPr>
+            <p:ph type="ctrTitle"/>
+          </p:nvPr>
+        </p:nvSpPr>
+        <p:spPr/>
+        <p:txBody>
+          <a:bodyPr/>
+          <a:lstStyle/>
+          <a:p>
+            <a:r>
+              <a:rPr lang="fr-FR" dirty="0"/>
+              <a:t>Mohamed : Index</a:t>
+            </a:r>
+          </a:p>
+        </p:txBody>
+      </p:sp>
+      <p:sp>
+        <p:nvSpPr>
+          <p:cNvPr id="3" name="Sous-titre 2">
+            <a:extLst>
+              <a:ext uri="{FF2B5EF4-FFF2-40B4-BE49-F238E27FC236}">
+                <a16:creationId xmlns:a16="http://schemas.microsoft.com/office/drawing/2014/main" id="{B7CCF9F9-8239-4AA6-8559-8F3BCB684B97}"/>
+              </a:ext>
+            </a:extLst>
+          </p:cNvPr>
+          <p:cNvSpPr>
+            <a:spLocks noGrp="1"/>
+          </p:cNvSpPr>
+          <p:nvPr>
+            <p:ph type="subTitle" idx="1"/>
           </p:nvPr>
         </p:nvSpPr>
         <p:spPr/>
@@ -4239,107 +4273,13 @@
               <a:rPr lang="fr-FR" dirty="0"/>
               <a:t>Page d’accueil</a:t>
             </a:r>
-          </a:p>
-        </p:txBody>
-      </p:sp>
-      <p:pic>
-        <p:nvPicPr>
-          <p:cNvPr id="5" name="Espace réservé du contenu 4">
-            <a:extLst>
-              <a:ext uri="{FF2B5EF4-FFF2-40B4-BE49-F238E27FC236}">
-                <a16:creationId xmlns:a16="http://schemas.microsoft.com/office/drawing/2014/main" id="{C184E5AA-8567-4483-A9A6-395E438D8769}"/>
-              </a:ext>
-            </a:extLst>
-          </p:cNvPr>
-          <p:cNvPicPr>
-            <a:picLocks noGrp="1" noChangeAspect="1"/>
-          </p:cNvPicPr>
-          <p:nvPr>
-            <p:ph idx="1"/>
-          </p:nvPr>
-        </p:nvPicPr>
-        <p:blipFill>
-          <a:blip r:embed="rId2"/>
-          <a:stretch>
-            <a:fillRect/>
-          </a:stretch>
-        </p:blipFill>
-        <p:spPr>
-          <a:xfrm>
-            <a:off x="838200" y="1826975"/>
-            <a:ext cx="10515600" cy="4348638"/>
-          </a:xfrm>
-          <a:prstGeom prst="rect">
-            <a:avLst/>
-          </a:prstGeom>
-        </p:spPr>
-      </p:pic>
-      <p:sp>
-        <p:nvSpPr>
-          <p:cNvPr id="3" name="Espace réservé du numéro de diapositive 2">
-            <a:extLst>
-              <a:ext uri="{FF2B5EF4-FFF2-40B4-BE49-F238E27FC236}">
-                <a16:creationId xmlns:a16="http://schemas.microsoft.com/office/drawing/2014/main" id="{75A99758-6383-4350-B7B1-4A091EB12E67}"/>
-              </a:ext>
-            </a:extLst>
-          </p:cNvPr>
-          <p:cNvSpPr>
-            <a:spLocks noGrp="1"/>
-          </p:cNvSpPr>
-          <p:nvPr>
-            <p:ph type="sldNum" sz="quarter" idx="12"/>
-          </p:nvPr>
-        </p:nvSpPr>
-        <p:spPr/>
-        <p:txBody>
-          <a:bodyPr/>
-          <a:lstStyle/>
-          <a:p>
-            <a:fld id="{76CE9906-4B67-49DF-A550-FF0E09CEFF0C}" type="slidenum">
-              <a:rPr lang="fr-FR" smtClean="0"/>
-              <a:t>10</a:t>
-            </a:fld>
-            <a:endParaRPr lang="fr-FR" dirty="0"/>
-          </a:p>
-        </p:txBody>
-      </p:sp>
-      <p:sp>
-        <p:nvSpPr>
-          <p:cNvPr id="6" name="Espace réservé du pied de page 5">
-            <a:extLst>
-              <a:ext uri="{FF2B5EF4-FFF2-40B4-BE49-F238E27FC236}">
-                <a16:creationId xmlns:a16="http://schemas.microsoft.com/office/drawing/2014/main" id="{42EB356E-716F-425A-B44A-A5CF7ABE7172}"/>
-              </a:ext>
-            </a:extLst>
-          </p:cNvPr>
-          <p:cNvSpPr>
-            <a:spLocks noGrp="1"/>
-          </p:cNvSpPr>
-          <p:nvPr>
-            <p:ph type="ftr" sz="quarter" idx="11"/>
-          </p:nvPr>
-        </p:nvSpPr>
-        <p:spPr/>
-        <p:txBody>
-          <a:bodyPr/>
-          <a:lstStyle/>
-          <a:p>
-            <a:r>
-              <a:rPr lang="fr-FR">
-                <a:solidFill>
-                  <a:srgbClr val="C00000"/>
-                </a:solidFill>
-              </a:rPr>
-              <a:t>Mohamed Boukhtam et Stanislas Medrano</a:t>
-            </a:r>
-            <a:endParaRPr lang="fr-FR" dirty="0"/>
           </a:p>
         </p:txBody>
       </p:sp>
     </p:spTree>
     <p:extLst>
       <p:ext uri="{BB962C8B-B14F-4D97-AF65-F5344CB8AC3E}">
-        <p14:creationId xmlns:p14="http://schemas.microsoft.com/office/powerpoint/2010/main" val="1051434621"/>
+        <p14:creationId xmlns:p14="http://schemas.microsoft.com/office/powerpoint/2010/main" val="2564327627"/>
       </p:ext>
     </p:extLst>
   </p:cSld>
@@ -4371,7 +4311,7 @@
           <p:cNvPr id="2" name="Titre 1">
             <a:extLst>
               <a:ext uri="{FF2B5EF4-FFF2-40B4-BE49-F238E27FC236}">
-                <a16:creationId xmlns:a16="http://schemas.microsoft.com/office/drawing/2014/main" id="{802C981F-9811-4449-9452-AF236F0C0794}"/>
+                <a16:creationId xmlns:a16="http://schemas.microsoft.com/office/drawing/2014/main" id="{EA4A9D19-45DB-46D6-B524-3D7F98E9021F}"/>
               </a:ext>
             </a:extLst>
           </p:cNvPr>
@@ -4389,7 +4329,7 @@
           <a:p>
             <a:r>
               <a:rPr lang="fr-FR" dirty="0"/>
-              <a:t>Conception</a:t>
+              <a:t>Page d’accueil</a:t>
             </a:r>
           </a:p>
         </p:txBody>
@@ -4399,7 +4339,7 @@
           <p:cNvPr id="5" name="Espace réservé du contenu 4">
             <a:extLst>
               <a:ext uri="{FF2B5EF4-FFF2-40B4-BE49-F238E27FC236}">
-                <a16:creationId xmlns:a16="http://schemas.microsoft.com/office/drawing/2014/main" id="{AD444000-6CB4-4D53-86EC-EAA3A9423CB9}"/>
+                <a16:creationId xmlns:a16="http://schemas.microsoft.com/office/drawing/2014/main" id="{C184E5AA-8567-4483-A9A6-395E438D8769}"/>
               </a:ext>
             </a:extLst>
           </p:cNvPr>
@@ -4410,15 +4350,16 @@
             <p:ph idx="1"/>
           </p:nvPr>
         </p:nvPicPr>
-        <p:blipFill rotWithShape="1">
+        <p:blipFill>
           <a:blip r:embed="rId2"/>
-          <a:srcRect r="2903"/>
-          <a:stretch/>
+          <a:stretch>
+            <a:fillRect/>
+          </a:stretch>
         </p:blipFill>
         <p:spPr>
           <a:xfrm>
-            <a:off x="2215300" y="1690688"/>
-            <a:ext cx="8873248" cy="4351338"/>
+            <a:off x="838200" y="1826975"/>
+            <a:ext cx="10515600" cy="4348638"/>
           </a:xfrm>
           <a:prstGeom prst="rect">
             <a:avLst/>
@@ -4430,7 +4371,7 @@
           <p:cNvPr id="3" name="Espace réservé du numéro de diapositive 2">
             <a:extLst>
               <a:ext uri="{FF2B5EF4-FFF2-40B4-BE49-F238E27FC236}">
-                <a16:creationId xmlns:a16="http://schemas.microsoft.com/office/drawing/2014/main" id="{65F2687D-188C-4D2B-9588-B37A8946A6F9}"/>
+                <a16:creationId xmlns:a16="http://schemas.microsoft.com/office/drawing/2014/main" id="{75A99758-6383-4350-B7B1-4A091EB12E67}"/>
               </a:ext>
             </a:extLst>
           </p:cNvPr>
@@ -4459,7 +4400,7 @@
           <p:cNvPr id="6" name="Espace réservé du pied de page 5">
             <a:extLst>
               <a:ext uri="{FF2B5EF4-FFF2-40B4-BE49-F238E27FC236}">
-                <a16:creationId xmlns:a16="http://schemas.microsoft.com/office/drawing/2014/main" id="{5D31D31F-602C-4DDD-B3CF-736A5EDCB61E}"/>
+                <a16:creationId xmlns:a16="http://schemas.microsoft.com/office/drawing/2014/main" id="{42EB356E-716F-425A-B44A-A5CF7ABE7172}"/>
               </a:ext>
             </a:extLst>
           </p:cNvPr>
@@ -4490,7 +4431,7 @@
     </p:spTree>
     <p:extLst>
       <p:ext uri="{BB962C8B-B14F-4D97-AF65-F5344CB8AC3E}">
-        <p14:creationId xmlns:p14="http://schemas.microsoft.com/office/powerpoint/2010/main" val="1385007500"/>
+        <p14:creationId xmlns:p14="http://schemas.microsoft.com/office/powerpoint/2010/main" val="1051434621"/>
       </p:ext>
     </p:extLst>
   </p:cSld>
@@ -4522,6 +4463,157 @@
           <p:cNvPr id="2" name="Titre 1">
             <a:extLst>
               <a:ext uri="{FF2B5EF4-FFF2-40B4-BE49-F238E27FC236}">
+                <a16:creationId xmlns:a16="http://schemas.microsoft.com/office/drawing/2014/main" id="{802C981F-9811-4449-9452-AF236F0C0794}"/>
+              </a:ext>
+            </a:extLst>
+          </p:cNvPr>
+          <p:cNvSpPr>
+            <a:spLocks noGrp="1"/>
+          </p:cNvSpPr>
+          <p:nvPr>
+            <p:ph type="title"/>
+          </p:nvPr>
+        </p:nvSpPr>
+        <p:spPr/>
+        <p:txBody>
+          <a:bodyPr/>
+          <a:lstStyle/>
+          <a:p>
+            <a:r>
+              <a:rPr lang="fr-FR" dirty="0"/>
+              <a:t>Conception</a:t>
+            </a:r>
+          </a:p>
+        </p:txBody>
+      </p:sp>
+      <p:pic>
+        <p:nvPicPr>
+          <p:cNvPr id="5" name="Espace réservé du contenu 4">
+            <a:extLst>
+              <a:ext uri="{FF2B5EF4-FFF2-40B4-BE49-F238E27FC236}">
+                <a16:creationId xmlns:a16="http://schemas.microsoft.com/office/drawing/2014/main" id="{AD444000-6CB4-4D53-86EC-EAA3A9423CB9}"/>
+              </a:ext>
+            </a:extLst>
+          </p:cNvPr>
+          <p:cNvPicPr>
+            <a:picLocks noGrp="1" noChangeAspect="1"/>
+          </p:cNvPicPr>
+          <p:nvPr>
+            <p:ph idx="1"/>
+          </p:nvPr>
+        </p:nvPicPr>
+        <p:blipFill rotWithShape="1">
+          <a:blip r:embed="rId2"/>
+          <a:srcRect r="2903"/>
+          <a:stretch/>
+        </p:blipFill>
+        <p:spPr>
+          <a:xfrm>
+            <a:off x="2215300" y="1690688"/>
+            <a:ext cx="8873248" cy="4351338"/>
+          </a:xfrm>
+          <a:prstGeom prst="rect">
+            <a:avLst/>
+          </a:prstGeom>
+        </p:spPr>
+      </p:pic>
+      <p:sp>
+        <p:nvSpPr>
+          <p:cNvPr id="3" name="Espace réservé du numéro de diapositive 2">
+            <a:extLst>
+              <a:ext uri="{FF2B5EF4-FFF2-40B4-BE49-F238E27FC236}">
+                <a16:creationId xmlns:a16="http://schemas.microsoft.com/office/drawing/2014/main" id="{65F2687D-188C-4D2B-9588-B37A8946A6F9}"/>
+              </a:ext>
+            </a:extLst>
+          </p:cNvPr>
+          <p:cNvSpPr>
+            <a:spLocks noGrp="1"/>
+          </p:cNvSpPr>
+          <p:nvPr>
+            <p:ph type="sldNum" sz="quarter" idx="12"/>
+          </p:nvPr>
+        </p:nvSpPr>
+        <p:spPr/>
+        <p:txBody>
+          <a:bodyPr/>
+          <a:lstStyle/>
+          <a:p>
+            <a:fld id="{76CE9906-4B67-49DF-A550-FF0E09CEFF0C}" type="slidenum">
+              <a:rPr lang="fr-FR" smtClean="0"/>
+              <a:t>12</a:t>
+            </a:fld>
+            <a:endParaRPr lang="fr-FR" dirty="0"/>
+          </a:p>
+        </p:txBody>
+      </p:sp>
+      <p:sp>
+        <p:nvSpPr>
+          <p:cNvPr id="6" name="Espace réservé du pied de page 5">
+            <a:extLst>
+              <a:ext uri="{FF2B5EF4-FFF2-40B4-BE49-F238E27FC236}">
+                <a16:creationId xmlns:a16="http://schemas.microsoft.com/office/drawing/2014/main" id="{5D31D31F-602C-4DDD-B3CF-736A5EDCB61E}"/>
+              </a:ext>
+            </a:extLst>
+          </p:cNvPr>
+          <p:cNvSpPr>
+            <a:spLocks noGrp="1"/>
+          </p:cNvSpPr>
+          <p:nvPr>
+            <p:ph type="ftr" sz="quarter" idx="11"/>
+          </p:nvPr>
+        </p:nvSpPr>
+        <p:spPr/>
+        <p:txBody>
+          <a:bodyPr/>
+          <a:lstStyle/>
+          <a:p>
+            <a:r>
+              <a:rPr lang="fr-FR">
+                <a:solidFill>
+                  <a:srgbClr val="C00000"/>
+                </a:solidFill>
+              </a:rPr>
+              <a:t>Mohamed Boukhtam et Stanislas Medrano</a:t>
+            </a:r>
+            <a:endParaRPr lang="fr-FR" dirty="0"/>
+          </a:p>
+        </p:txBody>
+      </p:sp>
+    </p:spTree>
+    <p:extLst>
+      <p:ext uri="{BB962C8B-B14F-4D97-AF65-F5344CB8AC3E}">
+        <p14:creationId xmlns:p14="http://schemas.microsoft.com/office/powerpoint/2010/main" val="1385007500"/>
+      </p:ext>
+    </p:extLst>
+  </p:cSld>
+  <p:clrMapOvr>
+    <a:masterClrMapping/>
+  </p:clrMapOvr>
+</p:sld>
+</file>
+
+<file path=ppt/slides/slide13.xml><?xml version="1.0" encoding="utf-8"?>
+<p:sld xmlns:a="http://schemas.openxmlformats.org/drawingml/2006/main" xmlns:r="http://schemas.openxmlformats.org/officeDocument/2006/relationships" xmlns:p="http://schemas.openxmlformats.org/presentationml/2006/main">
+  <p:cSld>
+    <p:spTree>
+      <p:nvGrpSpPr>
+        <p:cNvPr id="1" name=""/>
+        <p:cNvGrpSpPr/>
+        <p:nvPr/>
+      </p:nvGrpSpPr>
+      <p:grpSpPr>
+        <a:xfrm>
+          <a:off x="0" y="0"/>
+          <a:ext cx="0" cy="0"/>
+          <a:chOff x="0" y="0"/>
+          <a:chExt cx="0" cy="0"/>
+        </a:xfrm>
+      </p:grpSpPr>
+      <p:sp>
+        <p:nvSpPr>
+          <p:cNvPr id="2" name="Titre 1">
+            <a:extLst>
+              <a:ext uri="{FF2B5EF4-FFF2-40B4-BE49-F238E27FC236}">
                 <a16:creationId xmlns:a16="http://schemas.microsoft.com/office/drawing/2014/main" id="{F7A09982-25E8-4823-97BD-3EDDC25108F4}"/>
               </a:ext>
             </a:extLst>
@@ -4591,7 +4683,7 @@
 </p:sld>
 </file>
 
-<file path=ppt/slides/slide13.xml><?xml version="1.0" encoding="utf-8"?>
+<file path=ppt/slides/slide14.xml><?xml version="1.0" encoding="utf-8"?>
 <p:sld xmlns:a="http://schemas.openxmlformats.org/drawingml/2006/main" xmlns:r="http://schemas.openxmlformats.org/officeDocument/2006/relationships" xmlns:p="http://schemas.openxmlformats.org/presentationml/2006/main">
   <p:cSld>
     <p:spTree>
@@ -4905,7 +4997,7 @@
           <a:p>
             <a:fld id="{76CE9906-4B67-49DF-A550-FF0E09CEFF0C}" type="slidenum">
               <a:rPr lang="fr-FR" smtClean="0"/>
-              <a:t>13</a:t>
+              <a:t>14</a:t>
             </a:fld>
             <a:endParaRPr lang="fr-FR" dirty="0"/>
           </a:p>
@@ -4957,7 +5049,7 @@
 </p:sld>
 </file>
 
-<file path=ppt/slides/slide14.xml><?xml version="1.0" encoding="utf-8"?>
+<file path=ppt/slides/slide15.xml><?xml version="1.0" encoding="utf-8"?>
 <p:sld xmlns:a="http://schemas.openxmlformats.org/drawingml/2006/main" xmlns:r="http://schemas.openxmlformats.org/officeDocument/2006/relationships" xmlns:p="http://schemas.openxmlformats.org/presentationml/2006/main">
   <p:cSld>
     <p:spTree>
@@ -5232,7 +5324,7 @@
           <a:p>
             <a:fld id="{76CE9906-4B67-49DF-A550-FF0E09CEFF0C}" type="slidenum">
               <a:rPr lang="fr-FR" smtClean="0"/>
-              <a:t>14</a:t>
+              <a:t>15</a:t>
             </a:fld>
             <a:endParaRPr lang="fr-FR" dirty="0"/>
           </a:p>
@@ -5275,158 +5367,6 @@
     <p:extLst>
       <p:ext uri="{BB962C8B-B14F-4D97-AF65-F5344CB8AC3E}">
         <p14:creationId xmlns:p14="http://schemas.microsoft.com/office/powerpoint/2010/main" val="1037813431"/>
-      </p:ext>
-    </p:extLst>
-  </p:cSld>
-  <p:clrMapOvr>
-    <a:masterClrMapping/>
-  </p:clrMapOvr>
-</p:sld>
-</file>
-
-<file path=ppt/slides/slide15.xml><?xml version="1.0" encoding="utf-8"?>
-<p:sld xmlns:a="http://schemas.openxmlformats.org/drawingml/2006/main" xmlns:r="http://schemas.openxmlformats.org/officeDocument/2006/relationships" xmlns:p="http://schemas.openxmlformats.org/presentationml/2006/main">
-  <p:cSld>
-    <p:spTree>
-      <p:nvGrpSpPr>
-        <p:cNvPr id="1" name=""/>
-        <p:cNvGrpSpPr/>
-        <p:nvPr/>
-      </p:nvGrpSpPr>
-      <p:grpSpPr>
-        <a:xfrm>
-          <a:off x="0" y="0"/>
-          <a:ext cx="0" cy="0"/>
-          <a:chOff x="0" y="0"/>
-          <a:chExt cx="0" cy="0"/>
-        </a:xfrm>
-      </p:grpSpPr>
-      <p:sp>
-        <p:nvSpPr>
-          <p:cNvPr id="2" name="Titre 1">
-            <a:extLst>
-              <a:ext uri="{FF2B5EF4-FFF2-40B4-BE49-F238E27FC236}">
-                <a16:creationId xmlns:a16="http://schemas.microsoft.com/office/drawing/2014/main" id="{CFA8292D-C89C-4CBD-B34F-9D3FE27FDD3F}"/>
-              </a:ext>
-            </a:extLst>
-          </p:cNvPr>
-          <p:cNvSpPr>
-            <a:spLocks noGrp="1"/>
-          </p:cNvSpPr>
-          <p:nvPr>
-            <p:ph type="title"/>
-          </p:nvPr>
-        </p:nvSpPr>
-        <p:spPr/>
-        <p:txBody>
-          <a:bodyPr/>
-          <a:lstStyle/>
-          <a:p>
-            <a:r>
-              <a:rPr lang="fr-FR" dirty="0"/>
-              <a:t>Javascript dans le fichier .html</a:t>
-            </a:r>
-          </a:p>
-        </p:txBody>
-      </p:sp>
-      <p:pic>
-        <p:nvPicPr>
-          <p:cNvPr id="6" name="Espace réservé du contenu 5">
-            <a:extLst>
-              <a:ext uri="{FF2B5EF4-FFF2-40B4-BE49-F238E27FC236}">
-                <a16:creationId xmlns:a16="http://schemas.microsoft.com/office/drawing/2014/main" id="{41DCF1B1-B802-4CCC-B403-2DD4AE7378BD}"/>
-              </a:ext>
-            </a:extLst>
-          </p:cNvPr>
-          <p:cNvPicPr>
-            <a:picLocks noGrp="1" noChangeAspect="1"/>
-          </p:cNvPicPr>
-          <p:nvPr>
-            <p:ph idx="1"/>
-          </p:nvPr>
-        </p:nvPicPr>
-        <p:blipFill>
-          <a:blip r:embed="rId2"/>
-          <a:stretch>
-            <a:fillRect/>
-          </a:stretch>
-        </p:blipFill>
-        <p:spPr>
-          <a:xfrm>
-            <a:off x="2881312" y="2377281"/>
-            <a:ext cx="6429375" cy="3248025"/>
-          </a:xfrm>
-          <a:prstGeom prst="rect">
-            <a:avLst/>
-          </a:prstGeom>
-        </p:spPr>
-      </p:pic>
-      <p:sp>
-        <p:nvSpPr>
-          <p:cNvPr id="3" name="Espace réservé du numéro de diapositive 2">
-            <a:extLst>
-              <a:ext uri="{FF2B5EF4-FFF2-40B4-BE49-F238E27FC236}">
-                <a16:creationId xmlns:a16="http://schemas.microsoft.com/office/drawing/2014/main" id="{6D2ECA22-2260-4372-BF98-96188A0EF0C9}"/>
-              </a:ext>
-            </a:extLst>
-          </p:cNvPr>
-          <p:cNvSpPr>
-            <a:spLocks noGrp="1"/>
-          </p:cNvSpPr>
-          <p:nvPr>
-            <p:ph type="sldNum" sz="quarter" idx="12"/>
-          </p:nvPr>
-        </p:nvSpPr>
-        <p:spPr/>
-        <p:txBody>
-          <a:bodyPr/>
-          <a:lstStyle/>
-          <a:p>
-            <a:fld id="{76CE9906-4B67-49DF-A550-FF0E09CEFF0C}" type="slidenum">
-              <a:rPr lang="fr-FR" smtClean="0"/>
-              <a:t>15</a:t>
-            </a:fld>
-            <a:endParaRPr lang="fr-FR" dirty="0"/>
-          </a:p>
-        </p:txBody>
-      </p:sp>
-      <p:sp>
-        <p:nvSpPr>
-          <p:cNvPr id="5" name="Espace réservé du pied de page 4">
-            <a:extLst>
-              <a:ext uri="{FF2B5EF4-FFF2-40B4-BE49-F238E27FC236}">
-                <a16:creationId xmlns:a16="http://schemas.microsoft.com/office/drawing/2014/main" id="{5A4646D1-ADE2-49BC-AD82-61B35DF3B7C2}"/>
-              </a:ext>
-            </a:extLst>
-          </p:cNvPr>
-          <p:cNvSpPr>
-            <a:spLocks noGrp="1"/>
-          </p:cNvSpPr>
-          <p:nvPr>
-            <p:ph type="ftr" sz="quarter" idx="11"/>
-          </p:nvPr>
-        </p:nvSpPr>
-        <p:spPr/>
-        <p:txBody>
-          <a:bodyPr/>
-          <a:lstStyle/>
-          <a:p>
-            <a:r>
-              <a:rPr lang="fr-FR">
-                <a:solidFill>
-                  <a:srgbClr val="C00000"/>
-                </a:solidFill>
-              </a:rPr>
-              <a:t>Mohamed Boukhtam et Stanislas Medrano</a:t>
-            </a:r>
-            <a:endParaRPr lang="fr-FR" dirty="0"/>
-          </a:p>
-        </p:txBody>
-      </p:sp>
-    </p:spTree>
-    <p:extLst>
-      <p:ext uri="{BB962C8B-B14F-4D97-AF65-F5344CB8AC3E}">
-        <p14:creationId xmlns:p14="http://schemas.microsoft.com/office/powerpoint/2010/main" val="2111559160"/>
       </p:ext>
     </p:extLst>
   </p:cSld>
@@ -5458,15 +5398,15 @@
           <p:cNvPr id="2" name="Titre 1">
             <a:extLst>
               <a:ext uri="{FF2B5EF4-FFF2-40B4-BE49-F238E27FC236}">
-                <a16:creationId xmlns:a16="http://schemas.microsoft.com/office/drawing/2014/main" id="{88A40913-6640-4A0A-AF84-BC572E30B01D}"/>
-              </a:ext>
-            </a:extLst>
-          </p:cNvPr>
-          <p:cNvSpPr>
-            <a:spLocks noGrp="1"/>
-          </p:cNvSpPr>
-          <p:nvPr>
-            <p:ph type="ctrTitle"/>
+                <a16:creationId xmlns:a16="http://schemas.microsoft.com/office/drawing/2014/main" id="{CFA8292D-C89C-4CBD-B34F-9D3FE27FDD3F}"/>
+              </a:ext>
+            </a:extLst>
+          </p:cNvPr>
+          <p:cNvSpPr>
+            <a:spLocks noGrp="1"/>
+          </p:cNvSpPr>
+          <p:nvPr>
+            <p:ph type="title"/>
           </p:nvPr>
         </p:nvSpPr>
         <p:spPr/>
@@ -5476,43 +5416,109 @@
           <a:p>
             <a:r>
               <a:rPr lang="fr-FR" dirty="0"/>
-              <a:t>Bilan - Améliorations</a:t>
-            </a:r>
-          </a:p>
-        </p:txBody>
-      </p:sp>
-      <p:sp>
-        <p:nvSpPr>
-          <p:cNvPr id="3" name="Sous-titre 2">
-            <a:extLst>
-              <a:ext uri="{FF2B5EF4-FFF2-40B4-BE49-F238E27FC236}">
-                <a16:creationId xmlns:a16="http://schemas.microsoft.com/office/drawing/2014/main" id="{E94161E1-DA60-467F-A050-AE23BCE6E324}"/>
-              </a:ext>
-            </a:extLst>
-          </p:cNvPr>
-          <p:cNvSpPr>
-            <a:spLocks noGrp="1"/>
-          </p:cNvSpPr>
-          <p:nvPr>
-            <p:ph type="subTitle" idx="1"/>
-          </p:nvPr>
-        </p:nvSpPr>
-        <p:spPr/>
-        <p:txBody>
-          <a:bodyPr/>
-          <a:lstStyle/>
-          <a:p>
-            <a:r>
-              <a:rPr lang="fr-FR" dirty="0"/>
-              <a:t>Site web</a:t>
-            </a:r>
+              <a:t>Javascript dans le fichier .html</a:t>
+            </a:r>
+          </a:p>
+        </p:txBody>
+      </p:sp>
+      <p:pic>
+        <p:nvPicPr>
+          <p:cNvPr id="6" name="Espace réservé du contenu 5">
+            <a:extLst>
+              <a:ext uri="{FF2B5EF4-FFF2-40B4-BE49-F238E27FC236}">
+                <a16:creationId xmlns:a16="http://schemas.microsoft.com/office/drawing/2014/main" id="{41DCF1B1-B802-4CCC-B403-2DD4AE7378BD}"/>
+              </a:ext>
+            </a:extLst>
+          </p:cNvPr>
+          <p:cNvPicPr>
+            <a:picLocks noGrp="1" noChangeAspect="1"/>
+          </p:cNvPicPr>
+          <p:nvPr>
+            <p:ph idx="1"/>
+          </p:nvPr>
+        </p:nvPicPr>
+        <p:blipFill>
+          <a:blip r:embed="rId2"/>
+          <a:stretch>
+            <a:fillRect/>
+          </a:stretch>
+        </p:blipFill>
+        <p:spPr>
+          <a:xfrm>
+            <a:off x="2881312" y="2377281"/>
+            <a:ext cx="6429375" cy="3248025"/>
+          </a:xfrm>
+          <a:prstGeom prst="rect">
+            <a:avLst/>
+          </a:prstGeom>
+        </p:spPr>
+      </p:pic>
+      <p:sp>
+        <p:nvSpPr>
+          <p:cNvPr id="3" name="Espace réservé du numéro de diapositive 2">
+            <a:extLst>
+              <a:ext uri="{FF2B5EF4-FFF2-40B4-BE49-F238E27FC236}">
+                <a16:creationId xmlns:a16="http://schemas.microsoft.com/office/drawing/2014/main" id="{6D2ECA22-2260-4372-BF98-96188A0EF0C9}"/>
+              </a:ext>
+            </a:extLst>
+          </p:cNvPr>
+          <p:cNvSpPr>
+            <a:spLocks noGrp="1"/>
+          </p:cNvSpPr>
+          <p:nvPr>
+            <p:ph type="sldNum" sz="quarter" idx="12"/>
+          </p:nvPr>
+        </p:nvSpPr>
+        <p:spPr/>
+        <p:txBody>
+          <a:bodyPr/>
+          <a:lstStyle/>
+          <a:p>
+            <a:fld id="{76CE9906-4B67-49DF-A550-FF0E09CEFF0C}" type="slidenum">
+              <a:rPr lang="fr-FR" smtClean="0"/>
+              <a:t>16</a:t>
+            </a:fld>
+            <a:endParaRPr lang="fr-FR" dirty="0"/>
+          </a:p>
+        </p:txBody>
+      </p:sp>
+      <p:sp>
+        <p:nvSpPr>
+          <p:cNvPr id="5" name="Espace réservé du pied de page 4">
+            <a:extLst>
+              <a:ext uri="{FF2B5EF4-FFF2-40B4-BE49-F238E27FC236}">
+                <a16:creationId xmlns:a16="http://schemas.microsoft.com/office/drawing/2014/main" id="{5A4646D1-ADE2-49BC-AD82-61B35DF3B7C2}"/>
+              </a:ext>
+            </a:extLst>
+          </p:cNvPr>
+          <p:cNvSpPr>
+            <a:spLocks noGrp="1"/>
+          </p:cNvSpPr>
+          <p:nvPr>
+            <p:ph type="ftr" sz="quarter" idx="11"/>
+          </p:nvPr>
+        </p:nvSpPr>
+        <p:spPr/>
+        <p:txBody>
+          <a:bodyPr/>
+          <a:lstStyle/>
+          <a:p>
+            <a:r>
+              <a:rPr lang="fr-FR">
+                <a:solidFill>
+                  <a:srgbClr val="C00000"/>
+                </a:solidFill>
+              </a:rPr>
+              <a:t>Mohamed Boukhtam et Stanislas Medrano</a:t>
+            </a:r>
+            <a:endParaRPr lang="fr-FR" dirty="0"/>
           </a:p>
         </p:txBody>
       </p:sp>
     </p:spTree>
     <p:extLst>
       <p:ext uri="{BB962C8B-B14F-4D97-AF65-F5344CB8AC3E}">
-        <p14:creationId xmlns:p14="http://schemas.microsoft.com/office/powerpoint/2010/main" val="3133767685"/>
+        <p14:creationId xmlns:p14="http://schemas.microsoft.com/office/powerpoint/2010/main" val="2111559160"/>
       </p:ext>
     </p:extLst>
   </p:cSld>
@@ -5544,6 +5550,92 @@
           <p:cNvPr id="2" name="Titre 1">
             <a:extLst>
               <a:ext uri="{FF2B5EF4-FFF2-40B4-BE49-F238E27FC236}">
+                <a16:creationId xmlns:a16="http://schemas.microsoft.com/office/drawing/2014/main" id="{88A40913-6640-4A0A-AF84-BC572E30B01D}"/>
+              </a:ext>
+            </a:extLst>
+          </p:cNvPr>
+          <p:cNvSpPr>
+            <a:spLocks noGrp="1"/>
+          </p:cNvSpPr>
+          <p:nvPr>
+            <p:ph type="ctrTitle"/>
+          </p:nvPr>
+        </p:nvSpPr>
+        <p:spPr/>
+        <p:txBody>
+          <a:bodyPr/>
+          <a:lstStyle/>
+          <a:p>
+            <a:r>
+              <a:rPr lang="fr-FR" dirty="0"/>
+              <a:t>Bilan - Améliorations</a:t>
+            </a:r>
+          </a:p>
+        </p:txBody>
+      </p:sp>
+      <p:sp>
+        <p:nvSpPr>
+          <p:cNvPr id="3" name="Sous-titre 2">
+            <a:extLst>
+              <a:ext uri="{FF2B5EF4-FFF2-40B4-BE49-F238E27FC236}">
+                <a16:creationId xmlns:a16="http://schemas.microsoft.com/office/drawing/2014/main" id="{E94161E1-DA60-467F-A050-AE23BCE6E324}"/>
+              </a:ext>
+            </a:extLst>
+          </p:cNvPr>
+          <p:cNvSpPr>
+            <a:spLocks noGrp="1"/>
+          </p:cNvSpPr>
+          <p:nvPr>
+            <p:ph type="subTitle" idx="1"/>
+          </p:nvPr>
+        </p:nvSpPr>
+        <p:spPr/>
+        <p:txBody>
+          <a:bodyPr/>
+          <a:lstStyle/>
+          <a:p>
+            <a:r>
+              <a:rPr lang="fr-FR" dirty="0"/>
+              <a:t>Site web</a:t>
+            </a:r>
+          </a:p>
+        </p:txBody>
+      </p:sp>
+    </p:spTree>
+    <p:extLst>
+      <p:ext uri="{BB962C8B-B14F-4D97-AF65-F5344CB8AC3E}">
+        <p14:creationId xmlns:p14="http://schemas.microsoft.com/office/powerpoint/2010/main" val="3133767685"/>
+      </p:ext>
+    </p:extLst>
+  </p:cSld>
+  <p:clrMapOvr>
+    <a:masterClrMapping/>
+  </p:clrMapOvr>
+</p:sld>
+</file>
+
+<file path=ppt/slides/slide18.xml><?xml version="1.0" encoding="utf-8"?>
+<p:sld xmlns:a="http://schemas.openxmlformats.org/drawingml/2006/main" xmlns:r="http://schemas.openxmlformats.org/officeDocument/2006/relationships" xmlns:p="http://schemas.openxmlformats.org/presentationml/2006/main">
+  <p:cSld>
+    <p:spTree>
+      <p:nvGrpSpPr>
+        <p:cNvPr id="1" name=""/>
+        <p:cNvGrpSpPr/>
+        <p:nvPr/>
+      </p:nvGrpSpPr>
+      <p:grpSpPr>
+        <a:xfrm>
+          <a:off x="0" y="0"/>
+          <a:ext cx="0" cy="0"/>
+          <a:chOff x="0" y="0"/>
+          <a:chExt cx="0" cy="0"/>
+        </a:xfrm>
+      </p:grpSpPr>
+      <p:sp>
+        <p:nvSpPr>
+          <p:cNvPr id="2" name="Titre 1">
+            <a:extLst>
+              <a:ext uri="{FF2B5EF4-FFF2-40B4-BE49-F238E27FC236}">
                 <a16:creationId xmlns:a16="http://schemas.microsoft.com/office/drawing/2014/main" id="{438EEDA2-7C80-412A-8188-469B4BA37C3E}"/>
               </a:ext>
             </a:extLst>
@@ -5664,7 +5756,7 @@
             <a:fld id="{76CE9906-4B67-49DF-A550-FF0E09CEFF0C}" type="slidenum">
               <a:rPr lang="fr-FR" smtClean="0"/>
               <a:pPr/>
-              <a:t>17</a:t>
+              <a:t>18</a:t>
             </a:fld>
             <a:endParaRPr lang="fr-FR" dirty="0"/>
           </a:p>
@@ -5683,7 +5775,7 @@
 </p:sld>
 </file>
 
-<file path=ppt/slides/slide18.xml><?xml version="1.0" encoding="utf-8"?>
+<file path=ppt/slides/slide19.xml><?xml version="1.0" encoding="utf-8"?>
 <p:sld xmlns:a="http://schemas.openxmlformats.org/drawingml/2006/main" xmlns:r="http://schemas.openxmlformats.org/officeDocument/2006/relationships" xmlns:p="http://schemas.openxmlformats.org/presentationml/2006/main">
   <p:cSld>
     <p:spTree>
@@ -6877,7 +6969,7 @@
           <p:cNvPr id="2" name="Titre 1">
             <a:extLst>
               <a:ext uri="{FF2B5EF4-FFF2-40B4-BE49-F238E27FC236}">
-                <a16:creationId xmlns:a16="http://schemas.microsoft.com/office/drawing/2014/main" id="{B44317B8-C0D0-47C8-9F45-DEA86EA35D2B}"/>
+                <a16:creationId xmlns:a16="http://schemas.microsoft.com/office/drawing/2014/main" id="{DDC690F4-5C75-4400-A7BC-16C78828FC9B}"/>
               </a:ext>
             </a:extLst>
           </p:cNvPr>
@@ -6895,13 +6987,8 @@
           <a:p>
             <a:r>
               <a:rPr lang="fr-FR" dirty="0"/>
-              <a:t>Git et </a:t>
-            </a:r>
-            <a:r>
-              <a:rPr lang="fr-FR" dirty="0" err="1"/>
-              <a:t>Github</a:t>
-            </a:r>
-            <a:endParaRPr lang="fr-FR" dirty="0"/>
+              <a:t>Git</a:t>
+            </a:r>
           </a:p>
         </p:txBody>
       </p:sp>
@@ -6910,7 +6997,7 @@
           <p:cNvPr id="6" name="Espace réservé du contenu 5">
             <a:extLst>
               <a:ext uri="{FF2B5EF4-FFF2-40B4-BE49-F238E27FC236}">
-                <a16:creationId xmlns:a16="http://schemas.microsoft.com/office/drawing/2014/main" id="{5127055D-EDEE-4D60-8902-571AFBF69080}"/>
+                <a16:creationId xmlns:a16="http://schemas.microsoft.com/office/drawing/2014/main" id="{C589F0C5-C83E-4145-B6C8-E437C336A946}"/>
               </a:ext>
             </a:extLst>
           </p:cNvPr>
@@ -6929,8 +7016,8 @@
         </p:blipFill>
         <p:spPr>
           <a:xfrm>
-            <a:off x="1252844" y="1825625"/>
-            <a:ext cx="9686311" cy="4351338"/>
+            <a:off x="2570349" y="1382099"/>
+            <a:ext cx="7051301" cy="4093802"/>
           </a:xfrm>
           <a:prstGeom prst="rect">
             <a:avLst/>
@@ -6942,7 +7029,7 @@
           <p:cNvPr id="4" name="Espace réservé du pied de page 3">
             <a:extLst>
               <a:ext uri="{FF2B5EF4-FFF2-40B4-BE49-F238E27FC236}">
-                <a16:creationId xmlns:a16="http://schemas.microsoft.com/office/drawing/2014/main" id="{81FDCCC1-47D5-4358-9D9F-94B77FCEC184}"/>
+                <a16:creationId xmlns:a16="http://schemas.microsoft.com/office/drawing/2014/main" id="{B0F825A8-5DD8-4903-8EAD-D6686D8DE436}"/>
               </a:ext>
             </a:extLst>
           </p:cNvPr>
@@ -6975,7 +7062,7 @@
           <p:cNvPr id="5" name="Espace réservé du numéro de diapositive 4">
             <a:extLst>
               <a:ext uri="{FF2B5EF4-FFF2-40B4-BE49-F238E27FC236}">
-                <a16:creationId xmlns:a16="http://schemas.microsoft.com/office/drawing/2014/main" id="{6F50D485-C1B4-45F2-BA5F-CED60705FA45}"/>
+                <a16:creationId xmlns:a16="http://schemas.microsoft.com/office/drawing/2014/main" id="{548E57C8-99CA-48FB-B850-84EF2C2E12FF}"/>
               </a:ext>
             </a:extLst>
           </p:cNvPr>
@@ -7003,7 +7090,7 @@
     </p:spTree>
     <p:extLst>
       <p:ext uri="{BB962C8B-B14F-4D97-AF65-F5344CB8AC3E}">
-        <p14:creationId xmlns:p14="http://schemas.microsoft.com/office/powerpoint/2010/main" val="914567290"/>
+        <p14:creationId xmlns:p14="http://schemas.microsoft.com/office/powerpoint/2010/main" val="2641700307"/>
       </p:ext>
     </p:extLst>
   </p:cSld>
@@ -7035,61 +7122,129 @@
           <p:cNvPr id="2" name="Titre 1">
             <a:extLst>
               <a:ext uri="{FF2B5EF4-FFF2-40B4-BE49-F238E27FC236}">
-                <a16:creationId xmlns:a16="http://schemas.microsoft.com/office/drawing/2014/main" id="{89050294-0A89-497B-8DFD-6389ACD39BE1}"/>
-              </a:ext>
-            </a:extLst>
-          </p:cNvPr>
-          <p:cNvSpPr>
-            <a:spLocks noGrp="1"/>
-          </p:cNvSpPr>
-          <p:nvPr>
-            <p:ph type="ctrTitle"/>
-          </p:nvPr>
-        </p:nvSpPr>
-        <p:spPr/>
-        <p:txBody>
-          <a:bodyPr/>
-          <a:lstStyle/>
-          <a:p>
-            <a:r>
-              <a:rPr lang="fr-FR" dirty="0"/>
-              <a:t>Mohamed : Index</a:t>
-            </a:r>
-          </a:p>
-        </p:txBody>
-      </p:sp>
-      <p:sp>
-        <p:nvSpPr>
-          <p:cNvPr id="3" name="Sous-titre 2">
-            <a:extLst>
-              <a:ext uri="{FF2B5EF4-FFF2-40B4-BE49-F238E27FC236}">
-                <a16:creationId xmlns:a16="http://schemas.microsoft.com/office/drawing/2014/main" id="{B7CCF9F9-8239-4AA6-8559-8F3BCB684B97}"/>
-              </a:ext>
-            </a:extLst>
-          </p:cNvPr>
-          <p:cNvSpPr>
-            <a:spLocks noGrp="1"/>
-          </p:cNvSpPr>
-          <p:nvPr>
-            <p:ph type="subTitle" idx="1"/>
-          </p:nvPr>
-        </p:nvSpPr>
-        <p:spPr/>
-        <p:txBody>
-          <a:bodyPr/>
-          <a:lstStyle/>
-          <a:p>
-            <a:r>
-              <a:rPr lang="fr-FR" dirty="0"/>
-              <a:t>Page d’accueil</a:t>
-            </a:r>
+                <a16:creationId xmlns:a16="http://schemas.microsoft.com/office/drawing/2014/main" id="{B44317B8-C0D0-47C8-9F45-DEA86EA35D2B}"/>
+              </a:ext>
+            </a:extLst>
+          </p:cNvPr>
+          <p:cNvSpPr>
+            <a:spLocks noGrp="1"/>
+          </p:cNvSpPr>
+          <p:nvPr>
+            <p:ph type="title"/>
+          </p:nvPr>
+        </p:nvSpPr>
+        <p:spPr/>
+        <p:txBody>
+          <a:bodyPr/>
+          <a:lstStyle/>
+          <a:p>
+            <a:r>
+              <a:rPr lang="fr-FR" dirty="0" err="1"/>
+              <a:t>Github</a:t>
+            </a:r>
+            <a:endParaRPr lang="fr-FR" dirty="0"/>
+          </a:p>
+        </p:txBody>
+      </p:sp>
+      <p:pic>
+        <p:nvPicPr>
+          <p:cNvPr id="6" name="Espace réservé du contenu 5">
+            <a:extLst>
+              <a:ext uri="{FF2B5EF4-FFF2-40B4-BE49-F238E27FC236}">
+                <a16:creationId xmlns:a16="http://schemas.microsoft.com/office/drawing/2014/main" id="{5127055D-EDEE-4D60-8902-571AFBF69080}"/>
+              </a:ext>
+            </a:extLst>
+          </p:cNvPr>
+          <p:cNvPicPr>
+            <a:picLocks noGrp="1" noChangeAspect="1"/>
+          </p:cNvPicPr>
+          <p:nvPr>
+            <p:ph idx="1"/>
+          </p:nvPr>
+        </p:nvPicPr>
+        <p:blipFill>
+          <a:blip r:embed="rId2"/>
+          <a:stretch>
+            <a:fillRect/>
+          </a:stretch>
+        </p:blipFill>
+        <p:spPr>
+          <a:xfrm>
+            <a:off x="1252844" y="1825625"/>
+            <a:ext cx="9686311" cy="4351338"/>
+          </a:xfrm>
+          <a:prstGeom prst="rect">
+            <a:avLst/>
+          </a:prstGeom>
+        </p:spPr>
+      </p:pic>
+      <p:sp>
+        <p:nvSpPr>
+          <p:cNvPr id="4" name="Espace réservé du pied de page 3">
+            <a:extLst>
+              <a:ext uri="{FF2B5EF4-FFF2-40B4-BE49-F238E27FC236}">
+                <a16:creationId xmlns:a16="http://schemas.microsoft.com/office/drawing/2014/main" id="{81FDCCC1-47D5-4358-9D9F-94B77FCEC184}"/>
+              </a:ext>
+            </a:extLst>
+          </p:cNvPr>
+          <p:cNvSpPr>
+            <a:spLocks noGrp="1"/>
+          </p:cNvSpPr>
+          <p:nvPr>
+            <p:ph type="ftr" sz="quarter" idx="11"/>
+          </p:nvPr>
+        </p:nvSpPr>
+        <p:spPr/>
+        <p:txBody>
+          <a:bodyPr/>
+          <a:lstStyle/>
+          <a:p>
+            <a:r>
+              <a:rPr lang="fr-FR">
+                <a:solidFill>
+                  <a:srgbClr val="C00000"/>
+                </a:solidFill>
+              </a:rPr>
+              <a:t>Mohamed Boukhtam et Stanislas Medrano</a:t>
+            </a:r>
+            <a:endParaRPr lang="fr-FR" dirty="0"/>
+          </a:p>
+        </p:txBody>
+      </p:sp>
+      <p:sp>
+        <p:nvSpPr>
+          <p:cNvPr id="5" name="Espace réservé du numéro de diapositive 4">
+            <a:extLst>
+              <a:ext uri="{FF2B5EF4-FFF2-40B4-BE49-F238E27FC236}">
+                <a16:creationId xmlns:a16="http://schemas.microsoft.com/office/drawing/2014/main" id="{6F50D485-C1B4-45F2-BA5F-CED60705FA45}"/>
+              </a:ext>
+            </a:extLst>
+          </p:cNvPr>
+          <p:cNvSpPr>
+            <a:spLocks noGrp="1"/>
+          </p:cNvSpPr>
+          <p:nvPr>
+            <p:ph type="sldNum" sz="quarter" idx="12"/>
+          </p:nvPr>
+        </p:nvSpPr>
+        <p:spPr/>
+        <p:txBody>
+          <a:bodyPr/>
+          <a:lstStyle/>
+          <a:p>
+            <a:fld id="{76CE9906-4B67-49DF-A550-FF0E09CEFF0C}" type="slidenum">
+              <a:rPr lang="fr-FR" smtClean="0"/>
+              <a:pPr/>
+              <a:t>9</a:t>
+            </a:fld>
+            <a:endParaRPr lang="fr-FR" dirty="0"/>
           </a:p>
         </p:txBody>
       </p:sp>
     </p:spTree>
     <p:extLst>
       <p:ext uri="{BB962C8B-B14F-4D97-AF65-F5344CB8AC3E}">
-        <p14:creationId xmlns:p14="http://schemas.microsoft.com/office/powerpoint/2010/main" val="2564327627"/>
+        <p14:creationId xmlns:p14="http://schemas.microsoft.com/office/powerpoint/2010/main" val="914567290"/>
       </p:ext>
     </p:extLst>
   </p:cSld>

--- a/documents/Projet_Codin_StanislasMedrano_MohamedBoukhtam.pptx
+++ b/documents/Projet_Codin_StanislasMedrano_MohamedBoukhtam.pptx
@@ -5,7 +5,7 @@
     <p:sldMasterId id="2147483648" r:id="rId1"/>
   </p:sldMasterIdLst>
   <p:notesMasterIdLst>
-    <p:notesMasterId r:id="rId21"/>
+    <p:notesMasterId r:id="rId34"/>
   </p:notesMasterIdLst>
   <p:sldIdLst>
     <p:sldId id="256" r:id="rId2"/>
@@ -13,20 +13,33 @@
     <p:sldId id="270" r:id="rId4"/>
     <p:sldId id="266" r:id="rId5"/>
     <p:sldId id="260" r:id="rId6"/>
-    <p:sldId id="267" r:id="rId7"/>
-    <p:sldId id="278" r:id="rId8"/>
-    <p:sldId id="279" r:id="rId9"/>
-    <p:sldId id="277" r:id="rId10"/>
-    <p:sldId id="269" r:id="rId11"/>
-    <p:sldId id="264" r:id="rId12"/>
-    <p:sldId id="271" r:id="rId13"/>
-    <p:sldId id="261" r:id="rId14"/>
-    <p:sldId id="268" r:id="rId15"/>
-    <p:sldId id="272" r:id="rId16"/>
-    <p:sldId id="273" r:id="rId17"/>
-    <p:sldId id="274" r:id="rId18"/>
-    <p:sldId id="275" r:id="rId19"/>
-    <p:sldId id="276" r:id="rId20"/>
+    <p:sldId id="287" r:id="rId7"/>
+    <p:sldId id="281" r:id="rId8"/>
+    <p:sldId id="286" r:id="rId9"/>
+    <p:sldId id="267" r:id="rId10"/>
+    <p:sldId id="284" r:id="rId11"/>
+    <p:sldId id="283" r:id="rId12"/>
+    <p:sldId id="285" r:id="rId13"/>
+    <p:sldId id="289" r:id="rId14"/>
+    <p:sldId id="291" r:id="rId15"/>
+    <p:sldId id="290" r:id="rId16"/>
+    <p:sldId id="292" r:id="rId17"/>
+    <p:sldId id="278" r:id="rId18"/>
+    <p:sldId id="279" r:id="rId19"/>
+    <p:sldId id="277" r:id="rId20"/>
+    <p:sldId id="269" r:id="rId21"/>
+    <p:sldId id="264" r:id="rId22"/>
+    <p:sldId id="280" r:id="rId23"/>
+    <p:sldId id="271" r:id="rId24"/>
+    <p:sldId id="261" r:id="rId25"/>
+    <p:sldId id="268" r:id="rId26"/>
+    <p:sldId id="272" r:id="rId27"/>
+    <p:sldId id="282" r:id="rId28"/>
+    <p:sldId id="273" r:id="rId29"/>
+    <p:sldId id="288" r:id="rId30"/>
+    <p:sldId id="274" r:id="rId31"/>
+    <p:sldId id="275" r:id="rId32"/>
+    <p:sldId id="276" r:id="rId33"/>
   </p:sldIdLst>
   <p:sldSz cx="12192000" cy="6858000"/>
   <p:notesSz cx="6858000" cy="9144000"/>
@@ -147,7 +160,17 @@
         <p14:section name="Architecture" id="{329B0773-32FB-45C7-A687-F7E8ADBF5ED2}">
           <p14:sldIdLst>
             <p14:sldId id="260"/>
+            <p14:sldId id="287"/>
+            <p14:sldId id="281"/>
+            <p14:sldId id="286"/>
             <p14:sldId id="267"/>
+            <p14:sldId id="284"/>
+            <p14:sldId id="283"/>
+            <p14:sldId id="285"/>
+            <p14:sldId id="289"/>
+            <p14:sldId id="291"/>
+            <p14:sldId id="290"/>
+            <p14:sldId id="292"/>
           </p14:sldIdLst>
         </p14:section>
         <p14:section name="Travail" id="{2428C74A-3F54-402A-83B0-C3B9F50B889E}">
@@ -161,6 +184,7 @@
           <p14:sldIdLst>
             <p14:sldId id="269"/>
             <p14:sldId id="264"/>
+            <p14:sldId id="280"/>
             <p14:sldId id="271"/>
           </p14:sldIdLst>
         </p14:section>
@@ -169,7 +193,9 @@
             <p14:sldId id="261"/>
             <p14:sldId id="268"/>
             <p14:sldId id="272"/>
+            <p14:sldId id="282"/>
             <p14:sldId id="273"/>
+            <p14:sldId id="288"/>
             <p14:sldId id="274"/>
             <p14:sldId id="275"/>
             <p14:sldId id="276"/>
@@ -4225,15 +4251,15 @@
           <p:cNvPr id="2" name="Titre 1">
             <a:extLst>
               <a:ext uri="{FF2B5EF4-FFF2-40B4-BE49-F238E27FC236}">
-                <a16:creationId xmlns:a16="http://schemas.microsoft.com/office/drawing/2014/main" id="{89050294-0A89-497B-8DFD-6389ACD39BE1}"/>
-              </a:ext>
-            </a:extLst>
-          </p:cNvPr>
-          <p:cNvSpPr>
-            <a:spLocks noGrp="1"/>
-          </p:cNvSpPr>
-          <p:nvPr>
-            <p:ph type="ctrTitle"/>
+                <a16:creationId xmlns:a16="http://schemas.microsoft.com/office/drawing/2014/main" id="{59AF1FD2-FED6-4086-B58D-154CD4B4F80C}"/>
+              </a:ext>
+            </a:extLst>
+          </p:cNvPr>
+          <p:cNvSpPr>
+            <a:spLocks noGrp="1"/>
+          </p:cNvSpPr>
+          <p:nvPr>
+            <p:ph type="title"/>
           </p:nvPr>
         </p:nvSpPr>
         <p:spPr/>
@@ -4243,43 +4269,139 @@
           <a:p>
             <a:r>
               <a:rPr lang="fr-FR" dirty="0"/>
-              <a:t>Mohamed : Index</a:t>
-            </a:r>
-          </a:p>
-        </p:txBody>
-      </p:sp>
-      <p:sp>
-        <p:nvSpPr>
-          <p:cNvPr id="3" name="Sous-titre 2">
-            <a:extLst>
-              <a:ext uri="{FF2B5EF4-FFF2-40B4-BE49-F238E27FC236}">
-                <a16:creationId xmlns:a16="http://schemas.microsoft.com/office/drawing/2014/main" id="{B7CCF9F9-8239-4AA6-8559-8F3BCB684B97}"/>
-              </a:ext>
-            </a:extLst>
-          </p:cNvPr>
-          <p:cNvSpPr>
-            <a:spLocks noGrp="1"/>
-          </p:cNvSpPr>
-          <p:nvPr>
-            <p:ph type="subTitle" idx="1"/>
-          </p:nvPr>
-        </p:nvSpPr>
-        <p:spPr/>
-        <p:txBody>
-          <a:bodyPr/>
-          <a:lstStyle/>
-          <a:p>
-            <a:r>
-              <a:rPr lang="fr-FR" dirty="0"/>
-              <a:t>Page d’accueil</a:t>
-            </a:r>
-          </a:p>
-        </p:txBody>
-      </p:sp>
+              <a:t>Vidéo</a:t>
+            </a:r>
+          </a:p>
+        </p:txBody>
+      </p:sp>
+      <p:pic>
+        <p:nvPicPr>
+          <p:cNvPr id="6" name="Espace réservé du contenu 5">
+            <a:extLst>
+              <a:ext uri="{FF2B5EF4-FFF2-40B4-BE49-F238E27FC236}">
+                <a16:creationId xmlns:a16="http://schemas.microsoft.com/office/drawing/2014/main" id="{F4803260-57AD-4080-8819-E0BA3A5348AF}"/>
+              </a:ext>
+            </a:extLst>
+          </p:cNvPr>
+          <p:cNvPicPr>
+            <a:picLocks noGrp="1" noChangeAspect="1"/>
+          </p:cNvPicPr>
+          <p:nvPr>
+            <p:ph idx="1"/>
+          </p:nvPr>
+        </p:nvPicPr>
+        <p:blipFill>
+          <a:blip r:embed="rId2"/>
+          <a:stretch>
+            <a:fillRect/>
+          </a:stretch>
+        </p:blipFill>
+        <p:spPr>
+          <a:xfrm>
+            <a:off x="2520496" y="4804278"/>
+            <a:ext cx="8833304" cy="1238314"/>
+          </a:xfrm>
+          <a:prstGeom prst="rect">
+            <a:avLst/>
+          </a:prstGeom>
+        </p:spPr>
+      </p:pic>
+      <p:sp>
+        <p:nvSpPr>
+          <p:cNvPr id="4" name="Espace réservé du pied de page 3">
+            <a:extLst>
+              <a:ext uri="{FF2B5EF4-FFF2-40B4-BE49-F238E27FC236}">
+                <a16:creationId xmlns:a16="http://schemas.microsoft.com/office/drawing/2014/main" id="{3C1393B6-7DCD-4BA2-B842-3FCF6BDF80C7}"/>
+              </a:ext>
+            </a:extLst>
+          </p:cNvPr>
+          <p:cNvSpPr>
+            <a:spLocks noGrp="1"/>
+          </p:cNvSpPr>
+          <p:nvPr>
+            <p:ph type="ftr" sz="quarter" idx="11"/>
+          </p:nvPr>
+        </p:nvSpPr>
+        <p:spPr/>
+        <p:txBody>
+          <a:bodyPr/>
+          <a:lstStyle/>
+          <a:p>
+            <a:r>
+              <a:rPr lang="fr-FR">
+                <a:solidFill>
+                  <a:srgbClr val="C00000"/>
+                </a:solidFill>
+              </a:rPr>
+              <a:t>Mohamed Boukhtam et Stanislas Medrano</a:t>
+            </a:r>
+            <a:endParaRPr lang="fr-FR" dirty="0"/>
+          </a:p>
+        </p:txBody>
+      </p:sp>
+      <p:sp>
+        <p:nvSpPr>
+          <p:cNvPr id="5" name="Espace réservé du numéro de diapositive 4">
+            <a:extLst>
+              <a:ext uri="{FF2B5EF4-FFF2-40B4-BE49-F238E27FC236}">
+                <a16:creationId xmlns:a16="http://schemas.microsoft.com/office/drawing/2014/main" id="{F9E3CA6F-A0BA-436E-9929-5A1A7A6FEB69}"/>
+              </a:ext>
+            </a:extLst>
+          </p:cNvPr>
+          <p:cNvSpPr>
+            <a:spLocks noGrp="1"/>
+          </p:cNvSpPr>
+          <p:nvPr>
+            <p:ph type="sldNum" sz="quarter" idx="12"/>
+          </p:nvPr>
+        </p:nvSpPr>
+        <p:spPr/>
+        <p:txBody>
+          <a:bodyPr/>
+          <a:lstStyle/>
+          <a:p>
+            <a:fld id="{76CE9906-4B67-49DF-A550-FF0E09CEFF0C}" type="slidenum">
+              <a:rPr lang="fr-FR" smtClean="0"/>
+              <a:pPr/>
+              <a:t>10</a:t>
+            </a:fld>
+            <a:endParaRPr lang="fr-FR" dirty="0"/>
+          </a:p>
+        </p:txBody>
+      </p:sp>
+      <p:pic>
+        <p:nvPicPr>
+          <p:cNvPr id="7" name="Image 6">
+            <a:extLst>
+              <a:ext uri="{FF2B5EF4-FFF2-40B4-BE49-F238E27FC236}">
+                <a16:creationId xmlns:a16="http://schemas.microsoft.com/office/drawing/2014/main" id="{58ADC416-C20C-4C99-95DB-F41558374971}"/>
+              </a:ext>
+            </a:extLst>
+          </p:cNvPr>
+          <p:cNvPicPr>
+            <a:picLocks noChangeAspect="1"/>
+          </p:cNvPicPr>
+          <p:nvPr/>
+        </p:nvPicPr>
+        <p:blipFill rotWithShape="1">
+          <a:blip r:embed="rId3"/>
+          <a:srcRect b="19470"/>
+          <a:stretch/>
+        </p:blipFill>
+        <p:spPr>
+          <a:xfrm>
+            <a:off x="3508242" y="540948"/>
+            <a:ext cx="5175516" cy="4106451"/>
+          </a:xfrm>
+          <a:prstGeom prst="rect">
+            <a:avLst/>
+          </a:prstGeom>
+        </p:spPr>
+      </p:pic>
     </p:spTree>
     <p:extLst>
       <p:ext uri="{BB962C8B-B14F-4D97-AF65-F5344CB8AC3E}">
-        <p14:creationId xmlns:p14="http://schemas.microsoft.com/office/powerpoint/2010/main" val="2564327627"/>
+        <p14:creationId xmlns:p14="http://schemas.microsoft.com/office/powerpoint/2010/main" val="4095363884"/>
       </p:ext>
     </p:extLst>
   </p:cSld>
@@ -4311,7 +4433,7 @@
           <p:cNvPr id="2" name="Titre 1">
             <a:extLst>
               <a:ext uri="{FF2B5EF4-FFF2-40B4-BE49-F238E27FC236}">
-                <a16:creationId xmlns:a16="http://schemas.microsoft.com/office/drawing/2014/main" id="{EA4A9D19-45DB-46D6-B524-3D7F98E9021F}"/>
+                <a16:creationId xmlns:a16="http://schemas.microsoft.com/office/drawing/2014/main" id="{28CF6ABB-14C9-4474-A3F6-4AE40B5ABE56}"/>
               </a:ext>
             </a:extLst>
           </p:cNvPr>
@@ -4329,17 +4451,17 @@
           <a:p>
             <a:r>
               <a:rPr lang="fr-FR" dirty="0"/>
-              <a:t>Page d’accueil</a:t>
+              <a:t>Témoignages</a:t>
             </a:r>
           </a:p>
         </p:txBody>
       </p:sp>
       <p:pic>
         <p:nvPicPr>
-          <p:cNvPr id="5" name="Espace réservé du contenu 4">
-            <a:extLst>
-              <a:ext uri="{FF2B5EF4-FFF2-40B4-BE49-F238E27FC236}">
-                <a16:creationId xmlns:a16="http://schemas.microsoft.com/office/drawing/2014/main" id="{C184E5AA-8567-4483-A9A6-395E438D8769}"/>
+          <p:cNvPr id="6" name="Espace réservé du contenu 5">
+            <a:extLst>
+              <a:ext uri="{FF2B5EF4-FFF2-40B4-BE49-F238E27FC236}">
+                <a16:creationId xmlns:a16="http://schemas.microsoft.com/office/drawing/2014/main" id="{13E97E0C-3AE4-495A-8416-49D568860BE7}"/>
               </a:ext>
             </a:extLst>
           </p:cNvPr>
@@ -4358,8 +4480,8 @@
         </p:blipFill>
         <p:spPr>
           <a:xfrm>
-            <a:off x="838200" y="1826975"/>
-            <a:ext cx="10515600" cy="4348638"/>
+            <a:off x="838200" y="2135154"/>
+            <a:ext cx="10515600" cy="4079519"/>
           </a:xfrm>
           <a:prstGeom prst="rect">
             <a:avLst/>
@@ -4368,39 +4490,10 @@
       </p:pic>
       <p:sp>
         <p:nvSpPr>
-          <p:cNvPr id="3" name="Espace réservé du numéro de diapositive 2">
-            <a:extLst>
-              <a:ext uri="{FF2B5EF4-FFF2-40B4-BE49-F238E27FC236}">
-                <a16:creationId xmlns:a16="http://schemas.microsoft.com/office/drawing/2014/main" id="{75A99758-6383-4350-B7B1-4A091EB12E67}"/>
-              </a:ext>
-            </a:extLst>
-          </p:cNvPr>
-          <p:cNvSpPr>
-            <a:spLocks noGrp="1"/>
-          </p:cNvSpPr>
-          <p:nvPr>
-            <p:ph type="sldNum" sz="quarter" idx="12"/>
-          </p:nvPr>
-        </p:nvSpPr>
-        <p:spPr/>
-        <p:txBody>
-          <a:bodyPr/>
-          <a:lstStyle/>
-          <a:p>
-            <a:fld id="{76CE9906-4B67-49DF-A550-FF0E09CEFF0C}" type="slidenum">
-              <a:rPr lang="fr-FR" smtClean="0"/>
-              <a:t>11</a:t>
-            </a:fld>
-            <a:endParaRPr lang="fr-FR" dirty="0"/>
-          </a:p>
-        </p:txBody>
-      </p:sp>
-      <p:sp>
-        <p:nvSpPr>
-          <p:cNvPr id="6" name="Espace réservé du pied de page 5">
-            <a:extLst>
-              <a:ext uri="{FF2B5EF4-FFF2-40B4-BE49-F238E27FC236}">
-                <a16:creationId xmlns:a16="http://schemas.microsoft.com/office/drawing/2014/main" id="{42EB356E-716F-425A-B44A-A5CF7ABE7172}"/>
+          <p:cNvPr id="4" name="Espace réservé du pied de page 3">
+            <a:extLst>
+              <a:ext uri="{FF2B5EF4-FFF2-40B4-BE49-F238E27FC236}">
+                <a16:creationId xmlns:a16="http://schemas.microsoft.com/office/drawing/2014/main" id="{FAA4D690-258D-487F-9EA9-74CE9BA49F47}"/>
               </a:ext>
             </a:extLst>
           </p:cNvPr>
@@ -4428,10 +4521,40 @@
           </a:p>
         </p:txBody>
       </p:sp>
+      <p:sp>
+        <p:nvSpPr>
+          <p:cNvPr id="5" name="Espace réservé du numéro de diapositive 4">
+            <a:extLst>
+              <a:ext uri="{FF2B5EF4-FFF2-40B4-BE49-F238E27FC236}">
+                <a16:creationId xmlns:a16="http://schemas.microsoft.com/office/drawing/2014/main" id="{ECB0BD00-02F9-4790-B8A4-1ECF3430388B}"/>
+              </a:ext>
+            </a:extLst>
+          </p:cNvPr>
+          <p:cNvSpPr>
+            <a:spLocks noGrp="1"/>
+          </p:cNvSpPr>
+          <p:nvPr>
+            <p:ph type="sldNum" sz="quarter" idx="12"/>
+          </p:nvPr>
+        </p:nvSpPr>
+        <p:spPr/>
+        <p:txBody>
+          <a:bodyPr/>
+          <a:lstStyle/>
+          <a:p>
+            <a:fld id="{76CE9906-4B67-49DF-A550-FF0E09CEFF0C}" type="slidenum">
+              <a:rPr lang="fr-FR" smtClean="0"/>
+              <a:pPr/>
+              <a:t>11</a:t>
+            </a:fld>
+            <a:endParaRPr lang="fr-FR" dirty="0"/>
+          </a:p>
+        </p:txBody>
+      </p:sp>
     </p:spTree>
     <p:extLst>
       <p:ext uri="{BB962C8B-B14F-4D97-AF65-F5344CB8AC3E}">
-        <p14:creationId xmlns:p14="http://schemas.microsoft.com/office/powerpoint/2010/main" val="1051434621"/>
+        <p14:creationId xmlns:p14="http://schemas.microsoft.com/office/powerpoint/2010/main" val="4054248281"/>
       </p:ext>
     </p:extLst>
   </p:cSld>
@@ -4463,7 +4586,7 @@
           <p:cNvPr id="2" name="Titre 1">
             <a:extLst>
               <a:ext uri="{FF2B5EF4-FFF2-40B4-BE49-F238E27FC236}">
-                <a16:creationId xmlns:a16="http://schemas.microsoft.com/office/drawing/2014/main" id="{802C981F-9811-4449-9452-AF236F0C0794}"/>
+                <a16:creationId xmlns:a16="http://schemas.microsoft.com/office/drawing/2014/main" id="{65B3E23A-5C01-40D2-AEE5-2863249AEECE}"/>
               </a:ext>
             </a:extLst>
           </p:cNvPr>
@@ -4481,17 +4604,17 @@
           <a:p>
             <a:r>
               <a:rPr lang="fr-FR" dirty="0"/>
-              <a:t>Conception</a:t>
+              <a:t>Structure d’une citation</a:t>
             </a:r>
           </a:p>
         </p:txBody>
       </p:sp>
       <p:pic>
         <p:nvPicPr>
-          <p:cNvPr id="5" name="Espace réservé du contenu 4">
-            <a:extLst>
-              <a:ext uri="{FF2B5EF4-FFF2-40B4-BE49-F238E27FC236}">
-                <a16:creationId xmlns:a16="http://schemas.microsoft.com/office/drawing/2014/main" id="{AD444000-6CB4-4D53-86EC-EAA3A9423CB9}"/>
+          <p:cNvPr id="6" name="Espace réservé du contenu 5">
+            <a:extLst>
+              <a:ext uri="{FF2B5EF4-FFF2-40B4-BE49-F238E27FC236}">
+                <a16:creationId xmlns:a16="http://schemas.microsoft.com/office/drawing/2014/main" id="{5AEB245E-10ED-4B15-9D0F-BD9E63CCB715}"/>
               </a:ext>
             </a:extLst>
           </p:cNvPr>
@@ -4502,15 +4625,16 @@
             <p:ph idx="1"/>
           </p:nvPr>
         </p:nvPicPr>
-        <p:blipFill rotWithShape="1">
+        <p:blipFill>
           <a:blip r:embed="rId2"/>
-          <a:srcRect r="2903"/>
-          <a:stretch/>
+          <a:stretch>
+            <a:fillRect/>
+          </a:stretch>
         </p:blipFill>
         <p:spPr>
           <a:xfrm>
-            <a:off x="2215300" y="1690688"/>
-            <a:ext cx="8873248" cy="4351338"/>
+            <a:off x="2765894" y="2345234"/>
+            <a:ext cx="6660212" cy="1798503"/>
           </a:xfrm>
           <a:prstGeom prst="rect">
             <a:avLst/>
@@ -4519,39 +4643,10 @@
       </p:pic>
       <p:sp>
         <p:nvSpPr>
-          <p:cNvPr id="3" name="Espace réservé du numéro de diapositive 2">
-            <a:extLst>
-              <a:ext uri="{FF2B5EF4-FFF2-40B4-BE49-F238E27FC236}">
-                <a16:creationId xmlns:a16="http://schemas.microsoft.com/office/drawing/2014/main" id="{65F2687D-188C-4D2B-9588-B37A8946A6F9}"/>
-              </a:ext>
-            </a:extLst>
-          </p:cNvPr>
-          <p:cNvSpPr>
-            <a:spLocks noGrp="1"/>
-          </p:cNvSpPr>
-          <p:nvPr>
-            <p:ph type="sldNum" sz="quarter" idx="12"/>
-          </p:nvPr>
-        </p:nvSpPr>
-        <p:spPr/>
-        <p:txBody>
-          <a:bodyPr/>
-          <a:lstStyle/>
-          <a:p>
-            <a:fld id="{76CE9906-4B67-49DF-A550-FF0E09CEFF0C}" type="slidenum">
-              <a:rPr lang="fr-FR" smtClean="0"/>
-              <a:t>12</a:t>
-            </a:fld>
-            <a:endParaRPr lang="fr-FR" dirty="0"/>
-          </a:p>
-        </p:txBody>
-      </p:sp>
-      <p:sp>
-        <p:nvSpPr>
-          <p:cNvPr id="6" name="Espace réservé du pied de page 5">
-            <a:extLst>
-              <a:ext uri="{FF2B5EF4-FFF2-40B4-BE49-F238E27FC236}">
-                <a16:creationId xmlns:a16="http://schemas.microsoft.com/office/drawing/2014/main" id="{5D31D31F-602C-4DDD-B3CF-736A5EDCB61E}"/>
+          <p:cNvPr id="4" name="Espace réservé du pied de page 3">
+            <a:extLst>
+              <a:ext uri="{FF2B5EF4-FFF2-40B4-BE49-F238E27FC236}">
+                <a16:creationId xmlns:a16="http://schemas.microsoft.com/office/drawing/2014/main" id="{2C356544-3133-49FC-8458-215E5068C46A}"/>
               </a:ext>
             </a:extLst>
           </p:cNvPr>
@@ -4579,10 +4674,40 @@
           </a:p>
         </p:txBody>
       </p:sp>
+      <p:sp>
+        <p:nvSpPr>
+          <p:cNvPr id="5" name="Espace réservé du numéro de diapositive 4">
+            <a:extLst>
+              <a:ext uri="{FF2B5EF4-FFF2-40B4-BE49-F238E27FC236}">
+                <a16:creationId xmlns:a16="http://schemas.microsoft.com/office/drawing/2014/main" id="{908768EE-4F51-4E4C-AFF8-8C8C4372AE91}"/>
+              </a:ext>
+            </a:extLst>
+          </p:cNvPr>
+          <p:cNvSpPr>
+            <a:spLocks noGrp="1"/>
+          </p:cNvSpPr>
+          <p:nvPr>
+            <p:ph type="sldNum" sz="quarter" idx="12"/>
+          </p:nvPr>
+        </p:nvSpPr>
+        <p:spPr/>
+        <p:txBody>
+          <a:bodyPr/>
+          <a:lstStyle/>
+          <a:p>
+            <a:fld id="{76CE9906-4B67-49DF-A550-FF0E09CEFF0C}" type="slidenum">
+              <a:rPr lang="fr-FR" smtClean="0"/>
+              <a:pPr/>
+              <a:t>12</a:t>
+            </a:fld>
+            <a:endParaRPr lang="fr-FR" dirty="0"/>
+          </a:p>
+        </p:txBody>
+      </p:sp>
     </p:spTree>
     <p:extLst>
       <p:ext uri="{BB962C8B-B14F-4D97-AF65-F5344CB8AC3E}">
-        <p14:creationId xmlns:p14="http://schemas.microsoft.com/office/powerpoint/2010/main" val="1385007500"/>
+        <p14:creationId xmlns:p14="http://schemas.microsoft.com/office/powerpoint/2010/main" val="2632633952"/>
       </p:ext>
     </p:extLst>
   </p:cSld>
@@ -4614,6 +4739,1736 @@
           <p:cNvPr id="2" name="Titre 1">
             <a:extLst>
               <a:ext uri="{FF2B5EF4-FFF2-40B4-BE49-F238E27FC236}">
+                <a16:creationId xmlns:a16="http://schemas.microsoft.com/office/drawing/2014/main" id="{9D761630-87FE-43C8-910F-BFF726B2669D}"/>
+              </a:ext>
+            </a:extLst>
+          </p:cNvPr>
+          <p:cNvSpPr>
+            <a:spLocks noGrp="1"/>
+          </p:cNvSpPr>
+          <p:nvPr>
+            <p:ph type="title"/>
+          </p:nvPr>
+        </p:nvSpPr>
+        <p:spPr/>
+        <p:txBody>
+          <a:bodyPr/>
+          <a:lstStyle/>
+          <a:p>
+            <a:r>
+              <a:rPr lang="fr-FR" dirty="0"/>
+              <a:t>Ressources</a:t>
+            </a:r>
+          </a:p>
+        </p:txBody>
+      </p:sp>
+      <p:pic>
+        <p:nvPicPr>
+          <p:cNvPr id="6" name="Espace réservé du contenu 5">
+            <a:extLst>
+              <a:ext uri="{FF2B5EF4-FFF2-40B4-BE49-F238E27FC236}">
+                <a16:creationId xmlns:a16="http://schemas.microsoft.com/office/drawing/2014/main" id="{1F807FF0-2178-4AC0-926F-AB7A40D19B65}"/>
+              </a:ext>
+            </a:extLst>
+          </p:cNvPr>
+          <p:cNvPicPr>
+            <a:picLocks noGrp="1" noChangeAspect="1"/>
+          </p:cNvPicPr>
+          <p:nvPr>
+            <p:ph idx="1"/>
+          </p:nvPr>
+        </p:nvPicPr>
+        <p:blipFill rotWithShape="1">
+          <a:blip r:embed="rId2"/>
+          <a:srcRect r="18483"/>
+          <a:stretch/>
+        </p:blipFill>
+        <p:spPr>
+          <a:xfrm>
+            <a:off x="1995668" y="1739880"/>
+            <a:ext cx="8572018" cy="3443901"/>
+          </a:xfrm>
+          <a:prstGeom prst="rect">
+            <a:avLst/>
+          </a:prstGeom>
+        </p:spPr>
+      </p:pic>
+      <p:sp>
+        <p:nvSpPr>
+          <p:cNvPr id="4" name="Espace réservé du pied de page 3">
+            <a:extLst>
+              <a:ext uri="{FF2B5EF4-FFF2-40B4-BE49-F238E27FC236}">
+                <a16:creationId xmlns:a16="http://schemas.microsoft.com/office/drawing/2014/main" id="{30814737-7F21-418E-8F47-8BD5610B211F}"/>
+              </a:ext>
+            </a:extLst>
+          </p:cNvPr>
+          <p:cNvSpPr>
+            <a:spLocks noGrp="1"/>
+          </p:cNvSpPr>
+          <p:nvPr>
+            <p:ph type="ftr" sz="quarter" idx="11"/>
+          </p:nvPr>
+        </p:nvSpPr>
+        <p:spPr/>
+        <p:txBody>
+          <a:bodyPr/>
+          <a:lstStyle/>
+          <a:p>
+            <a:r>
+              <a:rPr lang="fr-FR">
+                <a:solidFill>
+                  <a:srgbClr val="C00000"/>
+                </a:solidFill>
+              </a:rPr>
+              <a:t>Mohamed Boukhtam et Stanislas Medrano</a:t>
+            </a:r>
+            <a:endParaRPr lang="fr-FR" dirty="0"/>
+          </a:p>
+        </p:txBody>
+      </p:sp>
+      <p:sp>
+        <p:nvSpPr>
+          <p:cNvPr id="5" name="Espace réservé du numéro de diapositive 4">
+            <a:extLst>
+              <a:ext uri="{FF2B5EF4-FFF2-40B4-BE49-F238E27FC236}">
+                <a16:creationId xmlns:a16="http://schemas.microsoft.com/office/drawing/2014/main" id="{FD207381-E3F8-4EF1-B4BF-5A896BC524A0}"/>
+              </a:ext>
+            </a:extLst>
+          </p:cNvPr>
+          <p:cNvSpPr>
+            <a:spLocks noGrp="1"/>
+          </p:cNvSpPr>
+          <p:nvPr>
+            <p:ph type="sldNum" sz="quarter" idx="12"/>
+          </p:nvPr>
+        </p:nvSpPr>
+        <p:spPr/>
+        <p:txBody>
+          <a:bodyPr/>
+          <a:lstStyle/>
+          <a:p>
+            <a:fld id="{76CE9906-4B67-49DF-A550-FF0E09CEFF0C}" type="slidenum">
+              <a:rPr lang="fr-FR" smtClean="0"/>
+              <a:pPr/>
+              <a:t>13</a:t>
+            </a:fld>
+            <a:endParaRPr lang="fr-FR" dirty="0"/>
+          </a:p>
+        </p:txBody>
+      </p:sp>
+    </p:spTree>
+    <p:extLst>
+      <p:ext uri="{BB962C8B-B14F-4D97-AF65-F5344CB8AC3E}">
+        <p14:creationId xmlns:p14="http://schemas.microsoft.com/office/powerpoint/2010/main" val="1886573148"/>
+      </p:ext>
+    </p:extLst>
+  </p:cSld>
+  <p:clrMapOvr>
+    <a:masterClrMapping/>
+  </p:clrMapOvr>
+</p:sld>
+</file>
+
+<file path=ppt/slides/slide14.xml><?xml version="1.0" encoding="utf-8"?>
+<p:sld xmlns:a="http://schemas.openxmlformats.org/drawingml/2006/main" xmlns:r="http://schemas.openxmlformats.org/officeDocument/2006/relationships" xmlns:p="http://schemas.openxmlformats.org/presentationml/2006/main">
+  <p:cSld>
+    <p:spTree>
+      <p:nvGrpSpPr>
+        <p:cNvPr id="1" name=""/>
+        <p:cNvGrpSpPr/>
+        <p:nvPr/>
+      </p:nvGrpSpPr>
+      <p:grpSpPr>
+        <a:xfrm>
+          <a:off x="0" y="0"/>
+          <a:ext cx="0" cy="0"/>
+          <a:chOff x="0" y="0"/>
+          <a:chExt cx="0" cy="0"/>
+        </a:xfrm>
+      </p:grpSpPr>
+      <p:sp>
+        <p:nvSpPr>
+          <p:cNvPr id="2" name="Titre 1">
+            <a:extLst>
+              <a:ext uri="{FF2B5EF4-FFF2-40B4-BE49-F238E27FC236}">
+                <a16:creationId xmlns:a16="http://schemas.microsoft.com/office/drawing/2014/main" id="{1BE566C5-A68A-4E12-9758-02244E9AFBED}"/>
+              </a:ext>
+            </a:extLst>
+          </p:cNvPr>
+          <p:cNvSpPr>
+            <a:spLocks noGrp="1"/>
+          </p:cNvSpPr>
+          <p:nvPr>
+            <p:ph type="title"/>
+          </p:nvPr>
+        </p:nvSpPr>
+        <p:spPr/>
+        <p:txBody>
+          <a:bodyPr/>
+          <a:lstStyle/>
+          <a:p>
+            <a:r>
+              <a:rPr lang="fr-FR" dirty="0"/>
+              <a:t>Structure</a:t>
+            </a:r>
+          </a:p>
+        </p:txBody>
+      </p:sp>
+      <p:pic>
+        <p:nvPicPr>
+          <p:cNvPr id="6" name="Espace réservé du contenu 5">
+            <a:extLst>
+              <a:ext uri="{FF2B5EF4-FFF2-40B4-BE49-F238E27FC236}">
+                <a16:creationId xmlns:a16="http://schemas.microsoft.com/office/drawing/2014/main" id="{D07CEDA7-346C-4C8E-BE7D-09A837E0097E}"/>
+              </a:ext>
+            </a:extLst>
+          </p:cNvPr>
+          <p:cNvPicPr>
+            <a:picLocks noGrp="1" noChangeAspect="1"/>
+          </p:cNvPicPr>
+          <p:nvPr>
+            <p:ph idx="1"/>
+          </p:nvPr>
+        </p:nvPicPr>
+        <p:blipFill>
+          <a:blip r:embed="rId2"/>
+          <a:stretch>
+            <a:fillRect/>
+          </a:stretch>
+        </p:blipFill>
+        <p:spPr>
+          <a:xfrm>
+            <a:off x="1949237" y="3090022"/>
+            <a:ext cx="8293526" cy="1822544"/>
+          </a:xfrm>
+          <a:prstGeom prst="rect">
+            <a:avLst/>
+          </a:prstGeom>
+        </p:spPr>
+      </p:pic>
+      <p:sp>
+        <p:nvSpPr>
+          <p:cNvPr id="4" name="Espace réservé du pied de page 3">
+            <a:extLst>
+              <a:ext uri="{FF2B5EF4-FFF2-40B4-BE49-F238E27FC236}">
+                <a16:creationId xmlns:a16="http://schemas.microsoft.com/office/drawing/2014/main" id="{F78AD04A-429E-4CCD-9FB5-56D9C7A0517C}"/>
+              </a:ext>
+            </a:extLst>
+          </p:cNvPr>
+          <p:cNvSpPr>
+            <a:spLocks noGrp="1"/>
+          </p:cNvSpPr>
+          <p:nvPr>
+            <p:ph type="ftr" sz="quarter" idx="11"/>
+          </p:nvPr>
+        </p:nvSpPr>
+        <p:spPr/>
+        <p:txBody>
+          <a:bodyPr/>
+          <a:lstStyle/>
+          <a:p>
+            <a:r>
+              <a:rPr lang="fr-FR">
+                <a:solidFill>
+                  <a:srgbClr val="C00000"/>
+                </a:solidFill>
+              </a:rPr>
+              <a:t>Mohamed Boukhtam et Stanislas Medrano</a:t>
+            </a:r>
+            <a:endParaRPr lang="fr-FR" dirty="0"/>
+          </a:p>
+        </p:txBody>
+      </p:sp>
+      <p:sp>
+        <p:nvSpPr>
+          <p:cNvPr id="5" name="Espace réservé du numéro de diapositive 4">
+            <a:extLst>
+              <a:ext uri="{FF2B5EF4-FFF2-40B4-BE49-F238E27FC236}">
+                <a16:creationId xmlns:a16="http://schemas.microsoft.com/office/drawing/2014/main" id="{38C7A613-CA4A-488D-837C-BD45CEEA869B}"/>
+              </a:ext>
+            </a:extLst>
+          </p:cNvPr>
+          <p:cNvSpPr>
+            <a:spLocks noGrp="1"/>
+          </p:cNvSpPr>
+          <p:nvPr>
+            <p:ph type="sldNum" sz="quarter" idx="12"/>
+          </p:nvPr>
+        </p:nvSpPr>
+        <p:spPr/>
+        <p:txBody>
+          <a:bodyPr/>
+          <a:lstStyle/>
+          <a:p>
+            <a:fld id="{76CE9906-4B67-49DF-A550-FF0E09CEFF0C}" type="slidenum">
+              <a:rPr lang="fr-FR" smtClean="0"/>
+              <a:pPr/>
+              <a:t>14</a:t>
+            </a:fld>
+            <a:endParaRPr lang="fr-FR" dirty="0"/>
+          </a:p>
+        </p:txBody>
+      </p:sp>
+    </p:spTree>
+    <p:extLst>
+      <p:ext uri="{BB962C8B-B14F-4D97-AF65-F5344CB8AC3E}">
+        <p14:creationId xmlns:p14="http://schemas.microsoft.com/office/powerpoint/2010/main" val="2653811916"/>
+      </p:ext>
+    </p:extLst>
+  </p:cSld>
+  <p:clrMapOvr>
+    <a:masterClrMapping/>
+  </p:clrMapOvr>
+</p:sld>
+</file>
+
+<file path=ppt/slides/slide15.xml><?xml version="1.0" encoding="utf-8"?>
+<p:sld xmlns:a="http://schemas.openxmlformats.org/drawingml/2006/main" xmlns:r="http://schemas.openxmlformats.org/officeDocument/2006/relationships" xmlns:p="http://schemas.openxmlformats.org/presentationml/2006/main">
+  <p:cSld>
+    <p:spTree>
+      <p:nvGrpSpPr>
+        <p:cNvPr id="1" name=""/>
+        <p:cNvGrpSpPr/>
+        <p:nvPr/>
+      </p:nvGrpSpPr>
+      <p:grpSpPr>
+        <a:xfrm>
+          <a:off x="0" y="0"/>
+          <a:ext cx="0" cy="0"/>
+          <a:chOff x="0" y="0"/>
+          <a:chExt cx="0" cy="0"/>
+        </a:xfrm>
+      </p:grpSpPr>
+      <p:sp>
+        <p:nvSpPr>
+          <p:cNvPr id="2" name="Titre 1">
+            <a:extLst>
+              <a:ext uri="{FF2B5EF4-FFF2-40B4-BE49-F238E27FC236}">
+                <a16:creationId xmlns:a16="http://schemas.microsoft.com/office/drawing/2014/main" id="{8988AD5C-F145-4C00-8456-77E32E4A77B7}"/>
+              </a:ext>
+            </a:extLst>
+          </p:cNvPr>
+          <p:cNvSpPr>
+            <a:spLocks noGrp="1"/>
+          </p:cNvSpPr>
+          <p:nvPr>
+            <p:ph type="title"/>
+          </p:nvPr>
+        </p:nvSpPr>
+        <p:spPr/>
+        <p:txBody>
+          <a:bodyPr/>
+          <a:lstStyle/>
+          <a:p>
+            <a:r>
+              <a:rPr lang="fr-FR" dirty="0"/>
+              <a:t>A propos</a:t>
+            </a:r>
+          </a:p>
+        </p:txBody>
+      </p:sp>
+      <p:pic>
+        <p:nvPicPr>
+          <p:cNvPr id="6" name="Espace réservé du contenu 5">
+            <a:extLst>
+              <a:ext uri="{FF2B5EF4-FFF2-40B4-BE49-F238E27FC236}">
+                <a16:creationId xmlns:a16="http://schemas.microsoft.com/office/drawing/2014/main" id="{08915012-AB55-47E3-AE6E-5D9846DE7EDE}"/>
+              </a:ext>
+            </a:extLst>
+          </p:cNvPr>
+          <p:cNvPicPr>
+            <a:picLocks noGrp="1" noChangeAspect="1"/>
+          </p:cNvPicPr>
+          <p:nvPr>
+            <p:ph idx="1"/>
+          </p:nvPr>
+        </p:nvPicPr>
+        <p:blipFill>
+          <a:blip r:embed="rId2"/>
+          <a:stretch>
+            <a:fillRect/>
+          </a:stretch>
+        </p:blipFill>
+        <p:spPr>
+          <a:xfrm>
+            <a:off x="838200" y="1847850"/>
+            <a:ext cx="10074815" cy="4351338"/>
+          </a:xfrm>
+          <a:prstGeom prst="rect">
+            <a:avLst/>
+          </a:prstGeom>
+        </p:spPr>
+      </p:pic>
+      <p:sp>
+        <p:nvSpPr>
+          <p:cNvPr id="4" name="Espace réservé du pied de page 3">
+            <a:extLst>
+              <a:ext uri="{FF2B5EF4-FFF2-40B4-BE49-F238E27FC236}">
+                <a16:creationId xmlns:a16="http://schemas.microsoft.com/office/drawing/2014/main" id="{906481C4-65FE-4011-976D-3B413D3D7D34}"/>
+              </a:ext>
+            </a:extLst>
+          </p:cNvPr>
+          <p:cNvSpPr>
+            <a:spLocks noGrp="1"/>
+          </p:cNvSpPr>
+          <p:nvPr>
+            <p:ph type="ftr" sz="quarter" idx="11"/>
+          </p:nvPr>
+        </p:nvSpPr>
+        <p:spPr/>
+        <p:txBody>
+          <a:bodyPr/>
+          <a:lstStyle/>
+          <a:p>
+            <a:r>
+              <a:rPr lang="fr-FR">
+                <a:solidFill>
+                  <a:srgbClr val="C00000"/>
+                </a:solidFill>
+              </a:rPr>
+              <a:t>Mohamed Boukhtam et Stanislas Medrano</a:t>
+            </a:r>
+            <a:endParaRPr lang="fr-FR" dirty="0"/>
+          </a:p>
+        </p:txBody>
+      </p:sp>
+      <p:sp>
+        <p:nvSpPr>
+          <p:cNvPr id="5" name="Espace réservé du numéro de diapositive 4">
+            <a:extLst>
+              <a:ext uri="{FF2B5EF4-FFF2-40B4-BE49-F238E27FC236}">
+                <a16:creationId xmlns:a16="http://schemas.microsoft.com/office/drawing/2014/main" id="{41794350-ACB9-49DC-97BC-A41E6228F88F}"/>
+              </a:ext>
+            </a:extLst>
+          </p:cNvPr>
+          <p:cNvSpPr>
+            <a:spLocks noGrp="1"/>
+          </p:cNvSpPr>
+          <p:nvPr>
+            <p:ph type="sldNum" sz="quarter" idx="12"/>
+          </p:nvPr>
+        </p:nvSpPr>
+        <p:spPr/>
+        <p:txBody>
+          <a:bodyPr/>
+          <a:lstStyle/>
+          <a:p>
+            <a:fld id="{76CE9906-4B67-49DF-A550-FF0E09CEFF0C}" type="slidenum">
+              <a:rPr lang="fr-FR" smtClean="0"/>
+              <a:pPr/>
+              <a:t>15</a:t>
+            </a:fld>
+            <a:endParaRPr lang="fr-FR" dirty="0"/>
+          </a:p>
+        </p:txBody>
+      </p:sp>
+    </p:spTree>
+    <p:extLst>
+      <p:ext uri="{BB962C8B-B14F-4D97-AF65-F5344CB8AC3E}">
+        <p14:creationId xmlns:p14="http://schemas.microsoft.com/office/powerpoint/2010/main" val="2083752912"/>
+      </p:ext>
+    </p:extLst>
+  </p:cSld>
+  <p:clrMapOvr>
+    <a:masterClrMapping/>
+  </p:clrMapOvr>
+</p:sld>
+</file>
+
+<file path=ppt/slides/slide16.xml><?xml version="1.0" encoding="utf-8"?>
+<p:sld xmlns:a="http://schemas.openxmlformats.org/drawingml/2006/main" xmlns:r="http://schemas.openxmlformats.org/officeDocument/2006/relationships" xmlns:p="http://schemas.openxmlformats.org/presentationml/2006/main">
+  <p:cSld>
+    <p:spTree>
+      <p:nvGrpSpPr>
+        <p:cNvPr id="1" name=""/>
+        <p:cNvGrpSpPr/>
+        <p:nvPr/>
+      </p:nvGrpSpPr>
+      <p:grpSpPr>
+        <a:xfrm>
+          <a:off x="0" y="0"/>
+          <a:ext cx="0" cy="0"/>
+          <a:chOff x="0" y="0"/>
+          <a:chExt cx="0" cy="0"/>
+        </a:xfrm>
+      </p:grpSpPr>
+      <p:sp>
+        <p:nvSpPr>
+          <p:cNvPr id="2" name="Titre 1">
+            <a:extLst>
+              <a:ext uri="{FF2B5EF4-FFF2-40B4-BE49-F238E27FC236}">
+                <a16:creationId xmlns:a16="http://schemas.microsoft.com/office/drawing/2014/main" id="{93128463-790A-4CA2-805C-68D88A521CBB}"/>
+              </a:ext>
+            </a:extLst>
+          </p:cNvPr>
+          <p:cNvSpPr>
+            <a:spLocks noGrp="1"/>
+          </p:cNvSpPr>
+          <p:nvPr>
+            <p:ph type="title"/>
+          </p:nvPr>
+        </p:nvSpPr>
+        <p:spPr/>
+        <p:txBody>
+          <a:bodyPr/>
+          <a:lstStyle/>
+          <a:p>
+            <a:r>
+              <a:rPr lang="fr-FR" dirty="0"/>
+              <a:t>Structure</a:t>
+            </a:r>
+          </a:p>
+        </p:txBody>
+      </p:sp>
+      <p:pic>
+        <p:nvPicPr>
+          <p:cNvPr id="6" name="Espace réservé du contenu 5">
+            <a:extLst>
+              <a:ext uri="{FF2B5EF4-FFF2-40B4-BE49-F238E27FC236}">
+                <a16:creationId xmlns:a16="http://schemas.microsoft.com/office/drawing/2014/main" id="{AFCD2A87-1B33-40E3-8AC2-0FC3945834D7}"/>
+              </a:ext>
+            </a:extLst>
+          </p:cNvPr>
+          <p:cNvPicPr>
+            <a:picLocks noGrp="1" noChangeAspect="1"/>
+          </p:cNvPicPr>
+          <p:nvPr>
+            <p:ph idx="1"/>
+          </p:nvPr>
+        </p:nvPicPr>
+        <p:blipFill>
+          <a:blip r:embed="rId2"/>
+          <a:stretch>
+            <a:fillRect/>
+          </a:stretch>
+        </p:blipFill>
+        <p:spPr>
+          <a:xfrm>
+            <a:off x="1723800" y="2060730"/>
+            <a:ext cx="8744399" cy="2978303"/>
+          </a:xfrm>
+          <a:prstGeom prst="rect">
+            <a:avLst/>
+          </a:prstGeom>
+        </p:spPr>
+      </p:pic>
+      <p:sp>
+        <p:nvSpPr>
+          <p:cNvPr id="4" name="Espace réservé du pied de page 3">
+            <a:extLst>
+              <a:ext uri="{FF2B5EF4-FFF2-40B4-BE49-F238E27FC236}">
+                <a16:creationId xmlns:a16="http://schemas.microsoft.com/office/drawing/2014/main" id="{52A295B2-5DA4-4811-A636-CA2DE44EDE89}"/>
+              </a:ext>
+            </a:extLst>
+          </p:cNvPr>
+          <p:cNvSpPr>
+            <a:spLocks noGrp="1"/>
+          </p:cNvSpPr>
+          <p:nvPr>
+            <p:ph type="ftr" sz="quarter" idx="11"/>
+          </p:nvPr>
+        </p:nvSpPr>
+        <p:spPr/>
+        <p:txBody>
+          <a:bodyPr/>
+          <a:lstStyle/>
+          <a:p>
+            <a:r>
+              <a:rPr lang="fr-FR">
+                <a:solidFill>
+                  <a:srgbClr val="C00000"/>
+                </a:solidFill>
+              </a:rPr>
+              <a:t>Mohamed Boukhtam et Stanislas Medrano</a:t>
+            </a:r>
+            <a:endParaRPr lang="fr-FR" dirty="0"/>
+          </a:p>
+        </p:txBody>
+      </p:sp>
+      <p:sp>
+        <p:nvSpPr>
+          <p:cNvPr id="5" name="Espace réservé du numéro de diapositive 4">
+            <a:extLst>
+              <a:ext uri="{FF2B5EF4-FFF2-40B4-BE49-F238E27FC236}">
+                <a16:creationId xmlns:a16="http://schemas.microsoft.com/office/drawing/2014/main" id="{529748C1-51BF-445E-8AD6-17601F277C46}"/>
+              </a:ext>
+            </a:extLst>
+          </p:cNvPr>
+          <p:cNvSpPr>
+            <a:spLocks noGrp="1"/>
+          </p:cNvSpPr>
+          <p:nvPr>
+            <p:ph type="sldNum" sz="quarter" idx="12"/>
+          </p:nvPr>
+        </p:nvSpPr>
+        <p:spPr/>
+        <p:txBody>
+          <a:bodyPr/>
+          <a:lstStyle/>
+          <a:p>
+            <a:fld id="{76CE9906-4B67-49DF-A550-FF0E09CEFF0C}" type="slidenum">
+              <a:rPr lang="fr-FR" smtClean="0"/>
+              <a:pPr/>
+              <a:t>16</a:t>
+            </a:fld>
+            <a:endParaRPr lang="fr-FR" dirty="0"/>
+          </a:p>
+        </p:txBody>
+      </p:sp>
+    </p:spTree>
+    <p:extLst>
+      <p:ext uri="{BB962C8B-B14F-4D97-AF65-F5344CB8AC3E}">
+        <p14:creationId xmlns:p14="http://schemas.microsoft.com/office/powerpoint/2010/main" val="1123057436"/>
+      </p:ext>
+    </p:extLst>
+  </p:cSld>
+  <p:clrMapOvr>
+    <a:masterClrMapping/>
+  </p:clrMapOvr>
+</p:sld>
+</file>
+
+<file path=ppt/slides/slide17.xml><?xml version="1.0" encoding="utf-8"?>
+<p:sld xmlns:a="http://schemas.openxmlformats.org/drawingml/2006/main" xmlns:r="http://schemas.openxmlformats.org/officeDocument/2006/relationships" xmlns:p="http://schemas.openxmlformats.org/presentationml/2006/main">
+  <p:cSld>
+    <p:spTree>
+      <p:nvGrpSpPr>
+        <p:cNvPr id="1" name=""/>
+        <p:cNvGrpSpPr/>
+        <p:nvPr/>
+      </p:nvGrpSpPr>
+      <p:grpSpPr>
+        <a:xfrm>
+          <a:off x="0" y="0"/>
+          <a:ext cx="0" cy="0"/>
+          <a:chOff x="0" y="0"/>
+          <a:chExt cx="0" cy="0"/>
+        </a:xfrm>
+      </p:grpSpPr>
+      <p:sp>
+        <p:nvSpPr>
+          <p:cNvPr id="2" name="Titre 1">
+            <a:extLst>
+              <a:ext uri="{FF2B5EF4-FFF2-40B4-BE49-F238E27FC236}">
+                <a16:creationId xmlns:a16="http://schemas.microsoft.com/office/drawing/2014/main" id="{A456DACE-A172-4432-91FC-4A0AC6F3E229}"/>
+              </a:ext>
+            </a:extLst>
+          </p:cNvPr>
+          <p:cNvSpPr>
+            <a:spLocks noGrp="1"/>
+          </p:cNvSpPr>
+          <p:nvPr>
+            <p:ph type="ctrTitle"/>
+          </p:nvPr>
+        </p:nvSpPr>
+        <p:spPr/>
+        <p:txBody>
+          <a:bodyPr/>
+          <a:lstStyle/>
+          <a:p>
+            <a:r>
+              <a:rPr lang="fr-FR" dirty="0"/>
+              <a:t>Organisation du travail</a:t>
+            </a:r>
+          </a:p>
+        </p:txBody>
+      </p:sp>
+      <p:sp>
+        <p:nvSpPr>
+          <p:cNvPr id="3" name="Sous-titre 2">
+            <a:extLst>
+              <a:ext uri="{FF2B5EF4-FFF2-40B4-BE49-F238E27FC236}">
+                <a16:creationId xmlns:a16="http://schemas.microsoft.com/office/drawing/2014/main" id="{376415D4-945A-461B-948D-DBCFC6DDF1F7}"/>
+              </a:ext>
+            </a:extLst>
+          </p:cNvPr>
+          <p:cNvSpPr>
+            <a:spLocks noGrp="1"/>
+          </p:cNvSpPr>
+          <p:nvPr>
+            <p:ph type="subTitle" idx="1"/>
+          </p:nvPr>
+        </p:nvSpPr>
+        <p:spPr/>
+        <p:txBody>
+          <a:bodyPr/>
+          <a:lstStyle/>
+          <a:p>
+            <a:r>
+              <a:rPr lang="fr-FR" dirty="0"/>
+              <a:t>Git et GitHub</a:t>
+            </a:r>
+          </a:p>
+        </p:txBody>
+      </p:sp>
+    </p:spTree>
+    <p:extLst>
+      <p:ext uri="{BB962C8B-B14F-4D97-AF65-F5344CB8AC3E}">
+        <p14:creationId xmlns:p14="http://schemas.microsoft.com/office/powerpoint/2010/main" val="885365290"/>
+      </p:ext>
+    </p:extLst>
+  </p:cSld>
+  <p:clrMapOvr>
+    <a:masterClrMapping/>
+  </p:clrMapOvr>
+</p:sld>
+</file>
+
+<file path=ppt/slides/slide18.xml><?xml version="1.0" encoding="utf-8"?>
+<p:sld xmlns:a="http://schemas.openxmlformats.org/drawingml/2006/main" xmlns:r="http://schemas.openxmlformats.org/officeDocument/2006/relationships" xmlns:p="http://schemas.openxmlformats.org/presentationml/2006/main">
+  <p:cSld>
+    <p:spTree>
+      <p:nvGrpSpPr>
+        <p:cNvPr id="1" name=""/>
+        <p:cNvGrpSpPr/>
+        <p:nvPr/>
+      </p:nvGrpSpPr>
+      <p:grpSpPr>
+        <a:xfrm>
+          <a:off x="0" y="0"/>
+          <a:ext cx="0" cy="0"/>
+          <a:chOff x="0" y="0"/>
+          <a:chExt cx="0" cy="0"/>
+        </a:xfrm>
+      </p:grpSpPr>
+      <p:sp>
+        <p:nvSpPr>
+          <p:cNvPr id="2" name="Titre 1">
+            <a:extLst>
+              <a:ext uri="{FF2B5EF4-FFF2-40B4-BE49-F238E27FC236}">
+                <a16:creationId xmlns:a16="http://schemas.microsoft.com/office/drawing/2014/main" id="{DDC690F4-5C75-4400-A7BC-16C78828FC9B}"/>
+              </a:ext>
+            </a:extLst>
+          </p:cNvPr>
+          <p:cNvSpPr>
+            <a:spLocks noGrp="1"/>
+          </p:cNvSpPr>
+          <p:nvPr>
+            <p:ph type="title"/>
+          </p:nvPr>
+        </p:nvSpPr>
+        <p:spPr/>
+        <p:txBody>
+          <a:bodyPr/>
+          <a:lstStyle/>
+          <a:p>
+            <a:r>
+              <a:rPr lang="fr-FR" dirty="0"/>
+              <a:t>Git</a:t>
+            </a:r>
+          </a:p>
+        </p:txBody>
+      </p:sp>
+      <p:pic>
+        <p:nvPicPr>
+          <p:cNvPr id="6" name="Espace réservé du contenu 5">
+            <a:extLst>
+              <a:ext uri="{FF2B5EF4-FFF2-40B4-BE49-F238E27FC236}">
+                <a16:creationId xmlns:a16="http://schemas.microsoft.com/office/drawing/2014/main" id="{C589F0C5-C83E-4145-B6C8-E437C336A946}"/>
+              </a:ext>
+            </a:extLst>
+          </p:cNvPr>
+          <p:cNvPicPr>
+            <a:picLocks noGrp="1" noChangeAspect="1"/>
+          </p:cNvPicPr>
+          <p:nvPr>
+            <p:ph idx="1"/>
+          </p:nvPr>
+        </p:nvPicPr>
+        <p:blipFill>
+          <a:blip r:embed="rId2"/>
+          <a:stretch>
+            <a:fillRect/>
+          </a:stretch>
+        </p:blipFill>
+        <p:spPr>
+          <a:xfrm>
+            <a:off x="2570349" y="1382099"/>
+            <a:ext cx="7051301" cy="4093802"/>
+          </a:xfrm>
+          <a:prstGeom prst="rect">
+            <a:avLst/>
+          </a:prstGeom>
+        </p:spPr>
+      </p:pic>
+      <p:sp>
+        <p:nvSpPr>
+          <p:cNvPr id="4" name="Espace réservé du pied de page 3">
+            <a:extLst>
+              <a:ext uri="{FF2B5EF4-FFF2-40B4-BE49-F238E27FC236}">
+                <a16:creationId xmlns:a16="http://schemas.microsoft.com/office/drawing/2014/main" id="{B0F825A8-5DD8-4903-8EAD-D6686D8DE436}"/>
+              </a:ext>
+            </a:extLst>
+          </p:cNvPr>
+          <p:cNvSpPr>
+            <a:spLocks noGrp="1"/>
+          </p:cNvSpPr>
+          <p:nvPr>
+            <p:ph type="ftr" sz="quarter" idx="11"/>
+          </p:nvPr>
+        </p:nvSpPr>
+        <p:spPr/>
+        <p:txBody>
+          <a:bodyPr/>
+          <a:lstStyle/>
+          <a:p>
+            <a:r>
+              <a:rPr lang="fr-FR">
+                <a:solidFill>
+                  <a:srgbClr val="C00000"/>
+                </a:solidFill>
+              </a:rPr>
+              <a:t>Mohamed Boukhtam et Stanislas Medrano</a:t>
+            </a:r>
+            <a:endParaRPr lang="fr-FR" dirty="0"/>
+          </a:p>
+        </p:txBody>
+      </p:sp>
+      <p:sp>
+        <p:nvSpPr>
+          <p:cNvPr id="5" name="Espace réservé du numéro de diapositive 4">
+            <a:extLst>
+              <a:ext uri="{FF2B5EF4-FFF2-40B4-BE49-F238E27FC236}">
+                <a16:creationId xmlns:a16="http://schemas.microsoft.com/office/drawing/2014/main" id="{548E57C8-99CA-48FB-B850-84EF2C2E12FF}"/>
+              </a:ext>
+            </a:extLst>
+          </p:cNvPr>
+          <p:cNvSpPr>
+            <a:spLocks noGrp="1"/>
+          </p:cNvSpPr>
+          <p:nvPr>
+            <p:ph type="sldNum" sz="quarter" idx="12"/>
+          </p:nvPr>
+        </p:nvSpPr>
+        <p:spPr/>
+        <p:txBody>
+          <a:bodyPr/>
+          <a:lstStyle/>
+          <a:p>
+            <a:fld id="{76CE9906-4B67-49DF-A550-FF0E09CEFF0C}" type="slidenum">
+              <a:rPr lang="fr-FR" smtClean="0"/>
+              <a:pPr/>
+              <a:t>18</a:t>
+            </a:fld>
+            <a:endParaRPr lang="fr-FR" dirty="0"/>
+          </a:p>
+        </p:txBody>
+      </p:sp>
+    </p:spTree>
+    <p:extLst>
+      <p:ext uri="{BB962C8B-B14F-4D97-AF65-F5344CB8AC3E}">
+        <p14:creationId xmlns:p14="http://schemas.microsoft.com/office/powerpoint/2010/main" val="2641700307"/>
+      </p:ext>
+    </p:extLst>
+  </p:cSld>
+  <p:clrMapOvr>
+    <a:masterClrMapping/>
+  </p:clrMapOvr>
+</p:sld>
+</file>
+
+<file path=ppt/slides/slide19.xml><?xml version="1.0" encoding="utf-8"?>
+<p:sld xmlns:a="http://schemas.openxmlformats.org/drawingml/2006/main" xmlns:r="http://schemas.openxmlformats.org/officeDocument/2006/relationships" xmlns:p="http://schemas.openxmlformats.org/presentationml/2006/main">
+  <p:cSld>
+    <p:spTree>
+      <p:nvGrpSpPr>
+        <p:cNvPr id="1" name=""/>
+        <p:cNvGrpSpPr/>
+        <p:nvPr/>
+      </p:nvGrpSpPr>
+      <p:grpSpPr>
+        <a:xfrm>
+          <a:off x="0" y="0"/>
+          <a:ext cx="0" cy="0"/>
+          <a:chOff x="0" y="0"/>
+          <a:chExt cx="0" cy="0"/>
+        </a:xfrm>
+      </p:grpSpPr>
+      <p:sp>
+        <p:nvSpPr>
+          <p:cNvPr id="2" name="Titre 1">
+            <a:extLst>
+              <a:ext uri="{FF2B5EF4-FFF2-40B4-BE49-F238E27FC236}">
+                <a16:creationId xmlns:a16="http://schemas.microsoft.com/office/drawing/2014/main" id="{B44317B8-C0D0-47C8-9F45-DEA86EA35D2B}"/>
+              </a:ext>
+            </a:extLst>
+          </p:cNvPr>
+          <p:cNvSpPr>
+            <a:spLocks noGrp="1"/>
+          </p:cNvSpPr>
+          <p:nvPr>
+            <p:ph type="title"/>
+          </p:nvPr>
+        </p:nvSpPr>
+        <p:spPr/>
+        <p:txBody>
+          <a:bodyPr/>
+          <a:lstStyle/>
+          <a:p>
+            <a:r>
+              <a:rPr lang="fr-FR" dirty="0" err="1"/>
+              <a:t>Github</a:t>
+            </a:r>
+            <a:endParaRPr lang="fr-FR" dirty="0"/>
+          </a:p>
+        </p:txBody>
+      </p:sp>
+      <p:pic>
+        <p:nvPicPr>
+          <p:cNvPr id="6" name="Espace réservé du contenu 5">
+            <a:extLst>
+              <a:ext uri="{FF2B5EF4-FFF2-40B4-BE49-F238E27FC236}">
+                <a16:creationId xmlns:a16="http://schemas.microsoft.com/office/drawing/2014/main" id="{5127055D-EDEE-4D60-8902-571AFBF69080}"/>
+              </a:ext>
+            </a:extLst>
+          </p:cNvPr>
+          <p:cNvPicPr>
+            <a:picLocks noGrp="1" noChangeAspect="1"/>
+          </p:cNvPicPr>
+          <p:nvPr>
+            <p:ph idx="1"/>
+          </p:nvPr>
+        </p:nvPicPr>
+        <p:blipFill>
+          <a:blip r:embed="rId2"/>
+          <a:stretch>
+            <a:fillRect/>
+          </a:stretch>
+        </p:blipFill>
+        <p:spPr>
+          <a:xfrm>
+            <a:off x="1252844" y="1825625"/>
+            <a:ext cx="9686311" cy="4351338"/>
+          </a:xfrm>
+          <a:prstGeom prst="rect">
+            <a:avLst/>
+          </a:prstGeom>
+        </p:spPr>
+      </p:pic>
+      <p:sp>
+        <p:nvSpPr>
+          <p:cNvPr id="4" name="Espace réservé du pied de page 3">
+            <a:extLst>
+              <a:ext uri="{FF2B5EF4-FFF2-40B4-BE49-F238E27FC236}">
+                <a16:creationId xmlns:a16="http://schemas.microsoft.com/office/drawing/2014/main" id="{81FDCCC1-47D5-4358-9D9F-94B77FCEC184}"/>
+              </a:ext>
+            </a:extLst>
+          </p:cNvPr>
+          <p:cNvSpPr>
+            <a:spLocks noGrp="1"/>
+          </p:cNvSpPr>
+          <p:nvPr>
+            <p:ph type="ftr" sz="quarter" idx="11"/>
+          </p:nvPr>
+        </p:nvSpPr>
+        <p:spPr/>
+        <p:txBody>
+          <a:bodyPr/>
+          <a:lstStyle/>
+          <a:p>
+            <a:r>
+              <a:rPr lang="fr-FR">
+                <a:solidFill>
+                  <a:srgbClr val="C00000"/>
+                </a:solidFill>
+              </a:rPr>
+              <a:t>Mohamed Boukhtam et Stanislas Medrano</a:t>
+            </a:r>
+            <a:endParaRPr lang="fr-FR" dirty="0"/>
+          </a:p>
+        </p:txBody>
+      </p:sp>
+      <p:sp>
+        <p:nvSpPr>
+          <p:cNvPr id="5" name="Espace réservé du numéro de diapositive 4">
+            <a:extLst>
+              <a:ext uri="{FF2B5EF4-FFF2-40B4-BE49-F238E27FC236}">
+                <a16:creationId xmlns:a16="http://schemas.microsoft.com/office/drawing/2014/main" id="{6F50D485-C1B4-45F2-BA5F-CED60705FA45}"/>
+              </a:ext>
+            </a:extLst>
+          </p:cNvPr>
+          <p:cNvSpPr>
+            <a:spLocks noGrp="1"/>
+          </p:cNvSpPr>
+          <p:nvPr>
+            <p:ph type="sldNum" sz="quarter" idx="12"/>
+          </p:nvPr>
+        </p:nvSpPr>
+        <p:spPr/>
+        <p:txBody>
+          <a:bodyPr/>
+          <a:lstStyle/>
+          <a:p>
+            <a:fld id="{76CE9906-4B67-49DF-A550-FF0E09CEFF0C}" type="slidenum">
+              <a:rPr lang="fr-FR" smtClean="0"/>
+              <a:pPr/>
+              <a:t>19</a:t>
+            </a:fld>
+            <a:endParaRPr lang="fr-FR" dirty="0"/>
+          </a:p>
+        </p:txBody>
+      </p:sp>
+    </p:spTree>
+    <p:extLst>
+      <p:ext uri="{BB962C8B-B14F-4D97-AF65-F5344CB8AC3E}">
+        <p14:creationId xmlns:p14="http://schemas.microsoft.com/office/powerpoint/2010/main" val="914567290"/>
+      </p:ext>
+    </p:extLst>
+  </p:cSld>
+  <p:clrMapOvr>
+    <a:masterClrMapping/>
+  </p:clrMapOvr>
+</p:sld>
+</file>
+
+<file path=ppt/slides/slide2.xml><?xml version="1.0" encoding="utf-8"?>
+<p:sld xmlns:a="http://schemas.openxmlformats.org/drawingml/2006/main" xmlns:r="http://schemas.openxmlformats.org/officeDocument/2006/relationships" xmlns:p="http://schemas.openxmlformats.org/presentationml/2006/main">
+  <p:cSld>
+    <p:spTree>
+      <p:nvGrpSpPr>
+        <p:cNvPr id="1" name=""/>
+        <p:cNvGrpSpPr/>
+        <p:nvPr/>
+      </p:nvGrpSpPr>
+      <p:grpSpPr>
+        <a:xfrm>
+          <a:off x="0" y="0"/>
+          <a:ext cx="0" cy="0"/>
+          <a:chOff x="0" y="0"/>
+          <a:chExt cx="0" cy="0"/>
+        </a:xfrm>
+      </p:grpSpPr>
+      <p:sp>
+        <p:nvSpPr>
+          <p:cNvPr id="2" name="Titre 1">
+            <a:extLst>
+              <a:ext uri="{FF2B5EF4-FFF2-40B4-BE49-F238E27FC236}">
+                <a16:creationId xmlns:a16="http://schemas.microsoft.com/office/drawing/2014/main" id="{8AFEDAA6-41DE-4104-99A2-B990333932EF}"/>
+              </a:ext>
+            </a:extLst>
+          </p:cNvPr>
+          <p:cNvSpPr>
+            <a:spLocks noGrp="1"/>
+          </p:cNvSpPr>
+          <p:nvPr>
+            <p:ph type="title"/>
+          </p:nvPr>
+        </p:nvSpPr>
+        <p:spPr/>
+        <p:txBody>
+          <a:bodyPr/>
+          <a:lstStyle/>
+          <a:p>
+            <a:r>
+              <a:rPr lang="fr-FR" dirty="0"/>
+              <a:t>Sommaire</a:t>
+            </a:r>
+          </a:p>
+        </p:txBody>
+      </p:sp>
+      <p:sp>
+        <p:nvSpPr>
+          <p:cNvPr id="3" name="Espace réservé du contenu 2">
+            <a:extLst>
+              <a:ext uri="{FF2B5EF4-FFF2-40B4-BE49-F238E27FC236}">
+                <a16:creationId xmlns:a16="http://schemas.microsoft.com/office/drawing/2014/main" id="{FD3AB74E-D06C-4D17-AB0A-F855140AC4A0}"/>
+              </a:ext>
+            </a:extLst>
+          </p:cNvPr>
+          <p:cNvSpPr>
+            <a:spLocks noGrp="1"/>
+          </p:cNvSpPr>
+          <p:nvPr>
+            <p:ph idx="1"/>
+          </p:nvPr>
+        </p:nvSpPr>
+        <p:spPr/>
+        <p:txBody>
+          <a:bodyPr/>
+          <a:lstStyle/>
+          <a:p>
+            <a:r>
+              <a:rPr lang="fr-FR" dirty="0"/>
+              <a:t>Introduction</a:t>
+            </a:r>
+          </a:p>
+          <a:p>
+            <a:r>
+              <a:rPr lang="fr-FR" dirty="0"/>
+              <a:t>Choix de la Charte</a:t>
+            </a:r>
+          </a:p>
+          <a:p>
+            <a:r>
+              <a:rPr lang="fr-FR" dirty="0"/>
+              <a:t>Architecture</a:t>
+            </a:r>
+          </a:p>
+          <a:p>
+            <a:r>
+              <a:rPr lang="fr-FR" dirty="0"/>
+              <a:t>Organisation du travail</a:t>
+            </a:r>
+          </a:p>
+          <a:p>
+            <a:r>
+              <a:rPr lang="fr-FR" dirty="0"/>
+              <a:t>Touche Personnelle Mohamed</a:t>
+            </a:r>
+          </a:p>
+          <a:p>
+            <a:r>
+              <a:rPr lang="fr-FR" dirty="0"/>
+              <a:t>Touche Personnelle Stanislas</a:t>
+            </a:r>
+          </a:p>
+          <a:p>
+            <a:endParaRPr lang="fr-FR" dirty="0"/>
+          </a:p>
+        </p:txBody>
+      </p:sp>
+      <p:sp>
+        <p:nvSpPr>
+          <p:cNvPr id="5" name="Espace réservé du numéro de diapositive 4">
+            <a:extLst>
+              <a:ext uri="{FF2B5EF4-FFF2-40B4-BE49-F238E27FC236}">
+                <a16:creationId xmlns:a16="http://schemas.microsoft.com/office/drawing/2014/main" id="{4C91EBD7-8D9D-46A7-A90A-8F942E4D442A}"/>
+              </a:ext>
+            </a:extLst>
+          </p:cNvPr>
+          <p:cNvSpPr>
+            <a:spLocks noGrp="1"/>
+          </p:cNvSpPr>
+          <p:nvPr>
+            <p:ph type="sldNum" sz="quarter" idx="12"/>
+          </p:nvPr>
+        </p:nvSpPr>
+        <p:spPr/>
+        <p:txBody>
+          <a:bodyPr/>
+          <a:lstStyle/>
+          <a:p>
+            <a:fld id="{76CE9906-4B67-49DF-A550-FF0E09CEFF0C}" type="slidenum">
+              <a:rPr lang="fr-FR" smtClean="0"/>
+              <a:t>2</a:t>
+            </a:fld>
+            <a:endParaRPr lang="fr-FR" dirty="0"/>
+          </a:p>
+        </p:txBody>
+      </p:sp>
+      <p:sp>
+        <p:nvSpPr>
+          <p:cNvPr id="6" name="Espace réservé du pied de page 5">
+            <a:extLst>
+              <a:ext uri="{FF2B5EF4-FFF2-40B4-BE49-F238E27FC236}">
+                <a16:creationId xmlns:a16="http://schemas.microsoft.com/office/drawing/2014/main" id="{1D3B8FD9-B610-4644-A4B4-517CCBFBDF2F}"/>
+              </a:ext>
+            </a:extLst>
+          </p:cNvPr>
+          <p:cNvSpPr>
+            <a:spLocks noGrp="1"/>
+          </p:cNvSpPr>
+          <p:nvPr>
+            <p:ph type="ftr" sz="quarter" idx="11"/>
+          </p:nvPr>
+        </p:nvSpPr>
+        <p:spPr/>
+        <p:txBody>
+          <a:bodyPr/>
+          <a:lstStyle/>
+          <a:p>
+            <a:r>
+              <a:rPr lang="fr-FR">
+                <a:solidFill>
+                  <a:srgbClr val="C00000"/>
+                </a:solidFill>
+              </a:rPr>
+              <a:t>Mohamed Boukhtam et Stanislas Medrano</a:t>
+            </a:r>
+            <a:endParaRPr lang="fr-FR" dirty="0"/>
+          </a:p>
+        </p:txBody>
+      </p:sp>
+    </p:spTree>
+    <p:extLst>
+      <p:ext uri="{BB962C8B-B14F-4D97-AF65-F5344CB8AC3E}">
+        <p14:creationId xmlns:p14="http://schemas.microsoft.com/office/powerpoint/2010/main" val="2405262400"/>
+      </p:ext>
+    </p:extLst>
+  </p:cSld>
+  <p:clrMapOvr>
+    <a:masterClrMapping/>
+  </p:clrMapOvr>
+</p:sld>
+</file>
+
+<file path=ppt/slides/slide20.xml><?xml version="1.0" encoding="utf-8"?>
+<p:sld xmlns:a="http://schemas.openxmlformats.org/drawingml/2006/main" xmlns:r="http://schemas.openxmlformats.org/officeDocument/2006/relationships" xmlns:p="http://schemas.openxmlformats.org/presentationml/2006/main">
+  <p:cSld>
+    <p:spTree>
+      <p:nvGrpSpPr>
+        <p:cNvPr id="1" name=""/>
+        <p:cNvGrpSpPr/>
+        <p:nvPr/>
+      </p:nvGrpSpPr>
+      <p:grpSpPr>
+        <a:xfrm>
+          <a:off x="0" y="0"/>
+          <a:ext cx="0" cy="0"/>
+          <a:chOff x="0" y="0"/>
+          <a:chExt cx="0" cy="0"/>
+        </a:xfrm>
+      </p:grpSpPr>
+      <p:sp>
+        <p:nvSpPr>
+          <p:cNvPr id="2" name="Titre 1">
+            <a:extLst>
+              <a:ext uri="{FF2B5EF4-FFF2-40B4-BE49-F238E27FC236}">
+                <a16:creationId xmlns:a16="http://schemas.microsoft.com/office/drawing/2014/main" id="{89050294-0A89-497B-8DFD-6389ACD39BE1}"/>
+              </a:ext>
+            </a:extLst>
+          </p:cNvPr>
+          <p:cNvSpPr>
+            <a:spLocks noGrp="1"/>
+          </p:cNvSpPr>
+          <p:nvPr>
+            <p:ph type="ctrTitle"/>
+          </p:nvPr>
+        </p:nvSpPr>
+        <p:spPr/>
+        <p:txBody>
+          <a:bodyPr/>
+          <a:lstStyle/>
+          <a:p>
+            <a:r>
+              <a:rPr lang="fr-FR" dirty="0"/>
+              <a:t>Mohamed : Index</a:t>
+            </a:r>
+          </a:p>
+        </p:txBody>
+      </p:sp>
+      <p:sp>
+        <p:nvSpPr>
+          <p:cNvPr id="3" name="Sous-titre 2">
+            <a:extLst>
+              <a:ext uri="{FF2B5EF4-FFF2-40B4-BE49-F238E27FC236}">
+                <a16:creationId xmlns:a16="http://schemas.microsoft.com/office/drawing/2014/main" id="{B7CCF9F9-8239-4AA6-8559-8F3BCB684B97}"/>
+              </a:ext>
+            </a:extLst>
+          </p:cNvPr>
+          <p:cNvSpPr>
+            <a:spLocks noGrp="1"/>
+          </p:cNvSpPr>
+          <p:nvPr>
+            <p:ph type="subTitle" idx="1"/>
+          </p:nvPr>
+        </p:nvSpPr>
+        <p:spPr/>
+        <p:txBody>
+          <a:bodyPr/>
+          <a:lstStyle/>
+          <a:p>
+            <a:r>
+              <a:rPr lang="fr-FR" dirty="0"/>
+              <a:t>Page d’accueil</a:t>
+            </a:r>
+          </a:p>
+        </p:txBody>
+      </p:sp>
+    </p:spTree>
+    <p:extLst>
+      <p:ext uri="{BB962C8B-B14F-4D97-AF65-F5344CB8AC3E}">
+        <p14:creationId xmlns:p14="http://schemas.microsoft.com/office/powerpoint/2010/main" val="2564327627"/>
+      </p:ext>
+    </p:extLst>
+  </p:cSld>
+  <p:clrMapOvr>
+    <a:masterClrMapping/>
+  </p:clrMapOvr>
+</p:sld>
+</file>
+
+<file path=ppt/slides/slide21.xml><?xml version="1.0" encoding="utf-8"?>
+<p:sld xmlns:a="http://schemas.openxmlformats.org/drawingml/2006/main" xmlns:r="http://schemas.openxmlformats.org/officeDocument/2006/relationships" xmlns:p="http://schemas.openxmlformats.org/presentationml/2006/main">
+  <p:cSld>
+    <p:spTree>
+      <p:nvGrpSpPr>
+        <p:cNvPr id="1" name=""/>
+        <p:cNvGrpSpPr/>
+        <p:nvPr/>
+      </p:nvGrpSpPr>
+      <p:grpSpPr>
+        <a:xfrm>
+          <a:off x="0" y="0"/>
+          <a:ext cx="0" cy="0"/>
+          <a:chOff x="0" y="0"/>
+          <a:chExt cx="0" cy="0"/>
+        </a:xfrm>
+      </p:grpSpPr>
+      <p:sp>
+        <p:nvSpPr>
+          <p:cNvPr id="2" name="Titre 1">
+            <a:extLst>
+              <a:ext uri="{FF2B5EF4-FFF2-40B4-BE49-F238E27FC236}">
+                <a16:creationId xmlns:a16="http://schemas.microsoft.com/office/drawing/2014/main" id="{EA4A9D19-45DB-46D6-B524-3D7F98E9021F}"/>
+              </a:ext>
+            </a:extLst>
+          </p:cNvPr>
+          <p:cNvSpPr>
+            <a:spLocks noGrp="1"/>
+          </p:cNvSpPr>
+          <p:nvPr>
+            <p:ph type="title"/>
+          </p:nvPr>
+        </p:nvSpPr>
+        <p:spPr/>
+        <p:txBody>
+          <a:bodyPr/>
+          <a:lstStyle/>
+          <a:p>
+            <a:r>
+              <a:rPr lang="fr-FR" dirty="0"/>
+              <a:t>Page d’accueil</a:t>
+            </a:r>
+          </a:p>
+        </p:txBody>
+      </p:sp>
+      <p:pic>
+        <p:nvPicPr>
+          <p:cNvPr id="5" name="Espace réservé du contenu 4">
+            <a:extLst>
+              <a:ext uri="{FF2B5EF4-FFF2-40B4-BE49-F238E27FC236}">
+                <a16:creationId xmlns:a16="http://schemas.microsoft.com/office/drawing/2014/main" id="{C184E5AA-8567-4483-A9A6-395E438D8769}"/>
+              </a:ext>
+            </a:extLst>
+          </p:cNvPr>
+          <p:cNvPicPr>
+            <a:picLocks noGrp="1" noChangeAspect="1"/>
+          </p:cNvPicPr>
+          <p:nvPr>
+            <p:ph idx="1"/>
+          </p:nvPr>
+        </p:nvPicPr>
+        <p:blipFill>
+          <a:blip r:embed="rId2"/>
+          <a:stretch>
+            <a:fillRect/>
+          </a:stretch>
+        </p:blipFill>
+        <p:spPr>
+          <a:xfrm>
+            <a:off x="838200" y="1826975"/>
+            <a:ext cx="10515600" cy="4348638"/>
+          </a:xfrm>
+          <a:prstGeom prst="rect">
+            <a:avLst/>
+          </a:prstGeom>
+        </p:spPr>
+      </p:pic>
+      <p:sp>
+        <p:nvSpPr>
+          <p:cNvPr id="3" name="Espace réservé du numéro de diapositive 2">
+            <a:extLst>
+              <a:ext uri="{FF2B5EF4-FFF2-40B4-BE49-F238E27FC236}">
+                <a16:creationId xmlns:a16="http://schemas.microsoft.com/office/drawing/2014/main" id="{75A99758-6383-4350-B7B1-4A091EB12E67}"/>
+              </a:ext>
+            </a:extLst>
+          </p:cNvPr>
+          <p:cNvSpPr>
+            <a:spLocks noGrp="1"/>
+          </p:cNvSpPr>
+          <p:nvPr>
+            <p:ph type="sldNum" sz="quarter" idx="12"/>
+          </p:nvPr>
+        </p:nvSpPr>
+        <p:spPr/>
+        <p:txBody>
+          <a:bodyPr/>
+          <a:lstStyle/>
+          <a:p>
+            <a:fld id="{76CE9906-4B67-49DF-A550-FF0E09CEFF0C}" type="slidenum">
+              <a:rPr lang="fr-FR" smtClean="0"/>
+              <a:t>21</a:t>
+            </a:fld>
+            <a:endParaRPr lang="fr-FR" dirty="0"/>
+          </a:p>
+        </p:txBody>
+      </p:sp>
+      <p:sp>
+        <p:nvSpPr>
+          <p:cNvPr id="6" name="Espace réservé du pied de page 5">
+            <a:extLst>
+              <a:ext uri="{FF2B5EF4-FFF2-40B4-BE49-F238E27FC236}">
+                <a16:creationId xmlns:a16="http://schemas.microsoft.com/office/drawing/2014/main" id="{42EB356E-716F-425A-B44A-A5CF7ABE7172}"/>
+              </a:ext>
+            </a:extLst>
+          </p:cNvPr>
+          <p:cNvSpPr>
+            <a:spLocks noGrp="1"/>
+          </p:cNvSpPr>
+          <p:nvPr>
+            <p:ph type="ftr" sz="quarter" idx="11"/>
+          </p:nvPr>
+        </p:nvSpPr>
+        <p:spPr/>
+        <p:txBody>
+          <a:bodyPr/>
+          <a:lstStyle/>
+          <a:p>
+            <a:r>
+              <a:rPr lang="fr-FR">
+                <a:solidFill>
+                  <a:srgbClr val="C00000"/>
+                </a:solidFill>
+              </a:rPr>
+              <a:t>Mohamed Boukhtam et Stanislas Medrano</a:t>
+            </a:r>
+            <a:endParaRPr lang="fr-FR" dirty="0"/>
+          </a:p>
+        </p:txBody>
+      </p:sp>
+    </p:spTree>
+    <p:extLst>
+      <p:ext uri="{BB962C8B-B14F-4D97-AF65-F5344CB8AC3E}">
+        <p14:creationId xmlns:p14="http://schemas.microsoft.com/office/powerpoint/2010/main" val="1051434621"/>
+      </p:ext>
+    </p:extLst>
+  </p:cSld>
+  <p:clrMapOvr>
+    <a:masterClrMapping/>
+  </p:clrMapOvr>
+</p:sld>
+</file>
+
+<file path=ppt/slides/slide22.xml><?xml version="1.0" encoding="utf-8"?>
+<p:sld xmlns:a="http://schemas.openxmlformats.org/drawingml/2006/main" xmlns:r="http://schemas.openxmlformats.org/officeDocument/2006/relationships" xmlns:p="http://schemas.openxmlformats.org/presentationml/2006/main">
+  <p:cSld>
+    <p:spTree>
+      <p:nvGrpSpPr>
+        <p:cNvPr id="1" name=""/>
+        <p:cNvGrpSpPr/>
+        <p:nvPr/>
+      </p:nvGrpSpPr>
+      <p:grpSpPr>
+        <a:xfrm>
+          <a:off x="0" y="0"/>
+          <a:ext cx="0" cy="0"/>
+          <a:chOff x="0" y="0"/>
+          <a:chExt cx="0" cy="0"/>
+        </a:xfrm>
+      </p:grpSpPr>
+      <p:sp>
+        <p:nvSpPr>
+          <p:cNvPr id="2" name="Titre 1">
+            <a:extLst>
+              <a:ext uri="{FF2B5EF4-FFF2-40B4-BE49-F238E27FC236}">
+                <a16:creationId xmlns:a16="http://schemas.microsoft.com/office/drawing/2014/main" id="{D1D1BB77-C791-406D-8ACC-4EE58F91A6F5}"/>
+              </a:ext>
+            </a:extLst>
+          </p:cNvPr>
+          <p:cNvSpPr>
+            <a:spLocks noGrp="1"/>
+          </p:cNvSpPr>
+          <p:nvPr>
+            <p:ph type="title"/>
+          </p:nvPr>
+        </p:nvSpPr>
+        <p:spPr/>
+        <p:txBody>
+          <a:bodyPr/>
+          <a:lstStyle/>
+          <a:p>
+            <a:r>
+              <a:rPr lang="fr-FR" dirty="0"/>
+              <a:t>Responsive : smartphone</a:t>
+            </a:r>
+          </a:p>
+        </p:txBody>
+      </p:sp>
+      <p:pic>
+        <p:nvPicPr>
+          <p:cNvPr id="7" name="Espace réservé du contenu 6">
+            <a:extLst>
+              <a:ext uri="{FF2B5EF4-FFF2-40B4-BE49-F238E27FC236}">
+                <a16:creationId xmlns:a16="http://schemas.microsoft.com/office/drawing/2014/main" id="{FC63927B-78D6-4318-B4E9-71D31DC843AF}"/>
+              </a:ext>
+            </a:extLst>
+          </p:cNvPr>
+          <p:cNvPicPr>
+            <a:picLocks noGrp="1" noChangeAspect="1"/>
+          </p:cNvPicPr>
+          <p:nvPr>
+            <p:ph idx="1"/>
+          </p:nvPr>
+        </p:nvPicPr>
+        <p:blipFill>
+          <a:blip r:embed="rId2">
+            <a:extLst>
+              <a:ext uri="{28A0092B-C50C-407E-A947-70E740481C1C}">
+                <a14:useLocalDpi xmlns:a14="http://schemas.microsoft.com/office/drawing/2010/main" val="0"/>
+              </a:ext>
+            </a:extLst>
+          </a:blip>
+          <a:stretch>
+            <a:fillRect/>
+          </a:stretch>
+        </p:blipFill>
+        <p:spPr>
+          <a:xfrm>
+            <a:off x="4645554" y="1570982"/>
+            <a:ext cx="2900892" cy="4351338"/>
+          </a:xfrm>
+        </p:spPr>
+      </p:pic>
+      <p:sp>
+        <p:nvSpPr>
+          <p:cNvPr id="4" name="Espace réservé du pied de page 3">
+            <a:extLst>
+              <a:ext uri="{FF2B5EF4-FFF2-40B4-BE49-F238E27FC236}">
+                <a16:creationId xmlns:a16="http://schemas.microsoft.com/office/drawing/2014/main" id="{FE684BD7-A33B-48FD-BF04-7C5B1F0EDCF3}"/>
+              </a:ext>
+            </a:extLst>
+          </p:cNvPr>
+          <p:cNvSpPr>
+            <a:spLocks noGrp="1"/>
+          </p:cNvSpPr>
+          <p:nvPr>
+            <p:ph type="ftr" sz="quarter" idx="11"/>
+          </p:nvPr>
+        </p:nvSpPr>
+        <p:spPr/>
+        <p:txBody>
+          <a:bodyPr/>
+          <a:lstStyle/>
+          <a:p>
+            <a:r>
+              <a:rPr lang="fr-FR">
+                <a:solidFill>
+                  <a:srgbClr val="C00000"/>
+                </a:solidFill>
+              </a:rPr>
+              <a:t>Mohamed Boukhtam et Stanislas Medrano</a:t>
+            </a:r>
+            <a:endParaRPr lang="fr-FR" dirty="0"/>
+          </a:p>
+        </p:txBody>
+      </p:sp>
+      <p:sp>
+        <p:nvSpPr>
+          <p:cNvPr id="5" name="Espace réservé du numéro de diapositive 4">
+            <a:extLst>
+              <a:ext uri="{FF2B5EF4-FFF2-40B4-BE49-F238E27FC236}">
+                <a16:creationId xmlns:a16="http://schemas.microsoft.com/office/drawing/2014/main" id="{21A38110-77CA-4FC0-A811-6C4EE45B0479}"/>
+              </a:ext>
+            </a:extLst>
+          </p:cNvPr>
+          <p:cNvSpPr>
+            <a:spLocks noGrp="1"/>
+          </p:cNvSpPr>
+          <p:nvPr>
+            <p:ph type="sldNum" sz="quarter" idx="12"/>
+          </p:nvPr>
+        </p:nvSpPr>
+        <p:spPr/>
+        <p:txBody>
+          <a:bodyPr/>
+          <a:lstStyle/>
+          <a:p>
+            <a:fld id="{76CE9906-4B67-49DF-A550-FF0E09CEFF0C}" type="slidenum">
+              <a:rPr lang="fr-FR" smtClean="0"/>
+              <a:pPr/>
+              <a:t>22</a:t>
+            </a:fld>
+            <a:endParaRPr lang="fr-FR" dirty="0"/>
+          </a:p>
+        </p:txBody>
+      </p:sp>
+    </p:spTree>
+    <p:extLst>
+      <p:ext uri="{BB962C8B-B14F-4D97-AF65-F5344CB8AC3E}">
+        <p14:creationId xmlns:p14="http://schemas.microsoft.com/office/powerpoint/2010/main" val="3230793288"/>
+      </p:ext>
+    </p:extLst>
+  </p:cSld>
+  <p:clrMapOvr>
+    <a:masterClrMapping/>
+  </p:clrMapOvr>
+</p:sld>
+</file>
+
+<file path=ppt/slides/slide23.xml><?xml version="1.0" encoding="utf-8"?>
+<p:sld xmlns:a="http://schemas.openxmlformats.org/drawingml/2006/main" xmlns:r="http://schemas.openxmlformats.org/officeDocument/2006/relationships" xmlns:p="http://schemas.openxmlformats.org/presentationml/2006/main">
+  <p:cSld>
+    <p:spTree>
+      <p:nvGrpSpPr>
+        <p:cNvPr id="1" name=""/>
+        <p:cNvGrpSpPr/>
+        <p:nvPr/>
+      </p:nvGrpSpPr>
+      <p:grpSpPr>
+        <a:xfrm>
+          <a:off x="0" y="0"/>
+          <a:ext cx="0" cy="0"/>
+          <a:chOff x="0" y="0"/>
+          <a:chExt cx="0" cy="0"/>
+        </a:xfrm>
+      </p:grpSpPr>
+      <p:sp>
+        <p:nvSpPr>
+          <p:cNvPr id="2" name="Titre 1">
+            <a:extLst>
+              <a:ext uri="{FF2B5EF4-FFF2-40B4-BE49-F238E27FC236}">
+                <a16:creationId xmlns:a16="http://schemas.microsoft.com/office/drawing/2014/main" id="{802C981F-9811-4449-9452-AF236F0C0794}"/>
+              </a:ext>
+            </a:extLst>
+          </p:cNvPr>
+          <p:cNvSpPr>
+            <a:spLocks noGrp="1"/>
+          </p:cNvSpPr>
+          <p:nvPr>
+            <p:ph type="title"/>
+          </p:nvPr>
+        </p:nvSpPr>
+        <p:spPr/>
+        <p:txBody>
+          <a:bodyPr/>
+          <a:lstStyle/>
+          <a:p>
+            <a:r>
+              <a:rPr lang="fr-FR" dirty="0"/>
+              <a:t>Conception</a:t>
+            </a:r>
+          </a:p>
+        </p:txBody>
+      </p:sp>
+      <p:pic>
+        <p:nvPicPr>
+          <p:cNvPr id="5" name="Espace réservé du contenu 4">
+            <a:extLst>
+              <a:ext uri="{FF2B5EF4-FFF2-40B4-BE49-F238E27FC236}">
+                <a16:creationId xmlns:a16="http://schemas.microsoft.com/office/drawing/2014/main" id="{AD444000-6CB4-4D53-86EC-EAA3A9423CB9}"/>
+              </a:ext>
+            </a:extLst>
+          </p:cNvPr>
+          <p:cNvPicPr>
+            <a:picLocks noGrp="1" noChangeAspect="1"/>
+          </p:cNvPicPr>
+          <p:nvPr>
+            <p:ph idx="1"/>
+          </p:nvPr>
+        </p:nvPicPr>
+        <p:blipFill rotWithShape="1">
+          <a:blip r:embed="rId2"/>
+          <a:srcRect r="2903"/>
+          <a:stretch/>
+        </p:blipFill>
+        <p:spPr>
+          <a:xfrm>
+            <a:off x="2215300" y="1690688"/>
+            <a:ext cx="8873248" cy="4351338"/>
+          </a:xfrm>
+          <a:prstGeom prst="rect">
+            <a:avLst/>
+          </a:prstGeom>
+        </p:spPr>
+      </p:pic>
+      <p:sp>
+        <p:nvSpPr>
+          <p:cNvPr id="3" name="Espace réservé du numéro de diapositive 2">
+            <a:extLst>
+              <a:ext uri="{FF2B5EF4-FFF2-40B4-BE49-F238E27FC236}">
+                <a16:creationId xmlns:a16="http://schemas.microsoft.com/office/drawing/2014/main" id="{65F2687D-188C-4D2B-9588-B37A8946A6F9}"/>
+              </a:ext>
+            </a:extLst>
+          </p:cNvPr>
+          <p:cNvSpPr>
+            <a:spLocks noGrp="1"/>
+          </p:cNvSpPr>
+          <p:nvPr>
+            <p:ph type="sldNum" sz="quarter" idx="12"/>
+          </p:nvPr>
+        </p:nvSpPr>
+        <p:spPr/>
+        <p:txBody>
+          <a:bodyPr/>
+          <a:lstStyle/>
+          <a:p>
+            <a:fld id="{76CE9906-4B67-49DF-A550-FF0E09CEFF0C}" type="slidenum">
+              <a:rPr lang="fr-FR" smtClean="0"/>
+              <a:t>23</a:t>
+            </a:fld>
+            <a:endParaRPr lang="fr-FR" dirty="0"/>
+          </a:p>
+        </p:txBody>
+      </p:sp>
+      <p:sp>
+        <p:nvSpPr>
+          <p:cNvPr id="6" name="Espace réservé du pied de page 5">
+            <a:extLst>
+              <a:ext uri="{FF2B5EF4-FFF2-40B4-BE49-F238E27FC236}">
+                <a16:creationId xmlns:a16="http://schemas.microsoft.com/office/drawing/2014/main" id="{5D31D31F-602C-4DDD-B3CF-736A5EDCB61E}"/>
+              </a:ext>
+            </a:extLst>
+          </p:cNvPr>
+          <p:cNvSpPr>
+            <a:spLocks noGrp="1"/>
+          </p:cNvSpPr>
+          <p:nvPr>
+            <p:ph type="ftr" sz="quarter" idx="11"/>
+          </p:nvPr>
+        </p:nvSpPr>
+        <p:spPr/>
+        <p:txBody>
+          <a:bodyPr/>
+          <a:lstStyle/>
+          <a:p>
+            <a:r>
+              <a:rPr lang="fr-FR">
+                <a:solidFill>
+                  <a:srgbClr val="C00000"/>
+                </a:solidFill>
+              </a:rPr>
+              <a:t>Mohamed Boukhtam et Stanislas Medrano</a:t>
+            </a:r>
+            <a:endParaRPr lang="fr-FR" dirty="0"/>
+          </a:p>
+        </p:txBody>
+      </p:sp>
+    </p:spTree>
+    <p:extLst>
+      <p:ext uri="{BB962C8B-B14F-4D97-AF65-F5344CB8AC3E}">
+        <p14:creationId xmlns:p14="http://schemas.microsoft.com/office/powerpoint/2010/main" val="1385007500"/>
+      </p:ext>
+    </p:extLst>
+  </p:cSld>
+  <p:clrMapOvr>
+    <a:masterClrMapping/>
+  </p:clrMapOvr>
+</p:sld>
+</file>
+
+<file path=ppt/slides/slide24.xml><?xml version="1.0" encoding="utf-8"?>
+<p:sld xmlns:a="http://schemas.openxmlformats.org/drawingml/2006/main" xmlns:r="http://schemas.openxmlformats.org/officeDocument/2006/relationships" xmlns:p="http://schemas.openxmlformats.org/presentationml/2006/main">
+  <p:cSld>
+    <p:spTree>
+      <p:nvGrpSpPr>
+        <p:cNvPr id="1" name=""/>
+        <p:cNvGrpSpPr/>
+        <p:nvPr/>
+      </p:nvGrpSpPr>
+      <p:grpSpPr>
+        <a:xfrm>
+          <a:off x="0" y="0"/>
+          <a:ext cx="0" cy="0"/>
+          <a:chOff x="0" y="0"/>
+          <a:chExt cx="0" cy="0"/>
+        </a:xfrm>
+      </p:grpSpPr>
+      <p:sp>
+        <p:nvSpPr>
+          <p:cNvPr id="2" name="Titre 1">
+            <a:extLst>
+              <a:ext uri="{FF2B5EF4-FFF2-40B4-BE49-F238E27FC236}">
                 <a16:creationId xmlns:a16="http://schemas.microsoft.com/office/drawing/2014/main" id="{F7A09982-25E8-4823-97BD-3EDDC25108F4}"/>
               </a:ext>
             </a:extLst>
@@ -4683,7 +6538,7 @@
 </p:sld>
 </file>
 
-<file path=ppt/slides/slide14.xml><?xml version="1.0" encoding="utf-8"?>
+<file path=ppt/slides/slide25.xml><?xml version="1.0" encoding="utf-8"?>
 <p:sld xmlns:a="http://schemas.openxmlformats.org/drawingml/2006/main" xmlns:r="http://schemas.openxmlformats.org/officeDocument/2006/relationships" xmlns:p="http://schemas.openxmlformats.org/presentationml/2006/main">
   <p:cSld>
     <p:spTree>
@@ -4997,7 +6852,7 @@
           <a:p>
             <a:fld id="{76CE9906-4B67-49DF-A550-FF0E09CEFF0C}" type="slidenum">
               <a:rPr lang="fr-FR" smtClean="0"/>
-              <a:t>14</a:t>
+              <a:t>25</a:t>
             </a:fld>
             <a:endParaRPr lang="fr-FR" dirty="0"/>
           </a:p>
@@ -5049,7 +6904,7 @@
 </p:sld>
 </file>
 
-<file path=ppt/slides/slide15.xml><?xml version="1.0" encoding="utf-8"?>
+<file path=ppt/slides/slide26.xml><?xml version="1.0" encoding="utf-8"?>
 <p:sld xmlns:a="http://schemas.openxmlformats.org/drawingml/2006/main" xmlns:r="http://schemas.openxmlformats.org/officeDocument/2006/relationships" xmlns:p="http://schemas.openxmlformats.org/presentationml/2006/main">
   <p:cSld>
     <p:spTree>
@@ -5324,7 +7179,7 @@
           <a:p>
             <a:fld id="{76CE9906-4B67-49DF-A550-FF0E09CEFF0C}" type="slidenum">
               <a:rPr lang="fr-FR" smtClean="0"/>
-              <a:t>15</a:t>
+              <a:t>26</a:t>
             </a:fld>
             <a:endParaRPr lang="fr-FR" dirty="0"/>
           </a:p>
@@ -5376,7 +7231,7 @@
 </p:sld>
 </file>
 
-<file path=ppt/slides/slide16.xml><?xml version="1.0" encoding="utf-8"?>
+<file path=ppt/slides/slide27.xml><?xml version="1.0" encoding="utf-8"?>
 <p:sld xmlns:a="http://schemas.openxmlformats.org/drawingml/2006/main" xmlns:r="http://schemas.openxmlformats.org/officeDocument/2006/relationships" xmlns:p="http://schemas.openxmlformats.org/presentationml/2006/main">
   <p:cSld>
     <p:spTree>
@@ -5393,40 +7248,12 @@
           <a:chExt cx="0" cy="0"/>
         </a:xfrm>
       </p:grpSpPr>
-      <p:sp>
-        <p:nvSpPr>
-          <p:cNvPr id="2" name="Titre 1">
-            <a:extLst>
-              <a:ext uri="{FF2B5EF4-FFF2-40B4-BE49-F238E27FC236}">
-                <a16:creationId xmlns:a16="http://schemas.microsoft.com/office/drawing/2014/main" id="{CFA8292D-C89C-4CBD-B34F-9D3FE27FDD3F}"/>
-              </a:ext>
-            </a:extLst>
-          </p:cNvPr>
-          <p:cNvSpPr>
-            <a:spLocks noGrp="1"/>
-          </p:cNvSpPr>
-          <p:nvPr>
-            <p:ph type="title"/>
-          </p:nvPr>
-        </p:nvSpPr>
-        <p:spPr/>
-        <p:txBody>
-          <a:bodyPr/>
-          <a:lstStyle/>
-          <a:p>
-            <a:r>
-              <a:rPr lang="fr-FR" dirty="0"/>
-              <a:t>Javascript dans le fichier .html</a:t>
-            </a:r>
-          </a:p>
-        </p:txBody>
-      </p:sp>
       <p:pic>
         <p:nvPicPr>
           <p:cNvPr id="6" name="Espace réservé du contenu 5">
             <a:extLst>
               <a:ext uri="{FF2B5EF4-FFF2-40B4-BE49-F238E27FC236}">
-                <a16:creationId xmlns:a16="http://schemas.microsoft.com/office/drawing/2014/main" id="{41DCF1B1-B802-4CCC-B403-2DD4AE7378BD}"/>
+                <a16:creationId xmlns:a16="http://schemas.microsoft.com/office/drawing/2014/main" id="{35793A5F-3F3B-4E43-A87D-C8BAFD2060A0}"/>
               </a:ext>
             </a:extLst>
           </p:cNvPr>
@@ -5445,8 +7272,8 @@
         </p:blipFill>
         <p:spPr>
           <a:xfrm>
-            <a:off x="2881312" y="2377281"/>
-            <a:ext cx="6429375" cy="3248025"/>
+            <a:off x="3414581" y="136525"/>
+            <a:ext cx="5362839" cy="6012479"/>
           </a:xfrm>
           <a:prstGeom prst="rect">
             <a:avLst/>
@@ -5455,39 +7282,10 @@
       </p:pic>
       <p:sp>
         <p:nvSpPr>
-          <p:cNvPr id="3" name="Espace réservé du numéro de diapositive 2">
-            <a:extLst>
-              <a:ext uri="{FF2B5EF4-FFF2-40B4-BE49-F238E27FC236}">
-                <a16:creationId xmlns:a16="http://schemas.microsoft.com/office/drawing/2014/main" id="{6D2ECA22-2260-4372-BF98-96188A0EF0C9}"/>
-              </a:ext>
-            </a:extLst>
-          </p:cNvPr>
-          <p:cNvSpPr>
-            <a:spLocks noGrp="1"/>
-          </p:cNvSpPr>
-          <p:nvPr>
-            <p:ph type="sldNum" sz="quarter" idx="12"/>
-          </p:nvPr>
-        </p:nvSpPr>
-        <p:spPr/>
-        <p:txBody>
-          <a:bodyPr/>
-          <a:lstStyle/>
-          <a:p>
-            <a:fld id="{76CE9906-4B67-49DF-A550-FF0E09CEFF0C}" type="slidenum">
-              <a:rPr lang="fr-FR" smtClean="0"/>
-              <a:t>16</a:t>
-            </a:fld>
-            <a:endParaRPr lang="fr-FR" dirty="0"/>
-          </a:p>
-        </p:txBody>
-      </p:sp>
-      <p:sp>
-        <p:nvSpPr>
-          <p:cNvPr id="5" name="Espace réservé du pied de page 4">
-            <a:extLst>
-              <a:ext uri="{FF2B5EF4-FFF2-40B4-BE49-F238E27FC236}">
-                <a16:creationId xmlns:a16="http://schemas.microsoft.com/office/drawing/2014/main" id="{5A4646D1-ADE2-49BC-AD82-61B35DF3B7C2}"/>
+          <p:cNvPr id="4" name="Espace réservé du pied de page 3">
+            <a:extLst>
+              <a:ext uri="{FF2B5EF4-FFF2-40B4-BE49-F238E27FC236}">
+                <a16:creationId xmlns:a16="http://schemas.microsoft.com/office/drawing/2014/main" id="{279A880F-0C05-4F64-84FE-6C2B90A7111E}"/>
               </a:ext>
             </a:extLst>
           </p:cNvPr>
@@ -5515,10 +7313,40 @@
           </a:p>
         </p:txBody>
       </p:sp>
+      <p:sp>
+        <p:nvSpPr>
+          <p:cNvPr id="5" name="Espace réservé du numéro de diapositive 4">
+            <a:extLst>
+              <a:ext uri="{FF2B5EF4-FFF2-40B4-BE49-F238E27FC236}">
+                <a16:creationId xmlns:a16="http://schemas.microsoft.com/office/drawing/2014/main" id="{BB74C8EF-289E-4D6C-AA4B-3D6C7D04DADA}"/>
+              </a:ext>
+            </a:extLst>
+          </p:cNvPr>
+          <p:cNvSpPr>
+            <a:spLocks noGrp="1"/>
+          </p:cNvSpPr>
+          <p:nvPr>
+            <p:ph type="sldNum" sz="quarter" idx="12"/>
+          </p:nvPr>
+        </p:nvSpPr>
+        <p:spPr/>
+        <p:txBody>
+          <a:bodyPr/>
+          <a:lstStyle/>
+          <a:p>
+            <a:fld id="{76CE9906-4B67-49DF-A550-FF0E09CEFF0C}" type="slidenum">
+              <a:rPr lang="fr-FR" smtClean="0"/>
+              <a:pPr/>
+              <a:t>27</a:t>
+            </a:fld>
+            <a:endParaRPr lang="fr-FR" dirty="0"/>
+          </a:p>
+        </p:txBody>
+      </p:sp>
     </p:spTree>
     <p:extLst>
       <p:ext uri="{BB962C8B-B14F-4D97-AF65-F5344CB8AC3E}">
-        <p14:creationId xmlns:p14="http://schemas.microsoft.com/office/powerpoint/2010/main" val="2111559160"/>
+        <p14:creationId xmlns:p14="http://schemas.microsoft.com/office/powerpoint/2010/main" val="3969154848"/>
       </p:ext>
     </p:extLst>
   </p:cSld>
@@ -5528,7 +7356,7 @@
 </p:sld>
 </file>
 
-<file path=ppt/slides/slide17.xml><?xml version="1.0" encoding="utf-8"?>
+<file path=ppt/slides/slide28.xml><?xml version="1.0" encoding="utf-8"?>
 <p:sld xmlns:a="http://schemas.openxmlformats.org/drawingml/2006/main" xmlns:r="http://schemas.openxmlformats.org/officeDocument/2006/relationships" xmlns:p="http://schemas.openxmlformats.org/presentationml/2006/main">
   <p:cSld>
     <p:spTree>
@@ -5550,15 +7378,15 @@
           <p:cNvPr id="2" name="Titre 1">
             <a:extLst>
               <a:ext uri="{FF2B5EF4-FFF2-40B4-BE49-F238E27FC236}">
-                <a16:creationId xmlns:a16="http://schemas.microsoft.com/office/drawing/2014/main" id="{88A40913-6640-4A0A-AF84-BC572E30B01D}"/>
-              </a:ext>
-            </a:extLst>
-          </p:cNvPr>
-          <p:cNvSpPr>
-            <a:spLocks noGrp="1"/>
-          </p:cNvSpPr>
-          <p:nvPr>
-            <p:ph type="ctrTitle"/>
+                <a16:creationId xmlns:a16="http://schemas.microsoft.com/office/drawing/2014/main" id="{CFA8292D-C89C-4CBD-B34F-9D3FE27FDD3F}"/>
+              </a:ext>
+            </a:extLst>
+          </p:cNvPr>
+          <p:cNvSpPr>
+            <a:spLocks noGrp="1"/>
+          </p:cNvSpPr>
+          <p:nvPr>
+            <p:ph type="title"/>
           </p:nvPr>
         </p:nvSpPr>
         <p:spPr/>
@@ -5568,43 +7396,139 @@
           <a:p>
             <a:r>
               <a:rPr lang="fr-FR" dirty="0"/>
-              <a:t>Bilan - Améliorations</a:t>
-            </a:r>
-          </a:p>
-        </p:txBody>
-      </p:sp>
-      <p:sp>
-        <p:nvSpPr>
-          <p:cNvPr id="3" name="Sous-titre 2">
-            <a:extLst>
-              <a:ext uri="{FF2B5EF4-FFF2-40B4-BE49-F238E27FC236}">
-                <a16:creationId xmlns:a16="http://schemas.microsoft.com/office/drawing/2014/main" id="{E94161E1-DA60-467F-A050-AE23BCE6E324}"/>
-              </a:ext>
-            </a:extLst>
-          </p:cNvPr>
-          <p:cNvSpPr>
-            <a:spLocks noGrp="1"/>
-          </p:cNvSpPr>
-          <p:nvPr>
-            <p:ph type="subTitle" idx="1"/>
-          </p:nvPr>
-        </p:nvSpPr>
-        <p:spPr/>
-        <p:txBody>
-          <a:bodyPr/>
-          <a:lstStyle/>
-          <a:p>
-            <a:r>
-              <a:rPr lang="fr-FR" dirty="0"/>
-              <a:t>Site web</a:t>
-            </a:r>
-          </a:p>
-        </p:txBody>
-      </p:sp>
+              <a:t>Bouton</a:t>
+            </a:r>
+          </a:p>
+        </p:txBody>
+      </p:sp>
+      <p:sp>
+        <p:nvSpPr>
+          <p:cNvPr id="3" name="Espace réservé du numéro de diapositive 2">
+            <a:extLst>
+              <a:ext uri="{FF2B5EF4-FFF2-40B4-BE49-F238E27FC236}">
+                <a16:creationId xmlns:a16="http://schemas.microsoft.com/office/drawing/2014/main" id="{6D2ECA22-2260-4372-BF98-96188A0EF0C9}"/>
+              </a:ext>
+            </a:extLst>
+          </p:cNvPr>
+          <p:cNvSpPr>
+            <a:spLocks noGrp="1"/>
+          </p:cNvSpPr>
+          <p:nvPr>
+            <p:ph type="sldNum" sz="quarter" idx="12"/>
+          </p:nvPr>
+        </p:nvSpPr>
+        <p:spPr/>
+        <p:txBody>
+          <a:bodyPr/>
+          <a:lstStyle/>
+          <a:p>
+            <a:fld id="{76CE9906-4B67-49DF-A550-FF0E09CEFF0C}" type="slidenum">
+              <a:rPr lang="fr-FR" smtClean="0"/>
+              <a:t>28</a:t>
+            </a:fld>
+            <a:endParaRPr lang="fr-FR" dirty="0"/>
+          </a:p>
+        </p:txBody>
+      </p:sp>
+      <p:sp>
+        <p:nvSpPr>
+          <p:cNvPr id="5" name="Espace réservé du pied de page 4">
+            <a:extLst>
+              <a:ext uri="{FF2B5EF4-FFF2-40B4-BE49-F238E27FC236}">
+                <a16:creationId xmlns:a16="http://schemas.microsoft.com/office/drawing/2014/main" id="{5A4646D1-ADE2-49BC-AD82-61B35DF3B7C2}"/>
+              </a:ext>
+            </a:extLst>
+          </p:cNvPr>
+          <p:cNvSpPr>
+            <a:spLocks noGrp="1"/>
+          </p:cNvSpPr>
+          <p:nvPr>
+            <p:ph type="ftr" sz="quarter" idx="11"/>
+          </p:nvPr>
+        </p:nvSpPr>
+        <p:spPr/>
+        <p:txBody>
+          <a:bodyPr/>
+          <a:lstStyle/>
+          <a:p>
+            <a:r>
+              <a:rPr lang="fr-FR">
+                <a:solidFill>
+                  <a:srgbClr val="C00000"/>
+                </a:solidFill>
+              </a:rPr>
+              <a:t>Mohamed Boukhtam et Stanislas Medrano</a:t>
+            </a:r>
+            <a:endParaRPr lang="fr-FR" dirty="0"/>
+          </a:p>
+        </p:txBody>
+      </p:sp>
+      <p:pic>
+        <p:nvPicPr>
+          <p:cNvPr id="8" name="Espace réservé du contenu 7">
+            <a:extLst>
+              <a:ext uri="{FF2B5EF4-FFF2-40B4-BE49-F238E27FC236}">
+                <a16:creationId xmlns:a16="http://schemas.microsoft.com/office/drawing/2014/main" id="{55A013DD-5D2F-4DA4-9CA1-5395579E9ACA}"/>
+              </a:ext>
+            </a:extLst>
+          </p:cNvPr>
+          <p:cNvPicPr>
+            <a:picLocks noGrp="1" noChangeAspect="1"/>
+          </p:cNvPicPr>
+          <p:nvPr>
+            <p:ph idx="1"/>
+          </p:nvPr>
+        </p:nvPicPr>
+        <p:blipFill>
+          <a:blip r:embed="rId2"/>
+          <a:stretch>
+            <a:fillRect/>
+          </a:stretch>
+        </p:blipFill>
+        <p:spPr>
+          <a:xfrm>
+            <a:off x="1292301" y="3079348"/>
+            <a:ext cx="10019712" cy="699304"/>
+          </a:xfrm>
+          <a:prstGeom prst="rect">
+            <a:avLst/>
+          </a:prstGeom>
+        </p:spPr>
+      </p:pic>
+      <p:pic>
+        <p:nvPicPr>
+          <p:cNvPr id="9" name="Image 8">
+            <a:extLst>
+              <a:ext uri="{FF2B5EF4-FFF2-40B4-BE49-F238E27FC236}">
+                <a16:creationId xmlns:a16="http://schemas.microsoft.com/office/drawing/2014/main" id="{81C2F9AA-3E92-418B-B4E4-DB30A6F334F6}"/>
+              </a:ext>
+            </a:extLst>
+          </p:cNvPr>
+          <p:cNvPicPr>
+            <a:picLocks noChangeAspect="1"/>
+          </p:cNvPicPr>
+          <p:nvPr/>
+        </p:nvPicPr>
+        <p:blipFill>
+          <a:blip r:embed="rId3"/>
+          <a:stretch>
+            <a:fillRect/>
+          </a:stretch>
+        </p:blipFill>
+        <p:spPr>
+          <a:xfrm>
+            <a:off x="1292300" y="2029093"/>
+            <a:ext cx="909095" cy="699304"/>
+          </a:xfrm>
+          <a:prstGeom prst="rect">
+            <a:avLst/>
+          </a:prstGeom>
+        </p:spPr>
+      </p:pic>
     </p:spTree>
     <p:extLst>
       <p:ext uri="{BB962C8B-B14F-4D97-AF65-F5344CB8AC3E}">
-        <p14:creationId xmlns:p14="http://schemas.microsoft.com/office/powerpoint/2010/main" val="3133767685"/>
+        <p14:creationId xmlns:p14="http://schemas.microsoft.com/office/powerpoint/2010/main" val="2111559160"/>
       </p:ext>
     </p:extLst>
   </p:cSld>
@@ -5614,7 +7538,7 @@
 </p:sld>
 </file>
 
-<file path=ppt/slides/slide18.xml><?xml version="1.0" encoding="utf-8"?>
+<file path=ppt/slides/slide29.xml><?xml version="1.0" encoding="utf-8"?>
 <p:sld xmlns:a="http://schemas.openxmlformats.org/drawingml/2006/main" xmlns:r="http://schemas.openxmlformats.org/officeDocument/2006/relationships" xmlns:p="http://schemas.openxmlformats.org/presentationml/2006/main">
   <p:cSld>
     <p:spTree>
@@ -5636,7 +7560,7 @@
           <p:cNvPr id="2" name="Titre 1">
             <a:extLst>
               <a:ext uri="{FF2B5EF4-FFF2-40B4-BE49-F238E27FC236}">
-                <a16:creationId xmlns:a16="http://schemas.microsoft.com/office/drawing/2014/main" id="{438EEDA2-7C80-412A-8188-469B4BA37C3E}"/>
+                <a16:creationId xmlns:a16="http://schemas.microsoft.com/office/drawing/2014/main" id="{6105FA76-BDF3-4E11-A588-15EEB3CB1D23}"/>
               </a:ext>
             </a:extLst>
           </p:cNvPr>
@@ -5654,57 +7578,49 @@
           <a:p>
             <a:r>
               <a:rPr lang="fr-FR" dirty="0"/>
-              <a:t>Améliorations</a:t>
-            </a:r>
-          </a:p>
-        </p:txBody>
-      </p:sp>
-      <p:sp>
-        <p:nvSpPr>
-          <p:cNvPr id="3" name="Espace réservé du contenu 2">
-            <a:extLst>
-              <a:ext uri="{FF2B5EF4-FFF2-40B4-BE49-F238E27FC236}">
-                <a16:creationId xmlns:a16="http://schemas.microsoft.com/office/drawing/2014/main" id="{B1C51046-97D3-463A-BC23-E4CF33428F31}"/>
-              </a:ext>
-            </a:extLst>
-          </p:cNvPr>
-          <p:cNvSpPr>
-            <a:spLocks noGrp="1"/>
-          </p:cNvSpPr>
+              <a:t>Responsive</a:t>
+            </a:r>
+          </a:p>
+        </p:txBody>
+      </p:sp>
+      <p:pic>
+        <p:nvPicPr>
+          <p:cNvPr id="6" name="Espace réservé du contenu 5">
+            <a:extLst>
+              <a:ext uri="{FF2B5EF4-FFF2-40B4-BE49-F238E27FC236}">
+                <a16:creationId xmlns:a16="http://schemas.microsoft.com/office/drawing/2014/main" id="{754CEE27-1F72-4D6E-9719-31C6F27BBDB0}"/>
+              </a:ext>
+            </a:extLst>
+          </p:cNvPr>
+          <p:cNvPicPr>
+            <a:picLocks noGrp="1" noChangeAspect="1"/>
+          </p:cNvPicPr>
           <p:nvPr>
             <p:ph idx="1"/>
           </p:nvPr>
-        </p:nvSpPr>
-        <p:spPr/>
-        <p:txBody>
-          <a:bodyPr/>
-          <a:lstStyle/>
-          <a:p>
-            <a:r>
-              <a:rPr lang="fr-FR" dirty="0"/>
-              <a:t>PHP pour prendre en compte les avis ?</a:t>
-            </a:r>
-          </a:p>
-          <a:p>
-            <a:r>
-              <a:rPr lang="fr-FR" dirty="0"/>
-              <a:t>Dynamisme du site ?</a:t>
-            </a:r>
-          </a:p>
-          <a:p>
-            <a:r>
-              <a:rPr lang="fr-FR" dirty="0"/>
-              <a:t>Plus de technique ?</a:t>
-            </a:r>
-          </a:p>
-        </p:txBody>
-      </p:sp>
+        </p:nvPicPr>
+        <p:blipFill>
+          <a:blip r:embed="rId2"/>
+          <a:stretch>
+            <a:fillRect/>
+          </a:stretch>
+        </p:blipFill>
+        <p:spPr>
+          <a:xfrm>
+            <a:off x="3747887" y="1825625"/>
+            <a:ext cx="4696226" cy="4351338"/>
+          </a:xfrm>
+          <a:prstGeom prst="rect">
+            <a:avLst/>
+          </a:prstGeom>
+        </p:spPr>
+      </p:pic>
       <p:sp>
         <p:nvSpPr>
           <p:cNvPr id="4" name="Espace réservé du pied de page 3">
             <a:extLst>
               <a:ext uri="{FF2B5EF4-FFF2-40B4-BE49-F238E27FC236}">
-                <a16:creationId xmlns:a16="http://schemas.microsoft.com/office/drawing/2014/main" id="{7216E244-7D31-4FA2-8DBD-B52FC400BA7A}"/>
+                <a16:creationId xmlns:a16="http://schemas.microsoft.com/office/drawing/2014/main" id="{2A2CD114-E683-4035-93EB-01E90B172DB8}"/>
               </a:ext>
             </a:extLst>
           </p:cNvPr>
@@ -5737,7 +7653,7 @@
           <p:cNvPr id="5" name="Espace réservé du numéro de diapositive 4">
             <a:extLst>
               <a:ext uri="{FF2B5EF4-FFF2-40B4-BE49-F238E27FC236}">
-                <a16:creationId xmlns:a16="http://schemas.microsoft.com/office/drawing/2014/main" id="{F9B943C1-D720-4119-82DD-3073AC3A9581}"/>
+                <a16:creationId xmlns:a16="http://schemas.microsoft.com/office/drawing/2014/main" id="{2C72647F-033A-4E9F-BE82-23CC00306307}"/>
               </a:ext>
             </a:extLst>
           </p:cNvPr>
@@ -5756,7 +7672,7 @@
             <a:fld id="{76CE9906-4B67-49DF-A550-FF0E09CEFF0C}" type="slidenum">
               <a:rPr lang="fr-FR" smtClean="0"/>
               <a:pPr/>
-              <a:t>18</a:t>
+              <a:t>29</a:t>
             </a:fld>
             <a:endParaRPr lang="fr-FR" dirty="0"/>
           </a:p>
@@ -5765,274 +7681,7 @@
     </p:spTree>
     <p:extLst>
       <p:ext uri="{BB962C8B-B14F-4D97-AF65-F5344CB8AC3E}">
-        <p14:creationId xmlns:p14="http://schemas.microsoft.com/office/powerpoint/2010/main" val="1533420274"/>
-      </p:ext>
-    </p:extLst>
-  </p:cSld>
-  <p:clrMapOvr>
-    <a:masterClrMapping/>
-  </p:clrMapOvr>
-</p:sld>
-</file>
-
-<file path=ppt/slides/slide19.xml><?xml version="1.0" encoding="utf-8"?>
-<p:sld xmlns:a="http://schemas.openxmlformats.org/drawingml/2006/main" xmlns:r="http://schemas.openxmlformats.org/officeDocument/2006/relationships" xmlns:p="http://schemas.openxmlformats.org/presentationml/2006/main">
-  <p:cSld>
-    <p:spTree>
-      <p:nvGrpSpPr>
-        <p:cNvPr id="1" name=""/>
-        <p:cNvGrpSpPr/>
-        <p:nvPr/>
-      </p:nvGrpSpPr>
-      <p:grpSpPr>
-        <a:xfrm>
-          <a:off x="0" y="0"/>
-          <a:ext cx="0" cy="0"/>
-          <a:chOff x="0" y="0"/>
-          <a:chExt cx="0" cy="0"/>
-        </a:xfrm>
-      </p:grpSpPr>
-      <p:sp>
-        <p:nvSpPr>
-          <p:cNvPr id="2" name="Titre 1">
-            <a:extLst>
-              <a:ext uri="{FF2B5EF4-FFF2-40B4-BE49-F238E27FC236}">
-                <a16:creationId xmlns:a16="http://schemas.microsoft.com/office/drawing/2014/main" id="{902CFF90-9C9F-4A34-BAF4-AE819F6DD808}"/>
-              </a:ext>
-            </a:extLst>
-          </p:cNvPr>
-          <p:cNvSpPr>
-            <a:spLocks noGrp="1"/>
-          </p:cNvSpPr>
-          <p:nvPr>
-            <p:ph type="ctrTitle"/>
-          </p:nvPr>
-        </p:nvSpPr>
-        <p:spPr/>
-        <p:txBody>
-          <a:bodyPr/>
-          <a:lstStyle/>
-          <a:p>
-            <a:r>
-              <a:rPr lang="fr-FR" dirty="0"/>
-              <a:t>Questions</a:t>
-            </a:r>
-          </a:p>
-        </p:txBody>
-      </p:sp>
-      <p:sp>
-        <p:nvSpPr>
-          <p:cNvPr id="3" name="Sous-titre 2">
-            <a:extLst>
-              <a:ext uri="{FF2B5EF4-FFF2-40B4-BE49-F238E27FC236}">
-                <a16:creationId xmlns:a16="http://schemas.microsoft.com/office/drawing/2014/main" id="{7F7281C3-FF2D-4F59-9FC7-B09321FF577F}"/>
-              </a:ext>
-            </a:extLst>
-          </p:cNvPr>
-          <p:cNvSpPr>
-            <a:spLocks noGrp="1"/>
-          </p:cNvSpPr>
-          <p:nvPr>
-            <p:ph type="subTitle" idx="1"/>
-          </p:nvPr>
-        </p:nvSpPr>
-        <p:spPr/>
-        <p:txBody>
-          <a:bodyPr/>
-          <a:lstStyle/>
-          <a:p>
-            <a:r>
-              <a:rPr lang="fr-FR" dirty="0"/>
-              <a:t>Merci de votre écoute !</a:t>
-            </a:r>
-          </a:p>
-        </p:txBody>
-      </p:sp>
-    </p:spTree>
-    <p:extLst>
-      <p:ext uri="{BB962C8B-B14F-4D97-AF65-F5344CB8AC3E}">
-        <p14:creationId xmlns:p14="http://schemas.microsoft.com/office/powerpoint/2010/main" val="777066624"/>
-      </p:ext>
-    </p:extLst>
-  </p:cSld>
-  <p:clrMapOvr>
-    <a:masterClrMapping/>
-  </p:clrMapOvr>
-</p:sld>
-</file>
-
-<file path=ppt/slides/slide2.xml><?xml version="1.0" encoding="utf-8"?>
-<p:sld xmlns:a="http://schemas.openxmlformats.org/drawingml/2006/main" xmlns:r="http://schemas.openxmlformats.org/officeDocument/2006/relationships" xmlns:p="http://schemas.openxmlformats.org/presentationml/2006/main">
-  <p:cSld>
-    <p:spTree>
-      <p:nvGrpSpPr>
-        <p:cNvPr id="1" name=""/>
-        <p:cNvGrpSpPr/>
-        <p:nvPr/>
-      </p:nvGrpSpPr>
-      <p:grpSpPr>
-        <a:xfrm>
-          <a:off x="0" y="0"/>
-          <a:ext cx="0" cy="0"/>
-          <a:chOff x="0" y="0"/>
-          <a:chExt cx="0" cy="0"/>
-        </a:xfrm>
-      </p:grpSpPr>
-      <p:sp>
-        <p:nvSpPr>
-          <p:cNvPr id="2" name="Titre 1">
-            <a:extLst>
-              <a:ext uri="{FF2B5EF4-FFF2-40B4-BE49-F238E27FC236}">
-                <a16:creationId xmlns:a16="http://schemas.microsoft.com/office/drawing/2014/main" id="{8AFEDAA6-41DE-4104-99A2-B990333932EF}"/>
-              </a:ext>
-            </a:extLst>
-          </p:cNvPr>
-          <p:cNvSpPr>
-            <a:spLocks noGrp="1"/>
-          </p:cNvSpPr>
-          <p:nvPr>
-            <p:ph type="title"/>
-          </p:nvPr>
-        </p:nvSpPr>
-        <p:spPr/>
-        <p:txBody>
-          <a:bodyPr/>
-          <a:lstStyle/>
-          <a:p>
-            <a:r>
-              <a:rPr lang="fr-FR" dirty="0"/>
-              <a:t>Sommaire</a:t>
-            </a:r>
-          </a:p>
-        </p:txBody>
-      </p:sp>
-      <p:sp>
-        <p:nvSpPr>
-          <p:cNvPr id="3" name="Espace réservé du contenu 2">
-            <a:extLst>
-              <a:ext uri="{FF2B5EF4-FFF2-40B4-BE49-F238E27FC236}">
-                <a16:creationId xmlns:a16="http://schemas.microsoft.com/office/drawing/2014/main" id="{FD3AB74E-D06C-4D17-AB0A-F855140AC4A0}"/>
-              </a:ext>
-            </a:extLst>
-          </p:cNvPr>
-          <p:cNvSpPr>
-            <a:spLocks noGrp="1"/>
-          </p:cNvSpPr>
-          <p:nvPr>
-            <p:ph idx="1"/>
-          </p:nvPr>
-        </p:nvSpPr>
-        <p:spPr/>
-        <p:txBody>
-          <a:bodyPr/>
-          <a:lstStyle/>
-          <a:p>
-            <a:r>
-              <a:rPr lang="fr-FR" dirty="0"/>
-              <a:t>Introduction</a:t>
-            </a:r>
-          </a:p>
-          <a:p>
-            <a:r>
-              <a:rPr lang="fr-FR" dirty="0"/>
-              <a:t>Choix de la Charte</a:t>
-            </a:r>
-          </a:p>
-          <a:p>
-            <a:r>
-              <a:rPr lang="fr-FR" dirty="0"/>
-              <a:t>Architecture</a:t>
-            </a:r>
-          </a:p>
-          <a:p>
-            <a:r>
-              <a:rPr lang="fr-FR" dirty="0"/>
-              <a:t>Organisation du travail</a:t>
-            </a:r>
-          </a:p>
-          <a:p>
-            <a:r>
-              <a:rPr lang="fr-FR" dirty="0"/>
-              <a:t>Touche Personnelle Mohamed</a:t>
-            </a:r>
-          </a:p>
-          <a:p>
-            <a:r>
-              <a:rPr lang="fr-FR" dirty="0"/>
-              <a:t>Touche Personnelle Stanislas</a:t>
-            </a:r>
-          </a:p>
-          <a:p>
-            <a:endParaRPr lang="fr-FR" dirty="0"/>
-          </a:p>
-        </p:txBody>
-      </p:sp>
-      <p:sp>
-        <p:nvSpPr>
-          <p:cNvPr id="5" name="Espace réservé du numéro de diapositive 4">
-            <a:extLst>
-              <a:ext uri="{FF2B5EF4-FFF2-40B4-BE49-F238E27FC236}">
-                <a16:creationId xmlns:a16="http://schemas.microsoft.com/office/drawing/2014/main" id="{4C91EBD7-8D9D-46A7-A90A-8F942E4D442A}"/>
-              </a:ext>
-            </a:extLst>
-          </p:cNvPr>
-          <p:cNvSpPr>
-            <a:spLocks noGrp="1"/>
-          </p:cNvSpPr>
-          <p:nvPr>
-            <p:ph type="sldNum" sz="quarter" idx="12"/>
-          </p:nvPr>
-        </p:nvSpPr>
-        <p:spPr/>
-        <p:txBody>
-          <a:bodyPr/>
-          <a:lstStyle/>
-          <a:p>
-            <a:fld id="{76CE9906-4B67-49DF-A550-FF0E09CEFF0C}" type="slidenum">
-              <a:rPr lang="fr-FR" smtClean="0"/>
-              <a:t>2</a:t>
-            </a:fld>
-            <a:endParaRPr lang="fr-FR" dirty="0"/>
-          </a:p>
-        </p:txBody>
-      </p:sp>
-      <p:sp>
-        <p:nvSpPr>
-          <p:cNvPr id="6" name="Espace réservé du pied de page 5">
-            <a:extLst>
-              <a:ext uri="{FF2B5EF4-FFF2-40B4-BE49-F238E27FC236}">
-                <a16:creationId xmlns:a16="http://schemas.microsoft.com/office/drawing/2014/main" id="{1D3B8FD9-B610-4644-A4B4-517CCBFBDF2F}"/>
-              </a:ext>
-            </a:extLst>
-          </p:cNvPr>
-          <p:cNvSpPr>
-            <a:spLocks noGrp="1"/>
-          </p:cNvSpPr>
-          <p:nvPr>
-            <p:ph type="ftr" sz="quarter" idx="11"/>
-          </p:nvPr>
-        </p:nvSpPr>
-        <p:spPr/>
-        <p:txBody>
-          <a:bodyPr/>
-          <a:lstStyle/>
-          <a:p>
-            <a:r>
-              <a:rPr lang="fr-FR">
-                <a:solidFill>
-                  <a:srgbClr val="C00000"/>
-                </a:solidFill>
-              </a:rPr>
-              <a:t>Mohamed Boukhtam et Stanislas Medrano</a:t>
-            </a:r>
-            <a:endParaRPr lang="fr-FR" dirty="0"/>
-          </a:p>
-        </p:txBody>
-      </p:sp>
-    </p:spTree>
-    <p:extLst>
-      <p:ext uri="{BB962C8B-B14F-4D97-AF65-F5344CB8AC3E}">
-        <p14:creationId xmlns:p14="http://schemas.microsoft.com/office/powerpoint/2010/main" val="2405262400"/>
+        <p14:creationId xmlns:p14="http://schemas.microsoft.com/office/powerpoint/2010/main" val="928928940"/>
       </p:ext>
     </p:extLst>
   </p:cSld>
@@ -6327,6 +7976,339 @@
 </p:sld>
 </file>
 
+<file path=ppt/slides/slide30.xml><?xml version="1.0" encoding="utf-8"?>
+<p:sld xmlns:a="http://schemas.openxmlformats.org/drawingml/2006/main" xmlns:r="http://schemas.openxmlformats.org/officeDocument/2006/relationships" xmlns:p="http://schemas.openxmlformats.org/presentationml/2006/main">
+  <p:cSld>
+    <p:spTree>
+      <p:nvGrpSpPr>
+        <p:cNvPr id="1" name=""/>
+        <p:cNvGrpSpPr/>
+        <p:nvPr/>
+      </p:nvGrpSpPr>
+      <p:grpSpPr>
+        <a:xfrm>
+          <a:off x="0" y="0"/>
+          <a:ext cx="0" cy="0"/>
+          <a:chOff x="0" y="0"/>
+          <a:chExt cx="0" cy="0"/>
+        </a:xfrm>
+      </p:grpSpPr>
+      <p:sp>
+        <p:nvSpPr>
+          <p:cNvPr id="2" name="Titre 1">
+            <a:extLst>
+              <a:ext uri="{FF2B5EF4-FFF2-40B4-BE49-F238E27FC236}">
+                <a16:creationId xmlns:a16="http://schemas.microsoft.com/office/drawing/2014/main" id="{88A40913-6640-4A0A-AF84-BC572E30B01D}"/>
+              </a:ext>
+            </a:extLst>
+          </p:cNvPr>
+          <p:cNvSpPr>
+            <a:spLocks noGrp="1"/>
+          </p:cNvSpPr>
+          <p:nvPr>
+            <p:ph type="ctrTitle"/>
+          </p:nvPr>
+        </p:nvSpPr>
+        <p:spPr/>
+        <p:txBody>
+          <a:bodyPr/>
+          <a:lstStyle/>
+          <a:p>
+            <a:r>
+              <a:rPr lang="fr-FR" dirty="0"/>
+              <a:t>Bilan - Améliorations</a:t>
+            </a:r>
+          </a:p>
+        </p:txBody>
+      </p:sp>
+      <p:sp>
+        <p:nvSpPr>
+          <p:cNvPr id="3" name="Sous-titre 2">
+            <a:extLst>
+              <a:ext uri="{FF2B5EF4-FFF2-40B4-BE49-F238E27FC236}">
+                <a16:creationId xmlns:a16="http://schemas.microsoft.com/office/drawing/2014/main" id="{E94161E1-DA60-467F-A050-AE23BCE6E324}"/>
+              </a:ext>
+            </a:extLst>
+          </p:cNvPr>
+          <p:cNvSpPr>
+            <a:spLocks noGrp="1"/>
+          </p:cNvSpPr>
+          <p:nvPr>
+            <p:ph type="subTitle" idx="1"/>
+          </p:nvPr>
+        </p:nvSpPr>
+        <p:spPr/>
+        <p:txBody>
+          <a:bodyPr/>
+          <a:lstStyle/>
+          <a:p>
+            <a:r>
+              <a:rPr lang="fr-FR" dirty="0"/>
+              <a:t>Site web</a:t>
+            </a:r>
+          </a:p>
+        </p:txBody>
+      </p:sp>
+    </p:spTree>
+    <p:extLst>
+      <p:ext uri="{BB962C8B-B14F-4D97-AF65-F5344CB8AC3E}">
+        <p14:creationId xmlns:p14="http://schemas.microsoft.com/office/powerpoint/2010/main" val="3133767685"/>
+      </p:ext>
+    </p:extLst>
+  </p:cSld>
+  <p:clrMapOvr>
+    <a:masterClrMapping/>
+  </p:clrMapOvr>
+</p:sld>
+</file>
+
+<file path=ppt/slides/slide31.xml><?xml version="1.0" encoding="utf-8"?>
+<p:sld xmlns:a="http://schemas.openxmlformats.org/drawingml/2006/main" xmlns:r="http://schemas.openxmlformats.org/officeDocument/2006/relationships" xmlns:p="http://schemas.openxmlformats.org/presentationml/2006/main">
+  <p:cSld>
+    <p:spTree>
+      <p:nvGrpSpPr>
+        <p:cNvPr id="1" name=""/>
+        <p:cNvGrpSpPr/>
+        <p:nvPr/>
+      </p:nvGrpSpPr>
+      <p:grpSpPr>
+        <a:xfrm>
+          <a:off x="0" y="0"/>
+          <a:ext cx="0" cy="0"/>
+          <a:chOff x="0" y="0"/>
+          <a:chExt cx="0" cy="0"/>
+        </a:xfrm>
+      </p:grpSpPr>
+      <p:sp>
+        <p:nvSpPr>
+          <p:cNvPr id="2" name="Titre 1">
+            <a:extLst>
+              <a:ext uri="{FF2B5EF4-FFF2-40B4-BE49-F238E27FC236}">
+                <a16:creationId xmlns:a16="http://schemas.microsoft.com/office/drawing/2014/main" id="{438EEDA2-7C80-412A-8188-469B4BA37C3E}"/>
+              </a:ext>
+            </a:extLst>
+          </p:cNvPr>
+          <p:cNvSpPr>
+            <a:spLocks noGrp="1"/>
+          </p:cNvSpPr>
+          <p:nvPr>
+            <p:ph type="title"/>
+          </p:nvPr>
+        </p:nvSpPr>
+        <p:spPr/>
+        <p:txBody>
+          <a:bodyPr/>
+          <a:lstStyle/>
+          <a:p>
+            <a:r>
+              <a:rPr lang="fr-FR" dirty="0"/>
+              <a:t>Améliorations</a:t>
+            </a:r>
+          </a:p>
+        </p:txBody>
+      </p:sp>
+      <p:sp>
+        <p:nvSpPr>
+          <p:cNvPr id="3" name="Espace réservé du contenu 2">
+            <a:extLst>
+              <a:ext uri="{FF2B5EF4-FFF2-40B4-BE49-F238E27FC236}">
+                <a16:creationId xmlns:a16="http://schemas.microsoft.com/office/drawing/2014/main" id="{B1C51046-97D3-463A-BC23-E4CF33428F31}"/>
+              </a:ext>
+            </a:extLst>
+          </p:cNvPr>
+          <p:cNvSpPr>
+            <a:spLocks noGrp="1"/>
+          </p:cNvSpPr>
+          <p:nvPr>
+            <p:ph idx="1"/>
+          </p:nvPr>
+        </p:nvSpPr>
+        <p:spPr/>
+        <p:txBody>
+          <a:bodyPr/>
+          <a:lstStyle/>
+          <a:p>
+            <a:r>
+              <a:rPr lang="fr-FR" dirty="0"/>
+              <a:t>PHP pour prendre en compte les avis ?</a:t>
+            </a:r>
+          </a:p>
+          <a:p>
+            <a:r>
+              <a:rPr lang="fr-FR" dirty="0"/>
+              <a:t>Dynamisme du site ?</a:t>
+            </a:r>
+          </a:p>
+          <a:p>
+            <a:r>
+              <a:rPr lang="fr-FR" dirty="0"/>
+              <a:t>Plus de technique ?</a:t>
+            </a:r>
+          </a:p>
+        </p:txBody>
+      </p:sp>
+      <p:sp>
+        <p:nvSpPr>
+          <p:cNvPr id="4" name="Espace réservé du pied de page 3">
+            <a:extLst>
+              <a:ext uri="{FF2B5EF4-FFF2-40B4-BE49-F238E27FC236}">
+                <a16:creationId xmlns:a16="http://schemas.microsoft.com/office/drawing/2014/main" id="{7216E244-7D31-4FA2-8DBD-B52FC400BA7A}"/>
+              </a:ext>
+            </a:extLst>
+          </p:cNvPr>
+          <p:cNvSpPr>
+            <a:spLocks noGrp="1"/>
+          </p:cNvSpPr>
+          <p:nvPr>
+            <p:ph type="ftr" sz="quarter" idx="11"/>
+          </p:nvPr>
+        </p:nvSpPr>
+        <p:spPr/>
+        <p:txBody>
+          <a:bodyPr/>
+          <a:lstStyle/>
+          <a:p>
+            <a:r>
+              <a:rPr lang="fr-FR">
+                <a:solidFill>
+                  <a:srgbClr val="C00000"/>
+                </a:solidFill>
+              </a:rPr>
+              <a:t>Mohamed Boukhtam et Stanislas Medrano</a:t>
+            </a:r>
+            <a:endParaRPr lang="fr-FR" dirty="0"/>
+          </a:p>
+        </p:txBody>
+      </p:sp>
+      <p:sp>
+        <p:nvSpPr>
+          <p:cNvPr id="5" name="Espace réservé du numéro de diapositive 4">
+            <a:extLst>
+              <a:ext uri="{FF2B5EF4-FFF2-40B4-BE49-F238E27FC236}">
+                <a16:creationId xmlns:a16="http://schemas.microsoft.com/office/drawing/2014/main" id="{F9B943C1-D720-4119-82DD-3073AC3A9581}"/>
+              </a:ext>
+            </a:extLst>
+          </p:cNvPr>
+          <p:cNvSpPr>
+            <a:spLocks noGrp="1"/>
+          </p:cNvSpPr>
+          <p:nvPr>
+            <p:ph type="sldNum" sz="quarter" idx="12"/>
+          </p:nvPr>
+        </p:nvSpPr>
+        <p:spPr/>
+        <p:txBody>
+          <a:bodyPr/>
+          <a:lstStyle/>
+          <a:p>
+            <a:fld id="{76CE9906-4B67-49DF-A550-FF0E09CEFF0C}" type="slidenum">
+              <a:rPr lang="fr-FR" smtClean="0"/>
+              <a:pPr/>
+              <a:t>31</a:t>
+            </a:fld>
+            <a:endParaRPr lang="fr-FR" dirty="0"/>
+          </a:p>
+        </p:txBody>
+      </p:sp>
+    </p:spTree>
+    <p:extLst>
+      <p:ext uri="{BB962C8B-B14F-4D97-AF65-F5344CB8AC3E}">
+        <p14:creationId xmlns:p14="http://schemas.microsoft.com/office/powerpoint/2010/main" val="1533420274"/>
+      </p:ext>
+    </p:extLst>
+  </p:cSld>
+  <p:clrMapOvr>
+    <a:masterClrMapping/>
+  </p:clrMapOvr>
+</p:sld>
+</file>
+
+<file path=ppt/slides/slide32.xml><?xml version="1.0" encoding="utf-8"?>
+<p:sld xmlns:a="http://schemas.openxmlformats.org/drawingml/2006/main" xmlns:r="http://schemas.openxmlformats.org/officeDocument/2006/relationships" xmlns:p="http://schemas.openxmlformats.org/presentationml/2006/main">
+  <p:cSld>
+    <p:spTree>
+      <p:nvGrpSpPr>
+        <p:cNvPr id="1" name=""/>
+        <p:cNvGrpSpPr/>
+        <p:nvPr/>
+      </p:nvGrpSpPr>
+      <p:grpSpPr>
+        <a:xfrm>
+          <a:off x="0" y="0"/>
+          <a:ext cx="0" cy="0"/>
+          <a:chOff x="0" y="0"/>
+          <a:chExt cx="0" cy="0"/>
+        </a:xfrm>
+      </p:grpSpPr>
+      <p:sp>
+        <p:nvSpPr>
+          <p:cNvPr id="2" name="Titre 1">
+            <a:extLst>
+              <a:ext uri="{FF2B5EF4-FFF2-40B4-BE49-F238E27FC236}">
+                <a16:creationId xmlns:a16="http://schemas.microsoft.com/office/drawing/2014/main" id="{902CFF90-9C9F-4A34-BAF4-AE819F6DD808}"/>
+              </a:ext>
+            </a:extLst>
+          </p:cNvPr>
+          <p:cNvSpPr>
+            <a:spLocks noGrp="1"/>
+          </p:cNvSpPr>
+          <p:nvPr>
+            <p:ph type="ctrTitle"/>
+          </p:nvPr>
+        </p:nvSpPr>
+        <p:spPr/>
+        <p:txBody>
+          <a:bodyPr/>
+          <a:lstStyle/>
+          <a:p>
+            <a:r>
+              <a:rPr lang="fr-FR" dirty="0"/>
+              <a:t>Questions</a:t>
+            </a:r>
+          </a:p>
+        </p:txBody>
+      </p:sp>
+      <p:sp>
+        <p:nvSpPr>
+          <p:cNvPr id="3" name="Sous-titre 2">
+            <a:extLst>
+              <a:ext uri="{FF2B5EF4-FFF2-40B4-BE49-F238E27FC236}">
+                <a16:creationId xmlns:a16="http://schemas.microsoft.com/office/drawing/2014/main" id="{7F7281C3-FF2D-4F59-9FC7-B09321FF577F}"/>
+              </a:ext>
+            </a:extLst>
+          </p:cNvPr>
+          <p:cNvSpPr>
+            <a:spLocks noGrp="1"/>
+          </p:cNvSpPr>
+          <p:nvPr>
+            <p:ph type="subTitle" idx="1"/>
+          </p:nvPr>
+        </p:nvSpPr>
+        <p:spPr/>
+        <p:txBody>
+          <a:bodyPr/>
+          <a:lstStyle/>
+          <a:p>
+            <a:r>
+              <a:rPr lang="fr-FR" dirty="0"/>
+              <a:t>Merci de votre écoute !</a:t>
+            </a:r>
+          </a:p>
+        </p:txBody>
+      </p:sp>
+    </p:spTree>
+    <p:extLst>
+      <p:ext uri="{BB962C8B-B14F-4D97-AF65-F5344CB8AC3E}">
+        <p14:creationId xmlns:p14="http://schemas.microsoft.com/office/powerpoint/2010/main" val="777066624"/>
+      </p:ext>
+    </p:extLst>
+  </p:cSld>
+  <p:clrMapOvr>
+    <a:masterClrMapping/>
+  </p:clrMapOvr>
+</p:sld>
+</file>
+
 <file path=ppt/slides/slide4.xml><?xml version="1.0" encoding="utf-8"?>
 <p:sld xmlns:a="http://schemas.openxmlformats.org/drawingml/2006/main" xmlns:r="http://schemas.openxmlformats.org/officeDocument/2006/relationships" xmlns:p="http://schemas.openxmlformats.org/presentationml/2006/main">
   <p:cSld>
@@ -6400,7 +8382,7 @@
           <a:p>
             <a:r>
               <a:rPr lang="fr-FR" dirty="0"/>
-              <a:t>Police Ubuntu </a:t>
+              <a:t>Police Ubuntu – interface sombre</a:t>
             </a:r>
           </a:p>
           <a:p>
@@ -6731,7 +8713,7 @@
           <p:cNvPr id="2" name="Titre 1">
             <a:extLst>
               <a:ext uri="{FF2B5EF4-FFF2-40B4-BE49-F238E27FC236}">
-                <a16:creationId xmlns:a16="http://schemas.microsoft.com/office/drawing/2014/main" id="{E7FD1173-F167-4DA5-8F08-0BA664800D0B}"/>
+                <a16:creationId xmlns:a16="http://schemas.microsoft.com/office/drawing/2014/main" id="{471D976A-554D-4C64-9D2C-1EFDB8784D2A}"/>
               </a:ext>
             </a:extLst>
           </p:cNvPr>
@@ -6749,17 +8731,80 @@
           <a:p>
             <a:r>
               <a:rPr lang="fr-FR" dirty="0"/>
-              <a:t>Interface Sombre</a:t>
-            </a:r>
+              <a:t>Index</a:t>
+            </a:r>
+          </a:p>
+        </p:txBody>
+      </p:sp>
+      <p:sp>
+        <p:nvSpPr>
+          <p:cNvPr id="4" name="Espace réservé du pied de page 3">
+            <a:extLst>
+              <a:ext uri="{FF2B5EF4-FFF2-40B4-BE49-F238E27FC236}">
+                <a16:creationId xmlns:a16="http://schemas.microsoft.com/office/drawing/2014/main" id="{4786DDE9-4F58-4897-A752-E65CC3294A8A}"/>
+              </a:ext>
+            </a:extLst>
+          </p:cNvPr>
+          <p:cNvSpPr>
+            <a:spLocks noGrp="1"/>
+          </p:cNvSpPr>
+          <p:nvPr>
+            <p:ph type="ftr" sz="quarter" idx="11"/>
+          </p:nvPr>
+        </p:nvSpPr>
+        <p:spPr/>
+        <p:txBody>
+          <a:bodyPr/>
+          <a:lstStyle/>
+          <a:p>
+            <a:r>
+              <a:rPr lang="fr-FR">
+                <a:solidFill>
+                  <a:srgbClr val="C00000"/>
+                </a:solidFill>
+              </a:rPr>
+              <a:t>Mohamed Boukhtam et Stanislas Medrano</a:t>
+            </a:r>
+            <a:endParaRPr lang="fr-FR" dirty="0"/>
+          </a:p>
+        </p:txBody>
+      </p:sp>
+      <p:sp>
+        <p:nvSpPr>
+          <p:cNvPr id="5" name="Espace réservé du numéro de diapositive 4">
+            <a:extLst>
+              <a:ext uri="{FF2B5EF4-FFF2-40B4-BE49-F238E27FC236}">
+                <a16:creationId xmlns:a16="http://schemas.microsoft.com/office/drawing/2014/main" id="{0054DF37-4B23-4AF6-8279-9A2543B455D6}"/>
+              </a:ext>
+            </a:extLst>
+          </p:cNvPr>
+          <p:cNvSpPr>
+            <a:spLocks noGrp="1"/>
+          </p:cNvSpPr>
+          <p:nvPr>
+            <p:ph type="sldNum" sz="quarter" idx="12"/>
+          </p:nvPr>
+        </p:nvSpPr>
+        <p:spPr/>
+        <p:txBody>
+          <a:bodyPr/>
+          <a:lstStyle/>
+          <a:p>
+            <a:fld id="{76CE9906-4B67-49DF-A550-FF0E09CEFF0C}" type="slidenum">
+              <a:rPr lang="fr-FR" smtClean="0"/>
+              <a:pPr/>
+              <a:t>6</a:t>
+            </a:fld>
+            <a:endParaRPr lang="fr-FR" dirty="0"/>
           </a:p>
         </p:txBody>
       </p:sp>
       <p:pic>
         <p:nvPicPr>
-          <p:cNvPr id="5" name="Espace réservé du contenu 4">
-            <a:extLst>
-              <a:ext uri="{FF2B5EF4-FFF2-40B4-BE49-F238E27FC236}">
-                <a16:creationId xmlns:a16="http://schemas.microsoft.com/office/drawing/2014/main" id="{ECCB4B7F-6F75-4769-9466-AAE43138949D}"/>
+          <p:cNvPr id="6" name="Espace réservé du contenu 4">
+            <a:extLst>
+              <a:ext uri="{FF2B5EF4-FFF2-40B4-BE49-F238E27FC236}">
+                <a16:creationId xmlns:a16="http://schemas.microsoft.com/office/drawing/2014/main" id="{E5C9CF3E-980A-4AA6-9B6F-462681CB2507}"/>
               </a:ext>
             </a:extLst>
           </p:cNvPr>
@@ -6778,80 +8823,18 @@
         </p:blipFill>
         <p:spPr>
           <a:xfrm>
-            <a:off x="838200" y="2063432"/>
-            <a:ext cx="10515600" cy="4196235"/>
+            <a:off x="838200" y="1826975"/>
+            <a:ext cx="10515600" cy="4348638"/>
           </a:xfrm>
           <a:prstGeom prst="rect">
             <a:avLst/>
           </a:prstGeom>
         </p:spPr>
       </p:pic>
-      <p:sp>
-        <p:nvSpPr>
-          <p:cNvPr id="3" name="Espace réservé du numéro de diapositive 2">
-            <a:extLst>
-              <a:ext uri="{FF2B5EF4-FFF2-40B4-BE49-F238E27FC236}">
-                <a16:creationId xmlns:a16="http://schemas.microsoft.com/office/drawing/2014/main" id="{A62EE2A5-01D9-4201-964A-6C234B99B0F3}"/>
-              </a:ext>
-            </a:extLst>
-          </p:cNvPr>
-          <p:cNvSpPr>
-            <a:spLocks noGrp="1"/>
-          </p:cNvSpPr>
-          <p:nvPr>
-            <p:ph type="sldNum" sz="quarter" idx="12"/>
-          </p:nvPr>
-        </p:nvSpPr>
-        <p:spPr/>
-        <p:txBody>
-          <a:bodyPr/>
-          <a:lstStyle/>
-          <a:p>
-            <a:fld id="{76CE9906-4B67-49DF-A550-FF0E09CEFF0C}" type="slidenum">
-              <a:rPr lang="fr-FR" smtClean="0"/>
-              <a:t>6</a:t>
-            </a:fld>
-            <a:endParaRPr lang="fr-FR" dirty="0"/>
-          </a:p>
-        </p:txBody>
-      </p:sp>
-      <p:sp>
-        <p:nvSpPr>
-          <p:cNvPr id="6" name="Espace réservé du pied de page 5">
-            <a:extLst>
-              <a:ext uri="{FF2B5EF4-FFF2-40B4-BE49-F238E27FC236}">
-                <a16:creationId xmlns:a16="http://schemas.microsoft.com/office/drawing/2014/main" id="{9C742228-5C8B-403A-94C2-00FF3B9D531A}"/>
-              </a:ext>
-            </a:extLst>
-          </p:cNvPr>
-          <p:cNvSpPr>
-            <a:spLocks noGrp="1"/>
-          </p:cNvSpPr>
-          <p:nvPr>
-            <p:ph type="ftr" sz="quarter" idx="11"/>
-          </p:nvPr>
-        </p:nvSpPr>
-        <p:spPr/>
-        <p:txBody>
-          <a:bodyPr/>
-          <a:lstStyle/>
-          <a:p>
-            <a:r>
-              <a:rPr lang="fr-FR">
-                <a:solidFill>
-                  <a:srgbClr val="C00000"/>
-                </a:solidFill>
-              </a:rPr>
-              <a:t>Mohamed Boukhtam et Stanislas Medrano</a:t>
-            </a:r>
-            <a:endParaRPr lang="fr-FR" dirty="0"/>
-          </a:p>
-        </p:txBody>
-      </p:sp>
     </p:spTree>
     <p:extLst>
       <p:ext uri="{BB962C8B-B14F-4D97-AF65-F5344CB8AC3E}">
-        <p14:creationId xmlns:p14="http://schemas.microsoft.com/office/powerpoint/2010/main" val="2981164749"/>
+        <p14:creationId xmlns:p14="http://schemas.microsoft.com/office/powerpoint/2010/main" val="540970170"/>
       </p:ext>
     </p:extLst>
   </p:cSld>
@@ -6878,58 +8861,130 @@
           <a:chExt cx="0" cy="0"/>
         </a:xfrm>
       </p:grpSpPr>
-      <p:sp>
-        <p:nvSpPr>
-          <p:cNvPr id="2" name="Titre 1">
-            <a:extLst>
-              <a:ext uri="{FF2B5EF4-FFF2-40B4-BE49-F238E27FC236}">
-                <a16:creationId xmlns:a16="http://schemas.microsoft.com/office/drawing/2014/main" id="{A456DACE-A172-4432-91FC-4A0AC6F3E229}"/>
-              </a:ext>
-            </a:extLst>
-          </p:cNvPr>
-          <p:cNvSpPr>
-            <a:spLocks noGrp="1"/>
-          </p:cNvSpPr>
-          <p:nvPr>
-            <p:ph type="ctrTitle"/>
-          </p:nvPr>
-        </p:nvSpPr>
-        <p:spPr/>
+      <p:pic>
+        <p:nvPicPr>
+          <p:cNvPr id="6" name="Espace réservé du contenu 5">
+            <a:extLst>
+              <a:ext uri="{FF2B5EF4-FFF2-40B4-BE49-F238E27FC236}">
+                <a16:creationId xmlns:a16="http://schemas.microsoft.com/office/drawing/2014/main" id="{2B648A74-D3F2-4B3D-87B5-43D1B4473358}"/>
+              </a:ext>
+            </a:extLst>
+          </p:cNvPr>
+          <p:cNvPicPr>
+            <a:picLocks noGrp="1" noChangeAspect="1"/>
+          </p:cNvPicPr>
+          <p:nvPr>
+            <p:ph idx="1"/>
+          </p:nvPr>
+        </p:nvPicPr>
+        <p:blipFill>
+          <a:blip r:embed="rId2"/>
+          <a:stretch>
+            <a:fillRect/>
+          </a:stretch>
+        </p:blipFill>
+        <p:spPr>
+          <a:xfrm>
+            <a:off x="734028" y="1588524"/>
+            <a:ext cx="10515600" cy="4579015"/>
+          </a:xfrm>
+          <a:prstGeom prst="rect">
+            <a:avLst/>
+          </a:prstGeom>
+        </p:spPr>
+      </p:pic>
+      <p:sp>
+        <p:nvSpPr>
+          <p:cNvPr id="4" name="Espace réservé du pied de page 3">
+            <a:extLst>
+              <a:ext uri="{FF2B5EF4-FFF2-40B4-BE49-F238E27FC236}">
+                <a16:creationId xmlns:a16="http://schemas.microsoft.com/office/drawing/2014/main" id="{C29578C4-252D-4060-9EC9-315E0D1504FA}"/>
+              </a:ext>
+            </a:extLst>
+          </p:cNvPr>
+          <p:cNvSpPr>
+            <a:spLocks noGrp="1"/>
+          </p:cNvSpPr>
+          <p:nvPr>
+            <p:ph type="ftr" sz="quarter" idx="11"/>
+          </p:nvPr>
+        </p:nvSpPr>
+        <p:spPr/>
+        <p:txBody>
+          <a:bodyPr/>
+          <a:lstStyle/>
+          <a:p>
+            <a:r>
+              <a:rPr lang="fr-FR">
+                <a:solidFill>
+                  <a:srgbClr val="C00000"/>
+                </a:solidFill>
+              </a:rPr>
+              <a:t>Mohamed Boukhtam et Stanislas Medrano</a:t>
+            </a:r>
+            <a:endParaRPr lang="fr-FR" dirty="0"/>
+          </a:p>
+        </p:txBody>
+      </p:sp>
+      <p:sp>
+        <p:nvSpPr>
+          <p:cNvPr id="5" name="Espace réservé du numéro de diapositive 4">
+            <a:extLst>
+              <a:ext uri="{FF2B5EF4-FFF2-40B4-BE49-F238E27FC236}">
+                <a16:creationId xmlns:a16="http://schemas.microsoft.com/office/drawing/2014/main" id="{09C9938C-B33C-451E-A201-162E3C7D809D}"/>
+              </a:ext>
+            </a:extLst>
+          </p:cNvPr>
+          <p:cNvSpPr>
+            <a:spLocks noGrp="1"/>
+          </p:cNvSpPr>
+          <p:nvPr>
+            <p:ph type="sldNum" sz="quarter" idx="12"/>
+          </p:nvPr>
+        </p:nvSpPr>
+        <p:spPr/>
+        <p:txBody>
+          <a:bodyPr/>
+          <a:lstStyle/>
+          <a:p>
+            <a:fld id="{76CE9906-4B67-49DF-A550-FF0E09CEFF0C}" type="slidenum">
+              <a:rPr lang="fr-FR" smtClean="0"/>
+              <a:pPr/>
+              <a:t>7</a:t>
+            </a:fld>
+            <a:endParaRPr lang="fr-FR" dirty="0"/>
+          </a:p>
+        </p:txBody>
+      </p:sp>
+      <p:sp>
+        <p:nvSpPr>
+          <p:cNvPr id="7" name="Titre 1">
+            <a:extLst>
+              <a:ext uri="{FF2B5EF4-FFF2-40B4-BE49-F238E27FC236}">
+                <a16:creationId xmlns:a16="http://schemas.microsoft.com/office/drawing/2014/main" id="{9E4DC5A7-77E3-4CF8-84BB-78604787E8BF}"/>
+              </a:ext>
+            </a:extLst>
+          </p:cNvPr>
+          <p:cNvSpPr>
+            <a:spLocks noGrp="1"/>
+          </p:cNvSpPr>
+          <p:nvPr>
+            <p:ph type="title"/>
+          </p:nvPr>
+        </p:nvSpPr>
+        <p:spPr>
+          <a:xfrm>
+            <a:off x="734028" y="353550"/>
+            <a:ext cx="10515600" cy="1325563"/>
+          </a:xfrm>
+        </p:spPr>
         <p:txBody>
           <a:bodyPr/>
           <a:lstStyle/>
           <a:p>
             <a:r>
               <a:rPr lang="fr-FR" dirty="0"/>
-              <a:t>Organisation du travail</a:t>
-            </a:r>
-          </a:p>
-        </p:txBody>
-      </p:sp>
-      <p:sp>
-        <p:nvSpPr>
-          <p:cNvPr id="3" name="Sous-titre 2">
-            <a:extLst>
-              <a:ext uri="{FF2B5EF4-FFF2-40B4-BE49-F238E27FC236}">
-                <a16:creationId xmlns:a16="http://schemas.microsoft.com/office/drawing/2014/main" id="{376415D4-945A-461B-948D-DBCFC6DDF1F7}"/>
-              </a:ext>
-            </a:extLst>
-          </p:cNvPr>
-          <p:cNvSpPr>
-            <a:spLocks noGrp="1"/>
-          </p:cNvSpPr>
-          <p:nvPr>
-            <p:ph type="subTitle" idx="1"/>
-          </p:nvPr>
-        </p:nvSpPr>
-        <p:spPr/>
-        <p:txBody>
-          <a:bodyPr/>
-          <a:lstStyle/>
-          <a:p>
-            <a:r>
-              <a:rPr lang="fr-FR" dirty="0"/>
-              <a:t>Git et GitHub</a:t>
+              <a:t>Linux</a:t>
             </a:r>
           </a:p>
         </p:txBody>
@@ -6937,7 +8992,7 @@
     </p:spTree>
     <p:extLst>
       <p:ext uri="{BB962C8B-B14F-4D97-AF65-F5344CB8AC3E}">
-        <p14:creationId xmlns:p14="http://schemas.microsoft.com/office/powerpoint/2010/main" val="885365290"/>
+        <p14:creationId xmlns:p14="http://schemas.microsoft.com/office/powerpoint/2010/main" val="1840375673"/>
       </p:ext>
     </p:extLst>
   </p:cSld>
@@ -6969,7 +9024,7 @@
           <p:cNvPr id="2" name="Titre 1">
             <a:extLst>
               <a:ext uri="{FF2B5EF4-FFF2-40B4-BE49-F238E27FC236}">
-                <a16:creationId xmlns:a16="http://schemas.microsoft.com/office/drawing/2014/main" id="{DDC690F4-5C75-4400-A7BC-16C78828FC9B}"/>
+                <a16:creationId xmlns:a16="http://schemas.microsoft.com/office/drawing/2014/main" id="{B831E035-07D4-4B67-932F-FAF7132D57CB}"/>
               </a:ext>
             </a:extLst>
           </p:cNvPr>
@@ -6987,7 +9042,7 @@
           <a:p>
             <a:r>
               <a:rPr lang="fr-FR" dirty="0"/>
-              <a:t>Git</a:t>
+              <a:t>Biographie</a:t>
             </a:r>
           </a:p>
         </p:txBody>
@@ -6997,7 +9052,7 @@
           <p:cNvPr id="6" name="Espace réservé du contenu 5">
             <a:extLst>
               <a:ext uri="{FF2B5EF4-FFF2-40B4-BE49-F238E27FC236}">
-                <a16:creationId xmlns:a16="http://schemas.microsoft.com/office/drawing/2014/main" id="{C589F0C5-C83E-4145-B6C8-E437C336A946}"/>
+                <a16:creationId xmlns:a16="http://schemas.microsoft.com/office/drawing/2014/main" id="{B0343F0D-AA7B-4CB2-A0BC-4B00A9BAA901}"/>
               </a:ext>
             </a:extLst>
           </p:cNvPr>
@@ -7016,8 +9071,8 @@
         </p:blipFill>
         <p:spPr>
           <a:xfrm>
-            <a:off x="2570349" y="1382099"/>
-            <a:ext cx="7051301" cy="4093802"/>
+            <a:off x="838200" y="1847850"/>
+            <a:ext cx="9845294" cy="4351338"/>
           </a:xfrm>
           <a:prstGeom prst="rect">
             <a:avLst/>
@@ -7029,7 +9084,7 @@
           <p:cNvPr id="4" name="Espace réservé du pied de page 3">
             <a:extLst>
               <a:ext uri="{FF2B5EF4-FFF2-40B4-BE49-F238E27FC236}">
-                <a16:creationId xmlns:a16="http://schemas.microsoft.com/office/drawing/2014/main" id="{B0F825A8-5DD8-4903-8EAD-D6686D8DE436}"/>
+                <a16:creationId xmlns:a16="http://schemas.microsoft.com/office/drawing/2014/main" id="{50AC964A-97DB-4B35-B607-057A2A43DBDB}"/>
               </a:ext>
             </a:extLst>
           </p:cNvPr>
@@ -7062,7 +9117,7 @@
           <p:cNvPr id="5" name="Espace réservé du numéro de diapositive 4">
             <a:extLst>
               <a:ext uri="{FF2B5EF4-FFF2-40B4-BE49-F238E27FC236}">
-                <a16:creationId xmlns:a16="http://schemas.microsoft.com/office/drawing/2014/main" id="{548E57C8-99CA-48FB-B850-84EF2C2E12FF}"/>
+                <a16:creationId xmlns:a16="http://schemas.microsoft.com/office/drawing/2014/main" id="{E38D9268-D4B3-47F3-BE26-5DCA3AB420B7}"/>
               </a:ext>
             </a:extLst>
           </p:cNvPr>
@@ -7090,7 +9145,7 @@
     </p:spTree>
     <p:extLst>
       <p:ext uri="{BB962C8B-B14F-4D97-AF65-F5344CB8AC3E}">
-        <p14:creationId xmlns:p14="http://schemas.microsoft.com/office/powerpoint/2010/main" val="2641700307"/>
+        <p14:creationId xmlns:p14="http://schemas.microsoft.com/office/powerpoint/2010/main" val="2470753394"/>
       </p:ext>
     </p:extLst>
   </p:cSld>
@@ -7122,7 +9177,7 @@
           <p:cNvPr id="2" name="Titre 1">
             <a:extLst>
               <a:ext uri="{FF2B5EF4-FFF2-40B4-BE49-F238E27FC236}">
-                <a16:creationId xmlns:a16="http://schemas.microsoft.com/office/drawing/2014/main" id="{B44317B8-C0D0-47C8-9F45-DEA86EA35D2B}"/>
+                <a16:creationId xmlns:a16="http://schemas.microsoft.com/office/drawing/2014/main" id="{E7FD1173-F167-4DA5-8F08-0BA664800D0B}"/>
               </a:ext>
             </a:extLst>
           </p:cNvPr>
@@ -7139,19 +9194,18 @@
           <a:lstStyle/>
           <a:p>
             <a:r>
-              <a:rPr lang="fr-FR" dirty="0" err="1"/>
-              <a:t>Github</a:t>
-            </a:r>
-            <a:endParaRPr lang="fr-FR" dirty="0"/>
+              <a:rPr lang="fr-FR" dirty="0"/>
+              <a:t>Projets</a:t>
+            </a:r>
           </a:p>
         </p:txBody>
       </p:sp>
       <p:pic>
         <p:nvPicPr>
-          <p:cNvPr id="6" name="Espace réservé du contenu 5">
-            <a:extLst>
-              <a:ext uri="{FF2B5EF4-FFF2-40B4-BE49-F238E27FC236}">
-                <a16:creationId xmlns:a16="http://schemas.microsoft.com/office/drawing/2014/main" id="{5127055D-EDEE-4D60-8902-571AFBF69080}"/>
+          <p:cNvPr id="5" name="Espace réservé du contenu 4">
+            <a:extLst>
+              <a:ext uri="{FF2B5EF4-FFF2-40B4-BE49-F238E27FC236}">
+                <a16:creationId xmlns:a16="http://schemas.microsoft.com/office/drawing/2014/main" id="{ECCB4B7F-6F75-4769-9466-AAE43138949D}"/>
               </a:ext>
             </a:extLst>
           </p:cNvPr>
@@ -7170,8 +9224,8 @@
         </p:blipFill>
         <p:spPr>
           <a:xfrm>
-            <a:off x="1252844" y="1825625"/>
-            <a:ext cx="9686311" cy="4351338"/>
+            <a:off x="838200" y="2063432"/>
+            <a:ext cx="10515600" cy="4196235"/>
           </a:xfrm>
           <a:prstGeom prst="rect">
             <a:avLst/>
@@ -7180,10 +9234,39 @@
       </p:pic>
       <p:sp>
         <p:nvSpPr>
-          <p:cNvPr id="4" name="Espace réservé du pied de page 3">
-            <a:extLst>
-              <a:ext uri="{FF2B5EF4-FFF2-40B4-BE49-F238E27FC236}">
-                <a16:creationId xmlns:a16="http://schemas.microsoft.com/office/drawing/2014/main" id="{81FDCCC1-47D5-4358-9D9F-94B77FCEC184}"/>
+          <p:cNvPr id="3" name="Espace réservé du numéro de diapositive 2">
+            <a:extLst>
+              <a:ext uri="{FF2B5EF4-FFF2-40B4-BE49-F238E27FC236}">
+                <a16:creationId xmlns:a16="http://schemas.microsoft.com/office/drawing/2014/main" id="{A62EE2A5-01D9-4201-964A-6C234B99B0F3}"/>
+              </a:ext>
+            </a:extLst>
+          </p:cNvPr>
+          <p:cNvSpPr>
+            <a:spLocks noGrp="1"/>
+          </p:cNvSpPr>
+          <p:nvPr>
+            <p:ph type="sldNum" sz="quarter" idx="12"/>
+          </p:nvPr>
+        </p:nvSpPr>
+        <p:spPr/>
+        <p:txBody>
+          <a:bodyPr/>
+          <a:lstStyle/>
+          <a:p>
+            <a:fld id="{76CE9906-4B67-49DF-A550-FF0E09CEFF0C}" type="slidenum">
+              <a:rPr lang="fr-FR" smtClean="0"/>
+              <a:t>9</a:t>
+            </a:fld>
+            <a:endParaRPr lang="fr-FR" dirty="0"/>
+          </a:p>
+        </p:txBody>
+      </p:sp>
+      <p:sp>
+        <p:nvSpPr>
+          <p:cNvPr id="6" name="Espace réservé du pied de page 5">
+            <a:extLst>
+              <a:ext uri="{FF2B5EF4-FFF2-40B4-BE49-F238E27FC236}">
+                <a16:creationId xmlns:a16="http://schemas.microsoft.com/office/drawing/2014/main" id="{9C742228-5C8B-403A-94C2-00FF3B9D531A}"/>
               </a:ext>
             </a:extLst>
           </p:cNvPr>
@@ -7211,40 +9294,10 @@
           </a:p>
         </p:txBody>
       </p:sp>
-      <p:sp>
-        <p:nvSpPr>
-          <p:cNvPr id="5" name="Espace réservé du numéro de diapositive 4">
-            <a:extLst>
-              <a:ext uri="{FF2B5EF4-FFF2-40B4-BE49-F238E27FC236}">
-                <a16:creationId xmlns:a16="http://schemas.microsoft.com/office/drawing/2014/main" id="{6F50D485-C1B4-45F2-BA5F-CED60705FA45}"/>
-              </a:ext>
-            </a:extLst>
-          </p:cNvPr>
-          <p:cNvSpPr>
-            <a:spLocks noGrp="1"/>
-          </p:cNvSpPr>
-          <p:nvPr>
-            <p:ph type="sldNum" sz="quarter" idx="12"/>
-          </p:nvPr>
-        </p:nvSpPr>
-        <p:spPr/>
-        <p:txBody>
-          <a:bodyPr/>
-          <a:lstStyle/>
-          <a:p>
-            <a:fld id="{76CE9906-4B67-49DF-A550-FF0E09CEFF0C}" type="slidenum">
-              <a:rPr lang="fr-FR" smtClean="0"/>
-              <a:pPr/>
-              <a:t>9</a:t>
-            </a:fld>
-            <a:endParaRPr lang="fr-FR" dirty="0"/>
-          </a:p>
-        </p:txBody>
-      </p:sp>
     </p:spTree>
     <p:extLst>
       <p:ext uri="{BB962C8B-B14F-4D97-AF65-F5344CB8AC3E}">
-        <p14:creationId xmlns:p14="http://schemas.microsoft.com/office/powerpoint/2010/main" val="914567290"/>
+        <p14:creationId xmlns:p14="http://schemas.microsoft.com/office/powerpoint/2010/main" val="2981164749"/>
       </p:ext>
     </p:extLst>
   </p:cSld>
